--- a/2/2_Building_your_first_website.pptx
+++ b/2/2_Building_your_first_website.pptx
@@ -6,7 +6,7 @@
     <p:sldMasterId id="2147483684" r:id="rId2"/>
   </p:sldMasterIdLst>
   <p:notesMasterIdLst>
-    <p:notesMasterId r:id="rId22"/>
+    <p:notesMasterId r:id="rId25"/>
   </p:notesMasterIdLst>
   <p:sldIdLst>
     <p:sldId id="439" r:id="rId3"/>
@@ -16,18 +16,21 @@
     <p:sldId id="478" r:id="rId7"/>
     <p:sldId id="450" r:id="rId8"/>
     <p:sldId id="452" r:id="rId9"/>
-    <p:sldId id="454" r:id="rId10"/>
+    <p:sldId id="521" r:id="rId10"/>
     <p:sldId id="453" r:id="rId11"/>
-    <p:sldId id="460" r:id="rId12"/>
-    <p:sldId id="458" r:id="rId13"/>
-    <p:sldId id="455" r:id="rId14"/>
+    <p:sldId id="458" r:id="rId12"/>
+    <p:sldId id="523" r:id="rId13"/>
+    <p:sldId id="522" r:id="rId14"/>
     <p:sldId id="456" r:id="rId15"/>
     <p:sldId id="457" r:id="rId16"/>
     <p:sldId id="498" r:id="rId17"/>
     <p:sldId id="514" r:id="rId18"/>
-    <p:sldId id="477" r:id="rId19"/>
+    <p:sldId id="520" r:id="rId19"/>
     <p:sldId id="448" r:id="rId20"/>
-    <p:sldId id="516" r:id="rId21"/>
+    <p:sldId id="517" r:id="rId21"/>
+    <p:sldId id="516" r:id="rId22"/>
+    <p:sldId id="518" r:id="rId23"/>
+    <p:sldId id="519" r:id="rId24"/>
   </p:sldIdLst>
   <p:sldSz cx="12192000" cy="6858000"/>
   <p:notesSz cx="6858000" cy="9144000"/>
@@ -142,11 +145,11 @@
             <p14:sldId id="478"/>
             <p14:sldId id="450"/>
             <p14:sldId id="452"/>
-            <p14:sldId id="454"/>
+            <p14:sldId id="521"/>
             <p14:sldId id="453"/>
-            <p14:sldId id="460"/>
             <p14:sldId id="458"/>
-            <p14:sldId id="455"/>
+            <p14:sldId id="523"/>
+            <p14:sldId id="522"/>
             <p14:sldId id="456"/>
             <p14:sldId id="457"/>
             <p14:sldId id="498"/>
@@ -155,9 +158,12 @@
         <p14:section name="Code-along" id="{1855F629-BBE8-47EF-989B-6E6343A154DA}">
           <p14:sldIdLst>
             <p14:sldId id="514"/>
-            <p14:sldId id="477"/>
+            <p14:sldId id="520"/>
             <p14:sldId id="448"/>
+            <p14:sldId id="517"/>
             <p14:sldId id="516"/>
+            <p14:sldId id="518"/>
+            <p14:sldId id="519"/>
           </p14:sldIdLst>
         </p14:section>
       </p14:sectionLst>
@@ -167,2095 +173,6 @@
     </p:ext>
   </p:extLst>
 </p:presentation>
-</file>
-
-<file path=ppt/changesInfos/changesInfo1.xml><?xml version="1.0" encoding="utf-8"?>
-<pc:chgInfo xmlns:a="http://schemas.openxmlformats.org/drawingml/2006/main" xmlns:r="http://schemas.openxmlformats.org/officeDocument/2006/relationships" xmlns:ac="http://schemas.microsoft.com/office/drawing/2013/main/command" xmlns:pc="http://schemas.microsoft.com/office/powerpoint/2013/main/command">
-  <pc:docChgLst>
-    <pc:chgData name="Dénes" userId="f3f680a857a6f265" providerId="LiveId" clId="{0ED848F9-9953-430B-B934-3774FA6ACC69}"/>
-    <pc:docChg chg="delSld modSld sldOrd delMainMaster addSection delSection modSection">
-      <pc:chgData name="Dénes" userId="f3f680a857a6f265" providerId="LiveId" clId="{0ED848F9-9953-430B-B934-3774FA6ACC69}" dt="2023-09-15T04:17:34.725" v="33" actId="17851"/>
-      <pc:docMkLst>
-        <pc:docMk/>
-      </pc:docMkLst>
-      <pc:sldChg chg="del">
-        <pc:chgData name="Dénes" userId="f3f680a857a6f265" providerId="LiveId" clId="{0ED848F9-9953-430B-B934-3774FA6ACC69}" dt="2023-09-15T04:08:15.656" v="0" actId="47"/>
-        <pc:sldMkLst>
-          <pc:docMk/>
-          <pc:sldMk cId="4268940361" sldId="258"/>
-        </pc:sldMkLst>
-      </pc:sldChg>
-      <pc:sldChg chg="del">
-        <pc:chgData name="Dénes" userId="f3f680a857a6f265" providerId="LiveId" clId="{0ED848F9-9953-430B-B934-3774FA6ACC69}" dt="2023-09-15T04:11:50.907" v="9" actId="47"/>
-        <pc:sldMkLst>
-          <pc:docMk/>
-          <pc:sldMk cId="2503547247" sldId="260"/>
-        </pc:sldMkLst>
-      </pc:sldChg>
-      <pc:sldChg chg="modSp mod">
-        <pc:chgData name="Dénes" userId="f3f680a857a6f265" providerId="LiveId" clId="{0ED848F9-9953-430B-B934-3774FA6ACC69}" dt="2023-09-15T04:12:23.764" v="13" actId="20577"/>
-        <pc:sldMkLst>
-          <pc:docMk/>
-          <pc:sldMk cId="2137618512" sldId="417"/>
-        </pc:sldMkLst>
-        <pc:spChg chg="mod">
-          <ac:chgData name="Dénes" userId="f3f680a857a6f265" providerId="LiveId" clId="{0ED848F9-9953-430B-B934-3774FA6ACC69}" dt="2023-09-15T04:12:23.764" v="13" actId="20577"/>
-          <ac:spMkLst>
-            <pc:docMk/>
-            <pc:sldMk cId="2137618512" sldId="417"/>
-            <ac:spMk id="4" creationId="{1541876F-7425-1845-8791-BABED84155E3}"/>
-          </ac:spMkLst>
-        </pc:spChg>
-      </pc:sldChg>
-      <pc:sldChg chg="del">
-        <pc:chgData name="Dénes" userId="f3f680a857a6f265" providerId="LiveId" clId="{0ED848F9-9953-430B-B934-3774FA6ACC69}" dt="2023-09-15T04:08:15.656" v="0" actId="47"/>
-        <pc:sldMkLst>
-          <pc:docMk/>
-          <pc:sldMk cId="135010846" sldId="440"/>
-        </pc:sldMkLst>
-      </pc:sldChg>
-      <pc:sldChg chg="del">
-        <pc:chgData name="Dénes" userId="f3f680a857a6f265" providerId="LiveId" clId="{0ED848F9-9953-430B-B934-3774FA6ACC69}" dt="2023-09-15T04:08:15.656" v="0" actId="47"/>
-        <pc:sldMkLst>
-          <pc:docMk/>
-          <pc:sldMk cId="2585463497" sldId="444"/>
-        </pc:sldMkLst>
-      </pc:sldChg>
-      <pc:sldChg chg="del">
-        <pc:chgData name="Dénes" userId="f3f680a857a6f265" providerId="LiveId" clId="{0ED848F9-9953-430B-B934-3774FA6ACC69}" dt="2023-09-15T04:08:15.656" v="0" actId="47"/>
-        <pc:sldMkLst>
-          <pc:docMk/>
-          <pc:sldMk cId="1555718488" sldId="445"/>
-        </pc:sldMkLst>
-      </pc:sldChg>
-      <pc:sldChg chg="del">
-        <pc:chgData name="Dénes" userId="f3f680a857a6f265" providerId="LiveId" clId="{0ED848F9-9953-430B-B934-3774FA6ACC69}" dt="2023-09-15T04:16:45.918" v="27" actId="47"/>
-        <pc:sldMkLst>
-          <pc:docMk/>
-          <pc:sldMk cId="4016547834" sldId="447"/>
-        </pc:sldMkLst>
-      </pc:sldChg>
-      <pc:sldChg chg="modSp mod ord">
-        <pc:chgData name="Dénes" userId="f3f680a857a6f265" providerId="LiveId" clId="{0ED848F9-9953-430B-B934-3774FA6ACC69}" dt="2023-09-15T04:16:18.757" v="24" actId="207"/>
-        <pc:sldMkLst>
-          <pc:docMk/>
-          <pc:sldMk cId="4069303533" sldId="448"/>
-        </pc:sldMkLst>
-        <pc:spChg chg="mod">
-          <ac:chgData name="Dénes" userId="f3f680a857a6f265" providerId="LiveId" clId="{0ED848F9-9953-430B-B934-3774FA6ACC69}" dt="2023-09-15T04:16:18.757" v="24" actId="207"/>
-          <ac:spMkLst>
-            <pc:docMk/>
-            <pc:sldMk cId="4069303533" sldId="448"/>
-            <ac:spMk id="3" creationId="{28F4464D-1CC1-4F92-88A3-886123E31DD5}"/>
-          </ac:spMkLst>
-        </pc:spChg>
-      </pc:sldChg>
-      <pc:sldChg chg="del">
-        <pc:chgData name="Dénes" userId="f3f680a857a6f265" providerId="LiveId" clId="{0ED848F9-9953-430B-B934-3774FA6ACC69}" dt="2023-09-15T04:08:15.656" v="0" actId="47"/>
-        <pc:sldMkLst>
-          <pc:docMk/>
-          <pc:sldMk cId="3414746924" sldId="462"/>
-        </pc:sldMkLst>
-      </pc:sldChg>
-      <pc:sldChg chg="del">
-        <pc:chgData name="Dénes" userId="f3f680a857a6f265" providerId="LiveId" clId="{0ED848F9-9953-430B-B934-3774FA6ACC69}" dt="2023-09-15T04:08:15.656" v="0" actId="47"/>
-        <pc:sldMkLst>
-          <pc:docMk/>
-          <pc:sldMk cId="133053604" sldId="463"/>
-        </pc:sldMkLst>
-      </pc:sldChg>
-      <pc:sldChg chg="del">
-        <pc:chgData name="Dénes" userId="f3f680a857a6f265" providerId="LiveId" clId="{0ED848F9-9953-430B-B934-3774FA6ACC69}" dt="2023-09-15T04:08:15.656" v="0" actId="47"/>
-        <pc:sldMkLst>
-          <pc:docMk/>
-          <pc:sldMk cId="2684595309" sldId="464"/>
-        </pc:sldMkLst>
-      </pc:sldChg>
-      <pc:sldChg chg="del">
-        <pc:chgData name="Dénes" userId="f3f680a857a6f265" providerId="LiveId" clId="{0ED848F9-9953-430B-B934-3774FA6ACC69}" dt="2023-09-15T04:08:15.656" v="0" actId="47"/>
-        <pc:sldMkLst>
-          <pc:docMk/>
-          <pc:sldMk cId="4050191090" sldId="466"/>
-        </pc:sldMkLst>
-      </pc:sldChg>
-      <pc:sldChg chg="del">
-        <pc:chgData name="Dénes" userId="f3f680a857a6f265" providerId="LiveId" clId="{0ED848F9-9953-430B-B934-3774FA6ACC69}" dt="2023-09-15T04:08:15.656" v="0" actId="47"/>
-        <pc:sldMkLst>
-          <pc:docMk/>
-          <pc:sldMk cId="1890040970" sldId="467"/>
-        </pc:sldMkLst>
-      </pc:sldChg>
-      <pc:sldChg chg="del">
-        <pc:chgData name="Dénes" userId="f3f680a857a6f265" providerId="LiveId" clId="{0ED848F9-9953-430B-B934-3774FA6ACC69}" dt="2023-09-15T04:08:15.656" v="0" actId="47"/>
-        <pc:sldMkLst>
-          <pc:docMk/>
-          <pc:sldMk cId="4049053884" sldId="468"/>
-        </pc:sldMkLst>
-      </pc:sldChg>
-      <pc:sldChg chg="del">
-        <pc:chgData name="Dénes" userId="f3f680a857a6f265" providerId="LiveId" clId="{0ED848F9-9953-430B-B934-3774FA6ACC69}" dt="2023-09-15T04:08:15.656" v="0" actId="47"/>
-        <pc:sldMkLst>
-          <pc:docMk/>
-          <pc:sldMk cId="478243824" sldId="469"/>
-        </pc:sldMkLst>
-      </pc:sldChg>
-      <pc:sldChg chg="del">
-        <pc:chgData name="Dénes" userId="f3f680a857a6f265" providerId="LiveId" clId="{0ED848F9-9953-430B-B934-3774FA6ACC69}" dt="2023-09-15T04:08:15.656" v="0" actId="47"/>
-        <pc:sldMkLst>
-          <pc:docMk/>
-          <pc:sldMk cId="1864349983" sldId="470"/>
-        </pc:sldMkLst>
-      </pc:sldChg>
-      <pc:sldChg chg="del">
-        <pc:chgData name="Dénes" userId="f3f680a857a6f265" providerId="LiveId" clId="{0ED848F9-9953-430B-B934-3774FA6ACC69}" dt="2023-09-15T04:08:15.656" v="0" actId="47"/>
-        <pc:sldMkLst>
-          <pc:docMk/>
-          <pc:sldMk cId="3326193554" sldId="471"/>
-        </pc:sldMkLst>
-      </pc:sldChg>
-      <pc:sldChg chg="del">
-        <pc:chgData name="Dénes" userId="f3f680a857a6f265" providerId="LiveId" clId="{0ED848F9-9953-430B-B934-3774FA6ACC69}" dt="2023-09-15T04:08:15.656" v="0" actId="47"/>
-        <pc:sldMkLst>
-          <pc:docMk/>
-          <pc:sldMk cId="913168073" sldId="474"/>
-        </pc:sldMkLst>
-      </pc:sldChg>
-      <pc:sldChg chg="del">
-        <pc:chgData name="Dénes" userId="f3f680a857a6f265" providerId="LiveId" clId="{0ED848F9-9953-430B-B934-3774FA6ACC69}" dt="2023-09-15T04:08:15.656" v="0" actId="47"/>
-        <pc:sldMkLst>
-          <pc:docMk/>
-          <pc:sldMk cId="1639673507" sldId="482"/>
-        </pc:sldMkLst>
-      </pc:sldChg>
-      <pc:sldChg chg="del">
-        <pc:chgData name="Dénes" userId="f3f680a857a6f265" providerId="LiveId" clId="{0ED848F9-9953-430B-B934-3774FA6ACC69}" dt="2023-09-15T04:16:24.651" v="25" actId="47"/>
-        <pc:sldMkLst>
-          <pc:docMk/>
-          <pc:sldMk cId="2324782681" sldId="484"/>
-        </pc:sldMkLst>
-      </pc:sldChg>
-      <pc:sldChg chg="del">
-        <pc:chgData name="Dénes" userId="f3f680a857a6f265" providerId="LiveId" clId="{0ED848F9-9953-430B-B934-3774FA6ACC69}" dt="2023-09-15T04:08:15.656" v="0" actId="47"/>
-        <pc:sldMkLst>
-          <pc:docMk/>
-          <pc:sldMk cId="4230283105" sldId="485"/>
-        </pc:sldMkLst>
-      </pc:sldChg>
-      <pc:sldChg chg="ord">
-        <pc:chgData name="Dénes" userId="f3f680a857a6f265" providerId="LiveId" clId="{0ED848F9-9953-430B-B934-3774FA6ACC69}" dt="2023-09-15T04:08:50.519" v="3"/>
-        <pc:sldMkLst>
-          <pc:docMk/>
-          <pc:sldMk cId="1374648882" sldId="486"/>
-        </pc:sldMkLst>
-      </pc:sldChg>
-      <pc:sldChg chg="del">
-        <pc:chgData name="Dénes" userId="f3f680a857a6f265" providerId="LiveId" clId="{0ED848F9-9953-430B-B934-3774FA6ACC69}" dt="2023-09-15T04:08:15.656" v="0" actId="47"/>
-        <pc:sldMkLst>
-          <pc:docMk/>
-          <pc:sldMk cId="909928843" sldId="487"/>
-        </pc:sldMkLst>
-      </pc:sldChg>
-      <pc:sldChg chg="del">
-        <pc:chgData name="Dénes" userId="f3f680a857a6f265" providerId="LiveId" clId="{0ED848F9-9953-430B-B934-3774FA6ACC69}" dt="2023-09-15T04:08:15.656" v="0" actId="47"/>
-        <pc:sldMkLst>
-          <pc:docMk/>
-          <pc:sldMk cId="2055074266" sldId="488"/>
-        </pc:sldMkLst>
-      </pc:sldChg>
-      <pc:sldChg chg="del">
-        <pc:chgData name="Dénes" userId="f3f680a857a6f265" providerId="LiveId" clId="{0ED848F9-9953-430B-B934-3774FA6ACC69}" dt="2023-09-15T04:08:15.656" v="0" actId="47"/>
-        <pc:sldMkLst>
-          <pc:docMk/>
-          <pc:sldMk cId="3093989411" sldId="489"/>
-        </pc:sldMkLst>
-      </pc:sldChg>
-      <pc:sldChg chg="del">
-        <pc:chgData name="Dénes" userId="f3f680a857a6f265" providerId="LiveId" clId="{0ED848F9-9953-430B-B934-3774FA6ACC69}" dt="2023-09-15T04:08:15.656" v="0" actId="47"/>
-        <pc:sldMkLst>
-          <pc:docMk/>
-          <pc:sldMk cId="3123482004" sldId="490"/>
-        </pc:sldMkLst>
-      </pc:sldChg>
-      <pc:sldChg chg="del">
-        <pc:chgData name="Dénes" userId="f3f680a857a6f265" providerId="LiveId" clId="{0ED848F9-9953-430B-B934-3774FA6ACC69}" dt="2023-09-15T04:08:15.656" v="0" actId="47"/>
-        <pc:sldMkLst>
-          <pc:docMk/>
-          <pc:sldMk cId="2887337742" sldId="493"/>
-        </pc:sldMkLst>
-      </pc:sldChg>
-      <pc:sldChg chg="del">
-        <pc:chgData name="Dénes" userId="f3f680a857a6f265" providerId="LiveId" clId="{0ED848F9-9953-430B-B934-3774FA6ACC69}" dt="2023-09-15T04:08:15.656" v="0" actId="47"/>
-        <pc:sldMkLst>
-          <pc:docMk/>
-          <pc:sldMk cId="4266219142" sldId="494"/>
-        </pc:sldMkLst>
-      </pc:sldChg>
-      <pc:sldChg chg="del">
-        <pc:chgData name="Dénes" userId="f3f680a857a6f265" providerId="LiveId" clId="{0ED848F9-9953-430B-B934-3774FA6ACC69}" dt="2023-09-15T04:08:15.656" v="0" actId="47"/>
-        <pc:sldMkLst>
-          <pc:docMk/>
-          <pc:sldMk cId="2880729840" sldId="495"/>
-        </pc:sldMkLst>
-      </pc:sldChg>
-      <pc:sldChg chg="del">
-        <pc:chgData name="Dénes" userId="f3f680a857a6f265" providerId="LiveId" clId="{0ED848F9-9953-430B-B934-3774FA6ACC69}" dt="2023-09-15T04:08:15.656" v="0" actId="47"/>
-        <pc:sldMkLst>
-          <pc:docMk/>
-          <pc:sldMk cId="2885453757" sldId="496"/>
-        </pc:sldMkLst>
-      </pc:sldChg>
-      <pc:sldChg chg="del">
-        <pc:chgData name="Dénes" userId="f3f680a857a6f265" providerId="LiveId" clId="{0ED848F9-9953-430B-B934-3774FA6ACC69}" dt="2023-09-15T04:11:55.158" v="10" actId="47"/>
-        <pc:sldMkLst>
-          <pc:docMk/>
-          <pc:sldMk cId="3338296468" sldId="499"/>
-        </pc:sldMkLst>
-      </pc:sldChg>
-      <pc:sldChg chg="del">
-        <pc:chgData name="Dénes" userId="f3f680a857a6f265" providerId="LiveId" clId="{0ED848F9-9953-430B-B934-3774FA6ACC69}" dt="2023-09-15T04:11:56.736" v="11" actId="47"/>
-        <pc:sldMkLst>
-          <pc:docMk/>
-          <pc:sldMk cId="3611068712" sldId="500"/>
-        </pc:sldMkLst>
-      </pc:sldChg>
-      <pc:sldChg chg="del">
-        <pc:chgData name="Dénes" userId="f3f680a857a6f265" providerId="LiveId" clId="{0ED848F9-9953-430B-B934-3774FA6ACC69}" dt="2023-09-15T04:17:05.019" v="28" actId="2696"/>
-        <pc:sldMkLst>
-          <pc:docMk/>
-          <pc:sldMk cId="322112162" sldId="511"/>
-        </pc:sldMkLst>
-      </pc:sldChg>
-      <pc:sldChg chg="del">
-        <pc:chgData name="Dénes" userId="f3f680a857a6f265" providerId="LiveId" clId="{0ED848F9-9953-430B-B934-3774FA6ACC69}" dt="2023-09-15T04:16:43.102" v="26" actId="47"/>
-        <pc:sldMkLst>
-          <pc:docMk/>
-          <pc:sldMk cId="140558339" sldId="515"/>
-        </pc:sldMkLst>
-      </pc:sldChg>
-      <pc:sldChg chg="del">
-        <pc:chgData name="Dénes" userId="f3f680a857a6f265" providerId="LiveId" clId="{0ED848F9-9953-430B-B934-3774FA6ACC69}" dt="2023-09-15T04:08:15.656" v="0" actId="47"/>
-        <pc:sldMkLst>
-          <pc:docMk/>
-          <pc:sldMk cId="710739805" sldId="517"/>
-        </pc:sldMkLst>
-      </pc:sldChg>
-      <pc:sldChg chg="del">
-        <pc:chgData name="Dénes" userId="f3f680a857a6f265" providerId="LiveId" clId="{0ED848F9-9953-430B-B934-3774FA6ACC69}" dt="2023-09-15T04:08:15.656" v="0" actId="47"/>
-        <pc:sldMkLst>
-          <pc:docMk/>
-          <pc:sldMk cId="1366609173" sldId="518"/>
-        </pc:sldMkLst>
-      </pc:sldChg>
-      <pc:sldChg chg="del">
-        <pc:chgData name="Dénes" userId="f3f680a857a6f265" providerId="LiveId" clId="{0ED848F9-9953-430B-B934-3774FA6ACC69}" dt="2023-09-15T04:08:15.656" v="0" actId="47"/>
-        <pc:sldMkLst>
-          <pc:docMk/>
-          <pc:sldMk cId="2657731013" sldId="519"/>
-        </pc:sldMkLst>
-      </pc:sldChg>
-      <pc:sldChg chg="del">
-        <pc:chgData name="Dénes" userId="f3f680a857a6f265" providerId="LiveId" clId="{0ED848F9-9953-430B-B934-3774FA6ACC69}" dt="2023-09-15T04:08:15.656" v="0" actId="47"/>
-        <pc:sldMkLst>
-          <pc:docMk/>
-          <pc:sldMk cId="1878067780" sldId="520"/>
-        </pc:sldMkLst>
-      </pc:sldChg>
-      <pc:sldChg chg="del">
-        <pc:chgData name="Dénes" userId="f3f680a857a6f265" providerId="LiveId" clId="{0ED848F9-9953-430B-B934-3774FA6ACC69}" dt="2023-09-15T04:08:15.656" v="0" actId="47"/>
-        <pc:sldMkLst>
-          <pc:docMk/>
-          <pc:sldMk cId="3836991197" sldId="521"/>
-        </pc:sldMkLst>
-      </pc:sldChg>
-      <pc:sldChg chg="del">
-        <pc:chgData name="Dénes" userId="f3f680a857a6f265" providerId="LiveId" clId="{0ED848F9-9953-430B-B934-3774FA6ACC69}" dt="2023-09-15T04:08:15.656" v="0" actId="47"/>
-        <pc:sldMkLst>
-          <pc:docMk/>
-          <pc:sldMk cId="3685525366" sldId="522"/>
-        </pc:sldMkLst>
-      </pc:sldChg>
-      <pc:sldChg chg="del">
-        <pc:chgData name="Dénes" userId="f3f680a857a6f265" providerId="LiveId" clId="{0ED848F9-9953-430B-B934-3774FA6ACC69}" dt="2023-09-15T04:08:15.656" v="0" actId="47"/>
-        <pc:sldMkLst>
-          <pc:docMk/>
-          <pc:sldMk cId="4054300989" sldId="523"/>
-        </pc:sldMkLst>
-      </pc:sldChg>
-      <pc:sldChg chg="del">
-        <pc:chgData name="Dénes" userId="f3f680a857a6f265" providerId="LiveId" clId="{0ED848F9-9953-430B-B934-3774FA6ACC69}" dt="2023-09-15T04:08:15.656" v="0" actId="47"/>
-        <pc:sldMkLst>
-          <pc:docMk/>
-          <pc:sldMk cId="1418451723" sldId="524"/>
-        </pc:sldMkLst>
-      </pc:sldChg>
-      <pc:sldChg chg="del">
-        <pc:chgData name="Dénes" userId="f3f680a857a6f265" providerId="LiveId" clId="{0ED848F9-9953-430B-B934-3774FA6ACC69}" dt="2023-09-15T04:08:15.656" v="0" actId="47"/>
-        <pc:sldMkLst>
-          <pc:docMk/>
-          <pc:sldMk cId="4140811817" sldId="525"/>
-        </pc:sldMkLst>
-      </pc:sldChg>
-      <pc:sldChg chg="del">
-        <pc:chgData name="Dénes" userId="f3f680a857a6f265" providerId="LiveId" clId="{0ED848F9-9953-430B-B934-3774FA6ACC69}" dt="2023-09-15T04:08:15.656" v="0" actId="47"/>
-        <pc:sldMkLst>
-          <pc:docMk/>
-          <pc:sldMk cId="811389124" sldId="526"/>
-        </pc:sldMkLst>
-      </pc:sldChg>
-      <pc:sldChg chg="del">
-        <pc:chgData name="Dénes" userId="f3f680a857a6f265" providerId="LiveId" clId="{0ED848F9-9953-430B-B934-3774FA6ACC69}" dt="2023-09-15T04:08:15.656" v="0" actId="47"/>
-        <pc:sldMkLst>
-          <pc:docMk/>
-          <pc:sldMk cId="2094762871" sldId="527"/>
-        </pc:sldMkLst>
-      </pc:sldChg>
-      <pc:sldChg chg="del">
-        <pc:chgData name="Dénes" userId="f3f680a857a6f265" providerId="LiveId" clId="{0ED848F9-9953-430B-B934-3774FA6ACC69}" dt="2023-09-15T04:08:15.656" v="0" actId="47"/>
-        <pc:sldMkLst>
-          <pc:docMk/>
-          <pc:sldMk cId="1371022396" sldId="528"/>
-        </pc:sldMkLst>
-      </pc:sldChg>
-      <pc:sldChg chg="del">
-        <pc:chgData name="Dénes" userId="f3f680a857a6f265" providerId="LiveId" clId="{0ED848F9-9953-430B-B934-3774FA6ACC69}" dt="2023-09-15T04:08:15.656" v="0" actId="47"/>
-        <pc:sldMkLst>
-          <pc:docMk/>
-          <pc:sldMk cId="2398204450" sldId="529"/>
-        </pc:sldMkLst>
-      </pc:sldChg>
-      <pc:sldChg chg="del">
-        <pc:chgData name="Dénes" userId="f3f680a857a6f265" providerId="LiveId" clId="{0ED848F9-9953-430B-B934-3774FA6ACC69}" dt="2023-09-15T04:08:15.656" v="0" actId="47"/>
-        <pc:sldMkLst>
-          <pc:docMk/>
-          <pc:sldMk cId="2965399229" sldId="530"/>
-        </pc:sldMkLst>
-      </pc:sldChg>
-      <pc:sldChg chg="del">
-        <pc:chgData name="Dénes" userId="f3f680a857a6f265" providerId="LiveId" clId="{0ED848F9-9953-430B-B934-3774FA6ACC69}" dt="2023-09-15T04:08:15.656" v="0" actId="47"/>
-        <pc:sldMkLst>
-          <pc:docMk/>
-          <pc:sldMk cId="3392929952" sldId="531"/>
-        </pc:sldMkLst>
-      </pc:sldChg>
-      <pc:sldChg chg="del">
-        <pc:chgData name="Dénes" userId="f3f680a857a6f265" providerId="LiveId" clId="{0ED848F9-9953-430B-B934-3774FA6ACC69}" dt="2023-09-15T04:08:15.656" v="0" actId="47"/>
-        <pc:sldMkLst>
-          <pc:docMk/>
-          <pc:sldMk cId="1999071343" sldId="532"/>
-        </pc:sldMkLst>
-      </pc:sldChg>
-      <pc:sldChg chg="del">
-        <pc:chgData name="Dénes" userId="f3f680a857a6f265" providerId="LiveId" clId="{0ED848F9-9953-430B-B934-3774FA6ACC69}" dt="2023-09-15T04:08:15.656" v="0" actId="47"/>
-        <pc:sldMkLst>
-          <pc:docMk/>
-          <pc:sldMk cId="3129685228" sldId="533"/>
-        </pc:sldMkLst>
-      </pc:sldChg>
-      <pc:sldChg chg="del">
-        <pc:chgData name="Dénes" userId="f3f680a857a6f265" providerId="LiveId" clId="{0ED848F9-9953-430B-B934-3774FA6ACC69}" dt="2023-09-15T04:08:15.656" v="0" actId="47"/>
-        <pc:sldMkLst>
-          <pc:docMk/>
-          <pc:sldMk cId="2437192248" sldId="534"/>
-        </pc:sldMkLst>
-      </pc:sldChg>
-      <pc:sldChg chg="del">
-        <pc:chgData name="Dénes" userId="f3f680a857a6f265" providerId="LiveId" clId="{0ED848F9-9953-430B-B934-3774FA6ACC69}" dt="2023-09-15T04:08:15.656" v="0" actId="47"/>
-        <pc:sldMkLst>
-          <pc:docMk/>
-          <pc:sldMk cId="629722573" sldId="535"/>
-        </pc:sldMkLst>
-      </pc:sldChg>
-      <pc:sldChg chg="del">
-        <pc:chgData name="Dénes" userId="f3f680a857a6f265" providerId="LiveId" clId="{0ED848F9-9953-430B-B934-3774FA6ACC69}" dt="2023-09-15T04:08:15.656" v="0" actId="47"/>
-        <pc:sldMkLst>
-          <pc:docMk/>
-          <pc:sldMk cId="3752307292" sldId="536"/>
-        </pc:sldMkLst>
-      </pc:sldChg>
-      <pc:sldChg chg="del">
-        <pc:chgData name="Dénes" userId="f3f680a857a6f265" providerId="LiveId" clId="{0ED848F9-9953-430B-B934-3774FA6ACC69}" dt="2023-09-15T04:08:15.656" v="0" actId="47"/>
-        <pc:sldMkLst>
-          <pc:docMk/>
-          <pc:sldMk cId="601637359" sldId="537"/>
-        </pc:sldMkLst>
-      </pc:sldChg>
-      <pc:sldChg chg="del">
-        <pc:chgData name="Dénes" userId="f3f680a857a6f265" providerId="LiveId" clId="{0ED848F9-9953-430B-B934-3774FA6ACC69}" dt="2023-09-15T04:08:15.656" v="0" actId="47"/>
-        <pc:sldMkLst>
-          <pc:docMk/>
-          <pc:sldMk cId="196971036" sldId="538"/>
-        </pc:sldMkLst>
-      </pc:sldChg>
-      <pc:sldChg chg="del">
-        <pc:chgData name="Dénes" userId="f3f680a857a6f265" providerId="LiveId" clId="{0ED848F9-9953-430B-B934-3774FA6ACC69}" dt="2023-09-15T04:08:15.656" v="0" actId="47"/>
-        <pc:sldMkLst>
-          <pc:docMk/>
-          <pc:sldMk cId="1721117172" sldId="539"/>
-        </pc:sldMkLst>
-      </pc:sldChg>
-      <pc:sldChg chg="del">
-        <pc:chgData name="Dénes" userId="f3f680a857a6f265" providerId="LiveId" clId="{0ED848F9-9953-430B-B934-3774FA6ACC69}" dt="2023-09-15T04:08:15.656" v="0" actId="47"/>
-        <pc:sldMkLst>
-          <pc:docMk/>
-          <pc:sldMk cId="2729759038" sldId="540"/>
-        </pc:sldMkLst>
-      </pc:sldChg>
-      <pc:sldChg chg="del">
-        <pc:chgData name="Dénes" userId="f3f680a857a6f265" providerId="LiveId" clId="{0ED848F9-9953-430B-B934-3774FA6ACC69}" dt="2023-09-15T04:08:15.656" v="0" actId="47"/>
-        <pc:sldMkLst>
-          <pc:docMk/>
-          <pc:sldMk cId="552342405" sldId="541"/>
-        </pc:sldMkLst>
-      </pc:sldChg>
-      <pc:sldChg chg="del">
-        <pc:chgData name="Dénes" userId="f3f680a857a6f265" providerId="LiveId" clId="{0ED848F9-9953-430B-B934-3774FA6ACC69}" dt="2023-09-15T04:08:15.656" v="0" actId="47"/>
-        <pc:sldMkLst>
-          <pc:docMk/>
-          <pc:sldMk cId="2482482272" sldId="542"/>
-        </pc:sldMkLst>
-      </pc:sldChg>
-      <pc:sldChg chg="del">
-        <pc:chgData name="Dénes" userId="f3f680a857a6f265" providerId="LiveId" clId="{0ED848F9-9953-430B-B934-3774FA6ACC69}" dt="2023-09-15T04:08:15.656" v="0" actId="47"/>
-        <pc:sldMkLst>
-          <pc:docMk/>
-          <pc:sldMk cId="518087419" sldId="543"/>
-        </pc:sldMkLst>
-      </pc:sldChg>
-      <pc:sldChg chg="del">
-        <pc:chgData name="Dénes" userId="f3f680a857a6f265" providerId="LiveId" clId="{0ED848F9-9953-430B-B934-3774FA6ACC69}" dt="2023-09-15T04:08:15.656" v="0" actId="47"/>
-        <pc:sldMkLst>
-          <pc:docMk/>
-          <pc:sldMk cId="4172299651" sldId="544"/>
-        </pc:sldMkLst>
-      </pc:sldChg>
-      <pc:sldChg chg="del">
-        <pc:chgData name="Dénes" userId="f3f680a857a6f265" providerId="LiveId" clId="{0ED848F9-9953-430B-B934-3774FA6ACC69}" dt="2023-09-15T04:08:15.656" v="0" actId="47"/>
-        <pc:sldMkLst>
-          <pc:docMk/>
-          <pc:sldMk cId="2412645442" sldId="545"/>
-        </pc:sldMkLst>
-      </pc:sldChg>
-      <pc:sldChg chg="del">
-        <pc:chgData name="Dénes" userId="f3f680a857a6f265" providerId="LiveId" clId="{0ED848F9-9953-430B-B934-3774FA6ACC69}" dt="2023-09-15T04:08:15.656" v="0" actId="47"/>
-        <pc:sldMkLst>
-          <pc:docMk/>
-          <pc:sldMk cId="1518353975" sldId="546"/>
-        </pc:sldMkLst>
-      </pc:sldChg>
-      <pc:sldChg chg="del">
-        <pc:chgData name="Dénes" userId="f3f680a857a6f265" providerId="LiveId" clId="{0ED848F9-9953-430B-B934-3774FA6ACC69}" dt="2023-09-15T04:08:15.656" v="0" actId="47"/>
-        <pc:sldMkLst>
-          <pc:docMk/>
-          <pc:sldMk cId="2301841930" sldId="547"/>
-        </pc:sldMkLst>
-      </pc:sldChg>
-      <pc:sldChg chg="del">
-        <pc:chgData name="Dénes" userId="f3f680a857a6f265" providerId="LiveId" clId="{0ED848F9-9953-430B-B934-3774FA6ACC69}" dt="2023-09-15T04:08:15.656" v="0" actId="47"/>
-        <pc:sldMkLst>
-          <pc:docMk/>
-          <pc:sldMk cId="1424321118" sldId="548"/>
-        </pc:sldMkLst>
-      </pc:sldChg>
-      <pc:sldChg chg="del">
-        <pc:chgData name="Dénes" userId="f3f680a857a6f265" providerId="LiveId" clId="{0ED848F9-9953-430B-B934-3774FA6ACC69}" dt="2023-09-15T04:08:15.656" v="0" actId="47"/>
-        <pc:sldMkLst>
-          <pc:docMk/>
-          <pc:sldMk cId="1678001719" sldId="549"/>
-        </pc:sldMkLst>
-      </pc:sldChg>
-      <pc:sldChg chg="del">
-        <pc:chgData name="Dénes" userId="f3f680a857a6f265" providerId="LiveId" clId="{0ED848F9-9953-430B-B934-3774FA6ACC69}" dt="2023-09-15T04:08:15.656" v="0" actId="47"/>
-        <pc:sldMkLst>
-          <pc:docMk/>
-          <pc:sldMk cId="141572654" sldId="550"/>
-        </pc:sldMkLst>
-      </pc:sldChg>
-      <pc:sldChg chg="del">
-        <pc:chgData name="Dénes" userId="f3f680a857a6f265" providerId="LiveId" clId="{0ED848F9-9953-430B-B934-3774FA6ACC69}" dt="2023-09-15T04:08:15.656" v="0" actId="47"/>
-        <pc:sldMkLst>
-          <pc:docMk/>
-          <pc:sldMk cId="763230674" sldId="551"/>
-        </pc:sldMkLst>
-      </pc:sldChg>
-      <pc:sldChg chg="del">
-        <pc:chgData name="Dénes" userId="f3f680a857a6f265" providerId="LiveId" clId="{0ED848F9-9953-430B-B934-3774FA6ACC69}" dt="2023-09-15T04:08:15.656" v="0" actId="47"/>
-        <pc:sldMkLst>
-          <pc:docMk/>
-          <pc:sldMk cId="1841094970" sldId="552"/>
-        </pc:sldMkLst>
-      </pc:sldChg>
-      <pc:sldChg chg="del">
-        <pc:chgData name="Dénes" userId="f3f680a857a6f265" providerId="LiveId" clId="{0ED848F9-9953-430B-B934-3774FA6ACC69}" dt="2023-09-15T04:08:15.656" v="0" actId="47"/>
-        <pc:sldMkLst>
-          <pc:docMk/>
-          <pc:sldMk cId="3533653299" sldId="553"/>
-        </pc:sldMkLst>
-      </pc:sldChg>
-      <pc:sldChg chg="del">
-        <pc:chgData name="Dénes" userId="f3f680a857a6f265" providerId="LiveId" clId="{0ED848F9-9953-430B-B934-3774FA6ACC69}" dt="2023-09-15T04:08:15.656" v="0" actId="47"/>
-        <pc:sldMkLst>
-          <pc:docMk/>
-          <pc:sldMk cId="3035066022" sldId="554"/>
-        </pc:sldMkLst>
-      </pc:sldChg>
-      <pc:sldChg chg="del">
-        <pc:chgData name="Dénes" userId="f3f680a857a6f265" providerId="LiveId" clId="{0ED848F9-9953-430B-B934-3774FA6ACC69}" dt="2023-09-15T04:08:15.656" v="0" actId="47"/>
-        <pc:sldMkLst>
-          <pc:docMk/>
-          <pc:sldMk cId="1585730633" sldId="555"/>
-        </pc:sldMkLst>
-      </pc:sldChg>
-      <pc:sldChg chg="del">
-        <pc:chgData name="Dénes" userId="f3f680a857a6f265" providerId="LiveId" clId="{0ED848F9-9953-430B-B934-3774FA6ACC69}" dt="2023-09-15T04:08:15.656" v="0" actId="47"/>
-        <pc:sldMkLst>
-          <pc:docMk/>
-          <pc:sldMk cId="421415077" sldId="556"/>
-        </pc:sldMkLst>
-      </pc:sldChg>
-      <pc:sldChg chg="del">
-        <pc:chgData name="Dénes" userId="f3f680a857a6f265" providerId="LiveId" clId="{0ED848F9-9953-430B-B934-3774FA6ACC69}" dt="2023-09-15T04:08:15.656" v="0" actId="47"/>
-        <pc:sldMkLst>
-          <pc:docMk/>
-          <pc:sldMk cId="2375528992" sldId="557"/>
-        </pc:sldMkLst>
-      </pc:sldChg>
-      <pc:sldChg chg="del">
-        <pc:chgData name="Dénes" userId="f3f680a857a6f265" providerId="LiveId" clId="{0ED848F9-9953-430B-B934-3774FA6ACC69}" dt="2023-09-15T04:08:15.656" v="0" actId="47"/>
-        <pc:sldMkLst>
-          <pc:docMk/>
-          <pc:sldMk cId="2158088739" sldId="558"/>
-        </pc:sldMkLst>
-      </pc:sldChg>
-      <pc:sldChg chg="del">
-        <pc:chgData name="Dénes" userId="f3f680a857a6f265" providerId="LiveId" clId="{0ED848F9-9953-430B-B934-3774FA6ACC69}" dt="2023-09-15T04:08:15.656" v="0" actId="47"/>
-        <pc:sldMkLst>
-          <pc:docMk/>
-          <pc:sldMk cId="3840018987" sldId="559"/>
-        </pc:sldMkLst>
-      </pc:sldChg>
-      <pc:sldChg chg="del">
-        <pc:chgData name="Dénes" userId="f3f680a857a6f265" providerId="LiveId" clId="{0ED848F9-9953-430B-B934-3774FA6ACC69}" dt="2023-09-15T04:08:15.656" v="0" actId="47"/>
-        <pc:sldMkLst>
-          <pc:docMk/>
-          <pc:sldMk cId="3938956679" sldId="560"/>
-        </pc:sldMkLst>
-      </pc:sldChg>
-      <pc:sldChg chg="del">
-        <pc:chgData name="Dénes" userId="f3f680a857a6f265" providerId="LiveId" clId="{0ED848F9-9953-430B-B934-3774FA6ACC69}" dt="2023-09-15T04:08:15.656" v="0" actId="47"/>
-        <pc:sldMkLst>
-          <pc:docMk/>
-          <pc:sldMk cId="4167726172" sldId="561"/>
-        </pc:sldMkLst>
-      </pc:sldChg>
-      <pc:sldChg chg="del">
-        <pc:chgData name="Dénes" userId="f3f680a857a6f265" providerId="LiveId" clId="{0ED848F9-9953-430B-B934-3774FA6ACC69}" dt="2023-09-15T04:08:15.656" v="0" actId="47"/>
-        <pc:sldMkLst>
-          <pc:docMk/>
-          <pc:sldMk cId="1671343610" sldId="562"/>
-        </pc:sldMkLst>
-      </pc:sldChg>
-      <pc:sldChg chg="del">
-        <pc:chgData name="Dénes" userId="f3f680a857a6f265" providerId="LiveId" clId="{0ED848F9-9953-430B-B934-3774FA6ACC69}" dt="2023-09-15T04:08:15.656" v="0" actId="47"/>
-        <pc:sldMkLst>
-          <pc:docMk/>
-          <pc:sldMk cId="2189748569" sldId="563"/>
-        </pc:sldMkLst>
-      </pc:sldChg>
-      <pc:sldChg chg="del">
-        <pc:chgData name="Dénes" userId="f3f680a857a6f265" providerId="LiveId" clId="{0ED848F9-9953-430B-B934-3774FA6ACC69}" dt="2023-09-15T04:08:15.656" v="0" actId="47"/>
-        <pc:sldMkLst>
-          <pc:docMk/>
-          <pc:sldMk cId="3044552965" sldId="564"/>
-        </pc:sldMkLst>
-      </pc:sldChg>
-      <pc:sldChg chg="del">
-        <pc:chgData name="Dénes" userId="f3f680a857a6f265" providerId="LiveId" clId="{0ED848F9-9953-430B-B934-3774FA6ACC69}" dt="2023-09-15T04:08:15.656" v="0" actId="47"/>
-        <pc:sldMkLst>
-          <pc:docMk/>
-          <pc:sldMk cId="3909984589" sldId="565"/>
-        </pc:sldMkLst>
-      </pc:sldChg>
-      <pc:sldChg chg="del">
-        <pc:chgData name="Dénes" userId="f3f680a857a6f265" providerId="LiveId" clId="{0ED848F9-9953-430B-B934-3774FA6ACC69}" dt="2023-09-15T04:08:15.656" v="0" actId="47"/>
-        <pc:sldMkLst>
-          <pc:docMk/>
-          <pc:sldMk cId="1246735829" sldId="566"/>
-        </pc:sldMkLst>
-      </pc:sldChg>
-      <pc:sldChg chg="del">
-        <pc:chgData name="Dénes" userId="f3f680a857a6f265" providerId="LiveId" clId="{0ED848F9-9953-430B-B934-3774FA6ACC69}" dt="2023-09-15T04:08:15.656" v="0" actId="47"/>
-        <pc:sldMkLst>
-          <pc:docMk/>
-          <pc:sldMk cId="2105519805" sldId="567"/>
-        </pc:sldMkLst>
-      </pc:sldChg>
-      <pc:sldChg chg="del">
-        <pc:chgData name="Dénes" userId="f3f680a857a6f265" providerId="LiveId" clId="{0ED848F9-9953-430B-B934-3774FA6ACC69}" dt="2023-09-15T04:08:15.656" v="0" actId="47"/>
-        <pc:sldMkLst>
-          <pc:docMk/>
-          <pc:sldMk cId="1058933024" sldId="568"/>
-        </pc:sldMkLst>
-      </pc:sldChg>
-      <pc:sldChg chg="del">
-        <pc:chgData name="Dénes" userId="f3f680a857a6f265" providerId="LiveId" clId="{0ED848F9-9953-430B-B934-3774FA6ACC69}" dt="2023-09-15T04:08:15.656" v="0" actId="47"/>
-        <pc:sldMkLst>
-          <pc:docMk/>
-          <pc:sldMk cId="1360297229" sldId="569"/>
-        </pc:sldMkLst>
-      </pc:sldChg>
-      <pc:sldChg chg="del">
-        <pc:chgData name="Dénes" userId="f3f680a857a6f265" providerId="LiveId" clId="{0ED848F9-9953-430B-B934-3774FA6ACC69}" dt="2023-09-15T04:08:15.656" v="0" actId="47"/>
-        <pc:sldMkLst>
-          <pc:docMk/>
-          <pc:sldMk cId="2440093772" sldId="570"/>
-        </pc:sldMkLst>
-      </pc:sldChg>
-      <pc:sldChg chg="del">
-        <pc:chgData name="Dénes" userId="f3f680a857a6f265" providerId="LiveId" clId="{0ED848F9-9953-430B-B934-3774FA6ACC69}" dt="2023-09-15T04:08:15.656" v="0" actId="47"/>
-        <pc:sldMkLst>
-          <pc:docMk/>
-          <pc:sldMk cId="1653503815" sldId="571"/>
-        </pc:sldMkLst>
-      </pc:sldChg>
-      <pc:sldChg chg="del">
-        <pc:chgData name="Dénes" userId="f3f680a857a6f265" providerId="LiveId" clId="{0ED848F9-9953-430B-B934-3774FA6ACC69}" dt="2023-09-15T04:08:15.656" v="0" actId="47"/>
-        <pc:sldMkLst>
-          <pc:docMk/>
-          <pc:sldMk cId="1098535393" sldId="572"/>
-        </pc:sldMkLst>
-      </pc:sldChg>
-      <pc:sldChg chg="del">
-        <pc:chgData name="Dénes" userId="f3f680a857a6f265" providerId="LiveId" clId="{0ED848F9-9953-430B-B934-3774FA6ACC69}" dt="2023-09-15T04:08:15.656" v="0" actId="47"/>
-        <pc:sldMkLst>
-          <pc:docMk/>
-          <pc:sldMk cId="4282864340" sldId="573"/>
-        </pc:sldMkLst>
-      </pc:sldChg>
-      <pc:sldChg chg="del">
-        <pc:chgData name="Dénes" userId="f3f680a857a6f265" providerId="LiveId" clId="{0ED848F9-9953-430B-B934-3774FA6ACC69}" dt="2023-09-15T04:08:15.656" v="0" actId="47"/>
-        <pc:sldMkLst>
-          <pc:docMk/>
-          <pc:sldMk cId="1856053704" sldId="574"/>
-        </pc:sldMkLst>
-      </pc:sldChg>
-      <pc:sldChg chg="del">
-        <pc:chgData name="Dénes" userId="f3f680a857a6f265" providerId="LiveId" clId="{0ED848F9-9953-430B-B934-3774FA6ACC69}" dt="2023-09-15T04:08:15.656" v="0" actId="47"/>
-        <pc:sldMkLst>
-          <pc:docMk/>
-          <pc:sldMk cId="966100698" sldId="575"/>
-        </pc:sldMkLst>
-      </pc:sldChg>
-      <pc:sldChg chg="del">
-        <pc:chgData name="Dénes" userId="f3f680a857a6f265" providerId="LiveId" clId="{0ED848F9-9953-430B-B934-3774FA6ACC69}" dt="2023-09-15T04:08:15.656" v="0" actId="47"/>
-        <pc:sldMkLst>
-          <pc:docMk/>
-          <pc:sldMk cId="3785251360" sldId="576"/>
-        </pc:sldMkLst>
-      </pc:sldChg>
-      <pc:sldChg chg="del">
-        <pc:chgData name="Dénes" userId="f3f680a857a6f265" providerId="LiveId" clId="{0ED848F9-9953-430B-B934-3774FA6ACC69}" dt="2023-09-15T04:08:15.656" v="0" actId="47"/>
-        <pc:sldMkLst>
-          <pc:docMk/>
-          <pc:sldMk cId="2648149650" sldId="577"/>
-        </pc:sldMkLst>
-      </pc:sldChg>
-      <pc:sldChg chg="del">
-        <pc:chgData name="Dénes" userId="f3f680a857a6f265" providerId="LiveId" clId="{0ED848F9-9953-430B-B934-3774FA6ACC69}" dt="2023-09-15T04:08:15.656" v="0" actId="47"/>
-        <pc:sldMkLst>
-          <pc:docMk/>
-          <pc:sldMk cId="4213433126" sldId="578"/>
-        </pc:sldMkLst>
-      </pc:sldChg>
-      <pc:sldChg chg="del">
-        <pc:chgData name="Dénes" userId="f3f680a857a6f265" providerId="LiveId" clId="{0ED848F9-9953-430B-B934-3774FA6ACC69}" dt="2023-09-15T04:08:15.656" v="0" actId="47"/>
-        <pc:sldMkLst>
-          <pc:docMk/>
-          <pc:sldMk cId="3234710729" sldId="579"/>
-        </pc:sldMkLst>
-      </pc:sldChg>
-      <pc:sldChg chg="del">
-        <pc:chgData name="Dénes" userId="f3f680a857a6f265" providerId="LiveId" clId="{0ED848F9-9953-430B-B934-3774FA6ACC69}" dt="2023-09-15T04:08:15.656" v="0" actId="47"/>
-        <pc:sldMkLst>
-          <pc:docMk/>
-          <pc:sldMk cId="583315060" sldId="580"/>
-        </pc:sldMkLst>
-      </pc:sldChg>
-      <pc:sldChg chg="del">
-        <pc:chgData name="Dénes" userId="f3f680a857a6f265" providerId="LiveId" clId="{0ED848F9-9953-430B-B934-3774FA6ACC69}" dt="2023-09-15T04:08:15.656" v="0" actId="47"/>
-        <pc:sldMkLst>
-          <pc:docMk/>
-          <pc:sldMk cId="72209268" sldId="581"/>
-        </pc:sldMkLst>
-      </pc:sldChg>
-      <pc:sldChg chg="del">
-        <pc:chgData name="Dénes" userId="f3f680a857a6f265" providerId="LiveId" clId="{0ED848F9-9953-430B-B934-3774FA6ACC69}" dt="2023-09-15T04:08:15.656" v="0" actId="47"/>
-        <pc:sldMkLst>
-          <pc:docMk/>
-          <pc:sldMk cId="4172022794" sldId="582"/>
-        </pc:sldMkLst>
-      </pc:sldChg>
-      <pc:sldChg chg="del">
-        <pc:chgData name="Dénes" userId="f3f680a857a6f265" providerId="LiveId" clId="{0ED848F9-9953-430B-B934-3774FA6ACC69}" dt="2023-09-15T04:08:15.656" v="0" actId="47"/>
-        <pc:sldMkLst>
-          <pc:docMk/>
-          <pc:sldMk cId="1437206304" sldId="583"/>
-        </pc:sldMkLst>
-      </pc:sldChg>
-      <pc:sldChg chg="del">
-        <pc:chgData name="Dénes" userId="f3f680a857a6f265" providerId="LiveId" clId="{0ED848F9-9953-430B-B934-3774FA6ACC69}" dt="2023-09-15T04:08:15.656" v="0" actId="47"/>
-        <pc:sldMkLst>
-          <pc:docMk/>
-          <pc:sldMk cId="472939313" sldId="584"/>
-        </pc:sldMkLst>
-      </pc:sldChg>
-      <pc:sldChg chg="del">
-        <pc:chgData name="Dénes" userId="f3f680a857a6f265" providerId="LiveId" clId="{0ED848F9-9953-430B-B934-3774FA6ACC69}" dt="2023-09-15T04:08:15.656" v="0" actId="47"/>
-        <pc:sldMkLst>
-          <pc:docMk/>
-          <pc:sldMk cId="2284599552" sldId="585"/>
-        </pc:sldMkLst>
-      </pc:sldChg>
-      <pc:sldChg chg="del">
-        <pc:chgData name="Dénes" userId="f3f680a857a6f265" providerId="LiveId" clId="{0ED848F9-9953-430B-B934-3774FA6ACC69}" dt="2023-09-15T04:08:15.656" v="0" actId="47"/>
-        <pc:sldMkLst>
-          <pc:docMk/>
-          <pc:sldMk cId="682413280" sldId="586"/>
-        </pc:sldMkLst>
-      </pc:sldChg>
-      <pc:sldChg chg="del">
-        <pc:chgData name="Dénes" userId="f3f680a857a6f265" providerId="LiveId" clId="{0ED848F9-9953-430B-B934-3774FA6ACC69}" dt="2023-09-15T04:08:15.656" v="0" actId="47"/>
-        <pc:sldMkLst>
-          <pc:docMk/>
-          <pc:sldMk cId="3293932739" sldId="587"/>
-        </pc:sldMkLst>
-      </pc:sldChg>
-      <pc:sldChg chg="del">
-        <pc:chgData name="Dénes" userId="f3f680a857a6f265" providerId="LiveId" clId="{0ED848F9-9953-430B-B934-3774FA6ACC69}" dt="2023-09-15T04:08:15.656" v="0" actId="47"/>
-        <pc:sldMkLst>
-          <pc:docMk/>
-          <pc:sldMk cId="2547450586" sldId="588"/>
-        </pc:sldMkLst>
-      </pc:sldChg>
-      <pc:sldChg chg="del">
-        <pc:chgData name="Dénes" userId="f3f680a857a6f265" providerId="LiveId" clId="{0ED848F9-9953-430B-B934-3774FA6ACC69}" dt="2023-09-15T04:08:15.656" v="0" actId="47"/>
-        <pc:sldMkLst>
-          <pc:docMk/>
-          <pc:sldMk cId="1270993883" sldId="589"/>
-        </pc:sldMkLst>
-      </pc:sldChg>
-      <pc:sldChg chg="del">
-        <pc:chgData name="Dénes" userId="f3f680a857a6f265" providerId="LiveId" clId="{0ED848F9-9953-430B-B934-3774FA6ACC69}" dt="2023-09-15T04:08:15.656" v="0" actId="47"/>
-        <pc:sldMkLst>
-          <pc:docMk/>
-          <pc:sldMk cId="3734167973" sldId="590"/>
-        </pc:sldMkLst>
-      </pc:sldChg>
-      <pc:sldChg chg="del">
-        <pc:chgData name="Dénes" userId="f3f680a857a6f265" providerId="LiveId" clId="{0ED848F9-9953-430B-B934-3774FA6ACC69}" dt="2023-09-15T04:08:15.656" v="0" actId="47"/>
-        <pc:sldMkLst>
-          <pc:docMk/>
-          <pc:sldMk cId="1911904420" sldId="591"/>
-        </pc:sldMkLst>
-      </pc:sldChg>
-      <pc:sldChg chg="del">
-        <pc:chgData name="Dénes" userId="f3f680a857a6f265" providerId="LiveId" clId="{0ED848F9-9953-430B-B934-3774FA6ACC69}" dt="2023-09-15T04:08:15.656" v="0" actId="47"/>
-        <pc:sldMkLst>
-          <pc:docMk/>
-          <pc:sldMk cId="1927289086" sldId="592"/>
-        </pc:sldMkLst>
-      </pc:sldChg>
-      <pc:sldChg chg="del">
-        <pc:chgData name="Dénes" userId="f3f680a857a6f265" providerId="LiveId" clId="{0ED848F9-9953-430B-B934-3774FA6ACC69}" dt="2023-09-15T04:08:15.656" v="0" actId="47"/>
-        <pc:sldMkLst>
-          <pc:docMk/>
-          <pc:sldMk cId="4004862871" sldId="593"/>
-        </pc:sldMkLst>
-      </pc:sldChg>
-      <pc:sldChg chg="del">
-        <pc:chgData name="Dénes" userId="f3f680a857a6f265" providerId="LiveId" clId="{0ED848F9-9953-430B-B934-3774FA6ACC69}" dt="2023-09-15T04:08:15.656" v="0" actId="47"/>
-        <pc:sldMkLst>
-          <pc:docMk/>
-          <pc:sldMk cId="2632224661" sldId="594"/>
-        </pc:sldMkLst>
-      </pc:sldChg>
-      <pc:sldChg chg="del">
-        <pc:chgData name="Dénes" userId="f3f680a857a6f265" providerId="LiveId" clId="{0ED848F9-9953-430B-B934-3774FA6ACC69}" dt="2023-09-15T04:08:15.656" v="0" actId="47"/>
-        <pc:sldMkLst>
-          <pc:docMk/>
-          <pc:sldMk cId="4094883228" sldId="595"/>
-        </pc:sldMkLst>
-      </pc:sldChg>
-      <pc:sldChg chg="del">
-        <pc:chgData name="Dénes" userId="f3f680a857a6f265" providerId="LiveId" clId="{0ED848F9-9953-430B-B934-3774FA6ACC69}" dt="2023-09-15T04:08:15.656" v="0" actId="47"/>
-        <pc:sldMkLst>
-          <pc:docMk/>
-          <pc:sldMk cId="1579085992" sldId="596"/>
-        </pc:sldMkLst>
-      </pc:sldChg>
-      <pc:sldChg chg="del">
-        <pc:chgData name="Dénes" userId="f3f680a857a6f265" providerId="LiveId" clId="{0ED848F9-9953-430B-B934-3774FA6ACC69}" dt="2023-09-15T04:08:15.656" v="0" actId="47"/>
-        <pc:sldMkLst>
-          <pc:docMk/>
-          <pc:sldMk cId="1925727134" sldId="597"/>
-        </pc:sldMkLst>
-      </pc:sldChg>
-      <pc:sldChg chg="del">
-        <pc:chgData name="Dénes" userId="f3f680a857a6f265" providerId="LiveId" clId="{0ED848F9-9953-430B-B934-3774FA6ACC69}" dt="2023-09-15T04:08:15.656" v="0" actId="47"/>
-        <pc:sldMkLst>
-          <pc:docMk/>
-          <pc:sldMk cId="3284488536" sldId="598"/>
-        </pc:sldMkLst>
-      </pc:sldChg>
-      <pc:sldChg chg="del">
-        <pc:chgData name="Dénes" userId="f3f680a857a6f265" providerId="LiveId" clId="{0ED848F9-9953-430B-B934-3774FA6ACC69}" dt="2023-09-15T04:08:15.656" v="0" actId="47"/>
-        <pc:sldMkLst>
-          <pc:docMk/>
-          <pc:sldMk cId="1956501485" sldId="599"/>
-        </pc:sldMkLst>
-      </pc:sldChg>
-      <pc:sldChg chg="del">
-        <pc:chgData name="Dénes" userId="f3f680a857a6f265" providerId="LiveId" clId="{0ED848F9-9953-430B-B934-3774FA6ACC69}" dt="2023-09-15T04:08:15.656" v="0" actId="47"/>
-        <pc:sldMkLst>
-          <pc:docMk/>
-          <pc:sldMk cId="1408728460" sldId="600"/>
-        </pc:sldMkLst>
-      </pc:sldChg>
-      <pc:sldChg chg="del">
-        <pc:chgData name="Dénes" userId="f3f680a857a6f265" providerId="LiveId" clId="{0ED848F9-9953-430B-B934-3774FA6ACC69}" dt="2023-09-15T04:08:15.656" v="0" actId="47"/>
-        <pc:sldMkLst>
-          <pc:docMk/>
-          <pc:sldMk cId="3898095728" sldId="601"/>
-        </pc:sldMkLst>
-      </pc:sldChg>
-      <pc:sldChg chg="del">
-        <pc:chgData name="Dénes" userId="f3f680a857a6f265" providerId="LiveId" clId="{0ED848F9-9953-430B-B934-3774FA6ACC69}" dt="2023-09-15T04:08:15.656" v="0" actId="47"/>
-        <pc:sldMkLst>
-          <pc:docMk/>
-          <pc:sldMk cId="1451544127" sldId="602"/>
-        </pc:sldMkLst>
-      </pc:sldChg>
-      <pc:sldChg chg="del">
-        <pc:chgData name="Dénes" userId="f3f680a857a6f265" providerId="LiveId" clId="{0ED848F9-9953-430B-B934-3774FA6ACC69}" dt="2023-09-15T04:08:15.656" v="0" actId="47"/>
-        <pc:sldMkLst>
-          <pc:docMk/>
-          <pc:sldMk cId="561152640" sldId="603"/>
-        </pc:sldMkLst>
-      </pc:sldChg>
-      <pc:sldChg chg="del">
-        <pc:chgData name="Dénes" userId="f3f680a857a6f265" providerId="LiveId" clId="{0ED848F9-9953-430B-B934-3774FA6ACC69}" dt="2023-09-15T04:08:15.656" v="0" actId="47"/>
-        <pc:sldMkLst>
-          <pc:docMk/>
-          <pc:sldMk cId="1291507706" sldId="604"/>
-        </pc:sldMkLst>
-      </pc:sldChg>
-      <pc:sldChg chg="del">
-        <pc:chgData name="Dénes" userId="f3f680a857a6f265" providerId="LiveId" clId="{0ED848F9-9953-430B-B934-3774FA6ACC69}" dt="2023-09-15T04:08:15.656" v="0" actId="47"/>
-        <pc:sldMkLst>
-          <pc:docMk/>
-          <pc:sldMk cId="4101523271" sldId="605"/>
-        </pc:sldMkLst>
-      </pc:sldChg>
-      <pc:sldChg chg="del">
-        <pc:chgData name="Dénes" userId="f3f680a857a6f265" providerId="LiveId" clId="{0ED848F9-9953-430B-B934-3774FA6ACC69}" dt="2023-09-15T04:08:15.656" v="0" actId="47"/>
-        <pc:sldMkLst>
-          <pc:docMk/>
-          <pc:sldMk cId="1340139272" sldId="606"/>
-        </pc:sldMkLst>
-      </pc:sldChg>
-      <pc:sldChg chg="del">
-        <pc:chgData name="Dénes" userId="f3f680a857a6f265" providerId="LiveId" clId="{0ED848F9-9953-430B-B934-3774FA6ACC69}" dt="2023-09-15T04:08:15.656" v="0" actId="47"/>
-        <pc:sldMkLst>
-          <pc:docMk/>
-          <pc:sldMk cId="2105655249" sldId="607"/>
-        </pc:sldMkLst>
-      </pc:sldChg>
-      <pc:sldChg chg="del">
-        <pc:chgData name="Dénes" userId="f3f680a857a6f265" providerId="LiveId" clId="{0ED848F9-9953-430B-B934-3774FA6ACC69}" dt="2023-09-15T04:08:15.656" v="0" actId="47"/>
-        <pc:sldMkLst>
-          <pc:docMk/>
-          <pc:sldMk cId="1323244745" sldId="608"/>
-        </pc:sldMkLst>
-      </pc:sldChg>
-      <pc:sldChg chg="del">
-        <pc:chgData name="Dénes" userId="f3f680a857a6f265" providerId="LiveId" clId="{0ED848F9-9953-430B-B934-3774FA6ACC69}" dt="2023-09-15T04:08:15.656" v="0" actId="47"/>
-        <pc:sldMkLst>
-          <pc:docMk/>
-          <pc:sldMk cId="708627582" sldId="609"/>
-        </pc:sldMkLst>
-      </pc:sldChg>
-      <pc:sldChg chg="del">
-        <pc:chgData name="Dénes" userId="f3f680a857a6f265" providerId="LiveId" clId="{0ED848F9-9953-430B-B934-3774FA6ACC69}" dt="2023-09-15T04:08:15.656" v="0" actId="47"/>
-        <pc:sldMkLst>
-          <pc:docMk/>
-          <pc:sldMk cId="1717226998" sldId="610"/>
-        </pc:sldMkLst>
-      </pc:sldChg>
-      <pc:sldChg chg="del">
-        <pc:chgData name="Dénes" userId="f3f680a857a6f265" providerId="LiveId" clId="{0ED848F9-9953-430B-B934-3774FA6ACC69}" dt="2023-09-15T04:08:15.656" v="0" actId="47"/>
-        <pc:sldMkLst>
-          <pc:docMk/>
-          <pc:sldMk cId="3719659140" sldId="611"/>
-        </pc:sldMkLst>
-      </pc:sldChg>
-      <pc:sldChg chg="del">
-        <pc:chgData name="Dénes" userId="f3f680a857a6f265" providerId="LiveId" clId="{0ED848F9-9953-430B-B934-3774FA6ACC69}" dt="2023-09-15T04:08:15.656" v="0" actId="47"/>
-        <pc:sldMkLst>
-          <pc:docMk/>
-          <pc:sldMk cId="2015789903" sldId="612"/>
-        </pc:sldMkLst>
-      </pc:sldChg>
-      <pc:sldChg chg="del">
-        <pc:chgData name="Dénes" userId="f3f680a857a6f265" providerId="LiveId" clId="{0ED848F9-9953-430B-B934-3774FA6ACC69}" dt="2023-09-15T04:08:15.656" v="0" actId="47"/>
-        <pc:sldMkLst>
-          <pc:docMk/>
-          <pc:sldMk cId="2220175225" sldId="613"/>
-        </pc:sldMkLst>
-      </pc:sldChg>
-      <pc:sldChg chg="del">
-        <pc:chgData name="Dénes" userId="f3f680a857a6f265" providerId="LiveId" clId="{0ED848F9-9953-430B-B934-3774FA6ACC69}" dt="2023-09-15T04:08:15.656" v="0" actId="47"/>
-        <pc:sldMkLst>
-          <pc:docMk/>
-          <pc:sldMk cId="1040875762" sldId="614"/>
-        </pc:sldMkLst>
-      </pc:sldChg>
-      <pc:sldChg chg="del">
-        <pc:chgData name="Dénes" userId="f3f680a857a6f265" providerId="LiveId" clId="{0ED848F9-9953-430B-B934-3774FA6ACC69}" dt="2023-09-15T04:08:15.656" v="0" actId="47"/>
-        <pc:sldMkLst>
-          <pc:docMk/>
-          <pc:sldMk cId="769459795" sldId="615"/>
-        </pc:sldMkLst>
-      </pc:sldChg>
-      <pc:sldChg chg="del">
-        <pc:chgData name="Dénes" userId="f3f680a857a6f265" providerId="LiveId" clId="{0ED848F9-9953-430B-B934-3774FA6ACC69}" dt="2023-09-15T04:08:15.656" v="0" actId="47"/>
-        <pc:sldMkLst>
-          <pc:docMk/>
-          <pc:sldMk cId="1194133328" sldId="616"/>
-        </pc:sldMkLst>
-      </pc:sldChg>
-      <pc:sldChg chg="del">
-        <pc:chgData name="Dénes" userId="f3f680a857a6f265" providerId="LiveId" clId="{0ED848F9-9953-430B-B934-3774FA6ACC69}" dt="2023-09-15T04:08:15.656" v="0" actId="47"/>
-        <pc:sldMkLst>
-          <pc:docMk/>
-          <pc:sldMk cId="2200687883" sldId="617"/>
-        </pc:sldMkLst>
-      </pc:sldChg>
-      <pc:sldChg chg="del">
-        <pc:chgData name="Dénes" userId="f3f680a857a6f265" providerId="LiveId" clId="{0ED848F9-9953-430B-B934-3774FA6ACC69}" dt="2023-09-15T04:08:15.656" v="0" actId="47"/>
-        <pc:sldMkLst>
-          <pc:docMk/>
-          <pc:sldMk cId="584280639" sldId="618"/>
-        </pc:sldMkLst>
-      </pc:sldChg>
-      <pc:sldChg chg="del">
-        <pc:chgData name="Dénes" userId="f3f680a857a6f265" providerId="LiveId" clId="{0ED848F9-9953-430B-B934-3774FA6ACC69}" dt="2023-09-15T04:08:15.656" v="0" actId="47"/>
-        <pc:sldMkLst>
-          <pc:docMk/>
-          <pc:sldMk cId="3227771505" sldId="619"/>
-        </pc:sldMkLst>
-      </pc:sldChg>
-      <pc:sldChg chg="del">
-        <pc:chgData name="Dénes" userId="f3f680a857a6f265" providerId="LiveId" clId="{0ED848F9-9953-430B-B934-3774FA6ACC69}" dt="2023-09-15T04:08:15.656" v="0" actId="47"/>
-        <pc:sldMkLst>
-          <pc:docMk/>
-          <pc:sldMk cId="466370481" sldId="620"/>
-        </pc:sldMkLst>
-      </pc:sldChg>
-      <pc:sldChg chg="del">
-        <pc:chgData name="Dénes" userId="f3f680a857a6f265" providerId="LiveId" clId="{0ED848F9-9953-430B-B934-3774FA6ACC69}" dt="2023-09-15T04:08:15.656" v="0" actId="47"/>
-        <pc:sldMkLst>
-          <pc:docMk/>
-          <pc:sldMk cId="3833249246" sldId="621"/>
-        </pc:sldMkLst>
-      </pc:sldChg>
-      <pc:sldChg chg="del">
-        <pc:chgData name="Dénes" userId="f3f680a857a6f265" providerId="LiveId" clId="{0ED848F9-9953-430B-B934-3774FA6ACC69}" dt="2023-09-15T04:08:15.656" v="0" actId="47"/>
-        <pc:sldMkLst>
-          <pc:docMk/>
-          <pc:sldMk cId="114301959" sldId="622"/>
-        </pc:sldMkLst>
-      </pc:sldChg>
-      <pc:sldChg chg="del">
-        <pc:chgData name="Dénes" userId="f3f680a857a6f265" providerId="LiveId" clId="{0ED848F9-9953-430B-B934-3774FA6ACC69}" dt="2023-09-15T04:08:15.656" v="0" actId="47"/>
-        <pc:sldMkLst>
-          <pc:docMk/>
-          <pc:sldMk cId="912152195" sldId="623"/>
-        </pc:sldMkLst>
-      </pc:sldChg>
-      <pc:sldChg chg="del">
-        <pc:chgData name="Dénes" userId="f3f680a857a6f265" providerId="LiveId" clId="{0ED848F9-9953-430B-B934-3774FA6ACC69}" dt="2023-09-15T04:08:15.656" v="0" actId="47"/>
-        <pc:sldMkLst>
-          <pc:docMk/>
-          <pc:sldMk cId="809455462" sldId="624"/>
-        </pc:sldMkLst>
-      </pc:sldChg>
-      <pc:sldChg chg="del">
-        <pc:chgData name="Dénes" userId="f3f680a857a6f265" providerId="LiveId" clId="{0ED848F9-9953-430B-B934-3774FA6ACC69}" dt="2023-09-15T04:08:15.656" v="0" actId="47"/>
-        <pc:sldMkLst>
-          <pc:docMk/>
-          <pc:sldMk cId="4286561978" sldId="625"/>
-        </pc:sldMkLst>
-      </pc:sldChg>
-      <pc:sldChg chg="del">
-        <pc:chgData name="Dénes" userId="f3f680a857a6f265" providerId="LiveId" clId="{0ED848F9-9953-430B-B934-3774FA6ACC69}" dt="2023-09-15T04:08:15.656" v="0" actId="47"/>
-        <pc:sldMkLst>
-          <pc:docMk/>
-          <pc:sldMk cId="2992402151" sldId="626"/>
-        </pc:sldMkLst>
-      </pc:sldChg>
-      <pc:sldChg chg="del">
-        <pc:chgData name="Dénes" userId="f3f680a857a6f265" providerId="LiveId" clId="{0ED848F9-9953-430B-B934-3774FA6ACC69}" dt="2023-09-15T04:08:15.656" v="0" actId="47"/>
-        <pc:sldMkLst>
-          <pc:docMk/>
-          <pc:sldMk cId="2894779402" sldId="627"/>
-        </pc:sldMkLst>
-      </pc:sldChg>
-      <pc:sldChg chg="del">
-        <pc:chgData name="Dénes" userId="f3f680a857a6f265" providerId="LiveId" clId="{0ED848F9-9953-430B-B934-3774FA6ACC69}" dt="2023-09-15T04:08:15.656" v="0" actId="47"/>
-        <pc:sldMkLst>
-          <pc:docMk/>
-          <pc:sldMk cId="2031287000" sldId="628"/>
-        </pc:sldMkLst>
-      </pc:sldChg>
-      <pc:sldChg chg="del">
-        <pc:chgData name="Dénes" userId="f3f680a857a6f265" providerId="LiveId" clId="{0ED848F9-9953-430B-B934-3774FA6ACC69}" dt="2023-09-15T04:08:15.656" v="0" actId="47"/>
-        <pc:sldMkLst>
-          <pc:docMk/>
-          <pc:sldMk cId="428829106" sldId="629"/>
-        </pc:sldMkLst>
-      </pc:sldChg>
-      <pc:sldChg chg="del">
-        <pc:chgData name="Dénes" userId="f3f680a857a6f265" providerId="LiveId" clId="{0ED848F9-9953-430B-B934-3774FA6ACC69}" dt="2023-09-15T04:08:15.656" v="0" actId="47"/>
-        <pc:sldMkLst>
-          <pc:docMk/>
-          <pc:sldMk cId="62589951" sldId="630"/>
-        </pc:sldMkLst>
-      </pc:sldChg>
-      <pc:sldChg chg="del">
-        <pc:chgData name="Dénes" userId="f3f680a857a6f265" providerId="LiveId" clId="{0ED848F9-9953-430B-B934-3774FA6ACC69}" dt="2023-09-15T04:08:15.656" v="0" actId="47"/>
-        <pc:sldMkLst>
-          <pc:docMk/>
-          <pc:sldMk cId="319986046" sldId="631"/>
-        </pc:sldMkLst>
-      </pc:sldChg>
-      <pc:sldChg chg="del">
-        <pc:chgData name="Dénes" userId="f3f680a857a6f265" providerId="LiveId" clId="{0ED848F9-9953-430B-B934-3774FA6ACC69}" dt="2023-09-15T04:08:15.656" v="0" actId="47"/>
-        <pc:sldMkLst>
-          <pc:docMk/>
-          <pc:sldMk cId="2244888389" sldId="632"/>
-        </pc:sldMkLst>
-      </pc:sldChg>
-      <pc:sldChg chg="del">
-        <pc:chgData name="Dénes" userId="f3f680a857a6f265" providerId="LiveId" clId="{0ED848F9-9953-430B-B934-3774FA6ACC69}" dt="2023-09-15T04:08:15.656" v="0" actId="47"/>
-        <pc:sldMkLst>
-          <pc:docMk/>
-          <pc:sldMk cId="3391237832" sldId="633"/>
-        </pc:sldMkLst>
-      </pc:sldChg>
-      <pc:sldChg chg="del">
-        <pc:chgData name="Dénes" userId="f3f680a857a6f265" providerId="LiveId" clId="{0ED848F9-9953-430B-B934-3774FA6ACC69}" dt="2023-09-15T04:08:15.656" v="0" actId="47"/>
-        <pc:sldMkLst>
-          <pc:docMk/>
-          <pc:sldMk cId="3850520625" sldId="634"/>
-        </pc:sldMkLst>
-      </pc:sldChg>
-      <pc:sldChg chg="del">
-        <pc:chgData name="Dénes" userId="f3f680a857a6f265" providerId="LiveId" clId="{0ED848F9-9953-430B-B934-3774FA6ACC69}" dt="2023-09-15T04:08:15.656" v="0" actId="47"/>
-        <pc:sldMkLst>
-          <pc:docMk/>
-          <pc:sldMk cId="674182362" sldId="635"/>
-        </pc:sldMkLst>
-      </pc:sldChg>
-      <pc:sldChg chg="del">
-        <pc:chgData name="Dénes" userId="f3f680a857a6f265" providerId="LiveId" clId="{0ED848F9-9953-430B-B934-3774FA6ACC69}" dt="2023-09-15T04:08:15.656" v="0" actId="47"/>
-        <pc:sldMkLst>
-          <pc:docMk/>
-          <pc:sldMk cId="3479913411" sldId="636"/>
-        </pc:sldMkLst>
-      </pc:sldChg>
-      <pc:sldChg chg="del">
-        <pc:chgData name="Dénes" userId="f3f680a857a6f265" providerId="LiveId" clId="{0ED848F9-9953-430B-B934-3774FA6ACC69}" dt="2023-09-15T04:08:15.656" v="0" actId="47"/>
-        <pc:sldMkLst>
-          <pc:docMk/>
-          <pc:sldMk cId="546178986" sldId="637"/>
-        </pc:sldMkLst>
-      </pc:sldChg>
-      <pc:sldChg chg="del">
-        <pc:chgData name="Dénes" userId="f3f680a857a6f265" providerId="LiveId" clId="{0ED848F9-9953-430B-B934-3774FA6ACC69}" dt="2023-09-15T04:08:15.656" v="0" actId="47"/>
-        <pc:sldMkLst>
-          <pc:docMk/>
-          <pc:sldMk cId="646541603" sldId="638"/>
-        </pc:sldMkLst>
-      </pc:sldChg>
-      <pc:sldChg chg="del">
-        <pc:chgData name="Dénes" userId="f3f680a857a6f265" providerId="LiveId" clId="{0ED848F9-9953-430B-B934-3774FA6ACC69}" dt="2023-09-15T04:08:15.656" v="0" actId="47"/>
-        <pc:sldMkLst>
-          <pc:docMk/>
-          <pc:sldMk cId="3811068638" sldId="639"/>
-        </pc:sldMkLst>
-      </pc:sldChg>
-      <pc:sldChg chg="del">
-        <pc:chgData name="Dénes" userId="f3f680a857a6f265" providerId="LiveId" clId="{0ED848F9-9953-430B-B934-3774FA6ACC69}" dt="2023-09-15T04:08:15.656" v="0" actId="47"/>
-        <pc:sldMkLst>
-          <pc:docMk/>
-          <pc:sldMk cId="1315468881" sldId="640"/>
-        </pc:sldMkLst>
-      </pc:sldChg>
-      <pc:sldChg chg="del">
-        <pc:chgData name="Dénes" userId="f3f680a857a6f265" providerId="LiveId" clId="{0ED848F9-9953-430B-B934-3774FA6ACC69}" dt="2023-09-15T04:08:15.656" v="0" actId="47"/>
-        <pc:sldMkLst>
-          <pc:docMk/>
-          <pc:sldMk cId="1420493020" sldId="641"/>
-        </pc:sldMkLst>
-      </pc:sldChg>
-      <pc:sldChg chg="del">
-        <pc:chgData name="Dénes" userId="f3f680a857a6f265" providerId="LiveId" clId="{0ED848F9-9953-430B-B934-3774FA6ACC69}" dt="2023-09-15T04:08:15.656" v="0" actId="47"/>
-        <pc:sldMkLst>
-          <pc:docMk/>
-          <pc:sldMk cId="2305325210" sldId="642"/>
-        </pc:sldMkLst>
-      </pc:sldChg>
-      <pc:sldChg chg="del">
-        <pc:chgData name="Dénes" userId="f3f680a857a6f265" providerId="LiveId" clId="{0ED848F9-9953-430B-B934-3774FA6ACC69}" dt="2023-09-15T04:08:15.656" v="0" actId="47"/>
-        <pc:sldMkLst>
-          <pc:docMk/>
-          <pc:sldMk cId="1460237070" sldId="643"/>
-        </pc:sldMkLst>
-      </pc:sldChg>
-      <pc:sldChg chg="del">
-        <pc:chgData name="Dénes" userId="f3f680a857a6f265" providerId="LiveId" clId="{0ED848F9-9953-430B-B934-3774FA6ACC69}" dt="2023-09-15T04:08:15.656" v="0" actId="47"/>
-        <pc:sldMkLst>
-          <pc:docMk/>
-          <pc:sldMk cId="2785673281" sldId="645"/>
-        </pc:sldMkLst>
-      </pc:sldChg>
-      <pc:sldChg chg="del">
-        <pc:chgData name="Dénes" userId="f3f680a857a6f265" providerId="LiveId" clId="{0ED848F9-9953-430B-B934-3774FA6ACC69}" dt="2023-09-15T04:08:15.656" v="0" actId="47"/>
-        <pc:sldMkLst>
-          <pc:docMk/>
-          <pc:sldMk cId="1034022622" sldId="646"/>
-        </pc:sldMkLst>
-      </pc:sldChg>
-      <pc:sldChg chg="del">
-        <pc:chgData name="Dénes" userId="f3f680a857a6f265" providerId="LiveId" clId="{0ED848F9-9953-430B-B934-3774FA6ACC69}" dt="2023-09-15T04:08:15.656" v="0" actId="47"/>
-        <pc:sldMkLst>
-          <pc:docMk/>
-          <pc:sldMk cId="3949465878" sldId="647"/>
-        </pc:sldMkLst>
-      </pc:sldChg>
-      <pc:sldChg chg="del">
-        <pc:chgData name="Dénes" userId="f3f680a857a6f265" providerId="LiveId" clId="{0ED848F9-9953-430B-B934-3774FA6ACC69}" dt="2023-09-15T04:08:15.656" v="0" actId="47"/>
-        <pc:sldMkLst>
-          <pc:docMk/>
-          <pc:sldMk cId="3443354086" sldId="648"/>
-        </pc:sldMkLst>
-      </pc:sldChg>
-      <pc:sldChg chg="del">
-        <pc:chgData name="Dénes" userId="f3f680a857a6f265" providerId="LiveId" clId="{0ED848F9-9953-430B-B934-3774FA6ACC69}" dt="2023-09-15T04:08:15.656" v="0" actId="47"/>
-        <pc:sldMkLst>
-          <pc:docMk/>
-          <pc:sldMk cId="1727952291" sldId="649"/>
-        </pc:sldMkLst>
-      </pc:sldChg>
-      <pc:sldChg chg="del">
-        <pc:chgData name="Dénes" userId="f3f680a857a6f265" providerId="LiveId" clId="{0ED848F9-9953-430B-B934-3774FA6ACC69}" dt="2023-09-15T04:08:15.656" v="0" actId="47"/>
-        <pc:sldMkLst>
-          <pc:docMk/>
-          <pc:sldMk cId="3554182889" sldId="650"/>
-        </pc:sldMkLst>
-      </pc:sldChg>
-      <pc:sldChg chg="del">
-        <pc:chgData name="Dénes" userId="f3f680a857a6f265" providerId="LiveId" clId="{0ED848F9-9953-430B-B934-3774FA6ACC69}" dt="2023-09-15T04:08:15.656" v="0" actId="47"/>
-        <pc:sldMkLst>
-          <pc:docMk/>
-          <pc:sldMk cId="2293894172" sldId="651"/>
-        </pc:sldMkLst>
-      </pc:sldChg>
-      <pc:sldChg chg="del">
-        <pc:chgData name="Dénes" userId="f3f680a857a6f265" providerId="LiveId" clId="{0ED848F9-9953-430B-B934-3774FA6ACC69}" dt="2023-09-15T04:08:15.656" v="0" actId="47"/>
-        <pc:sldMkLst>
-          <pc:docMk/>
-          <pc:sldMk cId="2289359540" sldId="652"/>
-        </pc:sldMkLst>
-      </pc:sldChg>
-      <pc:sldChg chg="del">
-        <pc:chgData name="Dénes" userId="f3f680a857a6f265" providerId="LiveId" clId="{0ED848F9-9953-430B-B934-3774FA6ACC69}" dt="2023-09-15T04:08:15.656" v="0" actId="47"/>
-        <pc:sldMkLst>
-          <pc:docMk/>
-          <pc:sldMk cId="2976473387" sldId="653"/>
-        </pc:sldMkLst>
-      </pc:sldChg>
-      <pc:sldChg chg="del">
-        <pc:chgData name="Dénes" userId="f3f680a857a6f265" providerId="LiveId" clId="{0ED848F9-9953-430B-B934-3774FA6ACC69}" dt="2023-09-15T04:08:15.656" v="0" actId="47"/>
-        <pc:sldMkLst>
-          <pc:docMk/>
-          <pc:sldMk cId="1698447666" sldId="654"/>
-        </pc:sldMkLst>
-      </pc:sldChg>
-      <pc:sldChg chg="del">
-        <pc:chgData name="Dénes" userId="f3f680a857a6f265" providerId="LiveId" clId="{0ED848F9-9953-430B-B934-3774FA6ACC69}" dt="2023-09-15T04:08:15.656" v="0" actId="47"/>
-        <pc:sldMkLst>
-          <pc:docMk/>
-          <pc:sldMk cId="1729896449" sldId="655"/>
-        </pc:sldMkLst>
-      </pc:sldChg>
-      <pc:sldChg chg="del">
-        <pc:chgData name="Dénes" userId="f3f680a857a6f265" providerId="LiveId" clId="{0ED848F9-9953-430B-B934-3774FA6ACC69}" dt="2023-09-15T04:08:15.656" v="0" actId="47"/>
-        <pc:sldMkLst>
-          <pc:docMk/>
-          <pc:sldMk cId="3045494086" sldId="656"/>
-        </pc:sldMkLst>
-      </pc:sldChg>
-      <pc:sldChg chg="del">
-        <pc:chgData name="Dénes" userId="f3f680a857a6f265" providerId="LiveId" clId="{0ED848F9-9953-430B-B934-3774FA6ACC69}" dt="2023-09-15T04:08:15.656" v="0" actId="47"/>
-        <pc:sldMkLst>
-          <pc:docMk/>
-          <pc:sldMk cId="2281780004" sldId="657"/>
-        </pc:sldMkLst>
-      </pc:sldChg>
-      <pc:sldChg chg="del">
-        <pc:chgData name="Dénes" userId="f3f680a857a6f265" providerId="LiveId" clId="{0ED848F9-9953-430B-B934-3774FA6ACC69}" dt="2023-09-15T04:08:15.656" v="0" actId="47"/>
-        <pc:sldMkLst>
-          <pc:docMk/>
-          <pc:sldMk cId="2765039677" sldId="658"/>
-        </pc:sldMkLst>
-      </pc:sldChg>
-      <pc:sldChg chg="del">
-        <pc:chgData name="Dénes" userId="f3f680a857a6f265" providerId="LiveId" clId="{0ED848F9-9953-430B-B934-3774FA6ACC69}" dt="2023-09-15T04:08:15.656" v="0" actId="47"/>
-        <pc:sldMkLst>
-          <pc:docMk/>
-          <pc:sldMk cId="1199338660" sldId="659"/>
-        </pc:sldMkLst>
-      </pc:sldChg>
-      <pc:sldChg chg="del">
-        <pc:chgData name="Dénes" userId="f3f680a857a6f265" providerId="LiveId" clId="{0ED848F9-9953-430B-B934-3774FA6ACC69}" dt="2023-09-15T04:08:15.656" v="0" actId="47"/>
-        <pc:sldMkLst>
-          <pc:docMk/>
-          <pc:sldMk cId="3394557890" sldId="660"/>
-        </pc:sldMkLst>
-      </pc:sldChg>
-      <pc:sldChg chg="del">
-        <pc:chgData name="Dénes" userId="f3f680a857a6f265" providerId="LiveId" clId="{0ED848F9-9953-430B-B934-3774FA6ACC69}" dt="2023-09-15T04:08:15.656" v="0" actId="47"/>
-        <pc:sldMkLst>
-          <pc:docMk/>
-          <pc:sldMk cId="3524994220" sldId="661"/>
-        </pc:sldMkLst>
-      </pc:sldChg>
-      <pc:sldChg chg="del">
-        <pc:chgData name="Dénes" userId="f3f680a857a6f265" providerId="LiveId" clId="{0ED848F9-9953-430B-B934-3774FA6ACC69}" dt="2023-09-15T04:08:15.656" v="0" actId="47"/>
-        <pc:sldMkLst>
-          <pc:docMk/>
-          <pc:sldMk cId="100206198" sldId="662"/>
-        </pc:sldMkLst>
-      </pc:sldChg>
-      <pc:sldChg chg="del">
-        <pc:chgData name="Dénes" userId="f3f680a857a6f265" providerId="LiveId" clId="{0ED848F9-9953-430B-B934-3774FA6ACC69}" dt="2023-09-15T04:08:15.656" v="0" actId="47"/>
-        <pc:sldMkLst>
-          <pc:docMk/>
-          <pc:sldMk cId="240891492" sldId="663"/>
-        </pc:sldMkLst>
-      </pc:sldChg>
-      <pc:sldChg chg="del">
-        <pc:chgData name="Dénes" userId="f3f680a857a6f265" providerId="LiveId" clId="{0ED848F9-9953-430B-B934-3774FA6ACC69}" dt="2023-09-15T04:08:15.656" v="0" actId="47"/>
-        <pc:sldMkLst>
-          <pc:docMk/>
-          <pc:sldMk cId="3767339752" sldId="664"/>
-        </pc:sldMkLst>
-      </pc:sldChg>
-      <pc:sldChg chg="del">
-        <pc:chgData name="Dénes" userId="f3f680a857a6f265" providerId="LiveId" clId="{0ED848F9-9953-430B-B934-3774FA6ACC69}" dt="2023-09-15T04:08:15.656" v="0" actId="47"/>
-        <pc:sldMkLst>
-          <pc:docMk/>
-          <pc:sldMk cId="4240099556" sldId="665"/>
-        </pc:sldMkLst>
-      </pc:sldChg>
-      <pc:sldChg chg="del">
-        <pc:chgData name="Dénes" userId="f3f680a857a6f265" providerId="LiveId" clId="{0ED848F9-9953-430B-B934-3774FA6ACC69}" dt="2023-09-15T04:08:15.656" v="0" actId="47"/>
-        <pc:sldMkLst>
-          <pc:docMk/>
-          <pc:sldMk cId="1400078454" sldId="666"/>
-        </pc:sldMkLst>
-      </pc:sldChg>
-      <pc:sldChg chg="del">
-        <pc:chgData name="Dénes" userId="f3f680a857a6f265" providerId="LiveId" clId="{0ED848F9-9953-430B-B934-3774FA6ACC69}" dt="2023-09-15T04:08:15.656" v="0" actId="47"/>
-        <pc:sldMkLst>
-          <pc:docMk/>
-          <pc:sldMk cId="733446859" sldId="667"/>
-        </pc:sldMkLst>
-      </pc:sldChg>
-      <pc:sldChg chg="del">
-        <pc:chgData name="Dénes" userId="f3f680a857a6f265" providerId="LiveId" clId="{0ED848F9-9953-430B-B934-3774FA6ACC69}" dt="2023-09-15T04:08:15.656" v="0" actId="47"/>
-        <pc:sldMkLst>
-          <pc:docMk/>
-          <pc:sldMk cId="4141724372" sldId="668"/>
-        </pc:sldMkLst>
-      </pc:sldChg>
-      <pc:sldChg chg="del">
-        <pc:chgData name="Dénes" userId="f3f680a857a6f265" providerId="LiveId" clId="{0ED848F9-9953-430B-B934-3774FA6ACC69}" dt="2023-09-15T04:08:15.656" v="0" actId="47"/>
-        <pc:sldMkLst>
-          <pc:docMk/>
-          <pc:sldMk cId="144061213" sldId="669"/>
-        </pc:sldMkLst>
-      </pc:sldChg>
-      <pc:sldChg chg="del">
-        <pc:chgData name="Dénes" userId="f3f680a857a6f265" providerId="LiveId" clId="{0ED848F9-9953-430B-B934-3774FA6ACC69}" dt="2023-09-15T04:08:15.656" v="0" actId="47"/>
-        <pc:sldMkLst>
-          <pc:docMk/>
-          <pc:sldMk cId="1789399488" sldId="670"/>
-        </pc:sldMkLst>
-      </pc:sldChg>
-      <pc:sldChg chg="del">
-        <pc:chgData name="Dénes" userId="f3f680a857a6f265" providerId="LiveId" clId="{0ED848F9-9953-430B-B934-3774FA6ACC69}" dt="2023-09-15T04:08:15.656" v="0" actId="47"/>
-        <pc:sldMkLst>
-          <pc:docMk/>
-          <pc:sldMk cId="3755661096" sldId="671"/>
-        </pc:sldMkLst>
-      </pc:sldChg>
-      <pc:sldChg chg="del">
-        <pc:chgData name="Dénes" userId="f3f680a857a6f265" providerId="LiveId" clId="{0ED848F9-9953-430B-B934-3774FA6ACC69}" dt="2023-09-15T04:08:15.656" v="0" actId="47"/>
-        <pc:sldMkLst>
-          <pc:docMk/>
-          <pc:sldMk cId="2100787838" sldId="672"/>
-        </pc:sldMkLst>
-      </pc:sldChg>
-      <pc:sldChg chg="del">
-        <pc:chgData name="Dénes" userId="f3f680a857a6f265" providerId="LiveId" clId="{0ED848F9-9953-430B-B934-3774FA6ACC69}" dt="2023-09-15T04:08:15.656" v="0" actId="47"/>
-        <pc:sldMkLst>
-          <pc:docMk/>
-          <pc:sldMk cId="1694689016" sldId="673"/>
-        </pc:sldMkLst>
-      </pc:sldChg>
-      <pc:sldChg chg="del">
-        <pc:chgData name="Dénes" userId="f3f680a857a6f265" providerId="LiveId" clId="{0ED848F9-9953-430B-B934-3774FA6ACC69}" dt="2023-09-15T04:08:15.656" v="0" actId="47"/>
-        <pc:sldMkLst>
-          <pc:docMk/>
-          <pc:sldMk cId="693570128" sldId="674"/>
-        </pc:sldMkLst>
-      </pc:sldChg>
-      <pc:sldChg chg="del">
-        <pc:chgData name="Dénes" userId="f3f680a857a6f265" providerId="LiveId" clId="{0ED848F9-9953-430B-B934-3774FA6ACC69}" dt="2023-09-15T04:08:15.656" v="0" actId="47"/>
-        <pc:sldMkLst>
-          <pc:docMk/>
-          <pc:sldMk cId="79376524" sldId="675"/>
-        </pc:sldMkLst>
-      </pc:sldChg>
-      <pc:sldChg chg="del">
-        <pc:chgData name="Dénes" userId="f3f680a857a6f265" providerId="LiveId" clId="{0ED848F9-9953-430B-B934-3774FA6ACC69}" dt="2023-09-15T04:08:15.656" v="0" actId="47"/>
-        <pc:sldMkLst>
-          <pc:docMk/>
-          <pc:sldMk cId="2528760493" sldId="676"/>
-        </pc:sldMkLst>
-      </pc:sldChg>
-      <pc:sldChg chg="del">
-        <pc:chgData name="Dénes" userId="f3f680a857a6f265" providerId="LiveId" clId="{0ED848F9-9953-430B-B934-3774FA6ACC69}" dt="2023-09-15T04:08:15.656" v="0" actId="47"/>
-        <pc:sldMkLst>
-          <pc:docMk/>
-          <pc:sldMk cId="421571828" sldId="677"/>
-        </pc:sldMkLst>
-      </pc:sldChg>
-      <pc:sldChg chg="del">
-        <pc:chgData name="Dénes" userId="f3f680a857a6f265" providerId="LiveId" clId="{0ED848F9-9953-430B-B934-3774FA6ACC69}" dt="2023-09-15T04:08:15.656" v="0" actId="47"/>
-        <pc:sldMkLst>
-          <pc:docMk/>
-          <pc:sldMk cId="2358359429" sldId="678"/>
-        </pc:sldMkLst>
-      </pc:sldChg>
-      <pc:sldChg chg="del">
-        <pc:chgData name="Dénes" userId="f3f680a857a6f265" providerId="LiveId" clId="{0ED848F9-9953-430B-B934-3774FA6ACC69}" dt="2023-09-15T04:08:15.656" v="0" actId="47"/>
-        <pc:sldMkLst>
-          <pc:docMk/>
-          <pc:sldMk cId="871239153" sldId="679"/>
-        </pc:sldMkLst>
-      </pc:sldChg>
-      <pc:sldChg chg="del">
-        <pc:chgData name="Dénes" userId="f3f680a857a6f265" providerId="LiveId" clId="{0ED848F9-9953-430B-B934-3774FA6ACC69}" dt="2023-09-15T04:08:15.656" v="0" actId="47"/>
-        <pc:sldMkLst>
-          <pc:docMk/>
-          <pc:sldMk cId="2468128745" sldId="680"/>
-        </pc:sldMkLst>
-      </pc:sldChg>
-      <pc:sldChg chg="del">
-        <pc:chgData name="Dénes" userId="f3f680a857a6f265" providerId="LiveId" clId="{0ED848F9-9953-430B-B934-3774FA6ACC69}" dt="2023-09-15T04:08:15.656" v="0" actId="47"/>
-        <pc:sldMkLst>
-          <pc:docMk/>
-          <pc:sldMk cId="2568492468" sldId="681"/>
-        </pc:sldMkLst>
-      </pc:sldChg>
-      <pc:sldChg chg="del">
-        <pc:chgData name="Dénes" userId="f3f680a857a6f265" providerId="LiveId" clId="{0ED848F9-9953-430B-B934-3774FA6ACC69}" dt="2023-09-15T04:08:15.656" v="0" actId="47"/>
-        <pc:sldMkLst>
-          <pc:docMk/>
-          <pc:sldMk cId="2900327486" sldId="682"/>
-        </pc:sldMkLst>
-      </pc:sldChg>
-      <pc:sldChg chg="del">
-        <pc:chgData name="Dénes" userId="f3f680a857a6f265" providerId="LiveId" clId="{0ED848F9-9953-430B-B934-3774FA6ACC69}" dt="2023-09-15T04:08:15.656" v="0" actId="47"/>
-        <pc:sldMkLst>
-          <pc:docMk/>
-          <pc:sldMk cId="2611404709" sldId="683"/>
-        </pc:sldMkLst>
-      </pc:sldChg>
-      <pc:sldChg chg="del">
-        <pc:chgData name="Dénes" userId="f3f680a857a6f265" providerId="LiveId" clId="{0ED848F9-9953-430B-B934-3774FA6ACC69}" dt="2023-09-15T04:08:15.656" v="0" actId="47"/>
-        <pc:sldMkLst>
-          <pc:docMk/>
-          <pc:sldMk cId="993964228" sldId="684"/>
-        </pc:sldMkLst>
-      </pc:sldChg>
-      <pc:sldChg chg="del">
-        <pc:chgData name="Dénes" userId="f3f680a857a6f265" providerId="LiveId" clId="{0ED848F9-9953-430B-B934-3774FA6ACC69}" dt="2023-09-15T04:08:15.656" v="0" actId="47"/>
-        <pc:sldMkLst>
-          <pc:docMk/>
-          <pc:sldMk cId="493955606" sldId="685"/>
-        </pc:sldMkLst>
-      </pc:sldChg>
-      <pc:sldChg chg="del">
-        <pc:chgData name="Dénes" userId="f3f680a857a6f265" providerId="LiveId" clId="{0ED848F9-9953-430B-B934-3774FA6ACC69}" dt="2023-09-15T04:08:15.656" v="0" actId="47"/>
-        <pc:sldMkLst>
-          <pc:docMk/>
-          <pc:sldMk cId="225877180" sldId="686"/>
-        </pc:sldMkLst>
-      </pc:sldChg>
-      <pc:sldChg chg="del">
-        <pc:chgData name="Dénes" userId="f3f680a857a6f265" providerId="LiveId" clId="{0ED848F9-9953-430B-B934-3774FA6ACC69}" dt="2023-09-15T04:08:15.656" v="0" actId="47"/>
-        <pc:sldMkLst>
-          <pc:docMk/>
-          <pc:sldMk cId="3133894532" sldId="687"/>
-        </pc:sldMkLst>
-      </pc:sldChg>
-      <pc:sldMasterChg chg="del delSldLayout">
-        <pc:chgData name="Dénes" userId="f3f680a857a6f265" providerId="LiveId" clId="{0ED848F9-9953-430B-B934-3774FA6ACC69}" dt="2023-09-15T04:08:15.656" v="0" actId="47"/>
-        <pc:sldMasterMkLst>
-          <pc:docMk/>
-          <pc:sldMasterMk cId="1341570318" sldId="2147483672"/>
-        </pc:sldMasterMkLst>
-        <pc:sldLayoutChg chg="del">
-          <pc:chgData name="Dénes" userId="f3f680a857a6f265" providerId="LiveId" clId="{0ED848F9-9953-430B-B934-3774FA6ACC69}" dt="2023-09-15T04:08:15.656" v="0" actId="47"/>
-          <pc:sldLayoutMkLst>
-            <pc:docMk/>
-            <pc:sldMasterMk cId="1341570318" sldId="2147483672"/>
-            <pc:sldLayoutMk cId="1126943439" sldId="2147483673"/>
-          </pc:sldLayoutMkLst>
-        </pc:sldLayoutChg>
-        <pc:sldLayoutChg chg="del">
-          <pc:chgData name="Dénes" userId="f3f680a857a6f265" providerId="LiveId" clId="{0ED848F9-9953-430B-B934-3774FA6ACC69}" dt="2023-09-15T04:08:15.656" v="0" actId="47"/>
-          <pc:sldLayoutMkLst>
-            <pc:docMk/>
-            <pc:sldMasterMk cId="1341570318" sldId="2147483672"/>
-            <pc:sldLayoutMk cId="1908206781" sldId="2147483674"/>
-          </pc:sldLayoutMkLst>
-        </pc:sldLayoutChg>
-        <pc:sldLayoutChg chg="del">
-          <pc:chgData name="Dénes" userId="f3f680a857a6f265" providerId="LiveId" clId="{0ED848F9-9953-430B-B934-3774FA6ACC69}" dt="2023-09-15T04:08:15.656" v="0" actId="47"/>
-          <pc:sldLayoutMkLst>
-            <pc:docMk/>
-            <pc:sldMasterMk cId="1341570318" sldId="2147483672"/>
-            <pc:sldLayoutMk cId="4270211669" sldId="2147483675"/>
-          </pc:sldLayoutMkLst>
-        </pc:sldLayoutChg>
-        <pc:sldLayoutChg chg="del">
-          <pc:chgData name="Dénes" userId="f3f680a857a6f265" providerId="LiveId" clId="{0ED848F9-9953-430B-B934-3774FA6ACC69}" dt="2023-09-15T04:08:15.656" v="0" actId="47"/>
-          <pc:sldLayoutMkLst>
-            <pc:docMk/>
-            <pc:sldMasterMk cId="1341570318" sldId="2147483672"/>
-            <pc:sldLayoutMk cId="790033593" sldId="2147483676"/>
-          </pc:sldLayoutMkLst>
-        </pc:sldLayoutChg>
-        <pc:sldLayoutChg chg="del">
-          <pc:chgData name="Dénes" userId="f3f680a857a6f265" providerId="LiveId" clId="{0ED848F9-9953-430B-B934-3774FA6ACC69}" dt="2023-09-15T04:08:15.656" v="0" actId="47"/>
-          <pc:sldLayoutMkLst>
-            <pc:docMk/>
-            <pc:sldMasterMk cId="1341570318" sldId="2147483672"/>
-            <pc:sldLayoutMk cId="4005547968" sldId="2147483677"/>
-          </pc:sldLayoutMkLst>
-        </pc:sldLayoutChg>
-        <pc:sldLayoutChg chg="del">
-          <pc:chgData name="Dénes" userId="f3f680a857a6f265" providerId="LiveId" clId="{0ED848F9-9953-430B-B934-3774FA6ACC69}" dt="2023-09-15T04:08:15.656" v="0" actId="47"/>
-          <pc:sldLayoutMkLst>
-            <pc:docMk/>
-            <pc:sldMasterMk cId="1341570318" sldId="2147483672"/>
-            <pc:sldLayoutMk cId="1086543081" sldId="2147483678"/>
-          </pc:sldLayoutMkLst>
-        </pc:sldLayoutChg>
-        <pc:sldLayoutChg chg="del">
-          <pc:chgData name="Dénes" userId="f3f680a857a6f265" providerId="LiveId" clId="{0ED848F9-9953-430B-B934-3774FA6ACC69}" dt="2023-09-15T04:08:15.656" v="0" actId="47"/>
-          <pc:sldLayoutMkLst>
-            <pc:docMk/>
-            <pc:sldMasterMk cId="1341570318" sldId="2147483672"/>
-            <pc:sldLayoutMk cId="2533917596" sldId="2147483679"/>
-          </pc:sldLayoutMkLst>
-        </pc:sldLayoutChg>
-        <pc:sldLayoutChg chg="del">
-          <pc:chgData name="Dénes" userId="f3f680a857a6f265" providerId="LiveId" clId="{0ED848F9-9953-430B-B934-3774FA6ACC69}" dt="2023-09-15T04:08:15.656" v="0" actId="47"/>
-          <pc:sldLayoutMkLst>
-            <pc:docMk/>
-            <pc:sldMasterMk cId="1341570318" sldId="2147483672"/>
-            <pc:sldLayoutMk cId="947963263" sldId="2147483680"/>
-          </pc:sldLayoutMkLst>
-        </pc:sldLayoutChg>
-        <pc:sldLayoutChg chg="del">
-          <pc:chgData name="Dénes" userId="f3f680a857a6f265" providerId="LiveId" clId="{0ED848F9-9953-430B-B934-3774FA6ACC69}" dt="2023-09-15T04:08:15.656" v="0" actId="47"/>
-          <pc:sldLayoutMkLst>
-            <pc:docMk/>
-            <pc:sldMasterMk cId="1341570318" sldId="2147483672"/>
-            <pc:sldLayoutMk cId="1133639331" sldId="2147483681"/>
-          </pc:sldLayoutMkLst>
-        </pc:sldLayoutChg>
-        <pc:sldLayoutChg chg="del">
-          <pc:chgData name="Dénes" userId="f3f680a857a6f265" providerId="LiveId" clId="{0ED848F9-9953-430B-B934-3774FA6ACC69}" dt="2023-09-15T04:08:15.656" v="0" actId="47"/>
-          <pc:sldLayoutMkLst>
-            <pc:docMk/>
-            <pc:sldMasterMk cId="1341570318" sldId="2147483672"/>
-            <pc:sldLayoutMk cId="1518044093" sldId="2147483682"/>
-          </pc:sldLayoutMkLst>
-        </pc:sldLayoutChg>
-        <pc:sldLayoutChg chg="del">
-          <pc:chgData name="Dénes" userId="f3f680a857a6f265" providerId="LiveId" clId="{0ED848F9-9953-430B-B934-3774FA6ACC69}" dt="2023-09-15T04:08:15.656" v="0" actId="47"/>
-          <pc:sldLayoutMkLst>
-            <pc:docMk/>
-            <pc:sldMasterMk cId="1341570318" sldId="2147483672"/>
-            <pc:sldLayoutMk cId="966845180" sldId="2147483683"/>
-          </pc:sldLayoutMkLst>
-        </pc:sldLayoutChg>
-      </pc:sldMasterChg>
-    </pc:docChg>
-  </pc:docChgLst>
-  <pc:docChgLst>
-    <pc:chgData name="Dénes CSALA" userId="f3f680a857a6f265" providerId="LiveId" clId="{6BB35AEB-89C8-4E2D-A49F-178E29F98E01}"/>
-    <pc:docChg chg="custSel delSld modSld delMainMaster modSection">
-      <pc:chgData name="Dénes CSALA" userId="f3f680a857a6f265" providerId="LiveId" clId="{6BB35AEB-89C8-4E2D-A49F-178E29F98E01}" dt="2024-01-31T10:48:47.051" v="32" actId="20577"/>
-      <pc:docMkLst>
-        <pc:docMk/>
-      </pc:docMkLst>
-      <pc:sldChg chg="del">
-        <pc:chgData name="Dénes CSALA" userId="f3f680a857a6f265" providerId="LiveId" clId="{6BB35AEB-89C8-4E2D-A49F-178E29F98E01}" dt="2024-01-31T10:28:10.802" v="0" actId="47"/>
-        <pc:sldMkLst>
-          <pc:docMk/>
-          <pc:sldMk cId="2259574020" sldId="303"/>
-        </pc:sldMkLst>
-      </pc:sldChg>
-      <pc:sldChg chg="del">
-        <pc:chgData name="Dénes CSALA" userId="f3f680a857a6f265" providerId="LiveId" clId="{6BB35AEB-89C8-4E2D-A49F-178E29F98E01}" dt="2024-01-31T10:28:10.802" v="0" actId="47"/>
-        <pc:sldMkLst>
-          <pc:docMk/>
-          <pc:sldMk cId="2574078882" sldId="306"/>
-        </pc:sldMkLst>
-      </pc:sldChg>
-      <pc:sldChg chg="del">
-        <pc:chgData name="Dénes CSALA" userId="f3f680a857a6f265" providerId="LiveId" clId="{6BB35AEB-89C8-4E2D-A49F-178E29F98E01}" dt="2024-01-31T10:28:10.802" v="0" actId="47"/>
-        <pc:sldMkLst>
-          <pc:docMk/>
-          <pc:sldMk cId="1253248310" sldId="328"/>
-        </pc:sldMkLst>
-      </pc:sldChg>
-      <pc:sldChg chg="del">
-        <pc:chgData name="Dénes CSALA" userId="f3f680a857a6f265" providerId="LiveId" clId="{6BB35AEB-89C8-4E2D-A49F-178E29F98E01}" dt="2024-01-31T10:28:10.802" v="0" actId="47"/>
-        <pc:sldMkLst>
-          <pc:docMk/>
-          <pc:sldMk cId="1319191273" sldId="329"/>
-        </pc:sldMkLst>
-      </pc:sldChg>
-      <pc:sldChg chg="del">
-        <pc:chgData name="Dénes CSALA" userId="f3f680a857a6f265" providerId="LiveId" clId="{6BB35AEB-89C8-4E2D-A49F-178E29F98E01}" dt="2024-01-31T10:28:10.802" v="0" actId="47"/>
-        <pc:sldMkLst>
-          <pc:docMk/>
-          <pc:sldMk cId="2648556959" sldId="331"/>
-        </pc:sldMkLst>
-      </pc:sldChg>
-      <pc:sldChg chg="del">
-        <pc:chgData name="Dénes CSALA" userId="f3f680a857a6f265" providerId="LiveId" clId="{6BB35AEB-89C8-4E2D-A49F-178E29F98E01}" dt="2024-01-31T10:28:10.802" v="0" actId="47"/>
-        <pc:sldMkLst>
-          <pc:docMk/>
-          <pc:sldMk cId="1498203997" sldId="373"/>
-        </pc:sldMkLst>
-      </pc:sldChg>
-      <pc:sldChg chg="del">
-        <pc:chgData name="Dénes CSALA" userId="f3f680a857a6f265" providerId="LiveId" clId="{6BB35AEB-89C8-4E2D-A49F-178E29F98E01}" dt="2024-01-31T10:28:10.802" v="0" actId="47"/>
-        <pc:sldMkLst>
-          <pc:docMk/>
-          <pc:sldMk cId="3599696688" sldId="374"/>
-        </pc:sldMkLst>
-      </pc:sldChg>
-      <pc:sldChg chg="del">
-        <pc:chgData name="Dénes CSALA" userId="f3f680a857a6f265" providerId="LiveId" clId="{6BB35AEB-89C8-4E2D-A49F-178E29F98E01}" dt="2024-01-31T10:28:10.802" v="0" actId="47"/>
-        <pc:sldMkLst>
-          <pc:docMk/>
-          <pc:sldMk cId="1404310183" sldId="375"/>
-        </pc:sldMkLst>
-      </pc:sldChg>
-      <pc:sldChg chg="del">
-        <pc:chgData name="Dénes CSALA" userId="f3f680a857a6f265" providerId="LiveId" clId="{6BB35AEB-89C8-4E2D-A49F-178E29F98E01}" dt="2024-01-31T10:28:10.802" v="0" actId="47"/>
-        <pc:sldMkLst>
-          <pc:docMk/>
-          <pc:sldMk cId="312526222" sldId="376"/>
-        </pc:sldMkLst>
-      </pc:sldChg>
-      <pc:sldChg chg="del">
-        <pc:chgData name="Dénes CSALA" userId="f3f680a857a6f265" providerId="LiveId" clId="{6BB35AEB-89C8-4E2D-A49F-178E29F98E01}" dt="2024-01-31T10:28:10.802" v="0" actId="47"/>
-        <pc:sldMkLst>
-          <pc:docMk/>
-          <pc:sldMk cId="3184904678" sldId="379"/>
-        </pc:sldMkLst>
-      </pc:sldChg>
-      <pc:sldChg chg="del">
-        <pc:chgData name="Dénes CSALA" userId="f3f680a857a6f265" providerId="LiveId" clId="{6BB35AEB-89C8-4E2D-A49F-178E29F98E01}" dt="2024-01-31T10:28:10.802" v="0" actId="47"/>
-        <pc:sldMkLst>
-          <pc:docMk/>
-          <pc:sldMk cId="1249992337" sldId="382"/>
-        </pc:sldMkLst>
-      </pc:sldChg>
-      <pc:sldChg chg="del">
-        <pc:chgData name="Dénes CSALA" userId="f3f680a857a6f265" providerId="LiveId" clId="{6BB35AEB-89C8-4E2D-A49F-178E29F98E01}" dt="2024-01-31T10:28:10.802" v="0" actId="47"/>
-        <pc:sldMkLst>
-          <pc:docMk/>
-          <pc:sldMk cId="4286118695" sldId="383"/>
-        </pc:sldMkLst>
-      </pc:sldChg>
-      <pc:sldChg chg="del">
-        <pc:chgData name="Dénes CSALA" userId="f3f680a857a6f265" providerId="LiveId" clId="{6BB35AEB-89C8-4E2D-A49F-178E29F98E01}" dt="2024-01-31T10:28:10.802" v="0" actId="47"/>
-        <pc:sldMkLst>
-          <pc:docMk/>
-          <pc:sldMk cId="3998117785" sldId="409"/>
-        </pc:sldMkLst>
-      </pc:sldChg>
-      <pc:sldChg chg="del">
-        <pc:chgData name="Dénes CSALA" userId="f3f680a857a6f265" providerId="LiveId" clId="{6BB35AEB-89C8-4E2D-A49F-178E29F98E01}" dt="2024-01-31T10:28:10.802" v="0" actId="47"/>
-        <pc:sldMkLst>
-          <pc:docMk/>
-          <pc:sldMk cId="2035152341" sldId="410"/>
-        </pc:sldMkLst>
-      </pc:sldChg>
-      <pc:sldChg chg="del">
-        <pc:chgData name="Dénes CSALA" userId="f3f680a857a6f265" providerId="LiveId" clId="{6BB35AEB-89C8-4E2D-A49F-178E29F98E01}" dt="2024-01-31T10:28:10.802" v="0" actId="47"/>
-        <pc:sldMkLst>
-          <pc:docMk/>
-          <pc:sldMk cId="4174409995" sldId="411"/>
-        </pc:sldMkLst>
-      </pc:sldChg>
-      <pc:sldChg chg="del">
-        <pc:chgData name="Dénes CSALA" userId="f3f680a857a6f265" providerId="LiveId" clId="{6BB35AEB-89C8-4E2D-A49F-178E29F98E01}" dt="2024-01-31T10:28:10.802" v="0" actId="47"/>
-        <pc:sldMkLst>
-          <pc:docMk/>
-          <pc:sldMk cId="25999366" sldId="413"/>
-        </pc:sldMkLst>
-      </pc:sldChg>
-      <pc:sldChg chg="del">
-        <pc:chgData name="Dénes CSALA" userId="f3f680a857a6f265" providerId="LiveId" clId="{6BB35AEB-89C8-4E2D-A49F-178E29F98E01}" dt="2024-01-31T10:28:10.802" v="0" actId="47"/>
-        <pc:sldMkLst>
-          <pc:docMk/>
-          <pc:sldMk cId="2011734661" sldId="415"/>
-        </pc:sldMkLst>
-      </pc:sldChg>
-      <pc:sldChg chg="del">
-        <pc:chgData name="Dénes CSALA" userId="f3f680a857a6f265" providerId="LiveId" clId="{6BB35AEB-89C8-4E2D-A49F-178E29F98E01}" dt="2024-01-31T10:28:10.802" v="0" actId="47"/>
-        <pc:sldMkLst>
-          <pc:docMk/>
-          <pc:sldMk cId="2137618512" sldId="417"/>
-        </pc:sldMkLst>
-      </pc:sldChg>
-      <pc:sldChg chg="del">
-        <pc:chgData name="Dénes CSALA" userId="f3f680a857a6f265" providerId="LiveId" clId="{6BB35AEB-89C8-4E2D-A49F-178E29F98E01}" dt="2024-01-31T10:28:10.802" v="0" actId="47"/>
-        <pc:sldMkLst>
-          <pc:docMk/>
-          <pc:sldMk cId="3803875407" sldId="418"/>
-        </pc:sldMkLst>
-      </pc:sldChg>
-      <pc:sldChg chg="del">
-        <pc:chgData name="Dénes CSALA" userId="f3f680a857a6f265" providerId="LiveId" clId="{6BB35AEB-89C8-4E2D-A49F-178E29F98E01}" dt="2024-01-31T10:28:10.802" v="0" actId="47"/>
-        <pc:sldMkLst>
-          <pc:docMk/>
-          <pc:sldMk cId="3964436497" sldId="420"/>
-        </pc:sldMkLst>
-      </pc:sldChg>
-      <pc:sldChg chg="del">
-        <pc:chgData name="Dénes CSALA" userId="f3f680a857a6f265" providerId="LiveId" clId="{6BB35AEB-89C8-4E2D-A49F-178E29F98E01}" dt="2024-01-31T10:28:10.802" v="0" actId="47"/>
-        <pc:sldMkLst>
-          <pc:docMk/>
-          <pc:sldMk cId="2779194792" sldId="446"/>
-        </pc:sldMkLst>
-      </pc:sldChg>
-      <pc:sldChg chg="del">
-        <pc:chgData name="Dénes CSALA" userId="f3f680a857a6f265" providerId="LiveId" clId="{6BB35AEB-89C8-4E2D-A49F-178E29F98E01}" dt="2024-01-31T10:28:10.802" v="0" actId="47"/>
-        <pc:sldMkLst>
-          <pc:docMk/>
-          <pc:sldMk cId="762940077" sldId="465"/>
-        </pc:sldMkLst>
-      </pc:sldChg>
-      <pc:sldChg chg="del">
-        <pc:chgData name="Dénes CSALA" userId="f3f680a857a6f265" providerId="LiveId" clId="{6BB35AEB-89C8-4E2D-A49F-178E29F98E01}" dt="2024-01-31T10:28:10.802" v="0" actId="47"/>
-        <pc:sldMkLst>
-          <pc:docMk/>
-          <pc:sldMk cId="936677657" sldId="480"/>
-        </pc:sldMkLst>
-      </pc:sldChg>
-      <pc:sldChg chg="del">
-        <pc:chgData name="Dénes CSALA" userId="f3f680a857a6f265" providerId="LiveId" clId="{6BB35AEB-89C8-4E2D-A49F-178E29F98E01}" dt="2024-01-31T10:28:10.802" v="0" actId="47"/>
-        <pc:sldMkLst>
-          <pc:docMk/>
-          <pc:sldMk cId="825520827" sldId="481"/>
-        </pc:sldMkLst>
-      </pc:sldChg>
-      <pc:sldChg chg="del">
-        <pc:chgData name="Dénes CSALA" userId="f3f680a857a6f265" providerId="LiveId" clId="{6BB35AEB-89C8-4E2D-A49F-178E29F98E01}" dt="2024-01-31T10:28:10.802" v="0" actId="47"/>
-        <pc:sldMkLst>
-          <pc:docMk/>
-          <pc:sldMk cId="3746984205" sldId="483"/>
-        </pc:sldMkLst>
-      </pc:sldChg>
-      <pc:sldChg chg="modSp mod">
-        <pc:chgData name="Dénes CSALA" userId="f3f680a857a6f265" providerId="LiveId" clId="{6BB35AEB-89C8-4E2D-A49F-178E29F98E01}" dt="2024-01-31T10:47:28.308" v="2" actId="20577"/>
-        <pc:sldMkLst>
-          <pc:docMk/>
-          <pc:sldMk cId="1374648882" sldId="486"/>
-        </pc:sldMkLst>
-        <pc:spChg chg="mod">
-          <ac:chgData name="Dénes CSALA" userId="f3f680a857a6f265" providerId="LiveId" clId="{6BB35AEB-89C8-4E2D-A49F-178E29F98E01}" dt="2024-01-31T10:47:28.308" v="2" actId="20577"/>
-          <ac:spMkLst>
-            <pc:docMk/>
-            <pc:sldMk cId="1374648882" sldId="486"/>
-            <ac:spMk id="2" creationId="{FC4383FA-EEB7-47D9-935D-7234D206AD1E}"/>
-          </ac:spMkLst>
-        </pc:spChg>
-      </pc:sldChg>
-      <pc:sldChg chg="del">
-        <pc:chgData name="Dénes CSALA" userId="f3f680a857a6f265" providerId="LiveId" clId="{6BB35AEB-89C8-4E2D-A49F-178E29F98E01}" dt="2024-01-31T10:28:10.802" v="0" actId="47"/>
-        <pc:sldMkLst>
-          <pc:docMk/>
-          <pc:sldMk cId="2148734323" sldId="501"/>
-        </pc:sldMkLst>
-      </pc:sldChg>
-      <pc:sldChg chg="del">
-        <pc:chgData name="Dénes CSALA" userId="f3f680a857a6f265" providerId="LiveId" clId="{6BB35AEB-89C8-4E2D-A49F-178E29F98E01}" dt="2024-01-31T10:28:10.802" v="0" actId="47"/>
-        <pc:sldMkLst>
-          <pc:docMk/>
-          <pc:sldMk cId="1742443480" sldId="502"/>
-        </pc:sldMkLst>
-      </pc:sldChg>
-      <pc:sldChg chg="del">
-        <pc:chgData name="Dénes CSALA" userId="f3f680a857a6f265" providerId="LiveId" clId="{6BB35AEB-89C8-4E2D-A49F-178E29F98E01}" dt="2024-01-31T10:28:10.802" v="0" actId="47"/>
-        <pc:sldMkLst>
-          <pc:docMk/>
-          <pc:sldMk cId="3199540335" sldId="503"/>
-        </pc:sldMkLst>
-      </pc:sldChg>
-      <pc:sldChg chg="del">
-        <pc:chgData name="Dénes CSALA" userId="f3f680a857a6f265" providerId="LiveId" clId="{6BB35AEB-89C8-4E2D-A49F-178E29F98E01}" dt="2024-01-31T10:28:10.802" v="0" actId="47"/>
-        <pc:sldMkLst>
-          <pc:docMk/>
-          <pc:sldMk cId="3158374615" sldId="504"/>
-        </pc:sldMkLst>
-      </pc:sldChg>
-      <pc:sldChg chg="del">
-        <pc:chgData name="Dénes CSALA" userId="f3f680a857a6f265" providerId="LiveId" clId="{6BB35AEB-89C8-4E2D-A49F-178E29F98E01}" dt="2024-01-31T10:28:10.802" v="0" actId="47"/>
-        <pc:sldMkLst>
-          <pc:docMk/>
-          <pc:sldMk cId="3930259292" sldId="505"/>
-        </pc:sldMkLst>
-      </pc:sldChg>
-      <pc:sldChg chg="del">
-        <pc:chgData name="Dénes CSALA" userId="f3f680a857a6f265" providerId="LiveId" clId="{6BB35AEB-89C8-4E2D-A49F-178E29F98E01}" dt="2024-01-31T10:28:10.802" v="0" actId="47"/>
-        <pc:sldMkLst>
-          <pc:docMk/>
-          <pc:sldMk cId="163395212" sldId="506"/>
-        </pc:sldMkLst>
-      </pc:sldChg>
-      <pc:sldChg chg="del">
-        <pc:chgData name="Dénes CSALA" userId="f3f680a857a6f265" providerId="LiveId" clId="{6BB35AEB-89C8-4E2D-A49F-178E29F98E01}" dt="2024-01-31T10:28:10.802" v="0" actId="47"/>
-        <pc:sldMkLst>
-          <pc:docMk/>
-          <pc:sldMk cId="3562328186" sldId="507"/>
-        </pc:sldMkLst>
-      </pc:sldChg>
-      <pc:sldChg chg="del">
-        <pc:chgData name="Dénes CSALA" userId="f3f680a857a6f265" providerId="LiveId" clId="{6BB35AEB-89C8-4E2D-A49F-178E29F98E01}" dt="2024-01-31T10:28:10.802" v="0" actId="47"/>
-        <pc:sldMkLst>
-          <pc:docMk/>
-          <pc:sldMk cId="746662692" sldId="508"/>
-        </pc:sldMkLst>
-      </pc:sldChg>
-      <pc:sldChg chg="del">
-        <pc:chgData name="Dénes CSALA" userId="f3f680a857a6f265" providerId="LiveId" clId="{6BB35AEB-89C8-4E2D-A49F-178E29F98E01}" dt="2024-01-31T10:28:10.802" v="0" actId="47"/>
-        <pc:sldMkLst>
-          <pc:docMk/>
-          <pc:sldMk cId="407761938" sldId="509"/>
-        </pc:sldMkLst>
-      </pc:sldChg>
-      <pc:sldChg chg="del">
-        <pc:chgData name="Dénes CSALA" userId="f3f680a857a6f265" providerId="LiveId" clId="{6BB35AEB-89C8-4E2D-A49F-178E29F98E01}" dt="2024-01-31T10:28:10.802" v="0" actId="47"/>
-        <pc:sldMkLst>
-          <pc:docMk/>
-          <pc:sldMk cId="924339747" sldId="510"/>
-        </pc:sldMkLst>
-      </pc:sldChg>
-      <pc:sldChg chg="modSp mod">
-        <pc:chgData name="Dénes CSALA" userId="f3f680a857a6f265" providerId="LiveId" clId="{6BB35AEB-89C8-4E2D-A49F-178E29F98E01}" dt="2024-01-31T10:47:31.341" v="4" actId="20577"/>
-        <pc:sldMkLst>
-          <pc:docMk/>
-          <pc:sldMk cId="1643953318" sldId="512"/>
-        </pc:sldMkLst>
-        <pc:spChg chg="mod">
-          <ac:chgData name="Dénes CSALA" userId="f3f680a857a6f265" providerId="LiveId" clId="{6BB35AEB-89C8-4E2D-A49F-178E29F98E01}" dt="2024-01-31T10:47:31.341" v="4" actId="20577"/>
-          <ac:spMkLst>
-            <pc:docMk/>
-            <pc:sldMk cId="1643953318" sldId="512"/>
-            <ac:spMk id="2" creationId="{FC4383FA-EEB7-47D9-935D-7234D206AD1E}"/>
-          </ac:spMkLst>
-        </pc:spChg>
-      </pc:sldChg>
-      <pc:sldChg chg="del">
-        <pc:chgData name="Dénes CSALA" userId="f3f680a857a6f265" providerId="LiveId" clId="{6BB35AEB-89C8-4E2D-A49F-178E29F98E01}" dt="2024-01-31T10:28:10.802" v="0" actId="47"/>
-        <pc:sldMkLst>
-          <pc:docMk/>
-          <pc:sldMk cId="1335822625" sldId="513"/>
-        </pc:sldMkLst>
-      </pc:sldChg>
-      <pc:sldChg chg="modSp mod">
-        <pc:chgData name="Dénes CSALA" userId="f3f680a857a6f265" providerId="LiveId" clId="{6BB35AEB-89C8-4E2D-A49F-178E29F98E01}" dt="2024-01-31T10:48:47.051" v="32" actId="20577"/>
-        <pc:sldMkLst>
-          <pc:docMk/>
-          <pc:sldMk cId="1599196781" sldId="516"/>
-        </pc:sldMkLst>
-        <pc:spChg chg="mod">
-          <ac:chgData name="Dénes CSALA" userId="f3f680a857a6f265" providerId="LiveId" clId="{6BB35AEB-89C8-4E2D-A49F-178E29F98E01}" dt="2024-01-31T10:48:47.051" v="32" actId="20577"/>
-          <ac:spMkLst>
-            <pc:docMk/>
-            <pc:sldMk cId="1599196781" sldId="516"/>
-            <ac:spMk id="2" creationId="{0FEE2FE8-D24E-41DE-AA78-81A6ECA35759}"/>
-          </ac:spMkLst>
-        </pc:spChg>
-      </pc:sldChg>
-      <pc:sldMasterChg chg="del delSldLayout">
-        <pc:chgData name="Dénes CSALA" userId="f3f680a857a6f265" providerId="LiveId" clId="{6BB35AEB-89C8-4E2D-A49F-178E29F98E01}" dt="2024-01-31T10:28:10.802" v="0" actId="47"/>
-        <pc:sldMasterMkLst>
-          <pc:docMk/>
-          <pc:sldMasterMk cId="4292250768" sldId="2147483660"/>
-        </pc:sldMasterMkLst>
-        <pc:sldLayoutChg chg="del">
-          <pc:chgData name="Dénes CSALA" userId="f3f680a857a6f265" providerId="LiveId" clId="{6BB35AEB-89C8-4E2D-A49F-178E29F98E01}" dt="2024-01-31T10:28:10.802" v="0" actId="47"/>
-          <pc:sldLayoutMkLst>
-            <pc:docMk/>
-            <pc:sldMasterMk cId="4292250768" sldId="2147483660"/>
-            <pc:sldLayoutMk cId="870221631" sldId="2147483661"/>
-          </pc:sldLayoutMkLst>
-        </pc:sldLayoutChg>
-        <pc:sldLayoutChg chg="del">
-          <pc:chgData name="Dénes CSALA" userId="f3f680a857a6f265" providerId="LiveId" clId="{6BB35AEB-89C8-4E2D-A49F-178E29F98E01}" dt="2024-01-31T10:28:10.802" v="0" actId="47"/>
-          <pc:sldLayoutMkLst>
-            <pc:docMk/>
-            <pc:sldMasterMk cId="4292250768" sldId="2147483660"/>
-            <pc:sldLayoutMk cId="36051659" sldId="2147483662"/>
-          </pc:sldLayoutMkLst>
-        </pc:sldLayoutChg>
-        <pc:sldLayoutChg chg="del">
-          <pc:chgData name="Dénes CSALA" userId="f3f680a857a6f265" providerId="LiveId" clId="{6BB35AEB-89C8-4E2D-A49F-178E29F98E01}" dt="2024-01-31T10:28:10.802" v="0" actId="47"/>
-          <pc:sldLayoutMkLst>
-            <pc:docMk/>
-            <pc:sldMasterMk cId="4292250768" sldId="2147483660"/>
-            <pc:sldLayoutMk cId="1853187565" sldId="2147483663"/>
-          </pc:sldLayoutMkLst>
-        </pc:sldLayoutChg>
-        <pc:sldLayoutChg chg="del">
-          <pc:chgData name="Dénes CSALA" userId="f3f680a857a6f265" providerId="LiveId" clId="{6BB35AEB-89C8-4E2D-A49F-178E29F98E01}" dt="2024-01-31T10:28:10.802" v="0" actId="47"/>
-          <pc:sldLayoutMkLst>
-            <pc:docMk/>
-            <pc:sldMasterMk cId="4292250768" sldId="2147483660"/>
-            <pc:sldLayoutMk cId="329005501" sldId="2147483664"/>
-          </pc:sldLayoutMkLst>
-        </pc:sldLayoutChg>
-        <pc:sldLayoutChg chg="del">
-          <pc:chgData name="Dénes CSALA" userId="f3f680a857a6f265" providerId="LiveId" clId="{6BB35AEB-89C8-4E2D-A49F-178E29F98E01}" dt="2024-01-31T10:28:10.802" v="0" actId="47"/>
-          <pc:sldLayoutMkLst>
-            <pc:docMk/>
-            <pc:sldMasterMk cId="4292250768" sldId="2147483660"/>
-            <pc:sldLayoutMk cId="3579885871" sldId="2147483665"/>
-          </pc:sldLayoutMkLst>
-        </pc:sldLayoutChg>
-        <pc:sldLayoutChg chg="del">
-          <pc:chgData name="Dénes CSALA" userId="f3f680a857a6f265" providerId="LiveId" clId="{6BB35AEB-89C8-4E2D-A49F-178E29F98E01}" dt="2024-01-31T10:28:10.802" v="0" actId="47"/>
-          <pc:sldLayoutMkLst>
-            <pc:docMk/>
-            <pc:sldMasterMk cId="4292250768" sldId="2147483660"/>
-            <pc:sldLayoutMk cId="158115120" sldId="2147483666"/>
-          </pc:sldLayoutMkLst>
-        </pc:sldLayoutChg>
-        <pc:sldLayoutChg chg="del">
-          <pc:chgData name="Dénes CSALA" userId="f3f680a857a6f265" providerId="LiveId" clId="{6BB35AEB-89C8-4E2D-A49F-178E29F98E01}" dt="2024-01-31T10:28:10.802" v="0" actId="47"/>
-          <pc:sldLayoutMkLst>
-            <pc:docMk/>
-            <pc:sldMasterMk cId="4292250768" sldId="2147483660"/>
-            <pc:sldLayoutMk cId="3398858268" sldId="2147483667"/>
-          </pc:sldLayoutMkLst>
-        </pc:sldLayoutChg>
-        <pc:sldLayoutChg chg="del">
-          <pc:chgData name="Dénes CSALA" userId="f3f680a857a6f265" providerId="LiveId" clId="{6BB35AEB-89C8-4E2D-A49F-178E29F98E01}" dt="2024-01-31T10:28:10.802" v="0" actId="47"/>
-          <pc:sldLayoutMkLst>
-            <pc:docMk/>
-            <pc:sldMasterMk cId="4292250768" sldId="2147483660"/>
-            <pc:sldLayoutMk cId="3355315632" sldId="2147483668"/>
-          </pc:sldLayoutMkLst>
-        </pc:sldLayoutChg>
-        <pc:sldLayoutChg chg="del">
-          <pc:chgData name="Dénes CSALA" userId="f3f680a857a6f265" providerId="LiveId" clId="{6BB35AEB-89C8-4E2D-A49F-178E29F98E01}" dt="2024-01-31T10:28:10.802" v="0" actId="47"/>
-          <pc:sldLayoutMkLst>
-            <pc:docMk/>
-            <pc:sldMasterMk cId="4292250768" sldId="2147483660"/>
-            <pc:sldLayoutMk cId="3994327438" sldId="2147483669"/>
-          </pc:sldLayoutMkLst>
-        </pc:sldLayoutChg>
-        <pc:sldLayoutChg chg="del">
-          <pc:chgData name="Dénes CSALA" userId="f3f680a857a6f265" providerId="LiveId" clId="{6BB35AEB-89C8-4E2D-A49F-178E29F98E01}" dt="2024-01-31T10:28:10.802" v="0" actId="47"/>
-          <pc:sldLayoutMkLst>
-            <pc:docMk/>
-            <pc:sldMasterMk cId="4292250768" sldId="2147483660"/>
-            <pc:sldLayoutMk cId="278247276" sldId="2147483670"/>
-          </pc:sldLayoutMkLst>
-        </pc:sldLayoutChg>
-        <pc:sldLayoutChg chg="del">
-          <pc:chgData name="Dénes CSALA" userId="f3f680a857a6f265" providerId="LiveId" clId="{6BB35AEB-89C8-4E2D-A49F-178E29F98E01}" dt="2024-01-31T10:28:10.802" v="0" actId="47"/>
-          <pc:sldLayoutMkLst>
-            <pc:docMk/>
-            <pc:sldMasterMk cId="4292250768" sldId="2147483660"/>
-            <pc:sldLayoutMk cId="4009167351" sldId="2147483671"/>
-          </pc:sldLayoutMkLst>
-        </pc:sldLayoutChg>
-      </pc:sldMasterChg>
-    </pc:docChg>
-  </pc:docChgLst>
-  <pc:docChgLst>
-    <pc:chgData name="Dénes" userId="f3f680a857a6f265" providerId="LiveId" clId="{BDBE6496-8B43-40A2-8D74-2CC5C1542BA4}"/>
-    <pc:docChg chg="undo custSel addSld delSld modSld sldOrd modSection">
-      <pc:chgData name="Dénes" userId="f3f680a857a6f265" providerId="LiveId" clId="{BDBE6496-8B43-40A2-8D74-2CC5C1542BA4}" dt="2023-09-15T05:13:53.761" v="98" actId="2890"/>
-      <pc:docMkLst>
-        <pc:docMk/>
-      </pc:docMkLst>
-      <pc:sldChg chg="add ord">
-        <pc:chgData name="Dénes" userId="f3f680a857a6f265" providerId="LiveId" clId="{BDBE6496-8B43-40A2-8D74-2CC5C1542BA4}" dt="2023-09-15T05:10:15.232" v="92"/>
-        <pc:sldMkLst>
-          <pc:docMk/>
-          <pc:sldMk cId="1548595177" sldId="439"/>
-        </pc:sldMkLst>
-      </pc:sldChg>
-      <pc:sldChg chg="modSp mod">
-        <pc:chgData name="Dénes" userId="f3f680a857a6f265" providerId="LiveId" clId="{BDBE6496-8B43-40A2-8D74-2CC5C1542BA4}" dt="2023-09-15T05:13:49.165" v="96" actId="1076"/>
-        <pc:sldMkLst>
-          <pc:docMk/>
-          <pc:sldMk cId="4069303533" sldId="448"/>
-        </pc:sldMkLst>
-        <pc:spChg chg="mod">
-          <ac:chgData name="Dénes" userId="f3f680a857a6f265" providerId="LiveId" clId="{BDBE6496-8B43-40A2-8D74-2CC5C1542BA4}" dt="2023-09-15T05:13:46.155" v="95" actId="1076"/>
-          <ac:spMkLst>
-            <pc:docMk/>
-            <pc:sldMk cId="4069303533" sldId="448"/>
-            <ac:spMk id="2" creationId="{FC4383FA-EEB7-47D9-935D-7234D206AD1E}"/>
-          </ac:spMkLst>
-        </pc:spChg>
-        <pc:spChg chg="mod">
-          <ac:chgData name="Dénes" userId="f3f680a857a6f265" providerId="LiveId" clId="{BDBE6496-8B43-40A2-8D74-2CC5C1542BA4}" dt="2023-09-15T05:13:49.165" v="96" actId="1076"/>
-          <ac:spMkLst>
-            <pc:docMk/>
-            <pc:sldMk cId="4069303533" sldId="448"/>
-            <ac:spMk id="3" creationId="{28F4464D-1CC1-4F92-88A3-886123E31DD5}"/>
-          </ac:spMkLst>
-        </pc:spChg>
-      </pc:sldChg>
-      <pc:sldChg chg="modSp mod">
-        <pc:chgData name="Dénes" userId="f3f680a857a6f265" providerId="LiveId" clId="{BDBE6496-8B43-40A2-8D74-2CC5C1542BA4}" dt="2023-09-15T04:50:10.081" v="88" actId="1076"/>
-        <pc:sldMkLst>
-          <pc:docMk/>
-          <pc:sldMk cId="1743685917" sldId="453"/>
-        </pc:sldMkLst>
-        <pc:picChg chg="mod modCrop">
-          <ac:chgData name="Dénes" userId="f3f680a857a6f265" providerId="LiveId" clId="{BDBE6496-8B43-40A2-8D74-2CC5C1542BA4}" dt="2023-09-15T04:50:10.081" v="88" actId="1076"/>
-          <ac:picMkLst>
-            <pc:docMk/>
-            <pc:sldMk cId="1743685917" sldId="453"/>
-            <ac:picMk id="6" creationId="{74115C9D-A2D4-4903-9446-234A84E0677C}"/>
-          </ac:picMkLst>
-        </pc:picChg>
-      </pc:sldChg>
-      <pc:sldChg chg="addSp delSp modSp mod">
-        <pc:chgData name="Dénes" userId="f3f680a857a6f265" providerId="LiveId" clId="{BDBE6496-8B43-40A2-8D74-2CC5C1542BA4}" dt="2023-09-15T04:48:43.363" v="80" actId="1076"/>
-        <pc:sldMkLst>
-          <pc:docMk/>
-          <pc:sldMk cId="300575366" sldId="454"/>
-        </pc:sldMkLst>
-        <pc:spChg chg="add mod">
-          <ac:chgData name="Dénes" userId="f3f680a857a6f265" providerId="LiveId" clId="{BDBE6496-8B43-40A2-8D74-2CC5C1542BA4}" dt="2023-09-15T04:48:43.363" v="80" actId="1076"/>
-          <ac:spMkLst>
-            <pc:docMk/>
-            <pc:sldMk cId="300575366" sldId="454"/>
-            <ac:spMk id="4" creationId="{710094D4-95CB-BA29-D031-E9993C127E18}"/>
-          </ac:spMkLst>
-        </pc:spChg>
-        <pc:picChg chg="del">
-          <ac:chgData name="Dénes" userId="f3f680a857a6f265" providerId="LiveId" clId="{BDBE6496-8B43-40A2-8D74-2CC5C1542BA4}" dt="2023-09-15T04:46:34.062" v="55" actId="478"/>
-          <ac:picMkLst>
-            <pc:docMk/>
-            <pc:sldMk cId="300575366" sldId="454"/>
-            <ac:picMk id="5" creationId="{EF839A12-4B9F-4BFD-9929-42FE27C15B75}"/>
-          </ac:picMkLst>
-        </pc:picChg>
-      </pc:sldChg>
-      <pc:sldChg chg="modSp mod">
-        <pc:chgData name="Dénes" userId="f3f680a857a6f265" providerId="LiveId" clId="{BDBE6496-8B43-40A2-8D74-2CC5C1542BA4}" dt="2023-09-15T04:50:23.056" v="89" actId="1076"/>
-        <pc:sldMkLst>
-          <pc:docMk/>
-          <pc:sldMk cId="196709755" sldId="456"/>
-        </pc:sldMkLst>
-        <pc:picChg chg="mod">
-          <ac:chgData name="Dénes" userId="f3f680a857a6f265" providerId="LiveId" clId="{BDBE6496-8B43-40A2-8D74-2CC5C1542BA4}" dt="2023-09-15T04:50:23.056" v="89" actId="1076"/>
-          <ac:picMkLst>
-            <pc:docMk/>
-            <pc:sldMk cId="196709755" sldId="456"/>
-            <ac:picMk id="7" creationId="{9EF2AD4E-7909-4453-8E9A-07A9EC6093EF}"/>
-          </ac:picMkLst>
-        </pc:picChg>
-      </pc:sldChg>
-      <pc:sldChg chg="add del">
-        <pc:chgData name="Dénes" userId="f3f680a857a6f265" providerId="LiveId" clId="{BDBE6496-8B43-40A2-8D74-2CC5C1542BA4}" dt="2023-09-15T04:44:34.513" v="2" actId="2696"/>
-        <pc:sldMkLst>
-          <pc:docMk/>
-          <pc:sldMk cId="601105788" sldId="472"/>
-        </pc:sldMkLst>
-      </pc:sldChg>
-      <pc:sldChg chg="add del">
-        <pc:chgData name="Dénes" userId="f3f680a857a6f265" providerId="LiveId" clId="{BDBE6496-8B43-40A2-8D74-2CC5C1542BA4}" dt="2023-09-15T04:44:34.513" v="2" actId="2696"/>
-        <pc:sldMkLst>
-          <pc:docMk/>
-          <pc:sldMk cId="234928546" sldId="473"/>
-        </pc:sldMkLst>
-      </pc:sldChg>
-      <pc:sldChg chg="add del">
-        <pc:chgData name="Dénes" userId="f3f680a857a6f265" providerId="LiveId" clId="{BDBE6496-8B43-40A2-8D74-2CC5C1542BA4}" dt="2023-09-15T04:32:26.075" v="1" actId="2696"/>
-        <pc:sldMkLst>
-          <pc:docMk/>
-          <pc:sldMk cId="3972393453" sldId="477"/>
-        </pc:sldMkLst>
-      </pc:sldChg>
-      <pc:sldChg chg="modSp">
-        <pc:chgData name="Dénes" userId="f3f680a857a6f265" providerId="LiveId" clId="{BDBE6496-8B43-40A2-8D74-2CC5C1542BA4}" dt="2023-09-15T04:46:22.124" v="54"/>
-        <pc:sldMkLst>
-          <pc:docMk/>
-          <pc:sldMk cId="920466972" sldId="478"/>
-        </pc:sldMkLst>
-        <pc:picChg chg="mod">
-          <ac:chgData name="Dénes" userId="f3f680a857a6f265" providerId="LiveId" clId="{BDBE6496-8B43-40A2-8D74-2CC5C1542BA4}" dt="2023-09-15T04:46:22.124" v="54"/>
-          <ac:picMkLst>
-            <pc:docMk/>
-            <pc:sldMk cId="920466972" sldId="478"/>
-            <ac:picMk id="2050" creationId="{A052E327-152A-41B3-AE33-4893CDB9803D}"/>
-          </ac:picMkLst>
-        </pc:picChg>
-      </pc:sldChg>
-      <pc:sldChg chg="add del">
-        <pc:chgData name="Dénes" userId="f3f680a857a6f265" providerId="LiveId" clId="{BDBE6496-8B43-40A2-8D74-2CC5C1542BA4}" dt="2023-09-15T05:13:53.761" v="98" actId="2890"/>
-        <pc:sldMkLst>
-          <pc:docMk/>
-          <pc:sldMk cId="2132556835" sldId="517"/>
-        </pc:sldMkLst>
-      </pc:sldChg>
-    </pc:docChg>
-  </pc:docChgLst>
-</pc:chgInfo>
 </file>
 
 <file path=ppt/notesMasters/notesMaster1.xml><?xml version="1.0" encoding="utf-8"?>
@@ -2340,7 +257,7 @@
           <a:p>
             <a:fld id="{A9A5DA3C-BDF6-44EF-83ED-A29CA680A5AA}" type="datetimeFigureOut">
               <a:rPr lang="en-GB" smtClean="0"/>
-              <a:t>31/01/2024</a:t>
+              <a:t>16/02/2024</a:t>
             </a:fld>
             <a:endParaRPr lang="en-GB"/>
           </a:p>
@@ -2757,7 +674,7 @@
           <a:p>
             <a:fld id="{1041D2DD-F029-4FB0-BB12-3B6037A6356B}" type="datetimeFigureOut">
               <a:rPr lang="en-GB" smtClean="0"/>
-              <a:t>31/01/2024</a:t>
+              <a:t>16/02/2024</a:t>
             </a:fld>
             <a:endParaRPr lang="en-GB"/>
           </a:p>
@@ -2957,7 +874,7 @@
           <a:p>
             <a:fld id="{1041D2DD-F029-4FB0-BB12-3B6037A6356B}" type="datetimeFigureOut">
               <a:rPr lang="en-GB" smtClean="0"/>
-              <a:t>31/01/2024</a:t>
+              <a:t>16/02/2024</a:t>
             </a:fld>
             <a:endParaRPr lang="en-GB"/>
           </a:p>
@@ -3167,7 +1084,7 @@
           <a:p>
             <a:fld id="{1041D2DD-F029-4FB0-BB12-3B6037A6356B}" type="datetimeFigureOut">
               <a:rPr lang="en-GB" smtClean="0"/>
-              <a:t>31/01/2024</a:t>
+              <a:t>16/02/2024</a:t>
             </a:fld>
             <a:endParaRPr lang="en-GB"/>
           </a:p>
@@ -3371,7 +1288,7 @@
           <a:p>
             <a:fld id="{2E2C077B-C732-49E5-B20E-05DE29246531}" type="datetimeFigureOut">
               <a:rPr lang="en-GB" smtClean="0"/>
-              <a:t>31/01/2024</a:t>
+              <a:t>16/02/2024</a:t>
             </a:fld>
             <a:endParaRPr lang="en-GB"/>
           </a:p>
@@ -3541,7 +1458,7 @@
           <a:p>
             <a:fld id="{2E2C077B-C732-49E5-B20E-05DE29246531}" type="datetimeFigureOut">
               <a:rPr lang="en-GB" smtClean="0"/>
-              <a:t>31/01/2024</a:t>
+              <a:t>16/02/2024</a:t>
             </a:fld>
             <a:endParaRPr lang="en-GB"/>
           </a:p>
@@ -3787,7 +1704,7 @@
           <a:p>
             <a:fld id="{2E2C077B-C732-49E5-B20E-05DE29246531}" type="datetimeFigureOut">
               <a:rPr lang="en-GB" smtClean="0"/>
-              <a:t>31/01/2024</a:t>
+              <a:t>16/02/2024</a:t>
             </a:fld>
             <a:endParaRPr lang="en-GB"/>
           </a:p>
@@ -4019,7 +1936,7 @@
           <a:p>
             <a:fld id="{2E2C077B-C732-49E5-B20E-05DE29246531}" type="datetimeFigureOut">
               <a:rPr lang="en-GB" smtClean="0"/>
-              <a:t>31/01/2024</a:t>
+              <a:t>16/02/2024</a:t>
             </a:fld>
             <a:endParaRPr lang="en-GB"/>
           </a:p>
@@ -4386,7 +2303,7 @@
           <a:p>
             <a:fld id="{2E2C077B-C732-49E5-B20E-05DE29246531}" type="datetimeFigureOut">
               <a:rPr lang="en-GB" smtClean="0"/>
-              <a:t>31/01/2024</a:t>
+              <a:t>16/02/2024</a:t>
             </a:fld>
             <a:endParaRPr lang="en-GB"/>
           </a:p>
@@ -4504,7 +2421,7 @@
           <a:p>
             <a:fld id="{2E2C077B-C732-49E5-B20E-05DE29246531}" type="datetimeFigureOut">
               <a:rPr lang="en-GB" smtClean="0"/>
-              <a:t>31/01/2024</a:t>
+              <a:t>16/02/2024</a:t>
             </a:fld>
             <a:endParaRPr lang="en-GB"/>
           </a:p>
@@ -4599,7 +2516,7 @@
           <a:p>
             <a:fld id="{2E2C077B-C732-49E5-B20E-05DE29246531}" type="datetimeFigureOut">
               <a:rPr lang="en-GB" smtClean="0"/>
-              <a:t>31/01/2024</a:t>
+              <a:t>16/02/2024</a:t>
             </a:fld>
             <a:endParaRPr lang="en-GB"/>
           </a:p>
@@ -4876,7 +2793,7 @@
           <a:p>
             <a:fld id="{2E2C077B-C732-49E5-B20E-05DE29246531}" type="datetimeFigureOut">
               <a:rPr lang="en-GB" smtClean="0"/>
-              <a:t>31/01/2024</a:t>
+              <a:t>16/02/2024</a:t>
             </a:fld>
             <a:endParaRPr lang="en-GB"/>
           </a:p>
@@ -5064,7 +2981,7 @@
           <a:p>
             <a:fld id="{1041D2DD-F029-4FB0-BB12-3B6037A6356B}" type="datetimeFigureOut">
               <a:rPr lang="en-GB" smtClean="0"/>
-              <a:t>31/01/2024</a:t>
+              <a:t>16/02/2024</a:t>
             </a:fld>
             <a:endParaRPr lang="en-GB"/>
           </a:p>
@@ -5329,7 +3246,7 @@
           <a:p>
             <a:fld id="{2E2C077B-C732-49E5-B20E-05DE29246531}" type="datetimeFigureOut">
               <a:rPr lang="en-GB" smtClean="0"/>
-              <a:t>31/01/2024</a:t>
+              <a:t>16/02/2024</a:t>
             </a:fld>
             <a:endParaRPr lang="en-GB"/>
           </a:p>
@@ -5499,7 +3416,7 @@
           <a:p>
             <a:fld id="{2E2C077B-C732-49E5-B20E-05DE29246531}" type="datetimeFigureOut">
               <a:rPr lang="en-GB" smtClean="0"/>
-              <a:t>31/01/2024</a:t>
+              <a:t>16/02/2024</a:t>
             </a:fld>
             <a:endParaRPr lang="en-GB"/>
           </a:p>
@@ -5679,7 +3596,7 @@
           <a:p>
             <a:fld id="{2E2C077B-C732-49E5-B20E-05DE29246531}" type="datetimeFigureOut">
               <a:rPr lang="en-GB" smtClean="0"/>
-              <a:t>31/01/2024</a:t>
+              <a:t>16/02/2024</a:t>
             </a:fld>
             <a:endParaRPr lang="en-GB"/>
           </a:p>
@@ -5943,7 +3860,7 @@
           <a:p>
             <a:fld id="{1041D2DD-F029-4FB0-BB12-3B6037A6356B}" type="datetimeFigureOut">
               <a:rPr lang="en-GB" smtClean="0"/>
-              <a:t>31/01/2024</a:t>
+              <a:t>16/02/2024</a:t>
             </a:fld>
             <a:endParaRPr lang="en-GB"/>
           </a:p>
@@ -6211,7 +4128,7 @@
           <a:p>
             <a:fld id="{1041D2DD-F029-4FB0-BB12-3B6037A6356B}" type="datetimeFigureOut">
               <a:rPr lang="en-GB" smtClean="0"/>
-              <a:t>31/01/2024</a:t>
+              <a:t>16/02/2024</a:t>
             </a:fld>
             <a:endParaRPr lang="en-GB"/>
           </a:p>
@@ -6626,7 +4543,7 @@
           <a:p>
             <a:fld id="{1041D2DD-F029-4FB0-BB12-3B6037A6356B}" type="datetimeFigureOut">
               <a:rPr lang="en-GB" smtClean="0"/>
-              <a:t>31/01/2024</a:t>
+              <a:t>16/02/2024</a:t>
             </a:fld>
             <a:endParaRPr lang="en-GB"/>
           </a:p>
@@ -6768,7 +4685,7 @@
           <a:p>
             <a:fld id="{1041D2DD-F029-4FB0-BB12-3B6037A6356B}" type="datetimeFigureOut">
               <a:rPr lang="en-GB" smtClean="0"/>
-              <a:t>31/01/2024</a:t>
+              <a:t>16/02/2024</a:t>
             </a:fld>
             <a:endParaRPr lang="en-GB"/>
           </a:p>
@@ -6881,7 +4798,7 @@
           <a:p>
             <a:fld id="{1041D2DD-F029-4FB0-BB12-3B6037A6356B}" type="datetimeFigureOut">
               <a:rPr lang="en-GB" smtClean="0"/>
-              <a:t>31/01/2024</a:t>
+              <a:t>16/02/2024</a:t>
             </a:fld>
             <a:endParaRPr lang="en-GB"/>
           </a:p>
@@ -7194,7 +5111,7 @@
           <a:p>
             <a:fld id="{1041D2DD-F029-4FB0-BB12-3B6037A6356B}" type="datetimeFigureOut">
               <a:rPr lang="en-GB" smtClean="0"/>
-              <a:t>31/01/2024</a:t>
+              <a:t>16/02/2024</a:t>
             </a:fld>
             <a:endParaRPr lang="en-GB"/>
           </a:p>
@@ -7483,7 +5400,7 @@
           <a:p>
             <a:fld id="{1041D2DD-F029-4FB0-BB12-3B6037A6356B}" type="datetimeFigureOut">
               <a:rPr lang="en-GB" smtClean="0"/>
-              <a:t>31/01/2024</a:t>
+              <a:t>16/02/2024</a:t>
             </a:fld>
             <a:endParaRPr lang="en-GB"/>
           </a:p>
@@ -7726,7 +5643,7 @@
           <a:p>
             <a:fld id="{1041D2DD-F029-4FB0-BB12-3B6037A6356B}" type="datetimeFigureOut">
               <a:rPr lang="en-GB" smtClean="0"/>
-              <a:t>31/01/2024</a:t>
+              <a:t>16/02/2024</a:t>
             </a:fld>
             <a:endParaRPr lang="en-GB"/>
           </a:p>
@@ -8281,7 +6198,7 @@
           <a:p>
             <a:fld id="{2E2C077B-C732-49E5-B20E-05DE29246531}" type="datetimeFigureOut">
               <a:rPr lang="en-GB" smtClean="0"/>
-              <a:t>31/01/2024</a:t>
+              <a:t>16/02/2024</a:t>
             </a:fld>
             <a:endParaRPr lang="en-GB"/>
           </a:p>
@@ -8777,8 +6694,8 @@
         </p:nvSpPr>
         <p:spPr>
           <a:xfrm>
-            <a:off x="596863" y="3875315"/>
-            <a:ext cx="10998274" cy="496977"/>
+            <a:off x="584126" y="340080"/>
+            <a:ext cx="9197547" cy="496977"/>
           </a:xfrm>
           <a:solidFill>
             <a:srgbClr val="122B39"/>
@@ -8803,15 +6720,58 @@
             <a:r>
               <a:rPr lang="en-GB" dirty="0">
                 <a:solidFill>
-                  <a:srgbClr val="0063AF"/>
+                  <a:srgbClr val="F4C245"/>
                 </a:solidFill>
                 <a:latin typeface="Circular Std Book" panose="020B0604020101020102" pitchFamily="34" charset="0"/>
                 <a:cs typeface="Circular Std Book" panose="020B0604020101020102" pitchFamily="34" charset="0"/>
               </a:rPr>
               <a:t>.</a:t>
             </a:r>
+          </a:p>
+        </p:txBody>
+      </p:sp>
+      <p:sp>
+        <p:nvSpPr>
+          <p:cNvPr id="7" name="TextBox 6">
+            <a:extLst>
+              <a:ext uri="{FF2B5EF4-FFF2-40B4-BE49-F238E27FC236}">
+                <a16:creationId xmlns:a16="http://schemas.microsoft.com/office/drawing/2014/main" id="{20185CA6-FF38-B567-B100-27A964FB8B4F}"/>
+              </a:ext>
+            </a:extLst>
+          </p:cNvPr>
+          <p:cNvSpPr txBox="1"/>
+          <p:nvPr/>
+        </p:nvSpPr>
+        <p:spPr>
+          <a:xfrm>
+            <a:off x="584126" y="1366897"/>
+            <a:ext cx="11050411" cy="3447098"/>
+          </a:xfrm>
+          <a:prstGeom prst="rect">
+            <a:avLst/>
+          </a:prstGeom>
+          <a:noFill/>
+        </p:spPr>
+        <p:txBody>
+          <a:bodyPr wrap="square">
+            <a:spAutoFit/>
+          </a:bodyPr>
+          <a:lstStyle/>
+          <a:p>
+            <a:r>
+              <a:rPr lang="en-GB" sz="2000" dirty="0">
+                <a:solidFill>
+                  <a:schemeClr val="bg1">
+                    <a:lumMod val="95000"/>
+                  </a:schemeClr>
+                </a:solidFill>
+                <a:latin typeface="Circular Std Book" panose="020B0604020101020102" pitchFamily="34" charset="0"/>
+                <a:cs typeface="Circular Std Book" panose="020B0604020101020102" pitchFamily="34" charset="0"/>
+              </a:rPr>
+              <a:t>To link an HTML page to a CSS file you specify the location in the head section of your page. </a:t>
+            </a:r>
             <a:br>
-              <a:rPr lang="en-GB" dirty="0">
+              <a:rPr lang="en-GB" sz="2800" dirty="0">
                 <a:solidFill>
                   <a:srgbClr val="0063AF"/>
                 </a:solidFill>
@@ -8828,17 +6788,359 @@
                 <a:cs typeface="Circular Std Book" panose="020B0604020101020102" pitchFamily="34" charset="0"/>
               </a:rPr>
             </a:br>
+            <a:r>
+              <a:rPr lang="en-US" sz="1800" b="0" dirty="0">
+                <a:solidFill>
+                  <a:srgbClr val="6A9955"/>
+                </a:solidFill>
+                <a:effectLst/>
+                <a:latin typeface="Consolas" panose="020B0609020204030204" pitchFamily="49" charset="0"/>
+              </a:rPr>
+              <a:t>&lt;!-- Here is the head section --&gt;</a:t>
+            </a:r>
             <a:br>
-              <a:rPr lang="en-GB" dirty="0">
-                <a:solidFill>
-                  <a:srgbClr val="0063AF"/>
-                </a:solidFill>
-                <a:latin typeface="Circular Std Book" panose="020B0604020101020102" pitchFamily="34" charset="0"/>
-                <a:cs typeface="Circular Std Book" panose="020B0604020101020102" pitchFamily="34" charset="0"/>
+              <a:rPr lang="en-US" sz="1800" b="0" dirty="0">
+                <a:solidFill>
+                  <a:srgbClr val="D4D4D4"/>
+                </a:solidFill>
+                <a:effectLst/>
+                <a:latin typeface="Consolas" panose="020B0609020204030204" pitchFamily="49" charset="0"/>
               </a:rPr>
             </a:br>
             <a:r>
-              <a:rPr lang="en-GB" sz="2700" dirty="0">
+              <a:rPr lang="en-US" sz="1800" b="0" dirty="0">
+                <a:solidFill>
+                  <a:srgbClr val="808080"/>
+                </a:solidFill>
+                <a:effectLst/>
+                <a:latin typeface="Consolas" panose="020B0609020204030204" pitchFamily="49" charset="0"/>
+              </a:rPr>
+              <a:t>&lt;</a:t>
+            </a:r>
+            <a:r>
+              <a:rPr lang="en-US" sz="1800" b="0" dirty="0">
+                <a:solidFill>
+                  <a:srgbClr val="569CD6"/>
+                </a:solidFill>
+                <a:effectLst/>
+                <a:latin typeface="Consolas" panose="020B0609020204030204" pitchFamily="49" charset="0"/>
+              </a:rPr>
+              <a:t>head</a:t>
+            </a:r>
+            <a:r>
+              <a:rPr lang="en-US" sz="1800" b="0" dirty="0">
+                <a:solidFill>
+                  <a:srgbClr val="808080"/>
+                </a:solidFill>
+                <a:effectLst/>
+                <a:latin typeface="Consolas" panose="020B0609020204030204" pitchFamily="49" charset="0"/>
+              </a:rPr>
+              <a:t>&gt;</a:t>
+            </a:r>
+            <a:br>
+              <a:rPr lang="en-US" sz="1800" b="0" dirty="0">
+                <a:solidFill>
+                  <a:srgbClr val="D4D4D4"/>
+                </a:solidFill>
+                <a:effectLst/>
+                <a:latin typeface="Consolas" panose="020B0609020204030204" pitchFamily="49" charset="0"/>
+              </a:rPr>
+            </a:br>
+            <a:r>
+              <a:rPr lang="en-US" sz="1800" b="0" dirty="0">
+                <a:solidFill>
+                  <a:srgbClr val="808080"/>
+                </a:solidFill>
+                <a:effectLst/>
+                <a:latin typeface="Consolas" panose="020B0609020204030204" pitchFamily="49" charset="0"/>
+              </a:rPr>
+              <a:t>&lt;</a:t>
+            </a:r>
+            <a:r>
+              <a:rPr lang="en-US" sz="1800" b="0" dirty="0">
+                <a:solidFill>
+                  <a:srgbClr val="569CD6"/>
+                </a:solidFill>
+                <a:effectLst/>
+                <a:latin typeface="Consolas" panose="020B0609020204030204" pitchFamily="49" charset="0"/>
+              </a:rPr>
+              <a:t>title</a:t>
+            </a:r>
+            <a:r>
+              <a:rPr lang="en-US" sz="1800" b="0" dirty="0">
+                <a:solidFill>
+                  <a:srgbClr val="808080"/>
+                </a:solidFill>
+                <a:effectLst/>
+                <a:latin typeface="Consolas" panose="020B0609020204030204" pitchFamily="49" charset="0"/>
+              </a:rPr>
+              <a:t>&gt;</a:t>
+            </a:r>
+            <a:r>
+              <a:rPr lang="en-US" sz="1800" b="0" dirty="0">
+                <a:solidFill>
+                  <a:srgbClr val="D4D4D4"/>
+                </a:solidFill>
+                <a:effectLst/>
+                <a:latin typeface="Consolas" panose="020B0609020204030204" pitchFamily="49" charset="0"/>
+              </a:rPr>
+              <a:t>Page Title</a:t>
+            </a:r>
+            <a:r>
+              <a:rPr lang="en-US" sz="1800" b="0" dirty="0">
+                <a:solidFill>
+                  <a:srgbClr val="808080"/>
+                </a:solidFill>
+                <a:effectLst/>
+                <a:latin typeface="Consolas" panose="020B0609020204030204" pitchFamily="49" charset="0"/>
+              </a:rPr>
+              <a:t>&lt;/</a:t>
+            </a:r>
+            <a:r>
+              <a:rPr lang="en-US" sz="1800" b="0" dirty="0">
+                <a:solidFill>
+                  <a:srgbClr val="569CD6"/>
+                </a:solidFill>
+                <a:effectLst/>
+                <a:latin typeface="Consolas" panose="020B0609020204030204" pitchFamily="49" charset="0"/>
+              </a:rPr>
+              <a:t>title</a:t>
+            </a:r>
+            <a:r>
+              <a:rPr lang="en-US" sz="1800" b="0" dirty="0">
+                <a:solidFill>
+                  <a:srgbClr val="808080"/>
+                </a:solidFill>
+                <a:effectLst/>
+                <a:latin typeface="Consolas" panose="020B0609020204030204" pitchFamily="49" charset="0"/>
+              </a:rPr>
+              <a:t>&gt;</a:t>
+            </a:r>
+            <a:br>
+              <a:rPr lang="en-US" sz="1800" b="0" dirty="0">
+                <a:solidFill>
+                  <a:srgbClr val="D4D4D4"/>
+                </a:solidFill>
+                <a:effectLst/>
+                <a:latin typeface="Consolas" panose="020B0609020204030204" pitchFamily="49" charset="0"/>
+              </a:rPr>
+            </a:br>
+            <a:br>
+              <a:rPr lang="en-US" sz="1800" b="0" dirty="0">
+                <a:solidFill>
+                  <a:srgbClr val="D4D4D4"/>
+                </a:solidFill>
+                <a:effectLst/>
+                <a:latin typeface="Consolas" panose="020B0609020204030204" pitchFamily="49" charset="0"/>
+              </a:rPr>
+            </a:br>
+            <a:r>
+              <a:rPr lang="en-US" sz="1800" b="0" dirty="0">
+                <a:solidFill>
+                  <a:srgbClr val="6A9955"/>
+                </a:solidFill>
+                <a:effectLst/>
+                <a:latin typeface="Consolas" panose="020B0609020204030204" pitchFamily="49" charset="0"/>
+              </a:rPr>
+              <a:t>&lt;!-- Link to my CSS file --&gt;</a:t>
+            </a:r>
+            <a:br>
+              <a:rPr lang="en-US" sz="1800" b="0" dirty="0">
+                <a:solidFill>
+                  <a:srgbClr val="D4D4D4"/>
+                </a:solidFill>
+                <a:effectLst/>
+                <a:latin typeface="Consolas" panose="020B0609020204030204" pitchFamily="49" charset="0"/>
+              </a:rPr>
+            </a:br>
+            <a:r>
+              <a:rPr lang="en-US" sz="1800" b="0" dirty="0">
+                <a:solidFill>
+                  <a:srgbClr val="808080"/>
+                </a:solidFill>
+                <a:effectLst/>
+                <a:latin typeface="Consolas" panose="020B0609020204030204" pitchFamily="49" charset="0"/>
+              </a:rPr>
+              <a:t>&lt;</a:t>
+            </a:r>
+            <a:r>
+              <a:rPr lang="en-US" sz="1800" b="0" dirty="0">
+                <a:solidFill>
+                  <a:srgbClr val="569CD6"/>
+                </a:solidFill>
+                <a:effectLst/>
+                <a:latin typeface="Consolas" panose="020B0609020204030204" pitchFamily="49" charset="0"/>
+              </a:rPr>
+              <a:t>link</a:t>
+            </a:r>
+            <a:r>
+              <a:rPr lang="en-US" sz="1800" b="0" dirty="0">
+                <a:solidFill>
+                  <a:srgbClr val="D4D4D4"/>
+                </a:solidFill>
+                <a:effectLst/>
+                <a:latin typeface="Consolas" panose="020B0609020204030204" pitchFamily="49" charset="0"/>
+              </a:rPr>
+              <a:t> </a:t>
+            </a:r>
+            <a:r>
+              <a:rPr lang="en-US" sz="1800" b="0" dirty="0" err="1">
+                <a:solidFill>
+                  <a:srgbClr val="9CDCFE"/>
+                </a:solidFill>
+                <a:effectLst/>
+                <a:latin typeface="Consolas" panose="020B0609020204030204" pitchFamily="49" charset="0"/>
+              </a:rPr>
+              <a:t>rel</a:t>
+            </a:r>
+            <a:r>
+              <a:rPr lang="en-US" sz="1800" b="0" dirty="0">
+                <a:solidFill>
+                  <a:srgbClr val="D4D4D4"/>
+                </a:solidFill>
+                <a:effectLst/>
+                <a:latin typeface="Consolas" panose="020B0609020204030204" pitchFamily="49" charset="0"/>
+              </a:rPr>
+              <a:t>=</a:t>
+            </a:r>
+            <a:r>
+              <a:rPr lang="en-US" sz="1800" b="0" dirty="0">
+                <a:solidFill>
+                  <a:srgbClr val="CE9178"/>
+                </a:solidFill>
+                <a:effectLst/>
+                <a:latin typeface="Consolas" panose="020B0609020204030204" pitchFamily="49" charset="0"/>
+              </a:rPr>
+              <a:t>"stylesheet"</a:t>
+            </a:r>
+            <a:r>
+              <a:rPr lang="en-US" sz="1800" b="0" dirty="0">
+                <a:solidFill>
+                  <a:srgbClr val="D4D4D4"/>
+                </a:solidFill>
+                <a:effectLst/>
+                <a:latin typeface="Consolas" panose="020B0609020204030204" pitchFamily="49" charset="0"/>
+              </a:rPr>
+              <a:t> </a:t>
+            </a:r>
+            <a:r>
+              <a:rPr lang="en-US" sz="1800" b="0" dirty="0" err="1">
+                <a:solidFill>
+                  <a:srgbClr val="9CDCFE"/>
+                </a:solidFill>
+                <a:effectLst/>
+                <a:latin typeface="Consolas" panose="020B0609020204030204" pitchFamily="49" charset="0"/>
+              </a:rPr>
+              <a:t>href</a:t>
+            </a:r>
+            <a:r>
+              <a:rPr lang="en-US" sz="1800" b="0" dirty="0">
+                <a:solidFill>
+                  <a:srgbClr val="D4D4D4"/>
+                </a:solidFill>
+                <a:effectLst/>
+                <a:latin typeface="Consolas" panose="020B0609020204030204" pitchFamily="49" charset="0"/>
+              </a:rPr>
+              <a:t>=</a:t>
+            </a:r>
+            <a:r>
+              <a:rPr lang="en-US" sz="1800" b="0" dirty="0">
+                <a:solidFill>
+                  <a:srgbClr val="CE9178"/>
+                </a:solidFill>
+                <a:effectLst/>
+                <a:latin typeface="Consolas" panose="020B0609020204030204" pitchFamily="49" charset="0"/>
+              </a:rPr>
+              <a:t>”</a:t>
+            </a:r>
+            <a:r>
+              <a:rPr lang="en-US" sz="1800" dirty="0">
+                <a:solidFill>
+                  <a:srgbClr val="CE9178"/>
+                </a:solidFill>
+                <a:latin typeface="Consolas" panose="020B0609020204030204" pitchFamily="49" charset="0"/>
+              </a:rPr>
+              <a:t>e</a:t>
+            </a:r>
+            <a:r>
+              <a:rPr lang="en-US" sz="1800" b="0" dirty="0">
+                <a:solidFill>
+                  <a:srgbClr val="CE9178"/>
+                </a:solidFill>
+                <a:effectLst/>
+                <a:latin typeface="Consolas" panose="020B0609020204030204" pitchFamily="49" charset="0"/>
+              </a:rPr>
+              <a:t>xample1.css"</a:t>
+            </a:r>
+            <a:r>
+              <a:rPr lang="en-US" sz="1800" b="0" dirty="0">
+                <a:solidFill>
+                  <a:srgbClr val="808080"/>
+                </a:solidFill>
+                <a:effectLst/>
+                <a:latin typeface="Consolas" panose="020B0609020204030204" pitchFamily="49" charset="0"/>
+              </a:rPr>
+              <a:t>&gt;</a:t>
+            </a:r>
+            <a:br>
+              <a:rPr lang="en-US" sz="1800" b="0" dirty="0">
+                <a:solidFill>
+                  <a:srgbClr val="D4D4D4"/>
+                </a:solidFill>
+                <a:effectLst/>
+                <a:latin typeface="Consolas" panose="020B0609020204030204" pitchFamily="49" charset="0"/>
+              </a:rPr>
+            </a:br>
+            <a:r>
+              <a:rPr lang="en-US" sz="1800" b="0" dirty="0">
+                <a:solidFill>
+                  <a:srgbClr val="808080"/>
+                </a:solidFill>
+                <a:effectLst/>
+                <a:latin typeface="Consolas" panose="020B0609020204030204" pitchFamily="49" charset="0"/>
+              </a:rPr>
+              <a:t>&lt;/</a:t>
+            </a:r>
+            <a:r>
+              <a:rPr lang="en-US" sz="1800" b="0" dirty="0">
+                <a:solidFill>
+                  <a:srgbClr val="569CD6"/>
+                </a:solidFill>
+                <a:effectLst/>
+                <a:latin typeface="Consolas" panose="020B0609020204030204" pitchFamily="49" charset="0"/>
+              </a:rPr>
+              <a:t>head</a:t>
+            </a:r>
+            <a:r>
+              <a:rPr lang="en-US" sz="1800" b="0" dirty="0">
+                <a:solidFill>
+                  <a:srgbClr val="808080"/>
+                </a:solidFill>
+                <a:effectLst/>
+                <a:latin typeface="Consolas" panose="020B0609020204030204" pitchFamily="49" charset="0"/>
+              </a:rPr>
+              <a:t>&gt;</a:t>
+            </a:r>
+            <a:br>
+              <a:rPr lang="en-US" sz="1800" b="0" dirty="0">
+                <a:solidFill>
+                  <a:srgbClr val="808080"/>
+                </a:solidFill>
+                <a:effectLst/>
+                <a:latin typeface="Consolas" panose="020B0609020204030204" pitchFamily="49" charset="0"/>
+              </a:rPr>
+            </a:br>
+            <a:br>
+              <a:rPr lang="en-US" sz="1800" b="0" dirty="0">
+                <a:solidFill>
+                  <a:srgbClr val="808080"/>
+                </a:solidFill>
+                <a:effectLst/>
+                <a:latin typeface="Consolas" panose="020B0609020204030204" pitchFamily="49" charset="0"/>
+              </a:rPr>
+            </a:br>
+            <a:r>
+              <a:rPr lang="en-GB" sz="2400" dirty="0">
                 <a:solidFill>
                   <a:schemeClr val="bg1">
                     <a:lumMod val="95000"/>
@@ -8847,360 +7149,10 @@
                 <a:latin typeface="Circular Std Book" panose="020B0604020101020102" pitchFamily="34" charset="0"/>
                 <a:cs typeface="Circular Std Book" panose="020B0604020101020102" pitchFamily="34" charset="0"/>
               </a:rPr>
-              <a:t>To link your HTML page to a CSS file you specify the location in the head section of your page. </a:t>
-            </a:r>
-            <a:br>
-              <a:rPr lang="en-GB" sz="3600" dirty="0">
-                <a:solidFill>
-                  <a:srgbClr val="0063AF"/>
-                </a:solidFill>
-                <a:latin typeface="Circular Std Book" panose="020B0604020101020102" pitchFamily="34" charset="0"/>
-                <a:cs typeface="Circular Std Book" panose="020B0604020101020102" pitchFamily="34" charset="0"/>
-              </a:rPr>
-            </a:br>
-            <a:br>
-              <a:rPr lang="en-GB" dirty="0">
-                <a:solidFill>
-                  <a:srgbClr val="0063AF"/>
-                </a:solidFill>
-                <a:latin typeface="Circular Std Book" panose="020B0604020101020102" pitchFamily="34" charset="0"/>
-                <a:cs typeface="Circular Std Book" panose="020B0604020101020102" pitchFamily="34" charset="0"/>
-              </a:rPr>
-            </a:br>
-            <a:r>
-              <a:rPr lang="en-US" sz="2200" b="0" dirty="0">
-                <a:solidFill>
-                  <a:srgbClr val="6A9955"/>
-                </a:solidFill>
-                <a:effectLst/>
-                <a:latin typeface="Consolas" panose="020B0609020204030204" pitchFamily="49" charset="0"/>
-              </a:rPr>
-              <a:t>&lt;!-- Here is the head section --&gt;</a:t>
-            </a:r>
-            <a:br>
-              <a:rPr lang="en-US" sz="2200" b="0" dirty="0">
-                <a:solidFill>
-                  <a:srgbClr val="D4D4D4"/>
-                </a:solidFill>
-                <a:effectLst/>
-                <a:latin typeface="Consolas" panose="020B0609020204030204" pitchFamily="49" charset="0"/>
-              </a:rPr>
-            </a:br>
-            <a:r>
-              <a:rPr lang="en-US" sz="2200" b="0" dirty="0">
-                <a:solidFill>
-                  <a:srgbClr val="808080"/>
-                </a:solidFill>
-                <a:effectLst/>
-                <a:latin typeface="Consolas" panose="020B0609020204030204" pitchFamily="49" charset="0"/>
-              </a:rPr>
-              <a:t>&lt;</a:t>
-            </a:r>
-            <a:r>
-              <a:rPr lang="en-US" sz="2200" b="0" dirty="0">
-                <a:solidFill>
-                  <a:srgbClr val="569CD6"/>
-                </a:solidFill>
-                <a:effectLst/>
-                <a:latin typeface="Consolas" panose="020B0609020204030204" pitchFamily="49" charset="0"/>
-              </a:rPr>
-              <a:t>head</a:t>
-            </a:r>
-            <a:r>
-              <a:rPr lang="en-US" sz="2200" b="0" dirty="0">
-                <a:solidFill>
-                  <a:srgbClr val="808080"/>
-                </a:solidFill>
-                <a:effectLst/>
-                <a:latin typeface="Consolas" panose="020B0609020204030204" pitchFamily="49" charset="0"/>
-              </a:rPr>
-              <a:t>&gt;</a:t>
-            </a:r>
-            <a:br>
-              <a:rPr lang="en-US" sz="2200" b="0" dirty="0">
-                <a:solidFill>
-                  <a:srgbClr val="D4D4D4"/>
-                </a:solidFill>
-                <a:effectLst/>
-                <a:latin typeface="Consolas" panose="020B0609020204030204" pitchFamily="49" charset="0"/>
-              </a:rPr>
-            </a:br>
-            <a:r>
-              <a:rPr lang="en-US" sz="2200" b="0" dirty="0">
-                <a:solidFill>
-                  <a:srgbClr val="808080"/>
-                </a:solidFill>
-                <a:effectLst/>
-                <a:latin typeface="Consolas" panose="020B0609020204030204" pitchFamily="49" charset="0"/>
-              </a:rPr>
-              <a:t>&lt;</a:t>
-            </a:r>
-            <a:r>
-              <a:rPr lang="en-US" sz="2200" b="0" dirty="0">
-                <a:solidFill>
-                  <a:srgbClr val="569CD6"/>
-                </a:solidFill>
-                <a:effectLst/>
-                <a:latin typeface="Consolas" panose="020B0609020204030204" pitchFamily="49" charset="0"/>
-              </a:rPr>
-              <a:t>title</a:t>
-            </a:r>
-            <a:r>
-              <a:rPr lang="en-US" sz="2200" b="0" dirty="0">
-                <a:solidFill>
-                  <a:srgbClr val="808080"/>
-                </a:solidFill>
-                <a:effectLst/>
-                <a:latin typeface="Consolas" panose="020B0609020204030204" pitchFamily="49" charset="0"/>
-              </a:rPr>
-              <a:t>&gt;</a:t>
-            </a:r>
-            <a:r>
-              <a:rPr lang="en-US" sz="2200" b="0" dirty="0">
-                <a:solidFill>
-                  <a:srgbClr val="D4D4D4"/>
-                </a:solidFill>
-                <a:effectLst/>
-                <a:latin typeface="Consolas" panose="020B0609020204030204" pitchFamily="49" charset="0"/>
-              </a:rPr>
-              <a:t>Page Title</a:t>
-            </a:r>
-            <a:r>
-              <a:rPr lang="en-US" sz="2200" b="0" dirty="0">
-                <a:solidFill>
-                  <a:srgbClr val="808080"/>
-                </a:solidFill>
-                <a:effectLst/>
-                <a:latin typeface="Consolas" panose="020B0609020204030204" pitchFamily="49" charset="0"/>
-              </a:rPr>
-              <a:t>&lt;/</a:t>
-            </a:r>
-            <a:r>
-              <a:rPr lang="en-US" sz="2200" b="0" dirty="0">
-                <a:solidFill>
-                  <a:srgbClr val="569CD6"/>
-                </a:solidFill>
-                <a:effectLst/>
-                <a:latin typeface="Consolas" panose="020B0609020204030204" pitchFamily="49" charset="0"/>
-              </a:rPr>
-              <a:t>title</a:t>
-            </a:r>
-            <a:r>
-              <a:rPr lang="en-US" sz="2200" b="0" dirty="0">
-                <a:solidFill>
-                  <a:srgbClr val="808080"/>
-                </a:solidFill>
-                <a:effectLst/>
-                <a:latin typeface="Consolas" panose="020B0609020204030204" pitchFamily="49" charset="0"/>
-              </a:rPr>
-              <a:t>&gt;</a:t>
-            </a:r>
-            <a:br>
-              <a:rPr lang="en-US" sz="2200" b="0" dirty="0">
-                <a:solidFill>
-                  <a:srgbClr val="D4D4D4"/>
-                </a:solidFill>
-                <a:effectLst/>
-                <a:latin typeface="Consolas" panose="020B0609020204030204" pitchFamily="49" charset="0"/>
-              </a:rPr>
-            </a:br>
-            <a:br>
-              <a:rPr lang="en-US" sz="2200" b="0" dirty="0">
-                <a:solidFill>
-                  <a:srgbClr val="D4D4D4"/>
-                </a:solidFill>
-                <a:effectLst/>
-                <a:latin typeface="Consolas" panose="020B0609020204030204" pitchFamily="49" charset="0"/>
-              </a:rPr>
-            </a:br>
-            <a:r>
-              <a:rPr lang="en-US" sz="2200" b="0" dirty="0">
-                <a:solidFill>
-                  <a:srgbClr val="6A9955"/>
-                </a:solidFill>
-                <a:effectLst/>
-                <a:latin typeface="Consolas" panose="020B0609020204030204" pitchFamily="49" charset="0"/>
-              </a:rPr>
-              <a:t>&lt;!-- Link to my CSS file --&gt;</a:t>
-            </a:r>
-            <a:br>
-              <a:rPr lang="en-US" sz="2200" b="0" dirty="0">
-                <a:solidFill>
-                  <a:srgbClr val="D4D4D4"/>
-                </a:solidFill>
-                <a:effectLst/>
-                <a:latin typeface="Consolas" panose="020B0609020204030204" pitchFamily="49" charset="0"/>
-              </a:rPr>
-            </a:br>
-            <a:r>
-              <a:rPr lang="en-US" sz="2200" b="0" dirty="0">
-                <a:solidFill>
-                  <a:srgbClr val="808080"/>
-                </a:solidFill>
-                <a:effectLst/>
-                <a:latin typeface="Consolas" panose="020B0609020204030204" pitchFamily="49" charset="0"/>
-              </a:rPr>
-              <a:t>&lt;</a:t>
-            </a:r>
-            <a:r>
-              <a:rPr lang="en-US" sz="2200" b="0" dirty="0">
-                <a:solidFill>
-                  <a:srgbClr val="569CD6"/>
-                </a:solidFill>
-                <a:effectLst/>
-                <a:latin typeface="Consolas" panose="020B0609020204030204" pitchFamily="49" charset="0"/>
-              </a:rPr>
-              <a:t>link</a:t>
-            </a:r>
-            <a:r>
-              <a:rPr lang="en-US" sz="2200" b="0" dirty="0">
-                <a:solidFill>
-                  <a:srgbClr val="D4D4D4"/>
-                </a:solidFill>
-                <a:effectLst/>
-                <a:latin typeface="Consolas" panose="020B0609020204030204" pitchFamily="49" charset="0"/>
-              </a:rPr>
-              <a:t> </a:t>
-            </a:r>
-            <a:r>
-              <a:rPr lang="en-US" sz="2200" b="0" dirty="0" err="1">
-                <a:solidFill>
-                  <a:srgbClr val="9CDCFE"/>
-                </a:solidFill>
-                <a:effectLst/>
-                <a:latin typeface="Consolas" panose="020B0609020204030204" pitchFamily="49" charset="0"/>
-              </a:rPr>
-              <a:t>rel</a:t>
-            </a:r>
-            <a:r>
-              <a:rPr lang="en-US" sz="2200" b="0" dirty="0">
-                <a:solidFill>
-                  <a:srgbClr val="D4D4D4"/>
-                </a:solidFill>
-                <a:effectLst/>
-                <a:latin typeface="Consolas" panose="020B0609020204030204" pitchFamily="49" charset="0"/>
-              </a:rPr>
-              <a:t>=</a:t>
-            </a:r>
-            <a:r>
-              <a:rPr lang="en-US" sz="2200" b="0" dirty="0">
-                <a:solidFill>
-                  <a:srgbClr val="CE9178"/>
-                </a:solidFill>
-                <a:effectLst/>
-                <a:latin typeface="Consolas" panose="020B0609020204030204" pitchFamily="49" charset="0"/>
-              </a:rPr>
-              <a:t>"stylesheet"</a:t>
-            </a:r>
-            <a:r>
-              <a:rPr lang="en-US" sz="2200" b="0" dirty="0">
-                <a:solidFill>
-                  <a:srgbClr val="D4D4D4"/>
-                </a:solidFill>
-                <a:effectLst/>
-                <a:latin typeface="Consolas" panose="020B0609020204030204" pitchFamily="49" charset="0"/>
-              </a:rPr>
-              <a:t> </a:t>
-            </a:r>
-            <a:r>
-              <a:rPr lang="en-US" sz="2200" b="0" dirty="0" err="1">
-                <a:solidFill>
-                  <a:srgbClr val="9CDCFE"/>
-                </a:solidFill>
-                <a:effectLst/>
-                <a:latin typeface="Consolas" panose="020B0609020204030204" pitchFamily="49" charset="0"/>
-              </a:rPr>
-              <a:t>href</a:t>
-            </a:r>
-            <a:r>
-              <a:rPr lang="en-US" sz="2200" b="0" dirty="0">
-                <a:solidFill>
-                  <a:srgbClr val="D4D4D4"/>
-                </a:solidFill>
-                <a:effectLst/>
-                <a:latin typeface="Consolas" panose="020B0609020204030204" pitchFamily="49" charset="0"/>
-              </a:rPr>
-              <a:t>=</a:t>
-            </a:r>
-            <a:r>
-              <a:rPr lang="en-US" sz="2200" b="0" dirty="0">
-                <a:solidFill>
-                  <a:srgbClr val="CE9178"/>
-                </a:solidFill>
-                <a:effectLst/>
-                <a:latin typeface="Consolas" panose="020B0609020204030204" pitchFamily="49" charset="0"/>
-              </a:rPr>
-              <a:t>"firstExample.css"</a:t>
-            </a:r>
-            <a:r>
-              <a:rPr lang="en-US" sz="2200" b="0" dirty="0">
-                <a:solidFill>
-                  <a:srgbClr val="808080"/>
-                </a:solidFill>
-                <a:effectLst/>
-                <a:latin typeface="Consolas" panose="020B0609020204030204" pitchFamily="49" charset="0"/>
-              </a:rPr>
-              <a:t>&gt;</a:t>
-            </a:r>
-            <a:br>
-              <a:rPr lang="en-US" sz="2200" b="0" dirty="0">
-                <a:solidFill>
-                  <a:srgbClr val="D4D4D4"/>
-                </a:solidFill>
-                <a:effectLst/>
-                <a:latin typeface="Consolas" panose="020B0609020204030204" pitchFamily="49" charset="0"/>
-              </a:rPr>
-            </a:br>
-            <a:r>
-              <a:rPr lang="en-US" sz="2200" b="0" dirty="0">
-                <a:solidFill>
-                  <a:srgbClr val="808080"/>
-                </a:solidFill>
-                <a:effectLst/>
-                <a:latin typeface="Consolas" panose="020B0609020204030204" pitchFamily="49" charset="0"/>
-              </a:rPr>
-              <a:t>&lt;/</a:t>
-            </a:r>
-            <a:r>
-              <a:rPr lang="en-US" sz="2200" b="0" dirty="0">
-                <a:solidFill>
-                  <a:srgbClr val="569CD6"/>
-                </a:solidFill>
-                <a:effectLst/>
-                <a:latin typeface="Consolas" panose="020B0609020204030204" pitchFamily="49" charset="0"/>
-              </a:rPr>
-              <a:t>head</a:t>
-            </a:r>
-            <a:r>
-              <a:rPr lang="en-US" sz="2200" b="0" dirty="0">
-                <a:solidFill>
-                  <a:srgbClr val="808080"/>
-                </a:solidFill>
-                <a:effectLst/>
-                <a:latin typeface="Consolas" panose="020B0609020204030204" pitchFamily="49" charset="0"/>
-              </a:rPr>
-              <a:t>&gt;</a:t>
-            </a:r>
-            <a:br>
-              <a:rPr lang="en-US" sz="2200" b="0" dirty="0">
-                <a:solidFill>
-                  <a:srgbClr val="808080"/>
-                </a:solidFill>
-                <a:effectLst/>
-                <a:latin typeface="Consolas" panose="020B0609020204030204" pitchFamily="49" charset="0"/>
-              </a:rPr>
-            </a:br>
-            <a:br>
-              <a:rPr lang="en-US" sz="2200" b="0" dirty="0">
-                <a:solidFill>
-                  <a:srgbClr val="808080"/>
-                </a:solidFill>
-                <a:effectLst/>
-                <a:latin typeface="Consolas" panose="020B0609020204030204" pitchFamily="49" charset="0"/>
-              </a:rPr>
-            </a:br>
-            <a:r>
-              <a:rPr lang="en-GB" sz="3100" b="0" dirty="0">
+              <a:t>The</a:t>
+            </a:r>
+            <a:r>
+              <a:rPr lang="en-GB" sz="2400" b="0" dirty="0">
                 <a:solidFill>
                   <a:schemeClr val="bg1">
                     <a:lumMod val="95000"/>
@@ -9210,10 +7162,10 @@
                 <a:latin typeface="Circular Std Book" panose="020B0604020101020102" pitchFamily="34" charset="0"/>
                 <a:cs typeface="Circular Std Book" panose="020B0604020101020102" pitchFamily="34" charset="0"/>
               </a:rPr>
-              <a:t>Your page w</a:t>
-            </a:r>
-            <a:r>
-              <a:rPr lang="en-GB" sz="3100" dirty="0">
+              <a:t> page w</a:t>
+            </a:r>
+            <a:r>
+              <a:rPr lang="en-GB" sz="2400" dirty="0">
                 <a:solidFill>
                   <a:schemeClr val="bg1">
                     <a:lumMod val="95000"/>
@@ -9225,7 +7177,7 @@
               <a:t>ill now have the styles set out in the CSS file.</a:t>
             </a:r>
             <a:r>
-              <a:rPr lang="en-GB" sz="4400" dirty="0">
+              <a:rPr lang="en-GB" sz="3600" dirty="0">
                 <a:solidFill>
                   <a:schemeClr val="bg1">
                     <a:lumMod val="95000"/>
@@ -9236,47 +7188,14 @@
               </a:rPr>
               <a:t> </a:t>
             </a:r>
-            <a:br>
-              <a:rPr lang="en-GB" sz="5400" dirty="0">
-                <a:solidFill>
-                  <a:srgbClr val="0063AF"/>
-                </a:solidFill>
-                <a:latin typeface="Circular Std Book" panose="020B0604020101020102" pitchFamily="34" charset="0"/>
-                <a:cs typeface="Circular Std Book" panose="020B0604020101020102" pitchFamily="34" charset="0"/>
-              </a:rPr>
-            </a:br>
-            <a:br>
-              <a:rPr lang="en-US" b="0" dirty="0">
-                <a:solidFill>
-                  <a:srgbClr val="D4D4D4"/>
-                </a:solidFill>
-                <a:effectLst/>
-                <a:latin typeface="Consolas" panose="020B0609020204030204" pitchFamily="49" charset="0"/>
-              </a:rPr>
-            </a:br>
-            <a:br>
-              <a:rPr lang="en-US" b="0" dirty="0">
-                <a:solidFill>
-                  <a:srgbClr val="D4D4D4"/>
-                </a:solidFill>
-                <a:effectLst/>
-                <a:latin typeface="Consolas" panose="020B0609020204030204" pitchFamily="49" charset="0"/>
-              </a:rPr>
-            </a:br>
-            <a:endParaRPr lang="en-GB" dirty="0">
-              <a:solidFill>
-                <a:srgbClr val="0063AF"/>
-              </a:solidFill>
-              <a:latin typeface="Circular Std Book" panose="020B0604020101020102" pitchFamily="34" charset="0"/>
-              <a:cs typeface="Circular Std Book" panose="020B0604020101020102" pitchFamily="34" charset="0"/>
-            </a:endParaRPr>
+            <a:endParaRPr lang="en-US" dirty="0"/>
           </a:p>
         </p:txBody>
       </p:sp>
     </p:spTree>
     <p:extLst>
       <p:ext uri="{BB962C8B-B14F-4D97-AF65-F5344CB8AC3E}">
-        <p14:creationId xmlns:p14="http://schemas.microsoft.com/office/powerpoint/2010/main" val="3216178818"/>
+        <p14:creationId xmlns:p14="http://schemas.microsoft.com/office/powerpoint/2010/main" val="190610049"/>
       </p:ext>
     </p:extLst>
   </p:cSld>
@@ -9299,7 +7218,13 @@
     </p:bg>
     <p:spTree>
       <p:nvGrpSpPr>
-        <p:cNvPr id="1" name=""/>
+        <p:cNvPr id="1" name="">
+          <a:extLst>
+            <a:ext uri="{FF2B5EF4-FFF2-40B4-BE49-F238E27FC236}">
+              <a16:creationId xmlns:a16="http://schemas.microsoft.com/office/drawing/2014/main" id="{49062250-97FA-98E9-7221-B61A8A28B1E8}"/>
+            </a:ext>
+          </a:extLst>
+        </p:cNvPr>
         <p:cNvGrpSpPr/>
         <p:nvPr/>
       </p:nvGrpSpPr>
@@ -9316,7 +7241,7 @@
           <p:cNvPr id="2" name="Title 1">
             <a:extLst>
               <a:ext uri="{FF2B5EF4-FFF2-40B4-BE49-F238E27FC236}">
-                <a16:creationId xmlns:a16="http://schemas.microsoft.com/office/drawing/2014/main" id="{0FEE2FE8-D24E-41DE-AA78-81A6ECA35759}"/>
+                <a16:creationId xmlns:a16="http://schemas.microsoft.com/office/drawing/2014/main" id="{D4E57936-C509-E2BB-4ABA-B1516EFC5D9B}"/>
               </a:ext>
             </a:extLst>
           </p:cNvPr>
@@ -9355,7 +7280,7 @@
             <a:r>
               <a:rPr lang="en-GB" dirty="0">
                 <a:solidFill>
-                  <a:srgbClr val="0063AF"/>
+                  <a:srgbClr val="F4C245"/>
                 </a:solidFill>
                 <a:latin typeface="Circular Std Book" panose="020B0604020101020102" pitchFamily="34" charset="0"/>
                 <a:cs typeface="Circular Std Book" panose="020B0604020101020102" pitchFamily="34" charset="0"/>
@@ -9370,7 +7295,7 @@
           <p:cNvPr id="3" name="Content Placeholder 2">
             <a:extLst>
               <a:ext uri="{FF2B5EF4-FFF2-40B4-BE49-F238E27FC236}">
-                <a16:creationId xmlns:a16="http://schemas.microsoft.com/office/drawing/2014/main" id="{0C9B5234-01FB-4BC1-8F08-B28C710CCE0E}"/>
+                <a16:creationId xmlns:a16="http://schemas.microsoft.com/office/drawing/2014/main" id="{5843A24E-2A91-BBC7-0020-756F42B0084B}"/>
               </a:ext>
             </a:extLst>
           </p:cNvPr>
@@ -9389,7 +7314,7 @@
         </p:spPr>
         <p:txBody>
           <a:bodyPr>
-            <a:normAutofit/>
+            <a:normAutofit lnSpcReduction="10000"/>
           </a:bodyPr>
           <a:lstStyle/>
           <a:p>
@@ -9527,7 +7452,7 @@
               </a:lnSpc>
             </a:pPr>
             <a:r>
-              <a:rPr lang="en-GB" sz="1600" dirty="0">
+              <a:rPr lang="en-GB" sz="1800" dirty="0">
                 <a:solidFill>
                   <a:srgbClr val="36B7B4"/>
                 </a:solidFill>
@@ -9537,7 +7462,7 @@
               <a:t>Fetching data</a:t>
             </a:r>
             <a:r>
-              <a:rPr lang="en-GB" sz="1600" dirty="0">
+              <a:rPr lang="en-GB" sz="1800" dirty="0">
                 <a:solidFill>
                   <a:schemeClr val="bg1"/>
                 </a:solidFill>
@@ -9554,7 +7479,7 @@
               </a:lnSpc>
             </a:pPr>
             <a:r>
-              <a:rPr lang="en-GB" sz="1600" dirty="0">
+              <a:rPr lang="en-GB" sz="1800" dirty="0">
                 <a:solidFill>
                   <a:srgbClr val="36B7B4"/>
                 </a:solidFill>
@@ -9564,7 +7489,7 @@
               <a:t>Cleaning and manipulating data.</a:t>
             </a:r>
             <a:r>
-              <a:rPr lang="en-GB" sz="1600" dirty="0">
+              <a:rPr lang="en-GB" sz="1800" dirty="0">
                 <a:solidFill>
                   <a:schemeClr val="bg1"/>
                 </a:solidFill>
@@ -9581,7 +7506,7 @@
               </a:lnSpc>
             </a:pPr>
             <a:r>
-              <a:rPr lang="en-GB" sz="1600" dirty="0">
+              <a:rPr lang="en-GB" sz="1800" dirty="0">
                 <a:solidFill>
                   <a:srgbClr val="36B7B4"/>
                 </a:solidFill>
@@ -9591,7 +7516,7 @@
               <a:t>Visualising data. </a:t>
             </a:r>
             <a:r>
-              <a:rPr lang="en-GB" sz="1600" dirty="0">
+              <a:rPr lang="en-GB" sz="1800" dirty="0">
                 <a:solidFill>
                   <a:schemeClr val="bg1"/>
                 </a:solidFill>
@@ -9608,7 +7533,7 @@
               </a:lnSpc>
             </a:pPr>
             <a:r>
-              <a:rPr lang="en-GB" sz="1600" dirty="0">
+              <a:rPr lang="en-GB" sz="1800" dirty="0">
                 <a:solidFill>
                   <a:srgbClr val="36B7B4"/>
                 </a:solidFill>
@@ -9618,7 +7543,7 @@
               <a:t>Interactivity.</a:t>
             </a:r>
             <a:r>
-              <a:rPr lang="en-GB" sz="1600" dirty="0">
+              <a:rPr lang="en-GB" sz="1800" dirty="0">
                 <a:solidFill>
                   <a:schemeClr val="bg1"/>
                 </a:solidFill>
@@ -9627,13 +7552,6 @@
               </a:rPr>
               <a:t> Make visualisations interactive + sites fun and engaging. </a:t>
             </a:r>
-            <a:endParaRPr lang="en-GB" sz="1050" dirty="0">
-              <a:solidFill>
-                <a:schemeClr val="bg1"/>
-              </a:solidFill>
-              <a:latin typeface="Circular Std Book" panose="020B0604020101020102" pitchFamily="34" charset="0"/>
-              <a:cs typeface="Circular Std Book" panose="020B0604020101020102" pitchFamily="34" charset="0"/>
-            </a:endParaRPr>
           </a:p>
           <a:p>
             <a:pPr>
@@ -9696,7 +7614,7 @@
     </p:spTree>
     <p:extLst>
       <p:ext uri="{BB962C8B-B14F-4D97-AF65-F5344CB8AC3E}">
-        <p14:creationId xmlns:p14="http://schemas.microsoft.com/office/powerpoint/2010/main" val="190610049"/>
+        <p14:creationId xmlns:p14="http://schemas.microsoft.com/office/powerpoint/2010/main" val="3905056805"/>
       </p:ext>
     </p:extLst>
   </p:cSld>
@@ -9719,7 +7637,13 @@
     </p:bg>
     <p:spTree>
       <p:nvGrpSpPr>
-        <p:cNvPr id="1" name=""/>
+        <p:cNvPr id="1" name="">
+          <a:extLst>
+            <a:ext uri="{FF2B5EF4-FFF2-40B4-BE49-F238E27FC236}">
+              <a16:creationId xmlns:a16="http://schemas.microsoft.com/office/drawing/2014/main" id="{29C4B168-BCB2-3AD4-0408-C6E23B5F151C}"/>
+            </a:ext>
+          </a:extLst>
+        </p:cNvPr>
         <p:cNvGrpSpPr/>
         <p:nvPr/>
       </p:nvGrpSpPr>
@@ -9736,7 +7660,7 @@
           <p:cNvPr id="2" name="Title 1">
             <a:extLst>
               <a:ext uri="{FF2B5EF4-FFF2-40B4-BE49-F238E27FC236}">
-                <a16:creationId xmlns:a16="http://schemas.microsoft.com/office/drawing/2014/main" id="{0FEE2FE8-D24E-41DE-AA78-81A6ECA35759}"/>
+                <a16:creationId xmlns:a16="http://schemas.microsoft.com/office/drawing/2014/main" id="{5F0A49FF-C58D-DA5C-89B0-B8D1B01A42F8}"/>
               </a:ext>
             </a:extLst>
           </p:cNvPr>
@@ -9749,7 +7673,7 @@
         </p:nvSpPr>
         <p:spPr>
           <a:xfrm>
-            <a:off x="584127" y="288710"/>
+            <a:off x="584127" y="340080"/>
             <a:ext cx="5793137" cy="496977"/>
           </a:xfrm>
           <a:solidFill>
@@ -9775,7 +7699,7 @@
             <a:r>
               <a:rPr lang="en-GB" dirty="0">
                 <a:solidFill>
-                  <a:srgbClr val="0063AF"/>
+                  <a:srgbClr val="F4C245"/>
                 </a:solidFill>
                 <a:latin typeface="Circular Std Book" panose="020B0604020101020102" pitchFamily="34" charset="0"/>
                 <a:cs typeface="Circular Std Book" panose="020B0604020101020102" pitchFamily="34" charset="0"/>
@@ -9787,10 +7711,10 @@
       </p:sp>
       <p:sp>
         <p:nvSpPr>
-          <p:cNvPr id="3" name="Content Placeholder 2">
+          <p:cNvPr id="6" name="Content Placeholder 2">
             <a:extLst>
               <a:ext uri="{FF2B5EF4-FFF2-40B4-BE49-F238E27FC236}">
-                <a16:creationId xmlns:a16="http://schemas.microsoft.com/office/drawing/2014/main" id="{0C9B5234-01FB-4BC1-8F08-B28C710CCE0E}"/>
+                <a16:creationId xmlns:a16="http://schemas.microsoft.com/office/drawing/2014/main" id="{C0034E8F-C598-48A2-45C9-D8A0B7ED4043}"/>
               </a:ext>
             </a:extLst>
           </p:cNvPr>
@@ -10088,7 +8012,25 @@
                 <a:effectLst/>
                 <a:latin typeface="Consolas" panose="020B0609020204030204" pitchFamily="49" charset="0"/>
               </a:rPr>
-              <a:t>name":“Richard</a:t>
+              <a:t>name":“</a:t>
+            </a:r>
+            <a:r>
+              <a:rPr lang="en-US" sz="1800" dirty="0" err="1">
+                <a:solidFill>
+                  <a:srgbClr val="FFC000"/>
+                </a:solidFill>
+                <a:latin typeface="Consolas" panose="020B0609020204030204" pitchFamily="49" charset="0"/>
+              </a:rPr>
+              <a:t>David</a:t>
+            </a:r>
+            <a:r>
+              <a:rPr lang="en-US" sz="1800" dirty="0">
+                <a:solidFill>
+                  <a:srgbClr val="FFC000"/>
+                </a:solidFill>
+                <a:latin typeface="Consolas" panose="020B0609020204030204" pitchFamily="49" charset="0"/>
+              </a:rPr>
+              <a:t> Beckham</a:t>
             </a:r>
             <a:r>
               <a:rPr lang="en-US" sz="1800" b="0" i="0" dirty="0">
@@ -10117,7 +8059,7 @@
                 <a:effectLst/>
                 <a:latin typeface="Consolas" panose="020B0609020204030204" pitchFamily="49" charset="0"/>
               </a:rPr>
-              <a:t>":3, “</a:t>
+              <a:t>":4, “</a:t>
             </a:r>
             <a:r>
               <a:rPr lang="en-US" sz="1800" b="0" i="0" dirty="0" err="1">
@@ -10137,27 +8079,7 @@
                 <a:effectLst/>
                 <a:latin typeface="Consolas" panose="020B0609020204030204" pitchFamily="49" charset="0"/>
               </a:rPr>
-              <a:t> United”, “</a:t>
-            </a:r>
-            <a:r>
-              <a:rPr lang="en-US" sz="1800" b="0" i="0" dirty="0" err="1">
-                <a:solidFill>
-                  <a:srgbClr val="FFC000"/>
-                </a:solidFill>
-                <a:effectLst/>
-                <a:latin typeface="Consolas" panose="020B0609020204030204" pitchFamily="49" charset="0"/>
-              </a:rPr>
-              <a:t>address”:null</a:t>
-            </a:r>
-            <a:r>
-              <a:rPr lang="en-US" sz="1800" b="0" i="0" dirty="0">
-                <a:solidFill>
-                  <a:srgbClr val="FFC000"/>
-                </a:solidFill>
-                <a:effectLst/>
-                <a:latin typeface="Consolas" panose="020B0609020204030204" pitchFamily="49" charset="0"/>
-              </a:rPr>
-              <a:t>}’</a:t>
+              <a:t> United”}’</a:t>
             </a:r>
           </a:p>
           <a:p>
@@ -10347,7 +8269,7 @@
     </p:spTree>
     <p:extLst>
       <p:ext uri="{BB962C8B-B14F-4D97-AF65-F5344CB8AC3E}">
-        <p14:creationId xmlns:p14="http://schemas.microsoft.com/office/powerpoint/2010/main" val="3658459833"/>
+        <p14:creationId xmlns:p14="http://schemas.microsoft.com/office/powerpoint/2010/main" val="3712909105"/>
       </p:ext>
     </p:extLst>
   </p:cSld>
@@ -10532,7 +8454,7 @@
                   <a:noFill/>
                 </a:ln>
                 <a:solidFill>
-                  <a:srgbClr val="0063AF"/>
+                  <a:srgbClr val="F4C245"/>
                 </a:solidFill>
                 <a:effectLst/>
                 <a:uLnTx/>
@@ -10636,7 +8558,7 @@
                   <a:noFill/>
                 </a:ln>
                 <a:solidFill>
-                  <a:srgbClr val="0063AF"/>
+                  <a:srgbClr val="F4C245"/>
                 </a:solidFill>
                 <a:effectLst/>
                 <a:uLnTx/>
@@ -10792,7 +8714,7 @@
         </p:blipFill>
         <p:spPr>
           <a:xfrm>
-            <a:off x="408212" y="1019491"/>
+            <a:off x="349681" y="856205"/>
             <a:ext cx="9002693" cy="6001795"/>
           </a:xfrm>
           <a:prstGeom prst="rect">
@@ -10890,7 +8812,7 @@
                   <a:noFill/>
                 </a:ln>
                 <a:solidFill>
-                  <a:srgbClr val="0063AF"/>
+                  <a:srgbClr val="F4C245"/>
                 </a:solidFill>
                 <a:effectLst/>
                 <a:uLnTx/>
@@ -11074,12 +8996,12 @@
                 <a:latin typeface="Circular Std Book" panose="020B0604020101020102" pitchFamily="34" charset="0"/>
                 <a:cs typeface="Circular Std Book" panose="020B0604020101020102" pitchFamily="34" charset="0"/>
               </a:rPr>
-              <a:t>Session 1</a:t>
+              <a:t>Session 2</a:t>
             </a:r>
             <a:r>
               <a:rPr lang="en-GB" dirty="0">
                 <a:solidFill>
-                  <a:srgbClr val="36B7B4"/>
+                  <a:srgbClr val="F4C245"/>
                 </a:solidFill>
                 <a:latin typeface="Circular Std Book" panose="020B0604020101020102" pitchFamily="34" charset="0"/>
                 <a:cs typeface="Circular Std Book" panose="020B0604020101020102" pitchFamily="34" charset="0"/>
@@ -11147,85 +9069,6 @@
       </p:pic>
       <p:sp>
         <p:nvSpPr>
-          <p:cNvPr id="4" name="TextBox 3">
-            <a:extLst>
-              <a:ext uri="{FF2B5EF4-FFF2-40B4-BE49-F238E27FC236}">
-                <a16:creationId xmlns:a16="http://schemas.microsoft.com/office/drawing/2014/main" id="{C38115DA-F588-5E83-BA9C-215DF49205F4}"/>
-              </a:ext>
-            </a:extLst>
-          </p:cNvPr>
-          <p:cNvSpPr txBox="1"/>
-          <p:nvPr/>
-        </p:nvSpPr>
-        <p:spPr>
-          <a:xfrm>
-            <a:off x="798580" y="3609405"/>
-            <a:ext cx="1011559" cy="369332"/>
-          </a:xfrm>
-          <a:prstGeom prst="rect">
-            <a:avLst/>
-          </a:prstGeom>
-          <a:noFill/>
-        </p:spPr>
-        <p:txBody>
-          <a:bodyPr wrap="square">
-            <a:spAutoFit/>
-          </a:bodyPr>
-          <a:lstStyle/>
-          <a:p>
-            <a:pPr marL="0" marR="0" lvl="0" indent="0" algn="l" defTabSz="914400" rtl="0" eaLnBrk="1" fontAlgn="auto" latinLnBrk="0" hangingPunct="1">
-              <a:lnSpc>
-                <a:spcPct val="100000"/>
-              </a:lnSpc>
-              <a:spcBef>
-                <a:spcPts val="0"/>
-              </a:spcBef>
-              <a:spcAft>
-                <a:spcPts val="0"/>
-              </a:spcAft>
-              <a:buClrTx/>
-              <a:buSzTx/>
-              <a:buFontTx/>
-              <a:buNone/>
-              <a:tabLst/>
-              <a:defRPr/>
-            </a:pPr>
-            <a:r>
-              <a:rPr kumimoji="0" lang="en-US" sz="1800" b="1" i="0" u="none" strike="noStrike" kern="1200" cap="none" spc="0" normalizeH="0" baseline="0" noProof="0" dirty="0">
-                <a:ln>
-                  <a:noFill/>
-                </a:ln>
-                <a:solidFill>
-                  <a:prstClr val="white"/>
-                </a:solidFill>
-                <a:effectLst/>
-                <a:uLnTx/>
-                <a:uFillTx/>
-                <a:latin typeface="Abadi Extra Light" panose="020B0204020104020204" pitchFamily="34" charset="0"/>
-                <a:ea typeface="+mn-ea"/>
-                <a:cs typeface="Circular Std Book" panose="020B0604020101020102" pitchFamily="34" charset="0"/>
-              </a:rPr>
-              <a:t>[90 min]</a:t>
-            </a:r>
-            <a:endParaRPr kumimoji="0" lang="en-US" sz="1800" b="0" i="0" u="none" strike="noStrike" kern="1200" cap="none" spc="0" normalizeH="0" baseline="0" noProof="0" dirty="0">
-              <a:ln>
-                <a:noFill/>
-              </a:ln>
-              <a:solidFill>
-                <a:prstClr val="black"/>
-              </a:solidFill>
-              <a:effectLst/>
-              <a:uLnTx/>
-              <a:uFillTx/>
-              <a:latin typeface="Calibri" panose="020F0502020204030204"/>
-              <a:ea typeface="+mn-ea"/>
-              <a:cs typeface="+mn-cs"/>
-            </a:endParaRPr>
-          </a:p>
-        </p:txBody>
-      </p:sp>
-      <p:sp>
-        <p:nvSpPr>
           <p:cNvPr id="3" name="Title 1">
             <a:extLst>
               <a:ext uri="{FF2B5EF4-FFF2-40B4-BE49-F238E27FC236}">
@@ -11318,85 +9161,6 @@
               <a:latin typeface="Times New Roman" panose="02020603050405020304" pitchFamily="18" charset="0"/>
               <a:ea typeface="+mj-ea"/>
               <a:cs typeface="Times New Roman" panose="02020603050405020304" pitchFamily="18" charset="0"/>
-            </a:endParaRPr>
-          </a:p>
-        </p:txBody>
-      </p:sp>
-      <p:sp>
-        <p:nvSpPr>
-          <p:cNvPr id="7" name="TextBox 6">
-            <a:extLst>
-              <a:ext uri="{FF2B5EF4-FFF2-40B4-BE49-F238E27FC236}">
-                <a16:creationId xmlns:a16="http://schemas.microsoft.com/office/drawing/2014/main" id="{9553A9D7-D224-E0C2-9353-617FBD4DC799}"/>
-              </a:ext>
-            </a:extLst>
-          </p:cNvPr>
-          <p:cNvSpPr txBox="1"/>
-          <p:nvPr/>
-        </p:nvSpPr>
-        <p:spPr>
-          <a:xfrm>
-            <a:off x="798580" y="5288449"/>
-            <a:ext cx="1011559" cy="369332"/>
-          </a:xfrm>
-          <a:prstGeom prst="rect">
-            <a:avLst/>
-          </a:prstGeom>
-          <a:noFill/>
-        </p:spPr>
-        <p:txBody>
-          <a:bodyPr wrap="square">
-            <a:spAutoFit/>
-          </a:bodyPr>
-          <a:lstStyle/>
-          <a:p>
-            <a:pPr marL="0" marR="0" lvl="0" indent="0" algn="l" defTabSz="914400" rtl="0" eaLnBrk="1" fontAlgn="auto" latinLnBrk="0" hangingPunct="1">
-              <a:lnSpc>
-                <a:spcPct val="100000"/>
-              </a:lnSpc>
-              <a:spcBef>
-                <a:spcPts val="0"/>
-              </a:spcBef>
-              <a:spcAft>
-                <a:spcPts val="0"/>
-              </a:spcAft>
-              <a:buClrTx/>
-              <a:buSzTx/>
-              <a:buFontTx/>
-              <a:buNone/>
-              <a:tabLst/>
-              <a:defRPr/>
-            </a:pPr>
-            <a:r>
-              <a:rPr kumimoji="0" lang="en-US" sz="1800" b="1" i="0" u="none" strike="noStrike" kern="1200" cap="none" spc="0" normalizeH="0" baseline="0" noProof="0" dirty="0">
-                <a:ln>
-                  <a:noFill/>
-                </a:ln>
-                <a:solidFill>
-                  <a:prstClr val="white"/>
-                </a:solidFill>
-                <a:effectLst/>
-                <a:uLnTx/>
-                <a:uFillTx/>
-                <a:latin typeface="Abadi Extra Light" panose="020B0204020104020204" pitchFamily="34" charset="0"/>
-                <a:ea typeface="+mn-ea"/>
-                <a:cs typeface="Circular Std Book" panose="020B0604020101020102" pitchFamily="34" charset="0"/>
-              </a:rPr>
-              <a:t>[30 min]</a:t>
-            </a:r>
-            <a:endParaRPr kumimoji="0" lang="en-US" sz="1800" b="0" i="0" u="none" strike="noStrike" kern="1200" cap="none" spc="0" normalizeH="0" baseline="0" noProof="0" dirty="0">
-              <a:ln>
-                <a:noFill/>
-              </a:ln>
-              <a:solidFill>
-                <a:prstClr val="black"/>
-              </a:solidFill>
-              <a:effectLst/>
-              <a:uLnTx/>
-              <a:uFillTx/>
-              <a:latin typeface="Calibri" panose="020F0502020204030204"/>
-              <a:ea typeface="+mn-ea"/>
-              <a:cs typeface="+mn-cs"/>
             </a:endParaRPr>
           </a:p>
         </p:txBody>
@@ -11427,7 +9191,13 @@
     </p:bg>
     <p:spTree>
       <p:nvGrpSpPr>
-        <p:cNvPr id="1" name=""/>
+        <p:cNvPr id="1" name="">
+          <a:extLst>
+            <a:ext uri="{FF2B5EF4-FFF2-40B4-BE49-F238E27FC236}">
+              <a16:creationId xmlns:a16="http://schemas.microsoft.com/office/drawing/2014/main" id="{9F6CC512-82E6-B02C-E35C-2A8CC7AB84AA}"/>
+            </a:ext>
+          </a:extLst>
+        </p:cNvPr>
         <p:cNvGrpSpPr/>
         <p:nvPr/>
       </p:nvGrpSpPr>
@@ -11444,7 +9214,7 @@
           <p:cNvPr id="2" name="Title 1">
             <a:extLst>
               <a:ext uri="{FF2B5EF4-FFF2-40B4-BE49-F238E27FC236}">
-                <a16:creationId xmlns:a16="http://schemas.microsoft.com/office/drawing/2014/main" id="{FC4383FA-EEB7-47D9-935D-7234D206AD1E}"/>
+                <a16:creationId xmlns:a16="http://schemas.microsoft.com/office/drawing/2014/main" id="{7716F1C0-4177-CD80-80E4-CB14B3909CCE}"/>
               </a:ext>
             </a:extLst>
           </p:cNvPr>
@@ -11457,27 +9227,29 @@
         </p:nvSpPr>
         <p:spPr>
           <a:xfrm>
-            <a:off x="590349" y="1295617"/>
-            <a:ext cx="9144000" cy="2387600"/>
+            <a:off x="798580" y="1200219"/>
+            <a:ext cx="9658174" cy="2387600"/>
           </a:xfrm>
         </p:spPr>
         <p:txBody>
-          <a:bodyPr/>
+          <a:bodyPr>
+            <a:normAutofit/>
+          </a:bodyPr>
           <a:lstStyle/>
           <a:p>
             <a:pPr algn="l"/>
             <a:r>
-              <a:rPr lang="en-GB" sz="7200" dirty="0">
+              <a:rPr lang="en-US" dirty="0">
                 <a:solidFill>
                   <a:schemeClr val="bg1"/>
                 </a:solidFill>
                 <a:latin typeface="Circular Std Book" panose="020B0604020101020102" pitchFamily="34" charset="0"/>
                 <a:cs typeface="Circular Std Book" panose="020B0604020101020102" pitchFamily="34" charset="0"/>
               </a:rPr>
-              <a:t>Embedding charts</a:t>
-            </a:r>
-            <a:r>
-              <a:rPr lang="en-GB" sz="7200" dirty="0">
+              <a:t>Session 2</a:t>
+            </a:r>
+            <a:r>
+              <a:rPr lang="en-GB" dirty="0">
                 <a:solidFill>
                   <a:srgbClr val="36B7B4"/>
                 </a:solidFill>
@@ -11486,12 +9258,31 @@
               </a:rPr>
               <a:t>.</a:t>
             </a:r>
-            <a:endParaRPr lang="en-GB" dirty="0">
+            <a:br>
+              <a:rPr lang="en-GB" dirty="0">
+                <a:solidFill>
+                  <a:srgbClr val="36B7B4"/>
+                </a:solidFill>
+                <a:latin typeface="Circular Std Book" panose="020B0604020101020102" pitchFamily="34" charset="0"/>
+                <a:cs typeface="Circular Std Book" panose="020B0604020101020102" pitchFamily="34" charset="0"/>
+              </a:rPr>
+            </a:br>
+            <a:r>
+              <a:rPr lang="en-GB" sz="2800" i="1" dirty="0">
+                <a:solidFill>
+                  <a:srgbClr val="36B7B4"/>
+                </a:solidFill>
+                <a:latin typeface="Times New Roman" panose="02020603050405020304" pitchFamily="18" charset="0"/>
+                <a:cs typeface="Times New Roman" panose="02020603050405020304" pitchFamily="18" charset="0"/>
+              </a:rPr>
+              <a:t>Building your first website</a:t>
+            </a:r>
+            <a:endParaRPr lang="en-GB" i="1" dirty="0">
               <a:solidFill>
                 <a:srgbClr val="36B7B4"/>
               </a:solidFill>
-              <a:latin typeface="Circular Std Book" panose="020B0604020101020102" pitchFamily="34" charset="0"/>
-              <a:cs typeface="Circular Std Book" panose="020B0604020101020102" pitchFamily="34" charset="0"/>
+              <a:latin typeface="Times New Roman" panose="02020603050405020304" pitchFamily="18" charset="0"/>
+              <a:cs typeface="Times New Roman" panose="02020603050405020304" pitchFamily="18" charset="0"/>
             </a:endParaRPr>
           </a:p>
         </p:txBody>
@@ -11501,7 +9292,7 @@
           <p:cNvPr id="5" name="Picture 4">
             <a:extLst>
               <a:ext uri="{FF2B5EF4-FFF2-40B4-BE49-F238E27FC236}">
-                <a16:creationId xmlns:a16="http://schemas.microsoft.com/office/drawing/2014/main" id="{97B3923A-B3CB-4769-ACC7-75A98286FC65}"/>
+                <a16:creationId xmlns:a16="http://schemas.microsoft.com/office/drawing/2014/main" id="{C81FDB5E-F581-2F82-353C-73B6516FBFEC}"/>
               </a:ext>
             </a:extLst>
           </p:cNvPr>
@@ -11526,10 +9317,193 @@
           </a:prstGeom>
         </p:spPr>
       </p:pic>
+      <p:sp>
+        <p:nvSpPr>
+          <p:cNvPr id="3" name="Title 1">
+            <a:extLst>
+              <a:ext uri="{FF2B5EF4-FFF2-40B4-BE49-F238E27FC236}">
+                <a16:creationId xmlns:a16="http://schemas.microsoft.com/office/drawing/2014/main" id="{30B09758-0B54-D47B-7B1E-DBDA2090792E}"/>
+              </a:ext>
+            </a:extLst>
+          </p:cNvPr>
+          <p:cNvSpPr txBox="1">
+            <a:spLocks/>
+          </p:cNvSpPr>
+          <p:nvPr/>
+        </p:nvSpPr>
+        <p:spPr>
+          <a:xfrm>
+            <a:off x="798580" y="3408007"/>
+            <a:ext cx="8183495" cy="1854458"/>
+          </a:xfrm>
+          <a:prstGeom prst="rect">
+            <a:avLst/>
+          </a:prstGeom>
+        </p:spPr>
+        <p:txBody>
+          <a:bodyPr vert="horz" lIns="91440" tIns="45720" rIns="91440" bIns="45720" rtlCol="0" anchor="b">
+            <a:normAutofit/>
+          </a:bodyPr>
+          <a:lstStyle>
+            <a:lvl1pPr algn="ctr" defTabSz="914400" rtl="0" eaLnBrk="1" latinLnBrk="0" hangingPunct="1">
+              <a:lnSpc>
+                <a:spcPct val="90000"/>
+              </a:lnSpc>
+              <a:spcBef>
+                <a:spcPct val="0"/>
+              </a:spcBef>
+              <a:buNone/>
+              <a:defRPr sz="6000" kern="1200">
+                <a:solidFill>
+                  <a:schemeClr val="tx1"/>
+                </a:solidFill>
+                <a:latin typeface="+mj-lt"/>
+                <a:ea typeface="+mj-ea"/>
+                <a:cs typeface="+mj-cs"/>
+              </a:defRPr>
+            </a:lvl1pPr>
+          </a:lstStyle>
+          <a:p>
+            <a:pPr marL="0" marR="0" lvl="0" indent="0" algn="l" defTabSz="914400" rtl="0" eaLnBrk="1" fontAlgn="auto" latinLnBrk="0" hangingPunct="1">
+              <a:lnSpc>
+                <a:spcPct val="90000"/>
+              </a:lnSpc>
+              <a:spcBef>
+                <a:spcPct val="0"/>
+              </a:spcBef>
+              <a:spcAft>
+                <a:spcPts val="0"/>
+              </a:spcAft>
+              <a:buClrTx/>
+              <a:buSzTx/>
+              <a:buFontTx/>
+              <a:buNone/>
+              <a:tabLst/>
+              <a:defRPr/>
+            </a:pPr>
+            <a:r>
+              <a:rPr kumimoji="0" lang="en-GB" sz="3600" b="0" i="1" u="none" strike="noStrike" kern="1200" cap="none" spc="0" normalizeH="0" baseline="0" noProof="0" dirty="0">
+                <a:ln>
+                  <a:noFill/>
+                </a:ln>
+                <a:solidFill>
+                  <a:srgbClr val="F4C245"/>
+                </a:solidFill>
+                <a:effectLst/>
+                <a:uLnTx/>
+                <a:uFillTx/>
+                <a:latin typeface="Times New Roman" panose="02020603050405020304" pitchFamily="18" charset="0"/>
+                <a:ea typeface="+mj-ea"/>
+                <a:cs typeface="Times New Roman" panose="02020603050405020304" pitchFamily="18" charset="0"/>
+              </a:rPr>
+              <a:t> https://</a:t>
+            </a:r>
+            <a:r>
+              <a:rPr kumimoji="0" lang="en-GB" sz="3600" b="0" i="1" u="none" strike="noStrike" kern="1200" cap="none" spc="0" normalizeH="0" baseline="0" noProof="0" dirty="0" err="1">
+                <a:ln>
+                  <a:noFill/>
+                </a:ln>
+                <a:solidFill>
+                  <a:srgbClr val="F4C245"/>
+                </a:solidFill>
+                <a:effectLst/>
+                <a:uLnTx/>
+                <a:uFillTx/>
+                <a:latin typeface="Times New Roman" panose="02020603050405020304" pitchFamily="18" charset="0"/>
+                <a:ea typeface="+mj-ea"/>
+                <a:cs typeface="Times New Roman" panose="02020603050405020304" pitchFamily="18" charset="0"/>
+              </a:rPr>
+              <a:t>github.com</a:t>
+            </a:r>
+            <a:r>
+              <a:rPr kumimoji="0" lang="en-GB" sz="3600" b="0" i="1" u="none" strike="noStrike" kern="1200" cap="none" spc="0" normalizeH="0" baseline="0" noProof="0" dirty="0">
+                <a:ln>
+                  <a:noFill/>
+                </a:ln>
+                <a:solidFill>
+                  <a:srgbClr val="F4C245"/>
+                </a:solidFill>
+                <a:effectLst/>
+                <a:uLnTx/>
+                <a:uFillTx/>
+                <a:latin typeface="Times New Roman" panose="02020603050405020304" pitchFamily="18" charset="0"/>
+                <a:ea typeface="+mj-ea"/>
+                <a:cs typeface="Times New Roman" panose="02020603050405020304" pitchFamily="18" charset="0"/>
+              </a:rPr>
+              <a:t>/</a:t>
+            </a:r>
+            <a:r>
+              <a:rPr kumimoji="0" lang="en-GB" sz="3600" b="0" i="1" u="none" strike="noStrike" kern="1200" cap="none" spc="0" normalizeH="0" baseline="0" noProof="0" dirty="0" err="1">
+                <a:ln>
+                  <a:noFill/>
+                </a:ln>
+                <a:solidFill>
+                  <a:srgbClr val="F4C245"/>
+                </a:solidFill>
+                <a:effectLst/>
+                <a:uLnTx/>
+                <a:uFillTx/>
+                <a:latin typeface="Times New Roman" panose="02020603050405020304" pitchFamily="18" charset="0"/>
+                <a:ea typeface="+mj-ea"/>
+                <a:cs typeface="Times New Roman" panose="02020603050405020304" pitchFamily="18" charset="0"/>
+              </a:rPr>
+              <a:t>EconomicsObservatory</a:t>
+            </a:r>
+            <a:r>
+              <a:rPr kumimoji="0" lang="en-GB" sz="3600" b="0" i="1" u="none" strike="noStrike" kern="1200" cap="none" spc="0" normalizeH="0" baseline="0" noProof="0" dirty="0">
+                <a:ln>
+                  <a:noFill/>
+                </a:ln>
+                <a:solidFill>
+                  <a:srgbClr val="F4C245"/>
+                </a:solidFill>
+                <a:effectLst/>
+                <a:uLnTx/>
+                <a:uFillTx/>
+                <a:latin typeface="Times New Roman" panose="02020603050405020304" pitchFamily="18" charset="0"/>
+                <a:ea typeface="+mj-ea"/>
+                <a:cs typeface="Times New Roman" panose="02020603050405020304" pitchFamily="18" charset="0"/>
+              </a:rPr>
+              <a:t>/courses/blob/main/</a:t>
+            </a:r>
+            <a:r>
+              <a:rPr kumimoji="0" lang="en-GB" sz="3600" b="0" i="1" u="none" strike="noStrike" kern="1200" cap="none" spc="0" normalizeH="0" baseline="0" noProof="0" dirty="0" err="1">
+                <a:ln>
+                  <a:noFill/>
+                </a:ln>
+                <a:solidFill>
+                  <a:srgbClr val="F4C245"/>
+                </a:solidFill>
+                <a:effectLst/>
+                <a:uLnTx/>
+                <a:uFillTx/>
+                <a:latin typeface="Times New Roman" panose="02020603050405020304" pitchFamily="18" charset="0"/>
+                <a:ea typeface="+mj-ea"/>
+                <a:cs typeface="Times New Roman" panose="02020603050405020304" pitchFamily="18" charset="0"/>
+              </a:rPr>
+              <a:t>README.md</a:t>
+            </a:r>
+            <a:endParaRPr kumimoji="0" lang="en-GB" sz="6000" b="0" i="1" u="none" strike="noStrike" kern="1200" cap="none" spc="0" normalizeH="0" baseline="0" noProof="0" dirty="0">
+              <a:ln>
+                <a:noFill/>
+              </a:ln>
+              <a:solidFill>
+                <a:srgbClr val="F4C245"/>
+              </a:solidFill>
+              <a:effectLst/>
+              <a:uLnTx/>
+              <a:uFillTx/>
+              <a:latin typeface="Times New Roman" panose="02020603050405020304" pitchFamily="18" charset="0"/>
+              <a:ea typeface="+mj-ea"/>
+              <a:cs typeface="Times New Roman" panose="02020603050405020304" pitchFamily="18" charset="0"/>
+            </a:endParaRPr>
+          </a:p>
+        </p:txBody>
+      </p:sp>
     </p:spTree>
     <p:extLst>
       <p:ext uri="{BB962C8B-B14F-4D97-AF65-F5344CB8AC3E}">
-        <p14:creationId xmlns:p14="http://schemas.microsoft.com/office/powerpoint/2010/main" val="3972393453"/>
+        <p14:creationId xmlns:p14="http://schemas.microsoft.com/office/powerpoint/2010/main" val="977730549"/>
       </p:ext>
     </p:extLst>
   </p:cSld>
@@ -11582,8 +9556,8 @@
         </p:nvSpPr>
         <p:spPr>
           <a:xfrm>
-            <a:off x="1393372" y="3024356"/>
-            <a:ext cx="9144000" cy="1457551"/>
+            <a:off x="619648" y="1533378"/>
+            <a:ext cx="5162173" cy="914400"/>
           </a:xfrm>
         </p:spPr>
         <p:txBody>
@@ -11606,7 +9580,7 @@
             <a:r>
               <a:rPr lang="en-GB" sz="6700" dirty="0">
                 <a:solidFill>
-                  <a:srgbClr val="36B7B4"/>
+                  <a:srgbClr val="F4C245"/>
                 </a:solidFill>
                 <a:latin typeface="Circular Std Book" panose="020B0604020101020102" pitchFamily="34" charset="0"/>
                 <a:cs typeface="Circular Std Book" panose="020B0604020101020102" pitchFamily="34" charset="0"/>
@@ -11615,15 +9589,6 @@
             </a:r>
             <a:br>
               <a:rPr lang="en-GB" sz="6700" dirty="0">
-                <a:solidFill>
-                  <a:srgbClr val="36B7B4"/>
-                </a:solidFill>
-                <a:latin typeface="Circular Std Book" panose="020B0604020101020102" pitchFamily="34" charset="0"/>
-                <a:cs typeface="Circular Std Book" panose="020B0604020101020102" pitchFamily="34" charset="0"/>
-              </a:rPr>
-            </a:br>
-            <a:br>
-              <a:rPr lang="en-GB" sz="7200" dirty="0">
                 <a:solidFill>
                   <a:srgbClr val="36B7B4"/>
                 </a:solidFill>
@@ -11643,42 +9608,12 @@
           </a:p>
         </p:txBody>
       </p:sp>
-      <p:pic>
-        <p:nvPicPr>
-          <p:cNvPr id="5" name="Picture 4">
+      <p:sp>
+        <p:nvSpPr>
+          <p:cNvPr id="6" name="TextBox 5">
             <a:extLst>
               <a:ext uri="{FF2B5EF4-FFF2-40B4-BE49-F238E27FC236}">
-                <a16:creationId xmlns:a16="http://schemas.microsoft.com/office/drawing/2014/main" id="{F1488189-E4D9-4869-A7D8-D07E72139B9A}"/>
-              </a:ext>
-            </a:extLst>
-          </p:cNvPr>
-          <p:cNvPicPr>
-            <a:picLocks noChangeAspect="1"/>
-          </p:cNvPicPr>
-          <p:nvPr/>
-        </p:nvPicPr>
-        <p:blipFill>
-          <a:blip r:embed="rId2"/>
-          <a:stretch>
-            <a:fillRect/>
-          </a:stretch>
-        </p:blipFill>
-        <p:spPr>
-          <a:xfrm>
-            <a:off x="8105775" y="0"/>
-            <a:ext cx="4086225" cy="2505075"/>
-          </a:xfrm>
-          <a:prstGeom prst="rect">
-            <a:avLst/>
-          </a:prstGeom>
-        </p:spPr>
-      </p:pic>
-      <p:sp>
-        <p:nvSpPr>
-          <p:cNvPr id="3" name="TextBox 2">
-            <a:extLst>
-              <a:ext uri="{FF2B5EF4-FFF2-40B4-BE49-F238E27FC236}">
-                <a16:creationId xmlns:a16="http://schemas.microsoft.com/office/drawing/2014/main" id="{28F4464D-1CC1-4F92-88A3-886123E31DD5}"/>
+                <a16:creationId xmlns:a16="http://schemas.microsoft.com/office/drawing/2014/main" id="{0B3AE9D3-97EB-2B4B-3BA7-FED730D27B2E}"/>
               </a:ext>
             </a:extLst>
           </p:cNvPr>
@@ -11687,8 +9622,8 @@
         </p:nvSpPr>
         <p:spPr>
           <a:xfrm>
-            <a:off x="1393372" y="3753131"/>
-            <a:ext cx="8512630" cy="1815882"/>
+            <a:off x="756137" y="1990578"/>
+            <a:ext cx="9822767" cy="2677656"/>
           </a:xfrm>
           <a:prstGeom prst="rect">
             <a:avLst/>
@@ -11696,189 +9631,157 @@
           <a:noFill/>
         </p:spPr>
         <p:txBody>
-          <a:bodyPr wrap="square" rtlCol="0">
+          <a:bodyPr wrap="square">
             <a:spAutoFit/>
           </a:bodyPr>
           <a:lstStyle/>
           <a:p>
-            <a:pPr marL="285750" marR="0" lvl="0" indent="-285750" algn="l" defTabSz="914400" rtl="0" eaLnBrk="1" fontAlgn="auto" latinLnBrk="0" hangingPunct="1">
-              <a:lnSpc>
-                <a:spcPct val="100000"/>
-              </a:lnSpc>
-              <a:spcBef>
-                <a:spcPts val="0"/>
-              </a:spcBef>
-              <a:spcAft>
-                <a:spcPts val="0"/>
-              </a:spcAft>
-              <a:buClrTx/>
-              <a:buSzTx/>
-              <a:buFont typeface="Arial" panose="020B0604020202020204" pitchFamily="34" charset="0"/>
-              <a:buChar char="•"/>
-              <a:tabLst/>
-              <a:defRPr/>
+            <a:r>
+              <a:rPr lang="en-GB" sz="2800" dirty="0">
+                <a:solidFill>
+                  <a:schemeClr val="bg1"/>
+                </a:solidFill>
+                <a:latin typeface="Circular Std Book" panose="020B0604020101020102" pitchFamily="34" charset="0"/>
+                <a:cs typeface="Circular Std Book" panose="020B0604020101020102" pitchFamily="34" charset="0"/>
+              </a:rPr>
+              <a:t>In this second practical session, we will be using </a:t>
+            </a:r>
+            <a:r>
+              <a:rPr lang="en-GB" sz="2800" dirty="0">
+                <a:solidFill>
+                  <a:srgbClr val="36B7B4"/>
+                </a:solidFill>
+                <a:latin typeface="Circular Std Book" panose="020B0604020101020102" pitchFamily="34" charset="0"/>
+                <a:cs typeface="Circular Std Book" panose="020B0604020101020102" pitchFamily="34" charset="0"/>
+              </a:rPr>
+              <a:t>VS Code </a:t>
+            </a:r>
+            <a:r>
+              <a:rPr lang="en-GB" sz="2800" dirty="0">
+                <a:solidFill>
+                  <a:schemeClr val="bg1"/>
+                </a:solidFill>
+                <a:latin typeface="Circular Std Book" panose="020B0604020101020102" pitchFamily="34" charset="0"/>
+                <a:cs typeface="Circular Std Book" panose="020B0604020101020102" pitchFamily="34" charset="0"/>
+              </a:rPr>
+              <a:t>and </a:t>
+            </a:r>
+            <a:r>
+              <a:rPr lang="en-GB" sz="2800" dirty="0">
+                <a:solidFill>
+                  <a:srgbClr val="36B7B4"/>
+                </a:solidFill>
+                <a:latin typeface="Circular Std Book" panose="020B0604020101020102" pitchFamily="34" charset="0"/>
+                <a:cs typeface="Circular Std Book" panose="020B0604020101020102" pitchFamily="34" charset="0"/>
+              </a:rPr>
+              <a:t>GitHub</a:t>
+            </a:r>
+            <a:r>
+              <a:rPr lang="en-GB" sz="2800" dirty="0">
+                <a:solidFill>
+                  <a:schemeClr val="bg1"/>
+                </a:solidFill>
+                <a:latin typeface="Circular Std Book" panose="020B0604020101020102" pitchFamily="34" charset="0"/>
+                <a:cs typeface="Circular Std Book" panose="020B0604020101020102" pitchFamily="34" charset="0"/>
+              </a:rPr>
+              <a:t> to build your personal website.</a:t>
+            </a:r>
+          </a:p>
+          <a:p>
+            <a:endParaRPr lang="en-GB" sz="2800" dirty="0">
+              <a:solidFill>
+                <a:schemeClr val="bg1"/>
+              </a:solidFill>
+              <a:latin typeface="Circular Std Book" panose="020B0604020101020102" pitchFamily="34" charset="0"/>
+              <a:cs typeface="Circular Std Book" panose="020B0604020101020102" pitchFamily="34" charset="0"/>
+            </a:endParaRPr>
+          </a:p>
+          <a:p>
+            <a:pPr marL="342900" indent="-342900">
+              <a:buFont typeface="+mj-lt"/>
+              <a:buAutoNum type="arabicPeriod"/>
             </a:pPr>
             <a:r>
-              <a:rPr kumimoji="0" lang="en-GB" sz="2800" b="0" i="0" u="none" strike="noStrike" kern="1200" cap="none" spc="0" normalizeH="0" baseline="0" noProof="0" dirty="0">
-                <a:ln>
-                  <a:noFill/>
-                </a:ln>
-                <a:solidFill>
-                  <a:prstClr val="white">
-                    <a:lumMod val="95000"/>
-                  </a:prstClr>
-                </a:solidFill>
-                <a:effectLst/>
-                <a:uLnTx/>
-                <a:uFillTx/>
-                <a:latin typeface="Circular Std Book" panose="020B0604020101020102" pitchFamily="34" charset="0"/>
-                <a:ea typeface="+mn-ea"/>
-                <a:cs typeface="Circular Std Book" panose="020B0604020101020102" pitchFamily="34" charset="0"/>
-              </a:rPr>
-              <a:t>Set up your GitHub pages site.</a:t>
-            </a:r>
-          </a:p>
-          <a:p>
-            <a:pPr marL="285750" marR="0" lvl="0" indent="-285750" algn="l" defTabSz="914400" rtl="0" eaLnBrk="1" fontAlgn="auto" latinLnBrk="0" hangingPunct="1">
-              <a:lnSpc>
-                <a:spcPct val="100000"/>
-              </a:lnSpc>
-              <a:spcBef>
-                <a:spcPts val="0"/>
-              </a:spcBef>
-              <a:spcAft>
-                <a:spcPts val="0"/>
-              </a:spcAft>
-              <a:buClrTx/>
-              <a:buSzTx/>
-              <a:buFont typeface="Arial" panose="020B0604020202020204" pitchFamily="34" charset="0"/>
-              <a:buChar char="•"/>
-              <a:tabLst/>
-              <a:defRPr/>
+              <a:rPr lang="en-GB" sz="2800" dirty="0">
+                <a:solidFill>
+                  <a:schemeClr val="bg1"/>
+                </a:solidFill>
+                <a:latin typeface="Circular Std Book" panose="020B0604020101020102" pitchFamily="34" charset="0"/>
+                <a:cs typeface="Circular Std Book" panose="020B0604020101020102" pitchFamily="34" charset="0"/>
+              </a:rPr>
+              <a:t>Edit your </a:t>
+            </a:r>
+            <a:r>
+              <a:rPr lang="en-GB" sz="2800" dirty="0">
+                <a:solidFill>
+                  <a:srgbClr val="36B7B4"/>
+                </a:solidFill>
+                <a:latin typeface="Circular Std Book" panose="020B0604020101020102" pitchFamily="34" charset="0"/>
+                <a:cs typeface="Circular Std Book" panose="020B0604020101020102" pitchFamily="34" charset="0"/>
+              </a:rPr>
+              <a:t>HTML </a:t>
+            </a:r>
+            <a:r>
+              <a:rPr lang="en-GB" sz="2800" dirty="0">
+                <a:solidFill>
+                  <a:schemeClr val="bg1"/>
+                </a:solidFill>
+                <a:latin typeface="Circular Std Book" panose="020B0604020101020102" pitchFamily="34" charset="0"/>
+                <a:cs typeface="Circular Std Book" panose="020B0604020101020102" pitchFamily="34" charset="0"/>
+              </a:rPr>
+              <a:t>(name, bio, etc)</a:t>
+            </a:r>
+          </a:p>
+          <a:p>
+            <a:pPr marL="342900" indent="-342900">
+              <a:buFont typeface="+mj-lt"/>
+              <a:buAutoNum type="arabicPeriod"/>
             </a:pPr>
             <a:r>
-              <a:rPr kumimoji="0" lang="en-GB" sz="2800" b="0" i="0" u="none" strike="noStrike" kern="1200" cap="none" spc="0" normalizeH="0" baseline="0" noProof="0" dirty="0">
-                <a:ln>
-                  <a:noFill/>
-                </a:ln>
-                <a:solidFill>
-                  <a:prstClr val="white">
-                    <a:lumMod val="95000"/>
-                  </a:prstClr>
-                </a:solidFill>
-                <a:effectLst/>
-                <a:uLnTx/>
-                <a:uFillTx/>
-                <a:latin typeface="Circular Std Book" panose="020B0604020101020102" pitchFamily="34" charset="0"/>
-                <a:ea typeface="+mn-ea"/>
-                <a:cs typeface="Circular Std Book" panose="020B0604020101020102" pitchFamily="34" charset="0"/>
-              </a:rPr>
-              <a:t>Enter your details </a:t>
-            </a:r>
-            <a:r>
-              <a:rPr kumimoji="0" lang="en-GB" sz="2800" b="0" i="0" u="none" strike="noStrike" kern="1200" cap="none" spc="0" normalizeH="0" baseline="0" noProof="0" dirty="0">
-                <a:ln>
-                  <a:noFill/>
-                </a:ln>
+              <a:rPr lang="en-GB" sz="2800" dirty="0">
+                <a:solidFill>
+                  <a:schemeClr val="bg1"/>
+                </a:solidFill>
+                <a:latin typeface="Circular Std Book" panose="020B0604020101020102" pitchFamily="34" charset="0"/>
+                <a:cs typeface="Circular Std Book" panose="020B0604020101020102" pitchFamily="34" charset="0"/>
+              </a:rPr>
+              <a:t>Add some </a:t>
+            </a:r>
+            <a:r>
+              <a:rPr lang="en-GB" sz="2800" dirty="0">
                 <a:solidFill>
                   <a:srgbClr val="36B7B4"/>
                 </a:solidFill>
-                <a:effectLst/>
-                <a:uLnTx/>
-                <a:uFillTx/>
-                <a:latin typeface="Circular Std Book" panose="020B0604020101020102" pitchFamily="34" charset="0"/>
-                <a:ea typeface="+mn-ea"/>
-                <a:cs typeface="Circular Std Book" panose="020B0604020101020102" pitchFamily="34" charset="0"/>
-              </a:rPr>
-              <a:t>https://tinyurl.com/DSPP2023</a:t>
-            </a:r>
-            <a:r>
-              <a:rPr kumimoji="0" lang="en-GB" sz="2800" b="0" i="0" u="none" strike="noStrike" kern="1200" cap="none" spc="0" normalizeH="0" baseline="0" noProof="0" dirty="0">
-                <a:ln>
-                  <a:noFill/>
-                </a:ln>
-                <a:solidFill>
-                  <a:prstClr val="white">
-                    <a:lumMod val="95000"/>
-                  </a:prstClr>
-                </a:solidFill>
-                <a:effectLst/>
-                <a:uLnTx/>
-                <a:uFillTx/>
-                <a:latin typeface="Circular Std Book" panose="020B0604020101020102" pitchFamily="34" charset="0"/>
-                <a:ea typeface="+mn-ea"/>
-                <a:cs typeface="Circular Std Book" panose="020B0604020101020102" pitchFamily="34" charset="0"/>
-              </a:rPr>
-              <a:t>.</a:t>
-            </a:r>
-          </a:p>
-          <a:p>
-            <a:pPr marL="285750" marR="0" lvl="0" indent="-285750" algn="l" defTabSz="914400" rtl="0" eaLnBrk="1" fontAlgn="auto" latinLnBrk="0" hangingPunct="1">
-              <a:lnSpc>
-                <a:spcPct val="100000"/>
-              </a:lnSpc>
-              <a:spcBef>
-                <a:spcPts val="0"/>
-              </a:spcBef>
-              <a:spcAft>
-                <a:spcPts val="0"/>
-              </a:spcAft>
-              <a:buClrTx/>
-              <a:buSzTx/>
-              <a:buFont typeface="Arial" panose="020B0604020202020204" pitchFamily="34" charset="0"/>
-              <a:buChar char="•"/>
-              <a:tabLst/>
-              <a:defRPr/>
+                <a:latin typeface="Circular Std Book" panose="020B0604020101020102" pitchFamily="34" charset="0"/>
+                <a:cs typeface="Circular Std Book" panose="020B0604020101020102" pitchFamily="34" charset="0"/>
+              </a:rPr>
+              <a:t>CSS </a:t>
+            </a:r>
+            <a:r>
+              <a:rPr lang="en-GB" sz="2800" dirty="0">
+                <a:solidFill>
+                  <a:schemeClr val="bg1"/>
+                </a:solidFill>
+                <a:latin typeface="Circular Std Book" panose="020B0604020101020102" pitchFamily="34" charset="0"/>
+                <a:cs typeface="Circular Std Book" panose="020B0604020101020102" pitchFamily="34" charset="0"/>
+              </a:rPr>
+              <a:t>(choose colours, fonts, etc)</a:t>
+            </a:r>
+          </a:p>
+          <a:p>
+            <a:pPr marL="342900" indent="-342900">
+              <a:buFont typeface="+mj-lt"/>
+              <a:buAutoNum type="arabicPeriod"/>
             </a:pPr>
             <a:r>
-              <a:rPr kumimoji="0" lang="en-GB" sz="2800" b="0" i="0" u="none" strike="noStrike" kern="1200" cap="none" spc="0" normalizeH="0" baseline="0" noProof="0" dirty="0">
-                <a:ln>
-                  <a:noFill/>
-                </a:ln>
-                <a:solidFill>
-                  <a:prstClr val="white">
-                    <a:lumMod val="95000"/>
-                  </a:prstClr>
-                </a:solidFill>
-                <a:effectLst/>
-                <a:uLnTx/>
-                <a:uFillTx/>
-                <a:latin typeface="Circular Std Book" panose="020B0604020101020102" pitchFamily="34" charset="0"/>
-                <a:ea typeface="+mn-ea"/>
-                <a:cs typeface="Circular Std Book" panose="020B0604020101020102" pitchFamily="34" charset="0"/>
-              </a:rPr>
-              <a:t>Embed first two charts in your page.</a:t>
-            </a:r>
-          </a:p>
-          <a:p>
-            <a:pPr marL="285750" marR="0" lvl="0" indent="-285750" algn="l" defTabSz="914400" rtl="0" eaLnBrk="1" fontAlgn="auto" latinLnBrk="0" hangingPunct="1">
-              <a:lnSpc>
-                <a:spcPct val="100000"/>
-              </a:lnSpc>
-              <a:spcBef>
-                <a:spcPts val="0"/>
-              </a:spcBef>
-              <a:spcAft>
-                <a:spcPts val="0"/>
-              </a:spcAft>
-              <a:buClrTx/>
-              <a:buSzTx/>
-              <a:buFont typeface="Arial" panose="020B0604020202020204" pitchFamily="34" charset="0"/>
-              <a:buChar char="•"/>
-              <a:tabLst/>
-              <a:defRPr/>
-            </a:pPr>
-            <a:r>
               <a:rPr lang="en-GB" sz="2800" dirty="0">
                 <a:solidFill>
-                  <a:prstClr val="white">
-                    <a:lumMod val="95000"/>
-                  </a:prstClr>
-                </a:solidFill>
-                <a:latin typeface="Circular Std Book" panose="020B0604020101020102" pitchFamily="34" charset="0"/>
-                <a:cs typeface="Circular Std Book" panose="020B0604020101020102" pitchFamily="34" charset="0"/>
-              </a:rPr>
-              <a:t>Use examples in the </a:t>
+                  <a:schemeClr val="bg1"/>
+                </a:solidFill>
+                <a:latin typeface="Circular Std Book" panose="020B0604020101020102" pitchFamily="34" charset="0"/>
+                <a:cs typeface="Circular Std Book" panose="020B0604020101020102" pitchFamily="34" charset="0"/>
+              </a:rPr>
+              <a:t>Embed an example </a:t>
             </a:r>
             <a:r>
               <a:rPr lang="en-GB" sz="2800" dirty="0">
@@ -11888,21 +9791,22 @@
                 <a:latin typeface="Circular Std Book" panose="020B0604020101020102" pitchFamily="34" charset="0"/>
                 <a:cs typeface="Circular Std Book" panose="020B0604020101020102" pitchFamily="34" charset="0"/>
               </a:rPr>
-              <a:t>GitHub folder /section1</a:t>
-            </a:r>
-            <a:endParaRPr kumimoji="0" lang="en-GB" sz="2800" b="0" i="0" u="none" strike="noStrike" kern="1200" cap="none" spc="0" normalizeH="0" baseline="0" noProof="0" dirty="0">
-              <a:ln>
-                <a:noFill/>
-              </a:ln>
+              <a:t>JSON</a:t>
+            </a:r>
+            <a:r>
+              <a:rPr lang="en-GB" sz="2800" dirty="0">
+                <a:solidFill>
+                  <a:schemeClr val="bg1"/>
+                </a:solidFill>
+                <a:latin typeface="Circular Std Book" panose="020B0604020101020102" pitchFamily="34" charset="0"/>
+                <a:cs typeface="Circular Std Book" panose="020B0604020101020102" pitchFamily="34" charset="0"/>
+              </a:rPr>
+              <a:t> chart </a:t>
+            </a:r>
+            <a:endParaRPr lang="en-US" sz="2800" dirty="0">
               <a:solidFill>
-                <a:srgbClr val="36B7B4"/>
+                <a:schemeClr val="bg1"/>
               </a:solidFill>
-              <a:effectLst/>
-              <a:uLnTx/>
-              <a:uFillTx/>
-              <a:latin typeface="Circular Std Book" panose="020B0604020101020102" pitchFamily="34" charset="0"/>
-              <a:ea typeface="+mn-ea"/>
-              <a:cs typeface="Circular Std Book" panose="020B0604020101020102" pitchFamily="34" charset="0"/>
             </a:endParaRPr>
           </a:p>
         </p:txBody>
@@ -11933,7 +9837,13 @@
     </p:bg>
     <p:spTree>
       <p:nvGrpSpPr>
-        <p:cNvPr id="1" name=""/>
+        <p:cNvPr id="1" name="">
+          <a:extLst>
+            <a:ext uri="{FF2B5EF4-FFF2-40B4-BE49-F238E27FC236}">
+              <a16:creationId xmlns:a16="http://schemas.microsoft.com/office/drawing/2014/main" id="{E189A984-5A15-911E-05C0-80E77CA17D00}"/>
+            </a:ext>
+          </a:extLst>
+        </p:cNvPr>
         <p:cNvGrpSpPr/>
         <p:nvPr/>
       </p:nvGrpSpPr>
@@ -11950,7 +9860,7 @@
           <p:cNvPr id="2" name="Title 1">
             <a:extLst>
               <a:ext uri="{FF2B5EF4-FFF2-40B4-BE49-F238E27FC236}">
-                <a16:creationId xmlns:a16="http://schemas.microsoft.com/office/drawing/2014/main" id="{0FEE2FE8-D24E-41DE-AA78-81A6ECA35759}"/>
+                <a16:creationId xmlns:a16="http://schemas.microsoft.com/office/drawing/2014/main" id="{CBA027C9-45D9-2EDE-ACAB-19A1FE9C6C07}"/>
               </a:ext>
             </a:extLst>
           </p:cNvPr>
@@ -11984,7 +9894,7 @@
                 <a:latin typeface="Circular Std Book" panose="020B0604020101020102" pitchFamily="34" charset="0"/>
                 <a:cs typeface="Circular Std Book" panose="020B0604020101020102" pitchFamily="34" charset="0"/>
               </a:rPr>
-              <a:t>CSS – updated to 3-tier format</a:t>
+              <a:t>HTML</a:t>
             </a:r>
             <a:r>
               <a:rPr lang="en-GB" sz="5400" dirty="0">
@@ -12011,7 +9921,7 @@
           <p:cNvPr id="3" name="Content Placeholder 2">
             <a:extLst>
               <a:ext uri="{FF2B5EF4-FFF2-40B4-BE49-F238E27FC236}">
-                <a16:creationId xmlns:a16="http://schemas.microsoft.com/office/drawing/2014/main" id="{0C9B5234-01FB-4BC1-8F08-B28C710CCE0E}"/>
+                <a16:creationId xmlns:a16="http://schemas.microsoft.com/office/drawing/2014/main" id="{19141B23-D364-ADEE-9F0A-4ADB5D2A7AA7}"/>
               </a:ext>
             </a:extLst>
           </p:cNvPr>
@@ -12030,7 +9940,7 @@
         </p:spPr>
         <p:txBody>
           <a:bodyPr>
-            <a:normAutofit lnSpcReduction="10000"/>
+            <a:normAutofit/>
           </a:bodyPr>
           <a:lstStyle/>
           <a:p>
@@ -12047,17 +9957,17 @@
                 <a:latin typeface="Circular Std Book" panose="020B0604020101020102" pitchFamily="34" charset="0"/>
                 <a:cs typeface="Circular Std Book" panose="020B0604020101020102" pitchFamily="34" charset="0"/>
               </a:rPr>
-              <a:t>Edit your “</a:t>
+              <a:t>Create an edit your “</a:t>
             </a:r>
             <a:r>
               <a:rPr lang="en-GB" dirty="0" err="1">
                 <a:solidFill>
-                  <a:schemeClr val="bg1"/>
-                </a:solidFill>
-                <a:latin typeface="Circular Std Book" panose="020B0604020101020102" pitchFamily="34" charset="0"/>
-                <a:cs typeface="Circular Std Book" panose="020B0604020101020102" pitchFamily="34" charset="0"/>
-              </a:rPr>
-              <a:t>index.css</a:t>
+                  <a:srgbClr val="F4C245"/>
+                </a:solidFill>
+                <a:latin typeface="Circular Std Book" panose="020B0604020101020102" pitchFamily="34" charset="0"/>
+                <a:cs typeface="Circular Std Book" panose="020B0604020101020102" pitchFamily="34" charset="0"/>
+              </a:rPr>
+              <a:t>index.html</a:t>
             </a:r>
             <a:r>
               <a:rPr lang="en-GB" dirty="0">
@@ -12084,238 +9994,35 @@
                 <a:latin typeface="Circular Std Book" panose="020B0604020101020102" pitchFamily="34" charset="0"/>
                 <a:cs typeface="Circular Std Book" panose="020B0604020101020102" pitchFamily="34" charset="0"/>
               </a:rPr>
-              <a:t>Use ”</a:t>
-            </a:r>
-            <a:r>
-              <a:rPr lang="en-GB" dirty="0" err="1">
+              <a:t>Use “</a:t>
+            </a:r>
+            <a:r>
+              <a:rPr lang="en-GB" dirty="0">
+                <a:solidFill>
+                  <a:srgbClr val="F4C245"/>
+                </a:solidFill>
+                <a:latin typeface="Circular Std Book" panose="020B0604020101020102" pitchFamily="34" charset="0"/>
+                <a:cs typeface="Circular Std Book" panose="020B0604020101020102" pitchFamily="34" charset="0"/>
+              </a:rPr>
+              <a:t>example1.html</a:t>
+            </a:r>
+            <a:r>
+              <a:rPr lang="en-GB" dirty="0">
                 <a:solidFill>
                   <a:schemeClr val="bg1"/>
                 </a:solidFill>
                 <a:latin typeface="Circular Std Book" panose="020B0604020101020102" pitchFamily="34" charset="0"/>
                 <a:cs typeface="Circular Std Book" panose="020B0604020101020102" pitchFamily="34" charset="0"/>
               </a:rPr>
-              <a:t>exampleCharlie.css</a:t>
-            </a:r>
-            <a:r>
-              <a:rPr lang="en-GB" dirty="0">
-                <a:solidFill>
-                  <a:schemeClr val="bg1"/>
-                </a:solidFill>
-                <a:latin typeface="Circular Std Book" panose="020B0604020101020102" pitchFamily="34" charset="0"/>
-                <a:cs typeface="Circular Std Book" panose="020B0604020101020102" pitchFamily="34" charset="0"/>
-              </a:rPr>
-              <a:t>” file for inspiration</a:t>
-            </a:r>
-          </a:p>
-          <a:p>
-            <a:pPr>
-              <a:lnSpc>
-                <a:spcPct val="150000"/>
-              </a:lnSpc>
-            </a:pPr>
-            <a:r>
-              <a:rPr lang="en-GB" dirty="0">
-                <a:solidFill>
-                  <a:schemeClr val="bg1"/>
-                </a:solidFill>
-                <a:latin typeface="Circular Std Book" panose="020B0604020101020102" pitchFamily="34" charset="0"/>
-                <a:cs typeface="Circular Std Book" panose="020B0604020101020102" pitchFamily="34" charset="0"/>
-              </a:rPr>
-              <a:t>Link “</a:t>
-            </a:r>
-            <a:r>
-              <a:rPr lang="en-GB" dirty="0" err="1">
-                <a:solidFill>
-                  <a:schemeClr val="bg1"/>
-                </a:solidFill>
-                <a:latin typeface="Circular Std Book" panose="020B0604020101020102" pitchFamily="34" charset="0"/>
-                <a:cs typeface="Circular Std Book" panose="020B0604020101020102" pitchFamily="34" charset="0"/>
-              </a:rPr>
-              <a:t>index.css</a:t>
-            </a:r>
-            <a:r>
-              <a:rPr lang="en-GB" dirty="0">
-                <a:solidFill>
-                  <a:schemeClr val="bg1"/>
-                </a:solidFill>
-                <a:latin typeface="Circular Std Book" panose="020B0604020101020102" pitchFamily="34" charset="0"/>
-                <a:cs typeface="Circular Std Book" panose="020B0604020101020102" pitchFamily="34" charset="0"/>
-              </a:rPr>
-              <a:t>” to “</a:t>
-            </a:r>
-            <a:r>
-              <a:rPr lang="en-GB" dirty="0" err="1">
-                <a:solidFill>
-                  <a:schemeClr val="bg1"/>
-                </a:solidFill>
-                <a:latin typeface="Circular Std Book" panose="020B0604020101020102" pitchFamily="34" charset="0"/>
-                <a:cs typeface="Circular Std Book" panose="020B0604020101020102" pitchFamily="34" charset="0"/>
-              </a:rPr>
-              <a:t>index.html</a:t>
-            </a:r>
-            <a:r>
-              <a:rPr lang="en-GB" dirty="0">
-                <a:solidFill>
-                  <a:schemeClr val="bg1"/>
-                </a:solidFill>
-                <a:latin typeface="Circular Std Book" panose="020B0604020101020102" pitchFamily="34" charset="0"/>
-                <a:cs typeface="Circular Std Book" panose="020B0604020101020102" pitchFamily="34" charset="0"/>
-              </a:rPr>
-              <a:t>” using: </a:t>
-            </a:r>
-          </a:p>
-          <a:p>
-            <a:pPr marL="0" indent="0">
-              <a:lnSpc>
-                <a:spcPct val="150000"/>
-              </a:lnSpc>
-              <a:buNone/>
-            </a:pPr>
-            <a:r>
-              <a:rPr lang="en-GB" dirty="0">
-                <a:solidFill>
-                  <a:schemeClr val="bg1"/>
-                </a:solidFill>
-                <a:latin typeface="Circular Std Book" panose="020B0604020101020102" pitchFamily="34" charset="0"/>
-                <a:cs typeface="Circular Std Book" panose="020B0604020101020102" pitchFamily="34" charset="0"/>
-              </a:rPr>
-              <a:t>	</a:t>
-            </a:r>
-            <a:r>
-              <a:rPr lang="en-GB" dirty="0">
-                <a:solidFill>
-                  <a:srgbClr val="FFC000"/>
-                </a:solidFill>
-              </a:rPr>
-              <a:t>&lt;link </a:t>
-            </a:r>
-            <a:r>
-              <a:rPr lang="en-GB" dirty="0" err="1">
-                <a:solidFill>
-                  <a:srgbClr val="FFC000"/>
-                </a:solidFill>
-              </a:rPr>
-              <a:t>rel</a:t>
-            </a:r>
-            <a:r>
-              <a:rPr lang="en-GB" dirty="0">
-                <a:solidFill>
-                  <a:srgbClr val="FFC000"/>
-                </a:solidFill>
-              </a:rPr>
-              <a:t>="stylesheet" </a:t>
-            </a:r>
-            <a:r>
-              <a:rPr lang="en-GB" dirty="0" err="1">
-                <a:solidFill>
-                  <a:srgbClr val="FFC000"/>
-                </a:solidFill>
-              </a:rPr>
-              <a:t>href</a:t>
-            </a:r>
-            <a:r>
-              <a:rPr lang="en-GB" dirty="0">
-                <a:solidFill>
-                  <a:srgbClr val="FFC000"/>
-                </a:solidFill>
-              </a:rPr>
-              <a:t>="</a:t>
-            </a:r>
-            <a:r>
-              <a:rPr lang="en-GB" dirty="0" err="1">
-                <a:solidFill>
-                  <a:srgbClr val="FFC000"/>
-                </a:solidFill>
-              </a:rPr>
-              <a:t>index.css</a:t>
-            </a:r>
-            <a:r>
-              <a:rPr lang="en-GB" dirty="0">
-                <a:solidFill>
-                  <a:srgbClr val="FFC000"/>
-                </a:solidFill>
-              </a:rPr>
-              <a:t>"&gt; </a:t>
-            </a:r>
-            <a:r>
-              <a:rPr lang="en-GB" dirty="0">
-                <a:solidFill>
-                  <a:schemeClr val="bg1"/>
-                </a:solidFill>
-              </a:rPr>
-              <a:t>(inside html head)</a:t>
-            </a:r>
-          </a:p>
-          <a:p>
-            <a:pPr>
-              <a:lnSpc>
-                <a:spcPct val="150000"/>
-              </a:lnSpc>
-            </a:pPr>
-            <a:r>
-              <a:rPr lang="en-GB" dirty="0">
-                <a:solidFill>
-                  <a:schemeClr val="bg1"/>
-                </a:solidFill>
-                <a:latin typeface="Circular Std Book" panose="020B0604020101020102" pitchFamily="34" charset="0"/>
-                <a:cs typeface="Circular Std Book" panose="020B0604020101020102" pitchFamily="34" charset="0"/>
-              </a:rPr>
-              <a:t>Don’t forget to import chosen fonts into “</a:t>
-            </a:r>
-            <a:r>
-              <a:rPr lang="en-GB" dirty="0" err="1">
-                <a:solidFill>
-                  <a:schemeClr val="bg1"/>
-                </a:solidFill>
-                <a:latin typeface="Circular Std Book" panose="020B0604020101020102" pitchFamily="34" charset="0"/>
-                <a:cs typeface="Circular Std Book" panose="020B0604020101020102" pitchFamily="34" charset="0"/>
-              </a:rPr>
-              <a:t>index.html</a:t>
-            </a:r>
-            <a:r>
-              <a:rPr lang="en-GB" dirty="0">
-                <a:solidFill>
-                  <a:schemeClr val="bg1"/>
-                </a:solidFill>
-                <a:latin typeface="Circular Std Book" panose="020B0604020101020102" pitchFamily="34" charset="0"/>
-                <a:cs typeface="Circular Std Book" panose="020B0604020101020102" pitchFamily="34" charset="0"/>
-              </a:rPr>
-              <a:t>” and add font rules to “</a:t>
-            </a:r>
-            <a:r>
-              <a:rPr lang="en-GB" dirty="0" err="1">
-                <a:solidFill>
-                  <a:schemeClr val="bg1"/>
-                </a:solidFill>
-                <a:latin typeface="Circular Std Book" panose="020B0604020101020102" pitchFamily="34" charset="0"/>
-                <a:cs typeface="Circular Std Book" panose="020B0604020101020102" pitchFamily="34" charset="0"/>
-              </a:rPr>
-              <a:t>index.css</a:t>
-            </a:r>
-            <a:r>
-              <a:rPr lang="en-GB" dirty="0">
-                <a:solidFill>
-                  <a:schemeClr val="bg1"/>
-                </a:solidFill>
-                <a:latin typeface="Circular Std Book" panose="020B0604020101020102" pitchFamily="34" charset="0"/>
-                <a:cs typeface="Circular Std Book" panose="020B0604020101020102" pitchFamily="34" charset="0"/>
-              </a:rPr>
-              <a:t>”</a:t>
-            </a:r>
-            <a:endParaRPr lang="en-GB" dirty="0">
-              <a:solidFill>
-                <a:srgbClr val="FFC000"/>
-              </a:solidFill>
-              <a:latin typeface="Circular Std Book" panose="020B0604020101020102" pitchFamily="34" charset="0"/>
-              <a:cs typeface="Circular Std Book" panose="020B0604020101020102" pitchFamily="34" charset="0"/>
-            </a:endParaRPr>
+              <a:t>” for inspiration</a:t>
+            </a:r>
           </a:p>
         </p:txBody>
       </p:sp>
     </p:spTree>
     <p:extLst>
       <p:ext uri="{BB962C8B-B14F-4D97-AF65-F5344CB8AC3E}">
-        <p14:creationId xmlns:p14="http://schemas.microsoft.com/office/powerpoint/2010/main" val="1599196781"/>
+        <p14:creationId xmlns:p14="http://schemas.microsoft.com/office/powerpoint/2010/main" val="1152063873"/>
       </p:ext>
     </p:extLst>
   </p:cSld>
@@ -12392,7 +10099,7 @@
             <a:r>
               <a:rPr lang="en-GB" dirty="0">
                 <a:solidFill>
-                  <a:srgbClr val="36B7B4"/>
+                  <a:srgbClr val="F4C245"/>
                 </a:solidFill>
                 <a:latin typeface="Circular Std Book" panose="020B0604020101020102" pitchFamily="34" charset="0"/>
                 <a:cs typeface="Circular Std Book" panose="020B0604020101020102" pitchFamily="34" charset="0"/>
@@ -12458,52 +10165,765 @@
           </a:prstGeom>
         </p:spPr>
       </p:pic>
-      <p:sp>
-        <p:nvSpPr>
-          <p:cNvPr id="4" name="TextBox 3">
+    </p:spTree>
+    <p:extLst>
+      <p:ext uri="{BB962C8B-B14F-4D97-AF65-F5344CB8AC3E}">
+        <p14:creationId xmlns:p14="http://schemas.microsoft.com/office/powerpoint/2010/main" val="1374648882"/>
+      </p:ext>
+    </p:extLst>
+  </p:cSld>
+  <p:clrMapOvr>
+    <a:masterClrMapping/>
+  </p:clrMapOvr>
+</p:sld>
+</file>
+
+<file path=ppt/slides/slide20.xml><?xml version="1.0" encoding="utf-8"?>
+<p:sld xmlns:a="http://schemas.openxmlformats.org/drawingml/2006/main" xmlns:r="http://schemas.openxmlformats.org/officeDocument/2006/relationships" xmlns:p="http://schemas.openxmlformats.org/presentationml/2006/main">
+  <p:cSld>
+    <p:bg>
+      <p:bgPr>
+        <a:solidFill>
+          <a:srgbClr val="122B39"/>
+        </a:solidFill>
+        <a:effectLst/>
+      </p:bgPr>
+    </p:bg>
+    <p:spTree>
+      <p:nvGrpSpPr>
+        <p:cNvPr id="1" name=""/>
+        <p:cNvGrpSpPr/>
+        <p:nvPr/>
+      </p:nvGrpSpPr>
+      <p:grpSpPr>
+        <a:xfrm>
+          <a:off x="0" y="0"/>
+          <a:ext cx="0" cy="0"/>
+          <a:chOff x="0" y="0"/>
+          <a:chExt cx="0" cy="0"/>
+        </a:xfrm>
+      </p:grpSpPr>
+      <p:sp>
+        <p:nvSpPr>
+          <p:cNvPr id="2" name="Title 1">
             <a:extLst>
               <a:ext uri="{FF2B5EF4-FFF2-40B4-BE49-F238E27FC236}">
-                <a16:creationId xmlns:a16="http://schemas.microsoft.com/office/drawing/2014/main" id="{C38115DA-F588-5E83-BA9C-215DF49205F4}"/>
+                <a16:creationId xmlns:a16="http://schemas.microsoft.com/office/drawing/2014/main" id="{0FEE2FE8-D24E-41DE-AA78-81A6ECA35759}"/>
               </a:ext>
             </a:extLst>
           </p:cNvPr>
-          <p:cNvSpPr txBox="1"/>
-          <p:nvPr/>
+          <p:cNvSpPr>
+            <a:spLocks noGrp="1"/>
+          </p:cNvSpPr>
+          <p:nvPr>
+            <p:ph type="title"/>
+          </p:nvPr>
         </p:nvSpPr>
         <p:spPr>
           <a:xfrm>
-            <a:off x="798580" y="3609405"/>
-            <a:ext cx="1011559" cy="369332"/>
+            <a:off x="584127" y="340080"/>
+            <a:ext cx="10515600" cy="1325563"/>
+          </a:xfrm>
+          <a:solidFill>
+            <a:srgbClr val="122B39"/>
+          </a:solidFill>
+        </p:spPr>
+        <p:txBody>
+          <a:bodyPr>
+            <a:normAutofit/>
+          </a:bodyPr>
+          <a:lstStyle/>
+          <a:p>
+            <a:r>
+              <a:rPr lang="en-GB" sz="5400" dirty="0">
+                <a:solidFill>
+                  <a:schemeClr val="bg1"/>
+                </a:solidFill>
+                <a:latin typeface="Circular Std Book" panose="020B0604020101020102" pitchFamily="34" charset="0"/>
+                <a:cs typeface="Circular Std Book" panose="020B0604020101020102" pitchFamily="34" charset="0"/>
+              </a:rPr>
+              <a:t>CSS – three-tier format</a:t>
+            </a:r>
+            <a:r>
+              <a:rPr lang="en-GB" sz="5400" dirty="0">
+                <a:solidFill>
+                  <a:srgbClr val="F4C245"/>
+                </a:solidFill>
+                <a:latin typeface="Circular Std Book" panose="020B0604020101020102" pitchFamily="34" charset="0"/>
+                <a:cs typeface="Circular Std Book" panose="020B0604020101020102" pitchFamily="34" charset="0"/>
+              </a:rPr>
+              <a:t>.</a:t>
+            </a:r>
+            <a:endParaRPr lang="en-GB" dirty="0">
+              <a:solidFill>
+                <a:srgbClr val="F4C245"/>
+              </a:solidFill>
+              <a:latin typeface="Circular Std Book" panose="020B0604020101020102" pitchFamily="34" charset="0"/>
+              <a:cs typeface="Circular Std Book" panose="020B0604020101020102" pitchFamily="34" charset="0"/>
+            </a:endParaRPr>
+          </a:p>
+        </p:txBody>
+      </p:sp>
+      <p:sp>
+        <p:nvSpPr>
+          <p:cNvPr id="3" name="Content Placeholder 2">
+            <a:extLst>
+              <a:ext uri="{FF2B5EF4-FFF2-40B4-BE49-F238E27FC236}">
+                <a16:creationId xmlns:a16="http://schemas.microsoft.com/office/drawing/2014/main" id="{0C9B5234-01FB-4BC1-8F08-B28C710CCE0E}"/>
+              </a:ext>
+            </a:extLst>
+          </p:cNvPr>
+          <p:cNvSpPr>
+            <a:spLocks noGrp="1"/>
+          </p:cNvSpPr>
+          <p:nvPr>
+            <p:ph idx="1"/>
+          </p:nvPr>
+        </p:nvSpPr>
+        <p:spPr>
+          <a:xfrm>
+            <a:off x="584127" y="1817576"/>
+            <a:ext cx="11445948" cy="4351338"/>
+          </a:xfrm>
+        </p:spPr>
+        <p:txBody>
+          <a:bodyPr>
+            <a:normAutofit fontScale="77500" lnSpcReduction="20000"/>
+          </a:bodyPr>
+          <a:lstStyle/>
+          <a:p>
+            <a:pPr>
+              <a:lnSpc>
+                <a:spcPct val="150000"/>
+              </a:lnSpc>
+            </a:pPr>
+            <a:r>
+              <a:rPr lang="en-GB" dirty="0">
+                <a:solidFill>
+                  <a:schemeClr val="bg1"/>
+                </a:solidFill>
+                <a:latin typeface="Circular Std Book" panose="020B0604020101020102" pitchFamily="34" charset="0"/>
+                <a:cs typeface="Circular Std Book" panose="020B0604020101020102" pitchFamily="34" charset="0"/>
+              </a:rPr>
+              <a:t>Edit your “</a:t>
+            </a:r>
+            <a:r>
+              <a:rPr lang="en-GB" dirty="0" err="1">
+                <a:solidFill>
+                  <a:srgbClr val="F4C245"/>
+                </a:solidFill>
+                <a:latin typeface="Circular Std Book" panose="020B0604020101020102" pitchFamily="34" charset="0"/>
+                <a:cs typeface="Circular Std Book" panose="020B0604020101020102" pitchFamily="34" charset="0"/>
+              </a:rPr>
+              <a:t>index.css</a:t>
+            </a:r>
+            <a:r>
+              <a:rPr lang="en-GB" dirty="0">
+                <a:solidFill>
+                  <a:schemeClr val="bg1"/>
+                </a:solidFill>
+                <a:latin typeface="Circular Std Book" panose="020B0604020101020102" pitchFamily="34" charset="0"/>
+                <a:cs typeface="Circular Std Book" panose="020B0604020101020102" pitchFamily="34" charset="0"/>
+              </a:rPr>
+              <a:t>” file</a:t>
+            </a:r>
+          </a:p>
+          <a:p>
+            <a:pPr>
+              <a:lnSpc>
+                <a:spcPct val="150000"/>
+              </a:lnSpc>
+            </a:pPr>
+            <a:r>
+              <a:rPr lang="en-GB" dirty="0">
+                <a:solidFill>
+                  <a:schemeClr val="bg1"/>
+                </a:solidFill>
+                <a:latin typeface="Circular Std Book" panose="020B0604020101020102" pitchFamily="34" charset="0"/>
+                <a:cs typeface="Circular Std Book" panose="020B0604020101020102" pitchFamily="34" charset="0"/>
+              </a:rPr>
+              <a:t>Use “</a:t>
+            </a:r>
+            <a:r>
+              <a:rPr lang="en-GB" dirty="0">
+                <a:solidFill>
+                  <a:srgbClr val="F4C245"/>
+                </a:solidFill>
+                <a:latin typeface="Circular Std Book" panose="020B0604020101020102" pitchFamily="34" charset="0"/>
+                <a:cs typeface="Circular Std Book" panose="020B0604020101020102" pitchFamily="34" charset="0"/>
+              </a:rPr>
+              <a:t>example1.css</a:t>
+            </a:r>
+            <a:r>
+              <a:rPr lang="en-GB" dirty="0">
+                <a:solidFill>
+                  <a:schemeClr val="bg1"/>
+                </a:solidFill>
+                <a:latin typeface="Circular Std Book" panose="020B0604020101020102" pitchFamily="34" charset="0"/>
+                <a:cs typeface="Circular Std Book" panose="020B0604020101020102" pitchFamily="34" charset="0"/>
+              </a:rPr>
+              <a:t>”, “</a:t>
+            </a:r>
+            <a:r>
+              <a:rPr lang="en-GB" dirty="0">
+                <a:solidFill>
+                  <a:srgbClr val="F4C245"/>
+                </a:solidFill>
+                <a:latin typeface="Circular Std Book" panose="020B0604020101020102" pitchFamily="34" charset="0"/>
+                <a:cs typeface="Circular Std Book" panose="020B0604020101020102" pitchFamily="34" charset="0"/>
+              </a:rPr>
+              <a:t>example2.css</a:t>
+            </a:r>
+            <a:r>
+              <a:rPr lang="en-GB" dirty="0">
+                <a:solidFill>
+                  <a:schemeClr val="bg1"/>
+                </a:solidFill>
+                <a:latin typeface="Circular Std Book" panose="020B0604020101020102" pitchFamily="34" charset="0"/>
+                <a:cs typeface="Circular Std Book" panose="020B0604020101020102" pitchFamily="34" charset="0"/>
+              </a:rPr>
+              <a:t>” or “</a:t>
+            </a:r>
+            <a:r>
+              <a:rPr lang="en-GB" dirty="0">
+                <a:solidFill>
+                  <a:srgbClr val="F4C245"/>
+                </a:solidFill>
+                <a:latin typeface="Circular Std Book" panose="020B0604020101020102" pitchFamily="34" charset="0"/>
+                <a:cs typeface="Circular Std Book" panose="020B0604020101020102" pitchFamily="34" charset="0"/>
+              </a:rPr>
+              <a:t>example3.css</a:t>
+            </a:r>
+            <a:r>
+              <a:rPr lang="en-GB" dirty="0">
+                <a:solidFill>
+                  <a:schemeClr val="bg1"/>
+                </a:solidFill>
+                <a:latin typeface="Circular Std Book" panose="020B0604020101020102" pitchFamily="34" charset="0"/>
+                <a:cs typeface="Circular Std Book" panose="020B0604020101020102" pitchFamily="34" charset="0"/>
+              </a:rPr>
+              <a:t>” file for inspiration</a:t>
+            </a:r>
+          </a:p>
+          <a:p>
+            <a:pPr lvl="1">
+              <a:lnSpc>
+                <a:spcPct val="150000"/>
+              </a:lnSpc>
+            </a:pPr>
+            <a:r>
+              <a:rPr lang="en-GB" dirty="0">
+                <a:solidFill>
+                  <a:schemeClr val="bg1"/>
+                </a:solidFill>
+                <a:latin typeface="Circular Std Book" panose="020B0604020101020102" pitchFamily="34" charset="0"/>
+                <a:cs typeface="Circular Std Book" panose="020B0604020101020102" pitchFamily="34" charset="0"/>
+              </a:rPr>
+              <a:t>Beginner: example1</a:t>
+            </a:r>
+          </a:p>
+          <a:p>
+            <a:pPr lvl="1">
+              <a:lnSpc>
+                <a:spcPct val="150000"/>
+              </a:lnSpc>
+            </a:pPr>
+            <a:r>
+              <a:rPr lang="en-GB" dirty="0">
+                <a:solidFill>
+                  <a:schemeClr val="bg1"/>
+                </a:solidFill>
+                <a:latin typeface="Circular Std Book" panose="020B0604020101020102" pitchFamily="34" charset="0"/>
+                <a:cs typeface="Circular Std Book" panose="020B0604020101020102" pitchFamily="34" charset="0"/>
+              </a:rPr>
+              <a:t>Intermediate: example2</a:t>
+            </a:r>
+          </a:p>
+          <a:p>
+            <a:pPr lvl="1">
+              <a:lnSpc>
+                <a:spcPct val="150000"/>
+              </a:lnSpc>
+            </a:pPr>
+            <a:r>
+              <a:rPr lang="en-GB" dirty="0">
+                <a:solidFill>
+                  <a:schemeClr val="bg1"/>
+                </a:solidFill>
+                <a:latin typeface="Circular Std Book" panose="020B0604020101020102" pitchFamily="34" charset="0"/>
+                <a:cs typeface="Circular Std Book" panose="020B0604020101020102" pitchFamily="34" charset="0"/>
+              </a:rPr>
+              <a:t>Advanced: example3</a:t>
+            </a:r>
+          </a:p>
+          <a:p>
+            <a:pPr>
+              <a:lnSpc>
+                <a:spcPct val="150000"/>
+              </a:lnSpc>
+            </a:pPr>
+            <a:r>
+              <a:rPr lang="en-GB" dirty="0">
+                <a:solidFill>
+                  <a:schemeClr val="bg1"/>
+                </a:solidFill>
+                <a:latin typeface="Circular Std Book" panose="020B0604020101020102" pitchFamily="34" charset="0"/>
+                <a:cs typeface="Circular Std Book" panose="020B0604020101020102" pitchFamily="34" charset="0"/>
+              </a:rPr>
+              <a:t>Link “</a:t>
+            </a:r>
+            <a:r>
+              <a:rPr lang="en-GB" dirty="0" err="1">
+                <a:solidFill>
+                  <a:srgbClr val="F4C245"/>
+                </a:solidFill>
+                <a:latin typeface="Circular Std Book" panose="020B0604020101020102" pitchFamily="34" charset="0"/>
+                <a:cs typeface="Circular Std Book" panose="020B0604020101020102" pitchFamily="34" charset="0"/>
+              </a:rPr>
+              <a:t>index.css</a:t>
+            </a:r>
+            <a:r>
+              <a:rPr lang="en-GB" dirty="0">
+                <a:solidFill>
+                  <a:schemeClr val="bg1"/>
+                </a:solidFill>
+                <a:latin typeface="Circular Std Book" panose="020B0604020101020102" pitchFamily="34" charset="0"/>
+                <a:cs typeface="Circular Std Book" panose="020B0604020101020102" pitchFamily="34" charset="0"/>
+              </a:rPr>
+              <a:t>” to “</a:t>
+            </a:r>
+            <a:r>
+              <a:rPr lang="en-GB" dirty="0" err="1">
+                <a:solidFill>
+                  <a:srgbClr val="F4C245"/>
+                </a:solidFill>
+                <a:latin typeface="Circular Std Book" panose="020B0604020101020102" pitchFamily="34" charset="0"/>
+                <a:cs typeface="Circular Std Book" panose="020B0604020101020102" pitchFamily="34" charset="0"/>
+              </a:rPr>
+              <a:t>index.html</a:t>
+            </a:r>
+            <a:r>
+              <a:rPr lang="en-GB" dirty="0">
+                <a:solidFill>
+                  <a:schemeClr val="bg1"/>
+                </a:solidFill>
+                <a:latin typeface="Circular Std Book" panose="020B0604020101020102" pitchFamily="34" charset="0"/>
+                <a:cs typeface="Circular Std Book" panose="020B0604020101020102" pitchFamily="34" charset="0"/>
+              </a:rPr>
+              <a:t>” using: </a:t>
+            </a:r>
+          </a:p>
+          <a:p>
+            <a:pPr marL="0" indent="0">
+              <a:lnSpc>
+                <a:spcPct val="150000"/>
+              </a:lnSpc>
+              <a:buNone/>
+            </a:pPr>
+            <a:r>
+              <a:rPr lang="en-GB" dirty="0">
+                <a:solidFill>
+                  <a:schemeClr val="bg1"/>
+                </a:solidFill>
+                <a:latin typeface="Circular Std Book" panose="020B0604020101020102" pitchFamily="34" charset="0"/>
+                <a:cs typeface="Circular Std Book" panose="020B0604020101020102" pitchFamily="34" charset="0"/>
+              </a:rPr>
+              <a:t>	</a:t>
+            </a:r>
+            <a:r>
+              <a:rPr lang="en-GB" dirty="0">
+                <a:solidFill>
+                  <a:srgbClr val="36B7B4"/>
+                </a:solidFill>
+              </a:rPr>
+              <a:t>&lt;link </a:t>
+            </a:r>
+            <a:r>
+              <a:rPr lang="en-GB" dirty="0" err="1">
+                <a:solidFill>
+                  <a:srgbClr val="36B7B4"/>
+                </a:solidFill>
+              </a:rPr>
+              <a:t>rel</a:t>
+            </a:r>
+            <a:r>
+              <a:rPr lang="en-GB" dirty="0">
+                <a:solidFill>
+                  <a:srgbClr val="36B7B4"/>
+                </a:solidFill>
+              </a:rPr>
+              <a:t>="stylesheet" </a:t>
+            </a:r>
+            <a:r>
+              <a:rPr lang="en-GB" dirty="0" err="1">
+                <a:solidFill>
+                  <a:srgbClr val="36B7B4"/>
+                </a:solidFill>
+              </a:rPr>
+              <a:t>href</a:t>
+            </a:r>
+            <a:r>
+              <a:rPr lang="en-GB" dirty="0">
+                <a:solidFill>
+                  <a:srgbClr val="36B7B4"/>
+                </a:solidFill>
+              </a:rPr>
+              <a:t>="</a:t>
+            </a:r>
+            <a:r>
+              <a:rPr lang="en-GB" dirty="0" err="1">
+                <a:solidFill>
+                  <a:srgbClr val="36B7B4"/>
+                </a:solidFill>
+              </a:rPr>
+              <a:t>index.css</a:t>
+            </a:r>
+            <a:r>
+              <a:rPr lang="en-GB" dirty="0">
+                <a:solidFill>
+                  <a:srgbClr val="36B7B4"/>
+                </a:solidFill>
+              </a:rPr>
+              <a:t>"&gt; </a:t>
+            </a:r>
+            <a:r>
+              <a:rPr lang="en-GB" dirty="0">
+                <a:solidFill>
+                  <a:schemeClr val="bg1"/>
+                </a:solidFill>
+              </a:rPr>
+              <a:t>(inside html head)</a:t>
+            </a:r>
+          </a:p>
+          <a:p>
+            <a:pPr>
+              <a:lnSpc>
+                <a:spcPct val="150000"/>
+              </a:lnSpc>
+            </a:pPr>
+            <a:r>
+              <a:rPr lang="en-GB" dirty="0">
+                <a:solidFill>
+                  <a:schemeClr val="bg1"/>
+                </a:solidFill>
+                <a:latin typeface="Circular Std Book" panose="020B0604020101020102" pitchFamily="34" charset="0"/>
+                <a:cs typeface="Circular Std Book" panose="020B0604020101020102" pitchFamily="34" charset="0"/>
+              </a:rPr>
+              <a:t>Don’t forget to import chosen fonts into “</a:t>
+            </a:r>
+            <a:r>
+              <a:rPr lang="en-GB" dirty="0" err="1">
+                <a:solidFill>
+                  <a:srgbClr val="F4C245"/>
+                </a:solidFill>
+                <a:latin typeface="Circular Std Book" panose="020B0604020101020102" pitchFamily="34" charset="0"/>
+                <a:cs typeface="Circular Std Book" panose="020B0604020101020102" pitchFamily="34" charset="0"/>
+              </a:rPr>
+              <a:t>index.html</a:t>
+            </a:r>
+            <a:r>
+              <a:rPr lang="en-GB" dirty="0">
+                <a:solidFill>
+                  <a:schemeClr val="bg1"/>
+                </a:solidFill>
+                <a:latin typeface="Circular Std Book" panose="020B0604020101020102" pitchFamily="34" charset="0"/>
+                <a:cs typeface="Circular Std Book" panose="020B0604020101020102" pitchFamily="34" charset="0"/>
+              </a:rPr>
+              <a:t>” and add font rules to “</a:t>
+            </a:r>
+            <a:r>
+              <a:rPr lang="en-GB" dirty="0" err="1">
+                <a:solidFill>
+                  <a:srgbClr val="F4C245"/>
+                </a:solidFill>
+                <a:latin typeface="Circular Std Book" panose="020B0604020101020102" pitchFamily="34" charset="0"/>
+                <a:cs typeface="Circular Std Book" panose="020B0604020101020102" pitchFamily="34" charset="0"/>
+              </a:rPr>
+              <a:t>index.css</a:t>
+            </a:r>
+            <a:r>
+              <a:rPr lang="en-GB" dirty="0">
+                <a:solidFill>
+                  <a:schemeClr val="bg1"/>
+                </a:solidFill>
+                <a:latin typeface="Circular Std Book" panose="020B0604020101020102" pitchFamily="34" charset="0"/>
+                <a:cs typeface="Circular Std Book" panose="020B0604020101020102" pitchFamily="34" charset="0"/>
+              </a:rPr>
+              <a:t>”</a:t>
+            </a:r>
+            <a:endParaRPr lang="en-GB" dirty="0">
+              <a:solidFill>
+                <a:srgbClr val="FFC000"/>
+              </a:solidFill>
+              <a:latin typeface="Circular Std Book" panose="020B0604020101020102" pitchFamily="34" charset="0"/>
+              <a:cs typeface="Circular Std Book" panose="020B0604020101020102" pitchFamily="34" charset="0"/>
+            </a:endParaRPr>
+          </a:p>
+        </p:txBody>
+      </p:sp>
+    </p:spTree>
+    <p:extLst>
+      <p:ext uri="{BB962C8B-B14F-4D97-AF65-F5344CB8AC3E}">
+        <p14:creationId xmlns:p14="http://schemas.microsoft.com/office/powerpoint/2010/main" val="1599196781"/>
+      </p:ext>
+    </p:extLst>
+  </p:cSld>
+  <p:clrMapOvr>
+    <a:masterClrMapping/>
+  </p:clrMapOvr>
+</p:sld>
+</file>
+
+<file path=ppt/slides/slide21.xml><?xml version="1.0" encoding="utf-8"?>
+<p:sld xmlns:a="http://schemas.openxmlformats.org/drawingml/2006/main" xmlns:r="http://schemas.openxmlformats.org/officeDocument/2006/relationships" xmlns:p="http://schemas.openxmlformats.org/presentationml/2006/main">
+  <p:cSld>
+    <p:bg>
+      <p:bgPr>
+        <a:solidFill>
+          <a:srgbClr val="122B39"/>
+        </a:solidFill>
+        <a:effectLst/>
+      </p:bgPr>
+    </p:bg>
+    <p:spTree>
+      <p:nvGrpSpPr>
+        <p:cNvPr id="1" name="">
+          <a:extLst>
+            <a:ext uri="{FF2B5EF4-FFF2-40B4-BE49-F238E27FC236}">
+              <a16:creationId xmlns:a16="http://schemas.microsoft.com/office/drawing/2014/main" id="{27372C0D-8F4C-1EAC-8A90-F8FDCC92D0F3}"/>
+            </a:ext>
+          </a:extLst>
+        </p:cNvPr>
+        <p:cNvGrpSpPr/>
+        <p:nvPr/>
+      </p:nvGrpSpPr>
+      <p:grpSpPr>
+        <a:xfrm>
+          <a:off x="0" y="0"/>
+          <a:ext cx="0" cy="0"/>
+          <a:chOff x="0" y="0"/>
+          <a:chExt cx="0" cy="0"/>
+        </a:xfrm>
+      </p:grpSpPr>
+      <p:sp>
+        <p:nvSpPr>
+          <p:cNvPr id="2" name="Title 1">
+            <a:extLst>
+              <a:ext uri="{FF2B5EF4-FFF2-40B4-BE49-F238E27FC236}">
+                <a16:creationId xmlns:a16="http://schemas.microsoft.com/office/drawing/2014/main" id="{134C6A0D-4695-9E6C-C8CE-1E867211943E}"/>
+              </a:ext>
+            </a:extLst>
+          </p:cNvPr>
+          <p:cNvSpPr>
+            <a:spLocks noGrp="1"/>
+          </p:cNvSpPr>
+          <p:nvPr>
+            <p:ph type="title"/>
+          </p:nvPr>
+        </p:nvSpPr>
+        <p:spPr>
+          <a:xfrm>
+            <a:off x="584127" y="340080"/>
+            <a:ext cx="10515600" cy="1325563"/>
+          </a:xfrm>
+          <a:solidFill>
+            <a:srgbClr val="122B39"/>
+          </a:solidFill>
+        </p:spPr>
+        <p:txBody>
+          <a:bodyPr>
+            <a:normAutofit/>
+          </a:bodyPr>
+          <a:lstStyle/>
+          <a:p>
+            <a:r>
+              <a:rPr lang="en-GB" sz="5400" dirty="0">
+                <a:solidFill>
+                  <a:schemeClr val="bg1"/>
+                </a:solidFill>
+                <a:latin typeface="Circular Std Book" panose="020B0604020101020102" pitchFamily="34" charset="0"/>
+                <a:cs typeface="Circular Std Book" panose="020B0604020101020102" pitchFamily="34" charset="0"/>
+              </a:rPr>
+              <a:t>JSON</a:t>
+            </a:r>
+            <a:r>
+              <a:rPr lang="en-GB" sz="5400" dirty="0">
+                <a:solidFill>
+                  <a:srgbClr val="F4C245"/>
+                </a:solidFill>
+                <a:latin typeface="Circular Std Book" panose="020B0604020101020102" pitchFamily="34" charset="0"/>
+                <a:cs typeface="Circular Std Book" panose="020B0604020101020102" pitchFamily="34" charset="0"/>
+              </a:rPr>
+              <a:t>.</a:t>
+            </a:r>
+            <a:endParaRPr lang="en-GB" dirty="0">
+              <a:solidFill>
+                <a:srgbClr val="F4C245"/>
+              </a:solidFill>
+              <a:latin typeface="Circular Std Book" panose="020B0604020101020102" pitchFamily="34" charset="0"/>
+              <a:cs typeface="Circular Std Book" panose="020B0604020101020102" pitchFamily="34" charset="0"/>
+            </a:endParaRPr>
+          </a:p>
+        </p:txBody>
+      </p:sp>
+      <p:sp>
+        <p:nvSpPr>
+          <p:cNvPr id="3" name="Content Placeholder 2">
+            <a:extLst>
+              <a:ext uri="{FF2B5EF4-FFF2-40B4-BE49-F238E27FC236}">
+                <a16:creationId xmlns:a16="http://schemas.microsoft.com/office/drawing/2014/main" id="{120418A1-E676-FEAF-C783-696B189C95EE}"/>
+              </a:ext>
+            </a:extLst>
+          </p:cNvPr>
+          <p:cNvSpPr>
+            <a:spLocks noGrp="1"/>
+          </p:cNvSpPr>
+          <p:nvPr>
+            <p:ph idx="1"/>
+          </p:nvPr>
+        </p:nvSpPr>
+        <p:spPr>
+          <a:xfrm>
+            <a:off x="584127" y="1817576"/>
+            <a:ext cx="11445948" cy="4351338"/>
+          </a:xfrm>
+        </p:spPr>
+        <p:txBody>
+          <a:bodyPr>
+            <a:normAutofit/>
+          </a:bodyPr>
+          <a:lstStyle/>
+          <a:p>
+            <a:pPr>
+              <a:lnSpc>
+                <a:spcPct val="150000"/>
+              </a:lnSpc>
+            </a:pPr>
+            <a:r>
+              <a:rPr lang="en-GB" dirty="0">
+                <a:solidFill>
+                  <a:schemeClr val="bg1"/>
+                </a:solidFill>
+                <a:latin typeface="Circular Std Book" panose="020B0604020101020102" pitchFamily="34" charset="0"/>
+                <a:cs typeface="Circular Std Book" panose="020B0604020101020102" pitchFamily="34" charset="0"/>
+              </a:rPr>
+              <a:t>Edit your “</a:t>
+            </a:r>
+            <a:r>
+              <a:rPr lang="en-GB" dirty="0" err="1">
+                <a:solidFill>
+                  <a:srgbClr val="F4C245"/>
+                </a:solidFill>
+                <a:latin typeface="Circular Std Book" panose="020B0604020101020102" pitchFamily="34" charset="0"/>
+                <a:cs typeface="Circular Std Book" panose="020B0604020101020102" pitchFamily="34" charset="0"/>
+              </a:rPr>
+              <a:t>index.html</a:t>
+            </a:r>
+            <a:r>
+              <a:rPr lang="en-GB" dirty="0">
+                <a:solidFill>
+                  <a:schemeClr val="bg1"/>
+                </a:solidFill>
+                <a:latin typeface="Circular Std Book" panose="020B0604020101020102" pitchFamily="34" charset="0"/>
+                <a:cs typeface="Circular Std Book" panose="020B0604020101020102" pitchFamily="34" charset="0"/>
+              </a:rPr>
+              <a:t>” file, and add JSON files to your file structure</a:t>
+            </a:r>
+          </a:p>
+          <a:p>
+            <a:pPr>
+              <a:lnSpc>
+                <a:spcPct val="150000"/>
+              </a:lnSpc>
+            </a:pPr>
+            <a:r>
+              <a:rPr lang="en-GB" dirty="0">
+                <a:solidFill>
+                  <a:schemeClr val="bg1"/>
+                </a:solidFill>
+                <a:latin typeface="Circular Std Book" panose="020B0604020101020102" pitchFamily="34" charset="0"/>
+                <a:cs typeface="Circular Std Book" panose="020B0604020101020102" pitchFamily="34" charset="0"/>
+              </a:rPr>
+              <a:t>There are already two example charts embedded in the example HTML. Try replacing these with a chart from Section 1, or adding a new chart altogether</a:t>
+            </a:r>
+          </a:p>
+        </p:txBody>
+      </p:sp>
+    </p:spTree>
+    <p:extLst>
+      <p:ext uri="{BB962C8B-B14F-4D97-AF65-F5344CB8AC3E}">
+        <p14:creationId xmlns:p14="http://schemas.microsoft.com/office/powerpoint/2010/main" val="2350875259"/>
+      </p:ext>
+    </p:extLst>
+  </p:cSld>
+  <p:clrMapOvr>
+    <a:masterClrMapping/>
+  </p:clrMapOvr>
+</p:sld>
+</file>
+
+<file path=ppt/slides/slide22.xml><?xml version="1.0" encoding="utf-8"?>
+<p:sld xmlns:a="http://schemas.openxmlformats.org/drawingml/2006/main" xmlns:r="http://schemas.openxmlformats.org/officeDocument/2006/relationships" xmlns:p="http://schemas.openxmlformats.org/presentationml/2006/main">
+  <p:cSld>
+    <p:spTree>
+      <p:nvGrpSpPr>
+        <p:cNvPr id="1" name="">
+          <a:extLst>
+            <a:ext uri="{FF2B5EF4-FFF2-40B4-BE49-F238E27FC236}">
+              <a16:creationId xmlns:a16="http://schemas.microsoft.com/office/drawing/2014/main" id="{ABE18359-B818-C695-BCA1-AAC2B82E6032}"/>
+            </a:ext>
+          </a:extLst>
+        </p:cNvPr>
+        <p:cNvGrpSpPr/>
+        <p:nvPr/>
+      </p:nvGrpSpPr>
+      <p:grpSpPr>
+        <a:xfrm>
+          <a:off x="0" y="0"/>
+          <a:ext cx="0" cy="0"/>
+          <a:chOff x="0" y="0"/>
+          <a:chExt cx="0" cy="0"/>
+        </a:xfrm>
+      </p:grpSpPr>
+      <p:pic>
+        <p:nvPicPr>
+          <p:cNvPr id="3" name="Picture 2" descr="A picture containing flying, outdoor object, web&#10;&#10;Description automatically generated">
+            <a:extLst>
+              <a:ext uri="{FF2B5EF4-FFF2-40B4-BE49-F238E27FC236}">
+                <a16:creationId xmlns:a16="http://schemas.microsoft.com/office/drawing/2014/main" id="{D3398715-6F77-AFE4-ECD8-AFFFFCDDB1D0}"/>
+              </a:ext>
+            </a:extLst>
+          </p:cNvPr>
+          <p:cNvPicPr>
+            <a:picLocks noChangeAspect="1"/>
+          </p:cNvPicPr>
+          <p:nvPr/>
+        </p:nvPicPr>
+        <p:blipFill rotWithShape="1">
+          <a:blip r:embed="rId2">
+            <a:extLst>
+              <a:ext uri="{28A0092B-C50C-407E-A947-70E740481C1C}">
+                <a14:useLocalDpi xmlns:a14="http://schemas.microsoft.com/office/drawing/2010/main" val="0"/>
+              </a:ext>
+            </a:extLst>
+          </a:blip>
+          <a:srcRect t="4273"/>
+          <a:stretch/>
+        </p:blipFill>
+        <p:spPr>
+          <a:xfrm>
+            <a:off x="20" y="1282"/>
+            <a:ext cx="12191980" cy="6856718"/>
           </a:xfrm>
           <a:prstGeom prst="rect">
             <a:avLst/>
           </a:prstGeom>
-          <a:noFill/>
         </p:spPr>
-        <p:txBody>
-          <a:bodyPr wrap="square">
-            <a:spAutoFit/>
-          </a:bodyPr>
-          <a:lstStyle/>
-          <a:p>
-            <a:r>
-              <a:rPr lang="en-US" b="1" dirty="0">
-                <a:solidFill>
-                  <a:schemeClr val="bg1"/>
-                </a:solidFill>
-                <a:latin typeface="Abadi Extra Light" panose="020B0204020104020204" pitchFamily="34" charset="0"/>
-                <a:cs typeface="Circular Std Book" panose="020B0604020101020102" pitchFamily="34" charset="0"/>
-              </a:rPr>
-              <a:t>[90 min]</a:t>
-            </a:r>
-            <a:endParaRPr lang="en-US" dirty="0"/>
-          </a:p>
-        </p:txBody>
-      </p:sp>
+      </p:pic>
     </p:spTree>
     <p:extLst>
       <p:ext uri="{BB962C8B-B14F-4D97-AF65-F5344CB8AC3E}">
-        <p14:creationId xmlns:p14="http://schemas.microsoft.com/office/powerpoint/2010/main" val="1374648882"/>
+        <p14:creationId xmlns:p14="http://schemas.microsoft.com/office/powerpoint/2010/main" val="2174419126"/>
       </p:ext>
     </p:extLst>
   </p:cSld>
@@ -12580,7 +11000,7 @@
             <a:r>
               <a:rPr lang="en-GB" dirty="0">
                 <a:solidFill>
-                  <a:srgbClr val="36B7B4"/>
+                  <a:srgbClr val="F4C245"/>
                 </a:solidFill>
                 <a:latin typeface="Circular Std Book" panose="020B0604020101020102" pitchFamily="34" charset="0"/>
                 <a:cs typeface="Circular Std Book" panose="020B0604020101020102" pitchFamily="34" charset="0"/>
@@ -12648,48 +11068,6 @@
       </p:pic>
       <p:sp>
         <p:nvSpPr>
-          <p:cNvPr id="4" name="TextBox 3">
-            <a:extLst>
-              <a:ext uri="{FF2B5EF4-FFF2-40B4-BE49-F238E27FC236}">
-                <a16:creationId xmlns:a16="http://schemas.microsoft.com/office/drawing/2014/main" id="{C38115DA-F588-5E83-BA9C-215DF49205F4}"/>
-              </a:ext>
-            </a:extLst>
-          </p:cNvPr>
-          <p:cNvSpPr txBox="1"/>
-          <p:nvPr/>
-        </p:nvSpPr>
-        <p:spPr>
-          <a:xfrm>
-            <a:off x="798580" y="3609405"/>
-            <a:ext cx="1011559" cy="369332"/>
-          </a:xfrm>
-          <a:prstGeom prst="rect">
-            <a:avLst/>
-          </a:prstGeom>
-          <a:noFill/>
-        </p:spPr>
-        <p:txBody>
-          <a:bodyPr wrap="square">
-            <a:spAutoFit/>
-          </a:bodyPr>
-          <a:lstStyle/>
-          <a:p>
-            <a:r>
-              <a:rPr lang="en-US" b="1" dirty="0">
-                <a:solidFill>
-                  <a:schemeClr val="bg1"/>
-                </a:solidFill>
-                <a:latin typeface="Abadi Extra Light" panose="020B0204020104020204" pitchFamily="34" charset="0"/>
-                <a:cs typeface="Circular Std Book" panose="020B0604020101020102" pitchFamily="34" charset="0"/>
-              </a:rPr>
-              <a:t>[90 min]</a:t>
-            </a:r>
-            <a:endParaRPr lang="en-US" dirty="0"/>
-          </a:p>
-        </p:txBody>
-      </p:sp>
-      <p:sp>
-        <p:nvSpPr>
           <p:cNvPr id="3" name="Title 1">
             <a:extLst>
               <a:ext uri="{FF2B5EF4-FFF2-40B4-BE49-F238E27FC236}">
@@ -12744,7 +11122,7 @@
                 <a:latin typeface="Times New Roman" panose="02020603050405020304" pitchFamily="18" charset="0"/>
                 <a:cs typeface="Times New Roman" panose="02020603050405020304" pitchFamily="18" charset="0"/>
               </a:rPr>
-              <a:t>a. Introduction + building blocks</a:t>
+              <a:t>Introduction + building blocks</a:t>
             </a:r>
             <a:endParaRPr lang="en-GB" i="1" dirty="0">
               <a:solidFill>
@@ -12753,48 +11131,6 @@
               <a:latin typeface="Times New Roman" panose="02020603050405020304" pitchFamily="18" charset="0"/>
               <a:cs typeface="Times New Roman" panose="02020603050405020304" pitchFamily="18" charset="0"/>
             </a:endParaRPr>
-          </a:p>
-        </p:txBody>
-      </p:sp>
-      <p:sp>
-        <p:nvSpPr>
-          <p:cNvPr id="7" name="TextBox 6">
-            <a:extLst>
-              <a:ext uri="{FF2B5EF4-FFF2-40B4-BE49-F238E27FC236}">
-                <a16:creationId xmlns:a16="http://schemas.microsoft.com/office/drawing/2014/main" id="{9553A9D7-D224-E0C2-9353-617FBD4DC799}"/>
-              </a:ext>
-            </a:extLst>
-          </p:cNvPr>
-          <p:cNvSpPr txBox="1"/>
-          <p:nvPr/>
-        </p:nvSpPr>
-        <p:spPr>
-          <a:xfrm>
-            <a:off x="798580" y="5288449"/>
-            <a:ext cx="1011559" cy="369332"/>
-          </a:xfrm>
-          <a:prstGeom prst="rect">
-            <a:avLst/>
-          </a:prstGeom>
-          <a:noFill/>
-        </p:spPr>
-        <p:txBody>
-          <a:bodyPr wrap="square">
-            <a:spAutoFit/>
-          </a:bodyPr>
-          <a:lstStyle/>
-          <a:p>
-            <a:r>
-              <a:rPr lang="en-US" b="1" dirty="0">
-                <a:solidFill>
-                  <a:schemeClr val="bg1"/>
-                </a:solidFill>
-                <a:latin typeface="Abadi Extra Light" panose="020B0204020104020204" pitchFamily="34" charset="0"/>
-                <a:cs typeface="Circular Std Book" panose="020B0604020101020102" pitchFamily="34" charset="0"/>
-              </a:rPr>
-              <a:t>[30 min]</a:t>
-            </a:r>
-            <a:endParaRPr lang="en-US" dirty="0"/>
           </a:p>
         </p:txBody>
       </p:sp>
@@ -12871,7 +11207,7 @@
             <a:r>
               <a:rPr lang="en-GB" sz="7200" dirty="0">
                 <a:solidFill>
-                  <a:srgbClr val="36B7B4"/>
+                  <a:srgbClr val="F4C245"/>
                 </a:solidFill>
                 <a:latin typeface="Circular Std Book" panose="020B0604020101020102" pitchFamily="34" charset="0"/>
                 <a:cs typeface="Circular Std Book" panose="020B0604020101020102" pitchFamily="34" charset="0"/>
@@ -12880,7 +11216,7 @@
             </a:r>
             <a:endParaRPr lang="en-GB" dirty="0">
               <a:solidFill>
-                <a:srgbClr val="36B7B4"/>
+                <a:srgbClr val="F4C245"/>
               </a:solidFill>
               <a:latin typeface="Circular Std Book" panose="020B0604020101020102" pitchFamily="34" charset="0"/>
               <a:cs typeface="Circular Std Book" panose="020B0604020101020102" pitchFamily="34" charset="0"/>
@@ -13124,7 +11460,7 @@
                   <a:noFill/>
                 </a:ln>
                 <a:solidFill>
-                  <a:srgbClr val="0063AF"/>
+                  <a:srgbClr val="F4C245"/>
                 </a:solidFill>
                 <a:effectLst/>
                 <a:uLnTx/>
@@ -13355,7 +11691,7 @@
                   <a:noFill/>
                 </a:ln>
                 <a:solidFill>
-                  <a:srgbClr val="0063AF"/>
+                  <a:srgbClr val="F4C245"/>
                 </a:solidFill>
                 <a:effectLst/>
                 <a:uLnTx/>
@@ -13611,7 +11947,7 @@
             <a:r>
               <a:rPr lang="en-GB" dirty="0">
                 <a:solidFill>
-                  <a:srgbClr val="0063AF"/>
+                  <a:srgbClr val="F4C245"/>
                 </a:solidFill>
                 <a:latin typeface="Circular Std Book" panose="020B0604020101020102" pitchFamily="34" charset="0"/>
                 <a:cs typeface="Circular Std Book" panose="020B0604020101020102" pitchFamily="34" charset="0"/>
@@ -14295,7 +12631,13 @@
     </p:bg>
     <p:spTree>
       <p:nvGrpSpPr>
-        <p:cNvPr id="1" name=""/>
+        <p:cNvPr id="1" name="">
+          <a:extLst>
+            <a:ext uri="{FF2B5EF4-FFF2-40B4-BE49-F238E27FC236}">
+              <a16:creationId xmlns:a16="http://schemas.microsoft.com/office/drawing/2014/main" id="{73D60419-A0AB-EEB8-3338-675D7985683C}"/>
+            </a:ext>
+          </a:extLst>
+        </p:cNvPr>
         <p:cNvGrpSpPr/>
         <p:nvPr/>
       </p:nvGrpSpPr>
@@ -14312,7 +12654,7 @@
           <p:cNvPr id="2" name="Title 1">
             <a:extLst>
               <a:ext uri="{FF2B5EF4-FFF2-40B4-BE49-F238E27FC236}">
-                <a16:creationId xmlns:a16="http://schemas.microsoft.com/office/drawing/2014/main" id="{0FEE2FE8-D24E-41DE-AA78-81A6ECA35759}"/>
+                <a16:creationId xmlns:a16="http://schemas.microsoft.com/office/drawing/2014/main" id="{65DEC5DC-96EC-1DC2-69F7-7EFBFF642909}"/>
               </a:ext>
             </a:extLst>
           </p:cNvPr>
@@ -14325,7 +12667,7 @@
         </p:nvSpPr>
         <p:spPr>
           <a:xfrm>
-            <a:off x="584126" y="313124"/>
+            <a:off x="584127" y="538867"/>
             <a:ext cx="5793137" cy="496977"/>
           </a:xfrm>
           <a:solidFill>
@@ -14351,7 +12693,7 @@
             <a:r>
               <a:rPr lang="en-GB" dirty="0">
                 <a:solidFill>
-                  <a:srgbClr val="0063AF"/>
+                  <a:srgbClr val="F4C245"/>
                 </a:solidFill>
                 <a:latin typeface="Circular Std Book" panose="020B0604020101020102" pitchFamily="34" charset="0"/>
                 <a:cs typeface="Circular Std Book" panose="020B0604020101020102" pitchFamily="34" charset="0"/>
@@ -14363,10 +12705,10 @@
       </p:sp>
       <p:sp>
         <p:nvSpPr>
-          <p:cNvPr id="4" name="TextBox 3">
+          <p:cNvPr id="7" name="TextBox 6">
             <a:extLst>
               <a:ext uri="{FF2B5EF4-FFF2-40B4-BE49-F238E27FC236}">
-                <a16:creationId xmlns:a16="http://schemas.microsoft.com/office/drawing/2014/main" id="{710094D4-95CB-BA29-D031-E9993C127E18}"/>
+                <a16:creationId xmlns:a16="http://schemas.microsoft.com/office/drawing/2014/main" id="{807AC7AF-A468-20A3-40A9-8FD896C026A1}"/>
               </a:ext>
             </a:extLst>
           </p:cNvPr>
@@ -14375,7 +12717,7 @@
         </p:nvSpPr>
         <p:spPr>
           <a:xfrm>
-            <a:off x="636543" y="1166997"/>
+            <a:off x="684669" y="1335439"/>
             <a:ext cx="10159439" cy="5078313"/>
           </a:xfrm>
           <a:prstGeom prst="rect">
@@ -14474,7 +12816,26 @@
                 <a:effectLst/>
                 <a:latin typeface="Consolas" panose="020B0609020204030204" pitchFamily="49" charset="0"/>
               </a:rPr>
-              <a:t>&lt;!-- Richard Davies, Data Science --&gt;</a:t>
+              <a:t>&lt;!– </a:t>
+            </a:r>
+            <a:r>
+              <a:rPr lang="en-US" dirty="0">
+                <a:solidFill>
+                  <a:srgbClr val="008000"/>
+                </a:solidFill>
+                <a:latin typeface="Consolas" panose="020B0609020204030204" pitchFamily="49" charset="0"/>
+              </a:rPr>
+              <a:t>Charlie Meyrick</a:t>
+            </a:r>
+            <a:r>
+              <a:rPr lang="en-US" b="0" dirty="0">
+                <a:solidFill>
+                  <a:srgbClr val="008000"/>
+                </a:solidFill>
+                <a:effectLst/>
+                <a:latin typeface="Consolas" panose="020B0609020204030204" pitchFamily="49" charset="0"/>
+              </a:rPr>
+              <a:t>, Data Science --&gt;</a:t>
             </a:r>
             <a:endParaRPr lang="en-US" b="0" dirty="0">
               <a:solidFill>
@@ -14612,7 +12973,7 @@
                 <a:effectLst/>
                 <a:latin typeface="Consolas" panose="020B0609020204030204" pitchFamily="49" charset="0"/>
               </a:rPr>
-              <a:t>&lt;!-- The body contains thigs you see --&gt;</a:t>
+              <a:t>&lt;!-- The body contains things you see --&gt;</a:t>
             </a:r>
             <a:endParaRPr lang="en-US" b="0" dirty="0">
               <a:solidFill>
@@ -14810,7 +13171,7 @@
     </p:spTree>
     <p:extLst>
       <p:ext uri="{BB962C8B-B14F-4D97-AF65-F5344CB8AC3E}">
-        <p14:creationId xmlns:p14="http://schemas.microsoft.com/office/powerpoint/2010/main" val="300575366"/>
+        <p14:creationId xmlns:p14="http://schemas.microsoft.com/office/powerpoint/2010/main" val="799692555"/>
       </p:ext>
     </p:extLst>
   </p:cSld>
@@ -14863,7 +13224,7 @@
         </p:nvSpPr>
         <p:spPr>
           <a:xfrm>
-            <a:off x="584127" y="340080"/>
+            <a:off x="584126" y="427530"/>
             <a:ext cx="5793137" cy="496977"/>
           </a:xfrm>
           <a:solidFill>
@@ -14889,7 +13250,7 @@
             <a:r>
               <a:rPr lang="en-GB" dirty="0">
                 <a:solidFill>
-                  <a:srgbClr val="0063AF"/>
+                  <a:srgbClr val="F4C245"/>
                 </a:solidFill>
                 <a:latin typeface="Circular Std Book" panose="020B0604020101020102" pitchFamily="34" charset="0"/>
                 <a:cs typeface="Circular Std Book" panose="020B0604020101020102" pitchFamily="34" charset="0"/>

--- a/2/2_Building_your_first_website.pptx
+++ b/2/2_Building_your_first_website.pptx
@@ -10288,7 +10288,7 @@
         </p:spPr>
         <p:txBody>
           <a:bodyPr>
-            <a:normAutofit fontScale="77500" lnSpcReduction="20000"/>
+            <a:normAutofit fontScale="92500" lnSpcReduction="10000"/>
           </a:bodyPr>
           <a:lstStyle/>
           <a:p>
@@ -10594,70 +10594,6 @@
               </a:rPr>
               <a:t>(inside html head)</a:t>
             </a:r>
-          </a:p>
-          <a:p>
-            <a:pPr>
-              <a:lnSpc>
-                <a:spcPct val="150000"/>
-              </a:lnSpc>
-            </a:pPr>
-            <a:r>
-              <a:rPr lang="en-GB" dirty="0">
-                <a:solidFill>
-                  <a:schemeClr val="bg1"/>
-                </a:solidFill>
-                <a:latin typeface="Circular Std Book" panose="020B0604020101020102" pitchFamily="34" charset="0"/>
-                <a:cs typeface="Circular Std Book" panose="020B0604020101020102" pitchFamily="34" charset="0"/>
-              </a:rPr>
-              <a:t>Don’t forget to import chosen fonts into “</a:t>
-            </a:r>
-            <a:r>
-              <a:rPr lang="en-GB" dirty="0" err="1">
-                <a:solidFill>
-                  <a:srgbClr val="F4C245"/>
-                </a:solidFill>
-                <a:latin typeface="Circular Std Book" panose="020B0604020101020102" pitchFamily="34" charset="0"/>
-                <a:cs typeface="Circular Std Book" panose="020B0604020101020102" pitchFamily="34" charset="0"/>
-              </a:rPr>
-              <a:t>index.html</a:t>
-            </a:r>
-            <a:r>
-              <a:rPr lang="en-GB" dirty="0">
-                <a:solidFill>
-                  <a:schemeClr val="bg1"/>
-                </a:solidFill>
-                <a:latin typeface="Circular Std Book" panose="020B0604020101020102" pitchFamily="34" charset="0"/>
-                <a:cs typeface="Circular Std Book" panose="020B0604020101020102" pitchFamily="34" charset="0"/>
-              </a:rPr>
-              <a:t>” and add font rules to “</a:t>
-            </a:r>
-            <a:r>
-              <a:rPr lang="en-GB" dirty="0" err="1">
-                <a:solidFill>
-                  <a:srgbClr val="F4C245"/>
-                </a:solidFill>
-                <a:latin typeface="Circular Std Book" panose="020B0604020101020102" pitchFamily="34" charset="0"/>
-                <a:cs typeface="Circular Std Book" panose="020B0604020101020102" pitchFamily="34" charset="0"/>
-              </a:rPr>
-              <a:t>index.css</a:t>
-            </a:r>
-            <a:r>
-              <a:rPr lang="en-GB" dirty="0">
-                <a:solidFill>
-                  <a:schemeClr val="bg1"/>
-                </a:solidFill>
-                <a:latin typeface="Circular Std Book" panose="020B0604020101020102" pitchFamily="34" charset="0"/>
-                <a:cs typeface="Circular Std Book" panose="020B0604020101020102" pitchFamily="34" charset="0"/>
-              </a:rPr>
-              <a:t>”</a:t>
-            </a:r>
-            <a:endParaRPr lang="en-GB" dirty="0">
-              <a:solidFill>
-                <a:srgbClr val="FFC000"/>
-              </a:solidFill>
-              <a:latin typeface="Circular Std Book" panose="020B0604020101020102" pitchFamily="34" charset="0"/>
-              <a:cs typeface="Circular Std Book" panose="020B0604020101020102" pitchFamily="34" charset="0"/>
-            </a:endParaRPr>
           </a:p>
         </p:txBody>
       </p:sp>

--- a/2/2_Building_your_first_website.pptx
+++ b/2/2_Building_your_first_website.pptx
@@ -6,7 +6,7 @@
     <p:sldMasterId id="2147483684" r:id="rId2"/>
   </p:sldMasterIdLst>
   <p:notesMasterIdLst>
-    <p:notesMasterId r:id="rId25"/>
+    <p:notesMasterId r:id="rId22"/>
   </p:notesMasterIdLst>
   <p:sldIdLst>
     <p:sldId id="439" r:id="rId3"/>
@@ -20,17 +20,14 @@
     <p:sldId id="453" r:id="rId11"/>
     <p:sldId id="458" r:id="rId12"/>
     <p:sldId id="523" r:id="rId13"/>
-    <p:sldId id="522" r:id="rId14"/>
-    <p:sldId id="456" r:id="rId15"/>
-    <p:sldId id="457" r:id="rId16"/>
-    <p:sldId id="498" r:id="rId17"/>
-    <p:sldId id="514" r:id="rId18"/>
-    <p:sldId id="520" r:id="rId19"/>
-    <p:sldId id="448" r:id="rId20"/>
-    <p:sldId id="517" r:id="rId21"/>
-    <p:sldId id="516" r:id="rId22"/>
-    <p:sldId id="518" r:id="rId23"/>
-    <p:sldId id="519" r:id="rId24"/>
+    <p:sldId id="498" r:id="rId14"/>
+    <p:sldId id="514" r:id="rId15"/>
+    <p:sldId id="520" r:id="rId16"/>
+    <p:sldId id="448" r:id="rId17"/>
+    <p:sldId id="517" r:id="rId18"/>
+    <p:sldId id="516" r:id="rId19"/>
+    <p:sldId id="518" r:id="rId20"/>
+    <p:sldId id="519" r:id="rId21"/>
   </p:sldIdLst>
   <p:sldSz cx="12192000" cy="6858000"/>
   <p:notesSz cx="6858000" cy="9144000"/>
@@ -149,9 +146,6 @@
             <p14:sldId id="453"/>
             <p14:sldId id="458"/>
             <p14:sldId id="523"/>
-            <p14:sldId id="522"/>
-            <p14:sldId id="456"/>
-            <p14:sldId id="457"/>
             <p14:sldId id="498"/>
           </p14:sldIdLst>
         </p14:section>
@@ -257,7 +251,7 @@
           <a:p>
             <a:fld id="{A9A5DA3C-BDF6-44EF-83ED-A29CA680A5AA}" type="datetimeFigureOut">
               <a:rPr lang="en-GB" smtClean="0"/>
-              <a:t>16/02/2024</a:t>
+              <a:t>18/02/2024</a:t>
             </a:fld>
             <a:endParaRPr lang="en-GB"/>
           </a:p>
@@ -674,7 +668,7 @@
           <a:p>
             <a:fld id="{1041D2DD-F029-4FB0-BB12-3B6037A6356B}" type="datetimeFigureOut">
               <a:rPr lang="en-GB" smtClean="0"/>
-              <a:t>16/02/2024</a:t>
+              <a:t>18/02/2024</a:t>
             </a:fld>
             <a:endParaRPr lang="en-GB"/>
           </a:p>
@@ -874,7 +868,7 @@
           <a:p>
             <a:fld id="{1041D2DD-F029-4FB0-BB12-3B6037A6356B}" type="datetimeFigureOut">
               <a:rPr lang="en-GB" smtClean="0"/>
-              <a:t>16/02/2024</a:t>
+              <a:t>18/02/2024</a:t>
             </a:fld>
             <a:endParaRPr lang="en-GB"/>
           </a:p>
@@ -1084,7 +1078,7 @@
           <a:p>
             <a:fld id="{1041D2DD-F029-4FB0-BB12-3B6037A6356B}" type="datetimeFigureOut">
               <a:rPr lang="en-GB" smtClean="0"/>
-              <a:t>16/02/2024</a:t>
+              <a:t>18/02/2024</a:t>
             </a:fld>
             <a:endParaRPr lang="en-GB"/>
           </a:p>
@@ -1288,7 +1282,7 @@
           <a:p>
             <a:fld id="{2E2C077B-C732-49E5-B20E-05DE29246531}" type="datetimeFigureOut">
               <a:rPr lang="en-GB" smtClean="0"/>
-              <a:t>16/02/2024</a:t>
+              <a:t>18/02/2024</a:t>
             </a:fld>
             <a:endParaRPr lang="en-GB"/>
           </a:p>
@@ -1458,7 +1452,7 @@
           <a:p>
             <a:fld id="{2E2C077B-C732-49E5-B20E-05DE29246531}" type="datetimeFigureOut">
               <a:rPr lang="en-GB" smtClean="0"/>
-              <a:t>16/02/2024</a:t>
+              <a:t>18/02/2024</a:t>
             </a:fld>
             <a:endParaRPr lang="en-GB"/>
           </a:p>
@@ -1704,7 +1698,7 @@
           <a:p>
             <a:fld id="{2E2C077B-C732-49E5-B20E-05DE29246531}" type="datetimeFigureOut">
               <a:rPr lang="en-GB" smtClean="0"/>
-              <a:t>16/02/2024</a:t>
+              <a:t>18/02/2024</a:t>
             </a:fld>
             <a:endParaRPr lang="en-GB"/>
           </a:p>
@@ -1936,7 +1930,7 @@
           <a:p>
             <a:fld id="{2E2C077B-C732-49E5-B20E-05DE29246531}" type="datetimeFigureOut">
               <a:rPr lang="en-GB" smtClean="0"/>
-              <a:t>16/02/2024</a:t>
+              <a:t>18/02/2024</a:t>
             </a:fld>
             <a:endParaRPr lang="en-GB"/>
           </a:p>
@@ -2303,7 +2297,7 @@
           <a:p>
             <a:fld id="{2E2C077B-C732-49E5-B20E-05DE29246531}" type="datetimeFigureOut">
               <a:rPr lang="en-GB" smtClean="0"/>
-              <a:t>16/02/2024</a:t>
+              <a:t>18/02/2024</a:t>
             </a:fld>
             <a:endParaRPr lang="en-GB"/>
           </a:p>
@@ -2421,7 +2415,7 @@
           <a:p>
             <a:fld id="{2E2C077B-C732-49E5-B20E-05DE29246531}" type="datetimeFigureOut">
               <a:rPr lang="en-GB" smtClean="0"/>
-              <a:t>16/02/2024</a:t>
+              <a:t>18/02/2024</a:t>
             </a:fld>
             <a:endParaRPr lang="en-GB"/>
           </a:p>
@@ -2516,7 +2510,7 @@
           <a:p>
             <a:fld id="{2E2C077B-C732-49E5-B20E-05DE29246531}" type="datetimeFigureOut">
               <a:rPr lang="en-GB" smtClean="0"/>
-              <a:t>16/02/2024</a:t>
+              <a:t>18/02/2024</a:t>
             </a:fld>
             <a:endParaRPr lang="en-GB"/>
           </a:p>
@@ -2793,7 +2787,7 @@
           <a:p>
             <a:fld id="{2E2C077B-C732-49E5-B20E-05DE29246531}" type="datetimeFigureOut">
               <a:rPr lang="en-GB" smtClean="0"/>
-              <a:t>16/02/2024</a:t>
+              <a:t>18/02/2024</a:t>
             </a:fld>
             <a:endParaRPr lang="en-GB"/>
           </a:p>
@@ -2981,7 +2975,7 @@
           <a:p>
             <a:fld id="{1041D2DD-F029-4FB0-BB12-3B6037A6356B}" type="datetimeFigureOut">
               <a:rPr lang="en-GB" smtClean="0"/>
-              <a:t>16/02/2024</a:t>
+              <a:t>18/02/2024</a:t>
             </a:fld>
             <a:endParaRPr lang="en-GB"/>
           </a:p>
@@ -3246,7 +3240,7 @@
           <a:p>
             <a:fld id="{2E2C077B-C732-49E5-B20E-05DE29246531}" type="datetimeFigureOut">
               <a:rPr lang="en-GB" smtClean="0"/>
-              <a:t>16/02/2024</a:t>
+              <a:t>18/02/2024</a:t>
             </a:fld>
             <a:endParaRPr lang="en-GB"/>
           </a:p>
@@ -3416,7 +3410,7 @@
           <a:p>
             <a:fld id="{2E2C077B-C732-49E5-B20E-05DE29246531}" type="datetimeFigureOut">
               <a:rPr lang="en-GB" smtClean="0"/>
-              <a:t>16/02/2024</a:t>
+              <a:t>18/02/2024</a:t>
             </a:fld>
             <a:endParaRPr lang="en-GB"/>
           </a:p>
@@ -3596,7 +3590,7 @@
           <a:p>
             <a:fld id="{2E2C077B-C732-49E5-B20E-05DE29246531}" type="datetimeFigureOut">
               <a:rPr lang="en-GB" smtClean="0"/>
-              <a:t>16/02/2024</a:t>
+              <a:t>18/02/2024</a:t>
             </a:fld>
             <a:endParaRPr lang="en-GB"/>
           </a:p>
@@ -3860,7 +3854,7 @@
           <a:p>
             <a:fld id="{1041D2DD-F029-4FB0-BB12-3B6037A6356B}" type="datetimeFigureOut">
               <a:rPr lang="en-GB" smtClean="0"/>
-              <a:t>16/02/2024</a:t>
+              <a:t>18/02/2024</a:t>
             </a:fld>
             <a:endParaRPr lang="en-GB"/>
           </a:p>
@@ -4128,7 +4122,7 @@
           <a:p>
             <a:fld id="{1041D2DD-F029-4FB0-BB12-3B6037A6356B}" type="datetimeFigureOut">
               <a:rPr lang="en-GB" smtClean="0"/>
-              <a:t>16/02/2024</a:t>
+              <a:t>18/02/2024</a:t>
             </a:fld>
             <a:endParaRPr lang="en-GB"/>
           </a:p>
@@ -4543,7 +4537,7 @@
           <a:p>
             <a:fld id="{1041D2DD-F029-4FB0-BB12-3B6037A6356B}" type="datetimeFigureOut">
               <a:rPr lang="en-GB" smtClean="0"/>
-              <a:t>16/02/2024</a:t>
+              <a:t>18/02/2024</a:t>
             </a:fld>
             <a:endParaRPr lang="en-GB"/>
           </a:p>
@@ -4685,7 +4679,7 @@
           <a:p>
             <a:fld id="{1041D2DD-F029-4FB0-BB12-3B6037A6356B}" type="datetimeFigureOut">
               <a:rPr lang="en-GB" smtClean="0"/>
-              <a:t>16/02/2024</a:t>
+              <a:t>18/02/2024</a:t>
             </a:fld>
             <a:endParaRPr lang="en-GB"/>
           </a:p>
@@ -4798,7 +4792,7 @@
           <a:p>
             <a:fld id="{1041D2DD-F029-4FB0-BB12-3B6037A6356B}" type="datetimeFigureOut">
               <a:rPr lang="en-GB" smtClean="0"/>
-              <a:t>16/02/2024</a:t>
+              <a:t>18/02/2024</a:t>
             </a:fld>
             <a:endParaRPr lang="en-GB"/>
           </a:p>
@@ -5111,7 +5105,7 @@
           <a:p>
             <a:fld id="{1041D2DD-F029-4FB0-BB12-3B6037A6356B}" type="datetimeFigureOut">
               <a:rPr lang="en-GB" smtClean="0"/>
-              <a:t>16/02/2024</a:t>
+              <a:t>18/02/2024</a:t>
             </a:fld>
             <a:endParaRPr lang="en-GB"/>
           </a:p>
@@ -5400,7 +5394,7 @@
           <a:p>
             <a:fld id="{1041D2DD-F029-4FB0-BB12-3B6037A6356B}" type="datetimeFigureOut">
               <a:rPr lang="en-GB" smtClean="0"/>
-              <a:t>16/02/2024</a:t>
+              <a:t>18/02/2024</a:t>
             </a:fld>
             <a:endParaRPr lang="en-GB"/>
           </a:p>
@@ -5643,7 +5637,7 @@
           <a:p>
             <a:fld id="{1041D2DD-F029-4FB0-BB12-3B6037A6356B}" type="datetimeFigureOut">
               <a:rPr lang="en-GB" smtClean="0"/>
-              <a:t>16/02/2024</a:t>
+              <a:t>18/02/2024</a:t>
             </a:fld>
             <a:endParaRPr lang="en-GB"/>
           </a:p>
@@ -6198,7 +6192,7 @@
           <a:p>
             <a:fld id="{2E2C077B-C732-49E5-B20E-05DE29246531}" type="datetimeFigureOut">
               <a:rPr lang="en-GB" smtClean="0"/>
-              <a:t>16/02/2024</a:t>
+              <a:t>18/02/2024</a:t>
             </a:fld>
             <a:endParaRPr lang="en-GB"/>
           </a:p>
@@ -7627,1251 +7621,6 @@
 <file path=ppt/slides/slide12.xml><?xml version="1.0" encoding="utf-8"?>
 <p:sld xmlns:a="http://schemas.openxmlformats.org/drawingml/2006/main" xmlns:r="http://schemas.openxmlformats.org/officeDocument/2006/relationships" xmlns:p="http://schemas.openxmlformats.org/presentationml/2006/main">
   <p:cSld>
-    <p:bg>
-      <p:bgPr>
-        <a:solidFill>
-          <a:srgbClr val="122B39"/>
-        </a:solidFill>
-        <a:effectLst/>
-      </p:bgPr>
-    </p:bg>
-    <p:spTree>
-      <p:nvGrpSpPr>
-        <p:cNvPr id="1" name="">
-          <a:extLst>
-            <a:ext uri="{FF2B5EF4-FFF2-40B4-BE49-F238E27FC236}">
-              <a16:creationId xmlns:a16="http://schemas.microsoft.com/office/drawing/2014/main" id="{29C4B168-BCB2-3AD4-0408-C6E23B5F151C}"/>
-            </a:ext>
-          </a:extLst>
-        </p:cNvPr>
-        <p:cNvGrpSpPr/>
-        <p:nvPr/>
-      </p:nvGrpSpPr>
-      <p:grpSpPr>
-        <a:xfrm>
-          <a:off x="0" y="0"/>
-          <a:ext cx="0" cy="0"/>
-          <a:chOff x="0" y="0"/>
-          <a:chExt cx="0" cy="0"/>
-        </a:xfrm>
-      </p:grpSpPr>
-      <p:sp>
-        <p:nvSpPr>
-          <p:cNvPr id="2" name="Title 1">
-            <a:extLst>
-              <a:ext uri="{FF2B5EF4-FFF2-40B4-BE49-F238E27FC236}">
-                <a16:creationId xmlns:a16="http://schemas.microsoft.com/office/drawing/2014/main" id="{5F0A49FF-C58D-DA5C-89B0-B8D1B01A42F8}"/>
-              </a:ext>
-            </a:extLst>
-          </p:cNvPr>
-          <p:cNvSpPr>
-            <a:spLocks noGrp="1"/>
-          </p:cNvSpPr>
-          <p:nvPr>
-            <p:ph type="title"/>
-          </p:nvPr>
-        </p:nvSpPr>
-        <p:spPr>
-          <a:xfrm>
-            <a:off x="584127" y="340080"/>
-            <a:ext cx="5793137" cy="496977"/>
-          </a:xfrm>
-          <a:solidFill>
-            <a:srgbClr val="122B39"/>
-          </a:solidFill>
-        </p:spPr>
-        <p:txBody>
-          <a:bodyPr>
-            <a:normAutofit fontScale="90000"/>
-          </a:bodyPr>
-          <a:lstStyle/>
-          <a:p>
-            <a:r>
-              <a:rPr lang="en-GB" dirty="0">
-                <a:solidFill>
-                  <a:schemeClr val="bg1"/>
-                </a:solidFill>
-                <a:latin typeface="Circular Std Book" panose="020B0604020101020102" pitchFamily="34" charset="0"/>
-                <a:cs typeface="Circular Std Book" panose="020B0604020101020102" pitchFamily="34" charset="0"/>
-              </a:rPr>
-              <a:t>JSON data</a:t>
-            </a:r>
-            <a:r>
-              <a:rPr lang="en-GB" dirty="0">
-                <a:solidFill>
-                  <a:srgbClr val="F4C245"/>
-                </a:solidFill>
-                <a:latin typeface="Circular Std Book" panose="020B0604020101020102" pitchFamily="34" charset="0"/>
-                <a:cs typeface="Circular Std Book" panose="020B0604020101020102" pitchFamily="34" charset="0"/>
-              </a:rPr>
-              <a:t>.</a:t>
-            </a:r>
-          </a:p>
-        </p:txBody>
-      </p:sp>
-      <p:sp>
-        <p:nvSpPr>
-          <p:cNvPr id="6" name="Content Placeholder 2">
-            <a:extLst>
-              <a:ext uri="{FF2B5EF4-FFF2-40B4-BE49-F238E27FC236}">
-                <a16:creationId xmlns:a16="http://schemas.microsoft.com/office/drawing/2014/main" id="{C0034E8F-C598-48A2-45C9-D8A0B7ED4043}"/>
-              </a:ext>
-            </a:extLst>
-          </p:cNvPr>
-          <p:cNvSpPr>
-            <a:spLocks noGrp="1"/>
-          </p:cNvSpPr>
-          <p:nvPr>
-            <p:ph idx="1"/>
-          </p:nvPr>
-        </p:nvSpPr>
-        <p:spPr>
-          <a:xfrm>
-            <a:off x="584126" y="1187789"/>
-            <a:ext cx="10464874" cy="5381501"/>
-          </a:xfrm>
-        </p:spPr>
-        <p:txBody>
-          <a:bodyPr>
-            <a:normAutofit fontScale="92500" lnSpcReduction="10000"/>
-          </a:bodyPr>
-          <a:lstStyle/>
-          <a:p>
-            <a:pPr>
-              <a:lnSpc>
-                <a:spcPct val="150000"/>
-              </a:lnSpc>
-            </a:pPr>
-            <a:r>
-              <a:rPr lang="en-GB" sz="2400" dirty="0">
-                <a:solidFill>
-                  <a:srgbClr val="FFC000"/>
-                </a:solidFill>
-                <a:latin typeface="Circular Std Book" panose="020B0604020101020102" pitchFamily="34" charset="0"/>
-                <a:cs typeface="Circular Std Book" panose="020B0604020101020102" pitchFamily="34" charset="0"/>
-              </a:rPr>
-              <a:t>J</a:t>
-            </a:r>
-            <a:r>
-              <a:rPr lang="en-GB" sz="2400" dirty="0">
-                <a:solidFill>
-                  <a:srgbClr val="36B7B4"/>
-                </a:solidFill>
-                <a:latin typeface="Circular Std Book" panose="020B0604020101020102" pitchFamily="34" charset="0"/>
-                <a:cs typeface="Circular Std Book" panose="020B0604020101020102" pitchFamily="34" charset="0"/>
-              </a:rPr>
-              <a:t>ava</a:t>
-            </a:r>
-            <a:r>
-              <a:rPr lang="en-GB" sz="2400" dirty="0">
-                <a:solidFill>
-                  <a:srgbClr val="FFC000"/>
-                </a:solidFill>
-                <a:latin typeface="Circular Std Book" panose="020B0604020101020102" pitchFamily="34" charset="0"/>
-                <a:cs typeface="Circular Std Book" panose="020B0604020101020102" pitchFamily="34" charset="0"/>
-              </a:rPr>
-              <a:t>S</a:t>
-            </a:r>
-            <a:r>
-              <a:rPr lang="en-GB" sz="2400" dirty="0">
-                <a:solidFill>
-                  <a:srgbClr val="36B7B4"/>
-                </a:solidFill>
-                <a:latin typeface="Circular Std Book" panose="020B0604020101020102" pitchFamily="34" charset="0"/>
-                <a:cs typeface="Circular Std Book" panose="020B0604020101020102" pitchFamily="34" charset="0"/>
-              </a:rPr>
-              <a:t>cript </a:t>
-            </a:r>
-            <a:r>
-              <a:rPr lang="en-GB" sz="2400" dirty="0">
-                <a:solidFill>
-                  <a:srgbClr val="FFC000"/>
-                </a:solidFill>
-                <a:latin typeface="Circular Std Book" panose="020B0604020101020102" pitchFamily="34" charset="0"/>
-                <a:cs typeface="Circular Std Book" panose="020B0604020101020102" pitchFamily="34" charset="0"/>
-              </a:rPr>
-              <a:t>O</a:t>
-            </a:r>
-            <a:r>
-              <a:rPr lang="en-GB" sz="2400" dirty="0">
-                <a:solidFill>
-                  <a:srgbClr val="36B7B4"/>
-                </a:solidFill>
-                <a:latin typeface="Circular Std Book" panose="020B0604020101020102" pitchFamily="34" charset="0"/>
-                <a:cs typeface="Circular Std Book" panose="020B0604020101020102" pitchFamily="34" charset="0"/>
-              </a:rPr>
-              <a:t>bject </a:t>
-            </a:r>
-            <a:r>
-              <a:rPr lang="en-GB" sz="2400" dirty="0">
-                <a:solidFill>
-                  <a:srgbClr val="FFC000"/>
-                </a:solidFill>
-                <a:latin typeface="Circular Std Book" panose="020B0604020101020102" pitchFamily="34" charset="0"/>
-                <a:cs typeface="Circular Std Book" panose="020B0604020101020102" pitchFamily="34" charset="0"/>
-              </a:rPr>
-              <a:t>N</a:t>
-            </a:r>
-            <a:r>
-              <a:rPr lang="en-GB" sz="2400" dirty="0">
-                <a:solidFill>
-                  <a:srgbClr val="36B7B4"/>
-                </a:solidFill>
-                <a:latin typeface="Circular Std Book" panose="020B0604020101020102" pitchFamily="34" charset="0"/>
-                <a:cs typeface="Circular Std Book" panose="020B0604020101020102" pitchFamily="34" charset="0"/>
-              </a:rPr>
-              <a:t>otation.  </a:t>
-            </a:r>
-            <a:r>
-              <a:rPr lang="en-GB" sz="2400" dirty="0">
-                <a:solidFill>
-                  <a:schemeClr val="bg1"/>
-                </a:solidFill>
-                <a:latin typeface="Circular Std Book" panose="020B0604020101020102" pitchFamily="34" charset="0"/>
-                <a:cs typeface="Circular Std Book" panose="020B0604020101020102" pitchFamily="34" charset="0"/>
-              </a:rPr>
-              <a:t>An important data type</a:t>
-            </a:r>
-            <a:r>
-              <a:rPr lang="en-GB" sz="2400" dirty="0">
-                <a:solidFill>
-                  <a:srgbClr val="36B7B4"/>
-                </a:solidFill>
-                <a:latin typeface="Circular Std Book" panose="020B0604020101020102" pitchFamily="34" charset="0"/>
-                <a:cs typeface="Circular Std Book" panose="020B0604020101020102" pitchFamily="34" charset="0"/>
-              </a:rPr>
-              <a:t>. Why use it?</a:t>
-            </a:r>
-          </a:p>
-          <a:p>
-            <a:pPr lvl="1">
-              <a:lnSpc>
-                <a:spcPct val="150000"/>
-              </a:lnSpc>
-            </a:pPr>
-            <a:r>
-              <a:rPr lang="en-GB" sz="1600" b="0" i="0" dirty="0">
-                <a:solidFill>
-                  <a:schemeClr val="bg1"/>
-                </a:solidFill>
-                <a:effectLst/>
-                <a:latin typeface="Circular Std Book" panose="020B0604020101020102" pitchFamily="34" charset="0"/>
-                <a:cs typeface="Circular Std Book" panose="020B0604020101020102" pitchFamily="34" charset="0"/>
-              </a:rPr>
-              <a:t>It </a:t>
-            </a:r>
-            <a:r>
-              <a:rPr lang="en-GB" sz="1600" dirty="0">
-                <a:solidFill>
-                  <a:schemeClr val="bg1"/>
-                </a:solidFill>
-                <a:latin typeface="Circular Std Book" panose="020B0604020101020102" pitchFamily="34" charset="0"/>
-                <a:cs typeface="Circular Std Book" panose="020B0604020101020102" pitchFamily="34" charset="0"/>
-              </a:rPr>
-              <a:t>is the way computers share data. </a:t>
-            </a:r>
-          </a:p>
-          <a:p>
-            <a:pPr lvl="1">
-              <a:lnSpc>
-                <a:spcPct val="150000"/>
-              </a:lnSpc>
-            </a:pPr>
-            <a:r>
-              <a:rPr lang="en-GB" sz="1600" b="0" i="0" dirty="0">
-                <a:solidFill>
-                  <a:schemeClr val="bg1"/>
-                </a:solidFill>
-                <a:effectLst/>
-                <a:latin typeface="Circular Std Book" panose="020B0604020101020102" pitchFamily="34" charset="0"/>
-                <a:cs typeface="Circular Std Book" panose="020B0604020101020102" pitchFamily="34" charset="0"/>
-              </a:rPr>
-              <a:t>Most importantly it is what many APIs will deliver – your data will arrive to you in this w</a:t>
-            </a:r>
-            <a:r>
-              <a:rPr lang="en-GB" sz="1600" dirty="0">
-                <a:solidFill>
-                  <a:schemeClr val="bg1"/>
-                </a:solidFill>
-                <a:latin typeface="Circular Std Book" panose="020B0604020101020102" pitchFamily="34" charset="0"/>
-                <a:cs typeface="Circular Std Book" panose="020B0604020101020102" pitchFamily="34" charset="0"/>
-              </a:rPr>
-              <a:t>ay. </a:t>
-            </a:r>
-          </a:p>
-          <a:p>
-            <a:pPr lvl="1">
-              <a:lnSpc>
-                <a:spcPct val="150000"/>
-              </a:lnSpc>
-            </a:pPr>
-            <a:r>
-              <a:rPr lang="en-GB" sz="1600" dirty="0">
-                <a:solidFill>
-                  <a:schemeClr val="bg1"/>
-                </a:solidFill>
-                <a:latin typeface="Verdana" panose="020B0604030504040204" pitchFamily="34" charset="0"/>
-                <a:cs typeface="Circular Std Book" panose="020B0604020101020102" pitchFamily="34" charset="0"/>
-              </a:rPr>
-              <a:t>It looks complicated at first, but is easy to convert into access, change and chart. </a:t>
-            </a:r>
-            <a:endParaRPr lang="en-GB" dirty="0">
-              <a:solidFill>
-                <a:srgbClr val="36B7B4"/>
-              </a:solidFill>
-              <a:latin typeface="Circular Std Book" panose="020B0604020101020102" pitchFamily="34" charset="0"/>
-              <a:cs typeface="Circular Std Book" panose="020B0604020101020102" pitchFamily="34" charset="0"/>
-            </a:endParaRPr>
-          </a:p>
-          <a:p>
-            <a:pPr>
-              <a:lnSpc>
-                <a:spcPct val="150000"/>
-              </a:lnSpc>
-            </a:pPr>
-            <a:r>
-              <a:rPr lang="en-GB" sz="2400" dirty="0">
-                <a:solidFill>
-                  <a:schemeClr val="bg1"/>
-                </a:solidFill>
-                <a:latin typeface="Circular Std Book" panose="020B0604020101020102" pitchFamily="34" charset="0"/>
-                <a:cs typeface="Circular Std Book" panose="020B0604020101020102" pitchFamily="34" charset="0"/>
-              </a:rPr>
-              <a:t>Formatted as </a:t>
-            </a:r>
-            <a:r>
-              <a:rPr lang="en-GB" sz="2400" dirty="0">
-                <a:solidFill>
-                  <a:srgbClr val="36B7B4"/>
-                </a:solidFill>
-                <a:latin typeface="Circular Std Book" panose="020B0604020101020102" pitchFamily="34" charset="0"/>
-                <a:cs typeface="Circular Std Book" panose="020B0604020101020102" pitchFamily="34" charset="0"/>
-              </a:rPr>
-              <a:t>key : value </a:t>
-            </a:r>
-            <a:r>
-              <a:rPr lang="en-GB" sz="2400" dirty="0">
-                <a:solidFill>
-                  <a:schemeClr val="bg1"/>
-                </a:solidFill>
-                <a:latin typeface="Circular Std Book" panose="020B0604020101020102" pitchFamily="34" charset="0"/>
-                <a:cs typeface="Circular Std Book" panose="020B0604020101020102" pitchFamily="34" charset="0"/>
-              </a:rPr>
-              <a:t>pairs (aka </a:t>
-            </a:r>
-            <a:r>
-              <a:rPr lang="en-GB" sz="2400" dirty="0">
-                <a:solidFill>
-                  <a:srgbClr val="36B7B4"/>
-                </a:solidFill>
-                <a:latin typeface="Circular Std Book" panose="020B0604020101020102" pitchFamily="34" charset="0"/>
-                <a:cs typeface="Circular Std Book" panose="020B0604020101020102" pitchFamily="34" charset="0"/>
-              </a:rPr>
-              <a:t>name : value</a:t>
-            </a:r>
-            <a:r>
-              <a:rPr lang="en-GB" sz="2400" dirty="0">
-                <a:solidFill>
-                  <a:schemeClr val="bg1"/>
-                </a:solidFill>
-                <a:latin typeface="Circular Std Book" panose="020B0604020101020102" pitchFamily="34" charset="0"/>
-                <a:cs typeface="Circular Std Book" panose="020B0604020101020102" pitchFamily="34" charset="0"/>
-              </a:rPr>
-              <a:t> pairs)</a:t>
-            </a:r>
-            <a:endParaRPr lang="en-GB" sz="3200" dirty="0">
-              <a:solidFill>
-                <a:schemeClr val="bg1"/>
-              </a:solidFill>
-              <a:latin typeface="Circular Std Book" panose="020B0604020101020102" pitchFamily="34" charset="0"/>
-              <a:cs typeface="Circular Std Book" panose="020B0604020101020102" pitchFamily="34" charset="0"/>
-            </a:endParaRPr>
-          </a:p>
-          <a:p>
-            <a:pPr marL="457200" lvl="1" indent="0">
-              <a:lnSpc>
-                <a:spcPct val="150000"/>
-              </a:lnSpc>
-              <a:buNone/>
-            </a:pPr>
-            <a:r>
-              <a:rPr lang="en-US" sz="1800" b="0" i="0" dirty="0">
-                <a:solidFill>
-                  <a:srgbClr val="FFC000"/>
-                </a:solidFill>
-                <a:effectLst/>
-                <a:latin typeface="Consolas" panose="020B0609020204030204" pitchFamily="49" charset="0"/>
-              </a:rPr>
-              <a:t>'{"</a:t>
-            </a:r>
-            <a:r>
-              <a:rPr lang="en-US" sz="1800" b="0" i="0" dirty="0" err="1">
-                <a:solidFill>
-                  <a:srgbClr val="FFC000"/>
-                </a:solidFill>
-                <a:effectLst/>
-                <a:latin typeface="Consolas" panose="020B0609020204030204" pitchFamily="49" charset="0"/>
-              </a:rPr>
-              <a:t>name":“</a:t>
-            </a:r>
-            <a:r>
-              <a:rPr lang="en-US" sz="1800" dirty="0" err="1">
-                <a:solidFill>
-                  <a:srgbClr val="FFC000"/>
-                </a:solidFill>
-                <a:latin typeface="Consolas" panose="020B0609020204030204" pitchFamily="49" charset="0"/>
-              </a:rPr>
-              <a:t>David</a:t>
-            </a:r>
-            <a:r>
-              <a:rPr lang="en-US" sz="1800" dirty="0">
-                <a:solidFill>
-                  <a:srgbClr val="FFC000"/>
-                </a:solidFill>
-                <a:latin typeface="Consolas" panose="020B0609020204030204" pitchFamily="49" charset="0"/>
-              </a:rPr>
-              <a:t> Beckham</a:t>
-            </a:r>
-            <a:r>
-              <a:rPr lang="en-US" sz="1800" b="0" i="0" dirty="0">
-                <a:solidFill>
-                  <a:srgbClr val="FFC000"/>
-                </a:solidFill>
-                <a:effectLst/>
-                <a:latin typeface="Consolas" panose="020B0609020204030204" pitchFamily="49" charset="0"/>
-              </a:rPr>
-              <a:t>", “</a:t>
-            </a:r>
-            <a:r>
-              <a:rPr lang="en-US" sz="1800" dirty="0">
-                <a:solidFill>
-                  <a:srgbClr val="FFC000"/>
-                </a:solidFill>
-                <a:latin typeface="Consolas" panose="020B0609020204030204" pitchFamily="49" charset="0"/>
-              </a:rPr>
-              <a:t>kids</a:t>
-            </a:r>
-            <a:r>
-              <a:rPr lang="en-US" sz="1800" b="0" i="0" dirty="0">
-                <a:solidFill>
-                  <a:srgbClr val="FFC000"/>
-                </a:solidFill>
-                <a:effectLst/>
-                <a:latin typeface="Consolas" panose="020B0609020204030204" pitchFamily="49" charset="0"/>
-              </a:rPr>
-              <a:t>":4, “</a:t>
-            </a:r>
-            <a:r>
-              <a:rPr lang="en-US" sz="1800" b="0" i="0" dirty="0" err="1">
-                <a:solidFill>
-                  <a:srgbClr val="FFC000"/>
-                </a:solidFill>
-                <a:effectLst/>
-                <a:latin typeface="Consolas" panose="020B0609020204030204" pitchFamily="49" charset="0"/>
-              </a:rPr>
-              <a:t>team":“Manchester</a:t>
-            </a:r>
-            <a:r>
-              <a:rPr lang="en-US" sz="1800" b="0" i="0" dirty="0">
-                <a:solidFill>
-                  <a:srgbClr val="FFC000"/>
-                </a:solidFill>
-                <a:effectLst/>
-                <a:latin typeface="Consolas" panose="020B0609020204030204" pitchFamily="49" charset="0"/>
-              </a:rPr>
-              <a:t> United”}’</a:t>
-            </a:r>
-          </a:p>
-          <a:p>
-            <a:pPr marL="327025" lvl="1" indent="-327025">
-              <a:lnSpc>
-                <a:spcPct val="150000"/>
-              </a:lnSpc>
-            </a:pPr>
-            <a:r>
-              <a:rPr lang="en-GB" dirty="0">
-                <a:solidFill>
-                  <a:srgbClr val="36B7B4"/>
-                </a:solidFill>
-                <a:latin typeface="Circular Std Book" panose="020B0604020101020102" pitchFamily="34" charset="0"/>
-                <a:cs typeface="Circular Std Book" panose="020B0604020101020102" pitchFamily="34" charset="0"/>
-              </a:rPr>
-              <a:t>Keys</a:t>
-            </a:r>
-            <a:r>
-              <a:rPr lang="en-GB" dirty="0">
-                <a:solidFill>
-                  <a:schemeClr val="bg1"/>
-                </a:solidFill>
-                <a:latin typeface="Circular Std Book" panose="020B0604020101020102" pitchFamily="34" charset="0"/>
-                <a:cs typeface="Circular Std Book" panose="020B0604020101020102" pitchFamily="34" charset="0"/>
-              </a:rPr>
-              <a:t> are strings, always in double quotes.</a:t>
-            </a:r>
-          </a:p>
-          <a:p>
-            <a:pPr marL="327025" lvl="1" indent="-327025">
-              <a:lnSpc>
-                <a:spcPct val="150000"/>
-              </a:lnSpc>
-            </a:pPr>
-            <a:r>
-              <a:rPr lang="en-US" dirty="0">
-                <a:solidFill>
-                  <a:srgbClr val="36B7B4"/>
-                </a:solidFill>
-                <a:latin typeface="Circular Std Book" panose="020B0604020101020102" pitchFamily="34" charset="0"/>
-                <a:cs typeface="Circular Std Book" panose="020B0604020101020102" pitchFamily="34" charset="0"/>
-              </a:rPr>
-              <a:t>Values</a:t>
-            </a:r>
-            <a:r>
-              <a:rPr lang="en-US" dirty="0">
-                <a:solidFill>
-                  <a:schemeClr val="bg1"/>
-                </a:solidFill>
-                <a:latin typeface="Circular Std Book" panose="020B0604020101020102" pitchFamily="34" charset="0"/>
-                <a:cs typeface="Circular Std Book" panose="020B0604020101020102" pitchFamily="34" charset="0"/>
-              </a:rPr>
-              <a:t> can be many things: string, number, arrays, objects.</a:t>
-            </a:r>
-          </a:p>
-          <a:p>
-            <a:pPr marL="327025" lvl="1" indent="-327025">
-              <a:lnSpc>
-                <a:spcPct val="150000"/>
-              </a:lnSpc>
-            </a:pPr>
-            <a:r>
-              <a:rPr lang="en-US" dirty="0">
-                <a:solidFill>
-                  <a:schemeClr val="bg1"/>
-                </a:solidFill>
-                <a:latin typeface="Circular Std Book" panose="020B0604020101020102" pitchFamily="34" charset="0"/>
-                <a:cs typeface="Circular Std Book" panose="020B0604020101020102" pitchFamily="34" charset="0"/>
-              </a:rPr>
-              <a:t>Useful tools:</a:t>
-            </a:r>
-          </a:p>
-          <a:p>
-            <a:pPr marL="784225" lvl="2" indent="-327025">
-              <a:lnSpc>
-                <a:spcPct val="150000"/>
-              </a:lnSpc>
-            </a:pPr>
-            <a:r>
-              <a:rPr lang="en-US" dirty="0">
-                <a:solidFill>
-                  <a:srgbClr val="36B7B4"/>
-                </a:solidFill>
-                <a:latin typeface="Circular Std Book" panose="020B0604020101020102" pitchFamily="34" charset="0"/>
-                <a:cs typeface="Circular Std Book" panose="020B0604020101020102" pitchFamily="34" charset="0"/>
-              </a:rPr>
-              <a:t>www.jsonlint.com.</a:t>
-            </a:r>
-            <a:r>
-              <a:rPr lang="en-US" dirty="0">
-                <a:solidFill>
-                  <a:schemeClr val="bg1"/>
-                </a:solidFill>
-                <a:latin typeface="Circular Std Book" panose="020B0604020101020102" pitchFamily="34" charset="0"/>
-                <a:cs typeface="Circular Std Book" panose="020B0604020101020102" pitchFamily="34" charset="0"/>
-              </a:rPr>
-              <a:t>  Test and format JSON.</a:t>
-            </a:r>
-          </a:p>
-          <a:p>
-            <a:pPr marL="784225" lvl="2" indent="-327025">
-              <a:lnSpc>
-                <a:spcPct val="150000"/>
-              </a:lnSpc>
-            </a:pPr>
-            <a:r>
-              <a:rPr lang="en-US" dirty="0">
-                <a:solidFill>
-                  <a:srgbClr val="36B7B4"/>
-                </a:solidFill>
-                <a:latin typeface="Circular Std Book" panose="020B0604020101020102" pitchFamily="34" charset="0"/>
-                <a:cs typeface="Circular Std Book" panose="020B0604020101020102" pitchFamily="34" charset="0"/>
-              </a:rPr>
-              <a:t>JSON formatter.</a:t>
-            </a:r>
-            <a:r>
-              <a:rPr lang="en-US" dirty="0">
-                <a:solidFill>
-                  <a:schemeClr val="bg1"/>
-                </a:solidFill>
-                <a:latin typeface="Circular Std Book" panose="020B0604020101020102" pitchFamily="34" charset="0"/>
-                <a:cs typeface="Circular Std Book" panose="020B0604020101020102" pitchFamily="34" charset="0"/>
-              </a:rPr>
-              <a:t> Chrome extension. </a:t>
-            </a:r>
-          </a:p>
-          <a:p>
-            <a:pPr marL="457200" lvl="1" indent="0">
-              <a:lnSpc>
-                <a:spcPct val="150000"/>
-              </a:lnSpc>
-              <a:buNone/>
-            </a:pPr>
-            <a:endParaRPr lang="en-GB" sz="3200" dirty="0">
-              <a:solidFill>
-                <a:schemeClr val="bg1"/>
-              </a:solidFill>
-              <a:latin typeface="Circular Std Book" panose="020B0604020101020102" pitchFamily="34" charset="0"/>
-              <a:cs typeface="Circular Std Book" panose="020B0604020101020102" pitchFamily="34" charset="0"/>
-            </a:endParaRPr>
-          </a:p>
-          <a:p>
-            <a:pPr>
-              <a:lnSpc>
-                <a:spcPct val="150000"/>
-              </a:lnSpc>
-            </a:pPr>
-            <a:endParaRPr lang="en-GB" sz="4400" b="1" dirty="0">
-              <a:solidFill>
-                <a:srgbClr val="36B7B4"/>
-              </a:solidFill>
-              <a:latin typeface="Circular Std Book" panose="020B0604020101020102" pitchFamily="34" charset="0"/>
-              <a:cs typeface="Circular Std Book" panose="020B0604020101020102" pitchFamily="34" charset="0"/>
-            </a:endParaRPr>
-          </a:p>
-          <a:p>
-            <a:pPr>
-              <a:lnSpc>
-                <a:spcPct val="150000"/>
-              </a:lnSpc>
-            </a:pPr>
-            <a:endParaRPr lang="en-GB" dirty="0">
-              <a:solidFill>
-                <a:schemeClr val="bg1"/>
-              </a:solidFill>
-              <a:latin typeface="Circular Std Book" panose="020B0604020101020102" pitchFamily="34" charset="0"/>
-              <a:cs typeface="Circular Std Book" panose="020B0604020101020102" pitchFamily="34" charset="0"/>
-            </a:endParaRPr>
-          </a:p>
-          <a:p>
-            <a:pPr>
-              <a:lnSpc>
-                <a:spcPct val="150000"/>
-              </a:lnSpc>
-            </a:pPr>
-            <a:endParaRPr lang="en-GB" dirty="0">
-              <a:solidFill>
-                <a:srgbClr val="0063AF"/>
-              </a:solidFill>
-              <a:latin typeface="Circular Std Book" panose="020B0604020101020102" pitchFamily="34" charset="0"/>
-              <a:cs typeface="Circular Std Book" panose="020B0604020101020102" pitchFamily="34" charset="0"/>
-            </a:endParaRPr>
-          </a:p>
-        </p:txBody>
-      </p:sp>
-    </p:spTree>
-    <p:extLst>
-      <p:ext uri="{BB962C8B-B14F-4D97-AF65-F5344CB8AC3E}">
-        <p14:creationId xmlns:p14="http://schemas.microsoft.com/office/powerpoint/2010/main" val="3712909105"/>
-      </p:ext>
-    </p:extLst>
-  </p:cSld>
-  <p:clrMapOvr>
-    <a:masterClrMapping/>
-  </p:clrMapOvr>
-</p:sld>
-</file>
-
-<file path=ppt/slides/slide13.xml><?xml version="1.0" encoding="utf-8"?>
-<p:sld xmlns:a="http://schemas.openxmlformats.org/drawingml/2006/main" xmlns:r="http://schemas.openxmlformats.org/officeDocument/2006/relationships" xmlns:p="http://schemas.openxmlformats.org/presentationml/2006/main">
-  <p:cSld>
-    <p:bg>
-      <p:bgPr>
-        <a:solidFill>
-          <a:srgbClr val="122B39"/>
-        </a:solidFill>
-        <a:effectLst/>
-      </p:bgPr>
-    </p:bg>
-    <p:spTree>
-      <p:nvGrpSpPr>
-        <p:cNvPr id="1" name=""/>
-        <p:cNvGrpSpPr/>
-        <p:nvPr/>
-      </p:nvGrpSpPr>
-      <p:grpSpPr>
-        <a:xfrm>
-          <a:off x="0" y="0"/>
-          <a:ext cx="0" cy="0"/>
-          <a:chOff x="0" y="0"/>
-          <a:chExt cx="0" cy="0"/>
-        </a:xfrm>
-      </p:grpSpPr>
-      <p:pic>
-        <p:nvPicPr>
-          <p:cNvPr id="7" name="Picture 6">
-            <a:extLst>
-              <a:ext uri="{FF2B5EF4-FFF2-40B4-BE49-F238E27FC236}">
-                <a16:creationId xmlns:a16="http://schemas.microsoft.com/office/drawing/2014/main" id="{9EF2AD4E-7909-4453-8E9A-07A9EC6093EF}"/>
-              </a:ext>
-            </a:extLst>
-          </p:cNvPr>
-          <p:cNvPicPr>
-            <a:picLocks noChangeAspect="1"/>
-          </p:cNvPicPr>
-          <p:nvPr/>
-        </p:nvPicPr>
-        <p:blipFill>
-          <a:blip r:embed="rId2"/>
-          <a:stretch>
-            <a:fillRect/>
-          </a:stretch>
-        </p:blipFill>
-        <p:spPr>
-          <a:xfrm>
-            <a:off x="6377238" y="1494958"/>
-            <a:ext cx="5095410" cy="4558747"/>
-          </a:xfrm>
-          <a:prstGeom prst="rect">
-            <a:avLst/>
-          </a:prstGeom>
-        </p:spPr>
-      </p:pic>
-      <p:pic>
-        <p:nvPicPr>
-          <p:cNvPr id="9" name="Picture 8">
-            <a:extLst>
-              <a:ext uri="{FF2B5EF4-FFF2-40B4-BE49-F238E27FC236}">
-                <a16:creationId xmlns:a16="http://schemas.microsoft.com/office/drawing/2014/main" id="{0285DB71-237A-4CA2-99B5-84C9FBC2675B}"/>
-              </a:ext>
-            </a:extLst>
-          </p:cNvPr>
-          <p:cNvPicPr>
-            <a:picLocks noChangeAspect="1"/>
-          </p:cNvPicPr>
-          <p:nvPr/>
-        </p:nvPicPr>
-        <p:blipFill>
-          <a:blip r:embed="rId3"/>
-          <a:stretch>
-            <a:fillRect/>
-          </a:stretch>
-        </p:blipFill>
-        <p:spPr>
-          <a:xfrm>
-            <a:off x="448959" y="1536503"/>
-            <a:ext cx="5257800" cy="1744214"/>
-          </a:xfrm>
-          <a:prstGeom prst="rect">
-            <a:avLst/>
-          </a:prstGeom>
-        </p:spPr>
-      </p:pic>
-      <p:sp>
-        <p:nvSpPr>
-          <p:cNvPr id="10" name="Title 1">
-            <a:extLst>
-              <a:ext uri="{FF2B5EF4-FFF2-40B4-BE49-F238E27FC236}">
-                <a16:creationId xmlns:a16="http://schemas.microsoft.com/office/drawing/2014/main" id="{FF74C999-13E2-4C28-9CEA-ED65623C29EA}"/>
-              </a:ext>
-            </a:extLst>
-          </p:cNvPr>
-          <p:cNvSpPr txBox="1">
-            <a:spLocks/>
-          </p:cNvSpPr>
-          <p:nvPr/>
-        </p:nvSpPr>
-        <p:spPr>
-          <a:xfrm>
-            <a:off x="479867" y="637053"/>
-            <a:ext cx="5793137" cy="496977"/>
-          </a:xfrm>
-          <a:prstGeom prst="rect">
-            <a:avLst/>
-          </a:prstGeom>
-          <a:solidFill>
-            <a:srgbClr val="122B39"/>
-          </a:solidFill>
-        </p:spPr>
-        <p:txBody>
-          <a:bodyPr vert="horz" lIns="91440" tIns="45720" rIns="91440" bIns="45720" rtlCol="0" anchor="b">
-            <a:normAutofit fontScale="60000" lnSpcReduction="20000"/>
-          </a:bodyPr>
-          <a:lstStyle>
-            <a:lvl1pPr algn="ctr" defTabSz="914400" rtl="0" eaLnBrk="1" latinLnBrk="0" hangingPunct="1">
-              <a:lnSpc>
-                <a:spcPct val="90000"/>
-              </a:lnSpc>
-              <a:spcBef>
-                <a:spcPct val="0"/>
-              </a:spcBef>
-              <a:buNone/>
-              <a:defRPr sz="6000" kern="1200">
-                <a:solidFill>
-                  <a:schemeClr val="tx1"/>
-                </a:solidFill>
-                <a:latin typeface="+mj-lt"/>
-                <a:ea typeface="+mj-ea"/>
-                <a:cs typeface="+mj-cs"/>
-              </a:defRPr>
-            </a:lvl1pPr>
-          </a:lstStyle>
-          <a:p>
-            <a:pPr marL="0" marR="0" lvl="0" indent="0" algn="ctr" defTabSz="914400" rtl="0" eaLnBrk="1" fontAlgn="auto" latinLnBrk="0" hangingPunct="1">
-              <a:lnSpc>
-                <a:spcPct val="90000"/>
-              </a:lnSpc>
-              <a:spcBef>
-                <a:spcPct val="0"/>
-              </a:spcBef>
-              <a:spcAft>
-                <a:spcPts val="0"/>
-              </a:spcAft>
-              <a:buClrTx/>
-              <a:buSzTx/>
-              <a:buFontTx/>
-              <a:buNone/>
-              <a:tabLst/>
-              <a:defRPr/>
-            </a:pPr>
-            <a:r>
-              <a:rPr kumimoji="0" lang="en-GB" sz="6000" b="0" i="0" u="none" strike="noStrike" kern="1200" cap="none" spc="0" normalizeH="0" baseline="0" noProof="0" dirty="0">
-                <a:ln>
-                  <a:noFill/>
-                </a:ln>
-                <a:solidFill>
-                  <a:prstClr val="white"/>
-                </a:solidFill>
-                <a:effectLst/>
-                <a:uLnTx/>
-                <a:uFillTx/>
-                <a:latin typeface="Circular Std Book" panose="020B0604020101020102" pitchFamily="34" charset="0"/>
-                <a:ea typeface="+mj-ea"/>
-                <a:cs typeface="Circular Std Book" panose="020B0604020101020102" pitchFamily="34" charset="0"/>
-              </a:rPr>
-              <a:t>Raw</a:t>
-            </a:r>
-            <a:r>
-              <a:rPr kumimoji="0" lang="en-GB" sz="6000" b="0" i="0" u="none" strike="noStrike" kern="1200" cap="none" spc="0" normalizeH="0" baseline="0" noProof="0" dirty="0">
-                <a:ln>
-                  <a:noFill/>
-                </a:ln>
-                <a:solidFill>
-                  <a:srgbClr val="F4C245"/>
-                </a:solidFill>
-                <a:effectLst/>
-                <a:uLnTx/>
-                <a:uFillTx/>
-                <a:latin typeface="Circular Std Book" panose="020B0604020101020102" pitchFamily="34" charset="0"/>
-                <a:ea typeface="+mj-ea"/>
-                <a:cs typeface="Circular Std Book" panose="020B0604020101020102" pitchFamily="34" charset="0"/>
-              </a:rPr>
-              <a:t>.</a:t>
-            </a:r>
-          </a:p>
-        </p:txBody>
-      </p:sp>
-      <p:sp>
-        <p:nvSpPr>
-          <p:cNvPr id="11" name="Title 1">
-            <a:extLst>
-              <a:ext uri="{FF2B5EF4-FFF2-40B4-BE49-F238E27FC236}">
-                <a16:creationId xmlns:a16="http://schemas.microsoft.com/office/drawing/2014/main" id="{BBEF6234-CF44-4F57-A1F6-06E2D0F56BB4}"/>
-              </a:ext>
-            </a:extLst>
-          </p:cNvPr>
-          <p:cNvSpPr txBox="1">
-            <a:spLocks/>
-          </p:cNvSpPr>
-          <p:nvPr/>
-        </p:nvSpPr>
-        <p:spPr>
-          <a:xfrm>
-            <a:off x="6096000" y="637053"/>
-            <a:ext cx="5793137" cy="496977"/>
-          </a:xfrm>
-          <a:prstGeom prst="rect">
-            <a:avLst/>
-          </a:prstGeom>
-          <a:solidFill>
-            <a:srgbClr val="122B39"/>
-          </a:solidFill>
-        </p:spPr>
-        <p:txBody>
-          <a:bodyPr vert="horz" lIns="91440" tIns="45720" rIns="91440" bIns="45720" rtlCol="0" anchor="b">
-            <a:normAutofit fontScale="60000" lnSpcReduction="20000"/>
-          </a:bodyPr>
-          <a:lstStyle>
-            <a:lvl1pPr algn="ctr" defTabSz="914400" rtl="0" eaLnBrk="1" latinLnBrk="0" hangingPunct="1">
-              <a:lnSpc>
-                <a:spcPct val="90000"/>
-              </a:lnSpc>
-              <a:spcBef>
-                <a:spcPct val="0"/>
-              </a:spcBef>
-              <a:buNone/>
-              <a:defRPr sz="6000" kern="1200">
-                <a:solidFill>
-                  <a:schemeClr val="tx1"/>
-                </a:solidFill>
-                <a:latin typeface="+mj-lt"/>
-                <a:ea typeface="+mj-ea"/>
-                <a:cs typeface="+mj-cs"/>
-              </a:defRPr>
-            </a:lvl1pPr>
-          </a:lstStyle>
-          <a:p>
-            <a:pPr marL="0" marR="0" lvl="0" indent="0" algn="ctr" defTabSz="914400" rtl="0" eaLnBrk="1" fontAlgn="auto" latinLnBrk="0" hangingPunct="1">
-              <a:lnSpc>
-                <a:spcPct val="90000"/>
-              </a:lnSpc>
-              <a:spcBef>
-                <a:spcPct val="0"/>
-              </a:spcBef>
-              <a:spcAft>
-                <a:spcPts val="0"/>
-              </a:spcAft>
-              <a:buClrTx/>
-              <a:buSzTx/>
-              <a:buFontTx/>
-              <a:buNone/>
-              <a:tabLst/>
-              <a:defRPr/>
-            </a:pPr>
-            <a:r>
-              <a:rPr kumimoji="0" lang="en-GB" sz="6000" b="0" i="0" u="none" strike="noStrike" kern="1200" cap="none" spc="0" normalizeH="0" baseline="0" noProof="0" dirty="0">
-                <a:ln>
-                  <a:noFill/>
-                </a:ln>
-                <a:solidFill>
-                  <a:prstClr val="white"/>
-                </a:solidFill>
-                <a:effectLst/>
-                <a:uLnTx/>
-                <a:uFillTx/>
-                <a:latin typeface="Circular Std Book" panose="020B0604020101020102" pitchFamily="34" charset="0"/>
-                <a:ea typeface="+mj-ea"/>
-                <a:cs typeface="Circular Std Book" panose="020B0604020101020102" pitchFamily="34" charset="0"/>
-              </a:rPr>
-              <a:t>Parsed</a:t>
-            </a:r>
-            <a:r>
-              <a:rPr kumimoji="0" lang="en-GB" sz="6000" b="0" i="0" u="none" strike="noStrike" kern="1200" cap="none" spc="0" normalizeH="0" baseline="0" noProof="0" dirty="0">
-                <a:ln>
-                  <a:noFill/>
-                </a:ln>
-                <a:solidFill>
-                  <a:srgbClr val="F4C245"/>
-                </a:solidFill>
-                <a:effectLst/>
-                <a:uLnTx/>
-                <a:uFillTx/>
-                <a:latin typeface="Circular Std Book" panose="020B0604020101020102" pitchFamily="34" charset="0"/>
-                <a:ea typeface="+mj-ea"/>
-                <a:cs typeface="Circular Std Book" panose="020B0604020101020102" pitchFamily="34" charset="0"/>
-              </a:rPr>
-              <a:t>.</a:t>
-            </a:r>
-          </a:p>
-        </p:txBody>
-      </p:sp>
-      <p:sp>
-        <p:nvSpPr>
-          <p:cNvPr id="8" name="TextBox 7">
-            <a:extLst>
-              <a:ext uri="{FF2B5EF4-FFF2-40B4-BE49-F238E27FC236}">
-                <a16:creationId xmlns:a16="http://schemas.microsoft.com/office/drawing/2014/main" id="{6EAC6DF0-AC87-4182-9F78-59EEFF729D41}"/>
-              </a:ext>
-            </a:extLst>
-          </p:cNvPr>
-          <p:cNvSpPr txBox="1"/>
-          <p:nvPr/>
-        </p:nvSpPr>
-        <p:spPr>
-          <a:xfrm>
-            <a:off x="387639" y="3774332"/>
-            <a:ext cx="6097604" cy="462627"/>
-          </a:xfrm>
-          <a:prstGeom prst="rect">
-            <a:avLst/>
-          </a:prstGeom>
-          <a:noFill/>
-        </p:spPr>
-        <p:txBody>
-          <a:bodyPr wrap="square">
-            <a:spAutoFit/>
-          </a:bodyPr>
-          <a:lstStyle/>
-          <a:p>
-            <a:pPr marL="327025" marR="0" lvl="1" indent="-327025" algn="l" defTabSz="914400" rtl="0" eaLnBrk="1" fontAlgn="auto" latinLnBrk="0" hangingPunct="1">
-              <a:lnSpc>
-                <a:spcPct val="150000"/>
-              </a:lnSpc>
-              <a:spcBef>
-                <a:spcPts val="0"/>
-              </a:spcBef>
-              <a:spcAft>
-                <a:spcPts val="0"/>
-              </a:spcAft>
-              <a:buClrTx/>
-              <a:buSzTx/>
-              <a:buFontTx/>
-              <a:buNone/>
-              <a:tabLst/>
-              <a:defRPr/>
-            </a:pPr>
-            <a:r>
-              <a:rPr kumimoji="0" lang="en-US" sz="1800" b="0" i="0" u="none" strike="noStrike" kern="1200" cap="none" spc="0" normalizeH="0" baseline="0" noProof="0" dirty="0">
-                <a:ln>
-                  <a:noFill/>
-                </a:ln>
-                <a:solidFill>
-                  <a:srgbClr val="36B7B4"/>
-                </a:solidFill>
-                <a:effectLst/>
-                <a:uLnTx/>
-                <a:uFillTx/>
-                <a:latin typeface="Circular Std Book" panose="020B0604020101020102" pitchFamily="34" charset="0"/>
-                <a:ea typeface="+mn-ea"/>
-                <a:cs typeface="Circular Std Book" panose="020B0604020101020102" pitchFamily="34" charset="0"/>
-              </a:rPr>
-              <a:t>API returns.</a:t>
-            </a:r>
-            <a:r>
-              <a:rPr kumimoji="0" lang="en-US" sz="1800" b="0" i="0" u="none" strike="noStrike" kern="1200" cap="none" spc="0" normalizeH="0" baseline="0" noProof="0" dirty="0">
-                <a:ln>
-                  <a:noFill/>
-                </a:ln>
-                <a:solidFill>
-                  <a:prstClr val="white"/>
-                </a:solidFill>
-                <a:effectLst/>
-                <a:uLnTx/>
-                <a:uFillTx/>
-                <a:latin typeface="Circular Std Book" panose="020B0604020101020102" pitchFamily="34" charset="0"/>
-                <a:ea typeface="+mn-ea"/>
-                <a:cs typeface="Circular Std Book" panose="020B0604020101020102" pitchFamily="34" charset="0"/>
-              </a:rPr>
-              <a:t> The results of request to Sport Data API.</a:t>
-            </a:r>
-          </a:p>
-        </p:txBody>
-      </p:sp>
-    </p:spTree>
-    <p:extLst>
-      <p:ext uri="{BB962C8B-B14F-4D97-AF65-F5344CB8AC3E}">
-        <p14:creationId xmlns:p14="http://schemas.microsoft.com/office/powerpoint/2010/main" val="196709755"/>
-      </p:ext>
-    </p:extLst>
-  </p:cSld>
-  <p:clrMapOvr>
-    <a:masterClrMapping/>
-  </p:clrMapOvr>
-</p:sld>
-</file>
-
-<file path=ppt/slides/slide14.xml><?xml version="1.0" encoding="utf-8"?>
-<p:sld xmlns:a="http://schemas.openxmlformats.org/drawingml/2006/main" xmlns:r="http://schemas.openxmlformats.org/officeDocument/2006/relationships" xmlns:p="http://schemas.openxmlformats.org/presentationml/2006/main">
-  <p:cSld>
-    <p:bg>
-      <p:bgPr>
-        <a:solidFill>
-          <a:srgbClr val="122B39"/>
-        </a:solidFill>
-        <a:effectLst/>
-      </p:bgPr>
-    </p:bg>
-    <p:spTree>
-      <p:nvGrpSpPr>
-        <p:cNvPr id="1" name=""/>
-        <p:cNvGrpSpPr/>
-        <p:nvPr/>
-      </p:nvGrpSpPr>
-      <p:grpSpPr>
-        <a:xfrm>
-          <a:off x="0" y="0"/>
-          <a:ext cx="0" cy="0"/>
-          <a:chOff x="0" y="0"/>
-          <a:chExt cx="0" cy="0"/>
-        </a:xfrm>
-      </p:grpSpPr>
-      <p:pic>
-        <p:nvPicPr>
-          <p:cNvPr id="3" name="Picture 2">
-            <a:extLst>
-              <a:ext uri="{FF2B5EF4-FFF2-40B4-BE49-F238E27FC236}">
-                <a16:creationId xmlns:a16="http://schemas.microsoft.com/office/drawing/2014/main" id="{CD9A34EE-B2E6-416C-AA0D-C1661D08F624}"/>
-              </a:ext>
-            </a:extLst>
-          </p:cNvPr>
-          <p:cNvPicPr>
-            <a:picLocks noChangeAspect="1"/>
-          </p:cNvPicPr>
-          <p:nvPr/>
-        </p:nvPicPr>
-        <p:blipFill>
-          <a:blip r:embed="rId2"/>
-          <a:stretch>
-            <a:fillRect/>
-          </a:stretch>
-        </p:blipFill>
-        <p:spPr>
-          <a:xfrm>
-            <a:off x="349681" y="856205"/>
-            <a:ext cx="9002693" cy="6001795"/>
-          </a:xfrm>
-          <a:prstGeom prst="rect">
-            <a:avLst/>
-          </a:prstGeom>
-        </p:spPr>
-      </p:pic>
-      <p:sp>
-        <p:nvSpPr>
-          <p:cNvPr id="8" name="Title 1">
-            <a:extLst>
-              <a:ext uri="{FF2B5EF4-FFF2-40B4-BE49-F238E27FC236}">
-                <a16:creationId xmlns:a16="http://schemas.microsoft.com/office/drawing/2014/main" id="{B019D3E8-61E2-46B2-8F43-027C683E5180}"/>
-              </a:ext>
-            </a:extLst>
-          </p:cNvPr>
-          <p:cNvSpPr txBox="1">
-            <a:spLocks/>
-          </p:cNvSpPr>
-          <p:nvPr/>
-        </p:nvSpPr>
-        <p:spPr>
-          <a:xfrm>
-            <a:off x="173203" y="217714"/>
-            <a:ext cx="3582369" cy="496977"/>
-          </a:xfrm>
-          <a:prstGeom prst="rect">
-            <a:avLst/>
-          </a:prstGeom>
-          <a:solidFill>
-            <a:srgbClr val="122B39"/>
-          </a:solidFill>
-        </p:spPr>
-        <p:txBody>
-          <a:bodyPr vert="horz" lIns="91440" tIns="45720" rIns="91440" bIns="45720" rtlCol="0" anchor="b">
-            <a:normAutofit fontScale="55000" lnSpcReduction="20000"/>
-          </a:bodyPr>
-          <a:lstStyle>
-            <a:lvl1pPr algn="ctr" defTabSz="914400" rtl="0" eaLnBrk="1" latinLnBrk="0" hangingPunct="1">
-              <a:lnSpc>
-                <a:spcPct val="90000"/>
-              </a:lnSpc>
-              <a:spcBef>
-                <a:spcPct val="0"/>
-              </a:spcBef>
-              <a:buNone/>
-              <a:defRPr sz="6000" kern="1200">
-                <a:solidFill>
-                  <a:schemeClr val="tx1"/>
-                </a:solidFill>
-                <a:latin typeface="+mj-lt"/>
-                <a:ea typeface="+mj-ea"/>
-                <a:cs typeface="+mj-cs"/>
-              </a:defRPr>
-            </a:lvl1pPr>
-          </a:lstStyle>
-          <a:p>
-            <a:pPr marL="0" marR="0" lvl="0" indent="0" algn="ctr" defTabSz="914400" rtl="0" eaLnBrk="1" fontAlgn="auto" latinLnBrk="0" hangingPunct="1">
-              <a:lnSpc>
-                <a:spcPct val="90000"/>
-              </a:lnSpc>
-              <a:spcBef>
-                <a:spcPct val="0"/>
-              </a:spcBef>
-              <a:spcAft>
-                <a:spcPts val="0"/>
-              </a:spcAft>
-              <a:buClrTx/>
-              <a:buSzTx/>
-              <a:buFontTx/>
-              <a:buNone/>
-              <a:tabLst/>
-              <a:defRPr/>
-            </a:pPr>
-            <a:r>
-              <a:rPr kumimoji="0" lang="en-GB" sz="6000" b="0" i="0" u="none" strike="noStrike" kern="1200" cap="none" spc="0" normalizeH="0" baseline="0" noProof="0" dirty="0">
-                <a:ln>
-                  <a:noFill/>
-                </a:ln>
-                <a:solidFill>
-                  <a:prstClr val="white"/>
-                </a:solidFill>
-                <a:effectLst/>
-                <a:uLnTx/>
-                <a:uFillTx/>
-                <a:latin typeface="Circular Std Book" panose="020B0604020101020102" pitchFamily="34" charset="0"/>
-                <a:ea typeface="+mj-ea"/>
-                <a:cs typeface="Circular Std Book" panose="020B0604020101020102" pitchFamily="34" charset="0"/>
-              </a:rPr>
-              <a:t>Charts as JSON</a:t>
-            </a:r>
-            <a:r>
-              <a:rPr kumimoji="0" lang="en-GB" sz="6000" b="0" i="0" u="none" strike="noStrike" kern="1200" cap="none" spc="0" normalizeH="0" baseline="0" noProof="0" dirty="0">
-                <a:ln>
-                  <a:noFill/>
-                </a:ln>
-                <a:solidFill>
-                  <a:srgbClr val="F4C245"/>
-                </a:solidFill>
-                <a:effectLst/>
-                <a:uLnTx/>
-                <a:uFillTx/>
-                <a:latin typeface="Circular Std Book" panose="020B0604020101020102" pitchFamily="34" charset="0"/>
-                <a:ea typeface="+mj-ea"/>
-                <a:cs typeface="Circular Std Book" panose="020B0604020101020102" pitchFamily="34" charset="0"/>
-              </a:rPr>
-              <a:t>.</a:t>
-            </a:r>
-          </a:p>
-        </p:txBody>
-      </p:sp>
-      <p:pic>
-        <p:nvPicPr>
-          <p:cNvPr id="5" name="Picture 4">
-            <a:extLst>
-              <a:ext uri="{FF2B5EF4-FFF2-40B4-BE49-F238E27FC236}">
-                <a16:creationId xmlns:a16="http://schemas.microsoft.com/office/drawing/2014/main" id="{E10EA415-7DCF-4D1B-90BA-253C95E8E604}"/>
-              </a:ext>
-            </a:extLst>
-          </p:cNvPr>
-          <p:cNvPicPr>
-            <a:picLocks noChangeAspect="1"/>
-          </p:cNvPicPr>
-          <p:nvPr/>
-        </p:nvPicPr>
-        <p:blipFill>
-          <a:blip r:embed="rId3"/>
-          <a:stretch>
-            <a:fillRect/>
-          </a:stretch>
-        </p:blipFill>
-        <p:spPr>
-          <a:xfrm>
-            <a:off x="7924802" y="2077151"/>
-            <a:ext cx="3973286" cy="4612289"/>
-          </a:xfrm>
-          <a:prstGeom prst="rect">
-            <a:avLst/>
-          </a:prstGeom>
-        </p:spPr>
-      </p:pic>
-    </p:spTree>
-    <p:extLst>
-      <p:ext uri="{BB962C8B-B14F-4D97-AF65-F5344CB8AC3E}">
-        <p14:creationId xmlns:p14="http://schemas.microsoft.com/office/powerpoint/2010/main" val="3567356003"/>
-      </p:ext>
-    </p:extLst>
-  </p:cSld>
-  <p:clrMapOvr>
-    <a:masterClrMapping/>
-  </p:clrMapOvr>
-</p:sld>
-</file>
-
-<file path=ppt/slides/slide15.xml><?xml version="1.0" encoding="utf-8"?>
-<p:sld xmlns:a="http://schemas.openxmlformats.org/drawingml/2006/main" xmlns:r="http://schemas.openxmlformats.org/officeDocument/2006/relationships" xmlns:p="http://schemas.openxmlformats.org/presentationml/2006/main">
-  <p:cSld>
     <p:spTree>
       <p:nvGrpSpPr>
         <p:cNvPr id="1" name=""/>
@@ -8934,7 +7683,7 @@
 </p:sld>
 </file>
 
-<file path=ppt/slides/slide16.xml><?xml version="1.0" encoding="utf-8"?>
+<file path=ppt/slides/slide13.xml><?xml version="1.0" encoding="utf-8"?>
 <p:sld xmlns:a="http://schemas.openxmlformats.org/drawingml/2006/main" xmlns:r="http://schemas.openxmlformats.org/officeDocument/2006/relationships" xmlns:p="http://schemas.openxmlformats.org/presentationml/2006/main">
   <p:cSld>
     <p:bg>
@@ -9178,7 +7927,7 @@
 </p:sld>
 </file>
 
-<file path=ppt/slides/slide17.xml><?xml version="1.0" encoding="utf-8"?>
+<file path=ppt/slides/slide14.xml><?xml version="1.0" encoding="utf-8"?>
 <p:sld xmlns:a="http://schemas.openxmlformats.org/drawingml/2006/main" xmlns:r="http://schemas.openxmlformats.org/officeDocument/2006/relationships" xmlns:p="http://schemas.openxmlformats.org/presentationml/2006/main">
   <p:cSld>
     <p:bg>
@@ -9513,7 +8262,7 @@
 </p:sld>
 </file>
 
-<file path=ppt/slides/slide18.xml><?xml version="1.0" encoding="utf-8"?>
+<file path=ppt/slides/slide15.xml><?xml version="1.0" encoding="utf-8"?>
 <p:sld xmlns:a="http://schemas.openxmlformats.org/drawingml/2006/main" xmlns:r="http://schemas.openxmlformats.org/officeDocument/2006/relationships" xmlns:p="http://schemas.openxmlformats.org/presentationml/2006/main">
   <p:cSld>
     <p:bg>
@@ -9824,7 +8573,7 @@
 </p:sld>
 </file>
 
-<file path=ppt/slides/slide19.xml><?xml version="1.0" encoding="utf-8"?>
+<file path=ppt/slides/slide16.xml><?xml version="1.0" encoding="utf-8"?>
 <p:sld xmlns:a="http://schemas.openxmlformats.org/drawingml/2006/main" xmlns:r="http://schemas.openxmlformats.org/officeDocument/2006/relationships" xmlns:p="http://schemas.openxmlformats.org/presentationml/2006/main">
   <p:cSld>
     <p:bg>
@@ -10032,7 +8781,7 @@
 </p:sld>
 </file>
 
-<file path=ppt/slides/slide2.xml><?xml version="1.0" encoding="utf-8"?>
+<file path=ppt/slides/slide17.xml><?xml version="1.0" encoding="utf-8"?>
 <p:sld xmlns:a="http://schemas.openxmlformats.org/drawingml/2006/main" xmlns:r="http://schemas.openxmlformats.org/officeDocument/2006/relationships" xmlns:p="http://schemas.openxmlformats.org/presentationml/2006/main">
   <p:cSld>
     <p:bg>
@@ -10062,152 +8811,6 @@
           <p:cNvPr id="2" name="Title 1">
             <a:extLst>
               <a:ext uri="{FF2B5EF4-FFF2-40B4-BE49-F238E27FC236}">
-                <a16:creationId xmlns:a16="http://schemas.microsoft.com/office/drawing/2014/main" id="{FC4383FA-EEB7-47D9-935D-7234D206AD1E}"/>
-              </a:ext>
-            </a:extLst>
-          </p:cNvPr>
-          <p:cNvSpPr>
-            <a:spLocks noGrp="1"/>
-          </p:cNvSpPr>
-          <p:nvPr>
-            <p:ph type="ctrTitle"/>
-          </p:nvPr>
-        </p:nvSpPr>
-        <p:spPr>
-          <a:xfrm>
-            <a:off x="798580" y="1200219"/>
-            <a:ext cx="9658174" cy="2387600"/>
-          </a:xfrm>
-        </p:spPr>
-        <p:txBody>
-          <a:bodyPr>
-            <a:normAutofit/>
-          </a:bodyPr>
-          <a:lstStyle/>
-          <a:p>
-            <a:pPr algn="l"/>
-            <a:r>
-              <a:rPr lang="en-US" dirty="0">
-                <a:solidFill>
-                  <a:schemeClr val="bg1"/>
-                </a:solidFill>
-                <a:latin typeface="Circular Std Book" panose="020B0604020101020102" pitchFamily="34" charset="0"/>
-                <a:cs typeface="Circular Std Book" panose="020B0604020101020102" pitchFamily="34" charset="0"/>
-              </a:rPr>
-              <a:t>Session 2</a:t>
-            </a:r>
-            <a:r>
-              <a:rPr lang="en-GB" dirty="0">
-                <a:solidFill>
-                  <a:srgbClr val="F4C245"/>
-                </a:solidFill>
-                <a:latin typeface="Circular Std Book" panose="020B0604020101020102" pitchFamily="34" charset="0"/>
-                <a:cs typeface="Circular Std Book" panose="020B0604020101020102" pitchFamily="34" charset="0"/>
-              </a:rPr>
-              <a:t>.</a:t>
-            </a:r>
-            <a:br>
-              <a:rPr lang="en-GB" dirty="0">
-                <a:solidFill>
-                  <a:srgbClr val="36B7B4"/>
-                </a:solidFill>
-                <a:latin typeface="Circular Std Book" panose="020B0604020101020102" pitchFamily="34" charset="0"/>
-                <a:cs typeface="Circular Std Book" panose="020B0604020101020102" pitchFamily="34" charset="0"/>
-              </a:rPr>
-            </a:br>
-            <a:r>
-              <a:rPr lang="en-GB" sz="2800" i="1" dirty="0">
-                <a:solidFill>
-                  <a:srgbClr val="36B7B4"/>
-                </a:solidFill>
-                <a:latin typeface="Times New Roman" panose="02020603050405020304" pitchFamily="18" charset="0"/>
-                <a:cs typeface="Times New Roman" panose="02020603050405020304" pitchFamily="18" charset="0"/>
-              </a:rPr>
-              <a:t>Building your first website</a:t>
-            </a:r>
-            <a:endParaRPr lang="en-GB" i="1" dirty="0">
-              <a:solidFill>
-                <a:srgbClr val="36B7B4"/>
-              </a:solidFill>
-              <a:latin typeface="Times New Roman" panose="02020603050405020304" pitchFamily="18" charset="0"/>
-              <a:cs typeface="Times New Roman" panose="02020603050405020304" pitchFamily="18" charset="0"/>
-            </a:endParaRPr>
-          </a:p>
-        </p:txBody>
-      </p:sp>
-      <p:pic>
-        <p:nvPicPr>
-          <p:cNvPr id="5" name="Picture 4">
-            <a:extLst>
-              <a:ext uri="{FF2B5EF4-FFF2-40B4-BE49-F238E27FC236}">
-                <a16:creationId xmlns:a16="http://schemas.microsoft.com/office/drawing/2014/main" id="{97B3923A-B3CB-4769-ACC7-75A98286FC65}"/>
-              </a:ext>
-            </a:extLst>
-          </p:cNvPr>
-          <p:cNvPicPr>
-            <a:picLocks noChangeAspect="1"/>
-          </p:cNvPicPr>
-          <p:nvPr/>
-        </p:nvPicPr>
-        <p:blipFill>
-          <a:blip r:embed="rId2"/>
-          <a:stretch>
-            <a:fillRect/>
-          </a:stretch>
-        </p:blipFill>
-        <p:spPr>
-          <a:xfrm rot="10800000">
-            <a:off x="8982075" y="186232"/>
-            <a:ext cx="3209925" cy="6105525"/>
-          </a:xfrm>
-          <a:prstGeom prst="rect">
-            <a:avLst/>
-          </a:prstGeom>
-        </p:spPr>
-      </p:pic>
-    </p:spTree>
-    <p:extLst>
-      <p:ext uri="{BB962C8B-B14F-4D97-AF65-F5344CB8AC3E}">
-        <p14:creationId xmlns:p14="http://schemas.microsoft.com/office/powerpoint/2010/main" val="1374648882"/>
-      </p:ext>
-    </p:extLst>
-  </p:cSld>
-  <p:clrMapOvr>
-    <a:masterClrMapping/>
-  </p:clrMapOvr>
-</p:sld>
-</file>
-
-<file path=ppt/slides/slide20.xml><?xml version="1.0" encoding="utf-8"?>
-<p:sld xmlns:a="http://schemas.openxmlformats.org/drawingml/2006/main" xmlns:r="http://schemas.openxmlformats.org/officeDocument/2006/relationships" xmlns:p="http://schemas.openxmlformats.org/presentationml/2006/main">
-  <p:cSld>
-    <p:bg>
-      <p:bgPr>
-        <a:solidFill>
-          <a:srgbClr val="122B39"/>
-        </a:solidFill>
-        <a:effectLst/>
-      </p:bgPr>
-    </p:bg>
-    <p:spTree>
-      <p:nvGrpSpPr>
-        <p:cNvPr id="1" name=""/>
-        <p:cNvGrpSpPr/>
-        <p:nvPr/>
-      </p:nvGrpSpPr>
-      <p:grpSpPr>
-        <a:xfrm>
-          <a:off x="0" y="0"/>
-          <a:ext cx="0" cy="0"/>
-          <a:chOff x="0" y="0"/>
-          <a:chExt cx="0" cy="0"/>
-        </a:xfrm>
-      </p:grpSpPr>
-      <p:sp>
-        <p:nvSpPr>
-          <p:cNvPr id="2" name="Title 1">
-            <a:extLst>
-              <a:ext uri="{FF2B5EF4-FFF2-40B4-BE49-F238E27FC236}">
                 <a16:creationId xmlns:a16="http://schemas.microsoft.com/office/drawing/2014/main" id="{0FEE2FE8-D24E-41DE-AA78-81A6ECA35759}"/>
               </a:ext>
             </a:extLst>
@@ -10610,7 +9213,7 @@
 </p:sld>
 </file>
 
-<file path=ppt/slides/slide21.xml><?xml version="1.0" encoding="utf-8"?>
+<file path=ppt/slides/slide18.xml><?xml version="1.0" encoding="utf-8"?>
 <p:sld xmlns:a="http://schemas.openxmlformats.org/drawingml/2006/main" xmlns:r="http://schemas.openxmlformats.org/officeDocument/2006/relationships" xmlns:p="http://schemas.openxmlformats.org/presentationml/2006/main">
   <p:cSld>
     <p:bg>
@@ -10798,7 +9401,7 @@
 </p:sld>
 </file>
 
-<file path=ppt/slides/slide22.xml><?xml version="1.0" encoding="utf-8"?>
+<file path=ppt/slides/slide19.xml><?xml version="1.0" encoding="utf-8"?>
 <p:sld xmlns:a="http://schemas.openxmlformats.org/drawingml/2006/main" xmlns:r="http://schemas.openxmlformats.org/officeDocument/2006/relationships" xmlns:p="http://schemas.openxmlformats.org/presentationml/2006/main">
   <p:cSld>
     <p:spTree>
@@ -10869,6 +9472,152 @@
 </p:sld>
 </file>
 
+<file path=ppt/slides/slide2.xml><?xml version="1.0" encoding="utf-8"?>
+<p:sld xmlns:a="http://schemas.openxmlformats.org/drawingml/2006/main" xmlns:r="http://schemas.openxmlformats.org/officeDocument/2006/relationships" xmlns:p="http://schemas.openxmlformats.org/presentationml/2006/main">
+  <p:cSld>
+    <p:bg>
+      <p:bgPr>
+        <a:solidFill>
+          <a:srgbClr val="122B39"/>
+        </a:solidFill>
+        <a:effectLst/>
+      </p:bgPr>
+    </p:bg>
+    <p:spTree>
+      <p:nvGrpSpPr>
+        <p:cNvPr id="1" name=""/>
+        <p:cNvGrpSpPr/>
+        <p:nvPr/>
+      </p:nvGrpSpPr>
+      <p:grpSpPr>
+        <a:xfrm>
+          <a:off x="0" y="0"/>
+          <a:ext cx="0" cy="0"/>
+          <a:chOff x="0" y="0"/>
+          <a:chExt cx="0" cy="0"/>
+        </a:xfrm>
+      </p:grpSpPr>
+      <p:sp>
+        <p:nvSpPr>
+          <p:cNvPr id="2" name="Title 1">
+            <a:extLst>
+              <a:ext uri="{FF2B5EF4-FFF2-40B4-BE49-F238E27FC236}">
+                <a16:creationId xmlns:a16="http://schemas.microsoft.com/office/drawing/2014/main" id="{FC4383FA-EEB7-47D9-935D-7234D206AD1E}"/>
+              </a:ext>
+            </a:extLst>
+          </p:cNvPr>
+          <p:cNvSpPr>
+            <a:spLocks noGrp="1"/>
+          </p:cNvSpPr>
+          <p:nvPr>
+            <p:ph type="ctrTitle"/>
+          </p:nvPr>
+        </p:nvSpPr>
+        <p:spPr>
+          <a:xfrm>
+            <a:off x="798580" y="1200219"/>
+            <a:ext cx="9658174" cy="2387600"/>
+          </a:xfrm>
+        </p:spPr>
+        <p:txBody>
+          <a:bodyPr>
+            <a:normAutofit/>
+          </a:bodyPr>
+          <a:lstStyle/>
+          <a:p>
+            <a:pPr algn="l"/>
+            <a:r>
+              <a:rPr lang="en-US" dirty="0">
+                <a:solidFill>
+                  <a:schemeClr val="bg1"/>
+                </a:solidFill>
+                <a:latin typeface="Circular Std Book" panose="020B0604020101020102" pitchFamily="34" charset="0"/>
+                <a:cs typeface="Circular Std Book" panose="020B0604020101020102" pitchFamily="34" charset="0"/>
+              </a:rPr>
+              <a:t>Session 2</a:t>
+            </a:r>
+            <a:r>
+              <a:rPr lang="en-GB" dirty="0">
+                <a:solidFill>
+                  <a:srgbClr val="F4C245"/>
+                </a:solidFill>
+                <a:latin typeface="Circular Std Book" panose="020B0604020101020102" pitchFamily="34" charset="0"/>
+                <a:cs typeface="Circular Std Book" panose="020B0604020101020102" pitchFamily="34" charset="0"/>
+              </a:rPr>
+              <a:t>.</a:t>
+            </a:r>
+            <a:br>
+              <a:rPr lang="en-GB" dirty="0">
+                <a:solidFill>
+                  <a:srgbClr val="36B7B4"/>
+                </a:solidFill>
+                <a:latin typeface="Circular Std Book" panose="020B0604020101020102" pitchFamily="34" charset="0"/>
+                <a:cs typeface="Circular Std Book" panose="020B0604020101020102" pitchFamily="34" charset="0"/>
+              </a:rPr>
+            </a:br>
+            <a:r>
+              <a:rPr lang="en-GB" sz="2800" i="1" dirty="0">
+                <a:solidFill>
+                  <a:srgbClr val="36B7B4"/>
+                </a:solidFill>
+                <a:latin typeface="Times New Roman" panose="02020603050405020304" pitchFamily="18" charset="0"/>
+                <a:cs typeface="Times New Roman" panose="02020603050405020304" pitchFamily="18" charset="0"/>
+              </a:rPr>
+              <a:t>Building your first website</a:t>
+            </a:r>
+            <a:endParaRPr lang="en-GB" i="1" dirty="0">
+              <a:solidFill>
+                <a:srgbClr val="36B7B4"/>
+              </a:solidFill>
+              <a:latin typeface="Times New Roman" panose="02020603050405020304" pitchFamily="18" charset="0"/>
+              <a:cs typeface="Times New Roman" panose="02020603050405020304" pitchFamily="18" charset="0"/>
+            </a:endParaRPr>
+          </a:p>
+        </p:txBody>
+      </p:sp>
+      <p:pic>
+        <p:nvPicPr>
+          <p:cNvPr id="5" name="Picture 4">
+            <a:extLst>
+              <a:ext uri="{FF2B5EF4-FFF2-40B4-BE49-F238E27FC236}">
+                <a16:creationId xmlns:a16="http://schemas.microsoft.com/office/drawing/2014/main" id="{97B3923A-B3CB-4769-ACC7-75A98286FC65}"/>
+              </a:ext>
+            </a:extLst>
+          </p:cNvPr>
+          <p:cNvPicPr>
+            <a:picLocks noChangeAspect="1"/>
+          </p:cNvPicPr>
+          <p:nvPr/>
+        </p:nvPicPr>
+        <p:blipFill>
+          <a:blip r:embed="rId2"/>
+          <a:stretch>
+            <a:fillRect/>
+          </a:stretch>
+        </p:blipFill>
+        <p:spPr>
+          <a:xfrm rot="10800000">
+            <a:off x="8982075" y="186232"/>
+            <a:ext cx="3209925" cy="6105525"/>
+          </a:xfrm>
+          <a:prstGeom prst="rect">
+            <a:avLst/>
+          </a:prstGeom>
+        </p:spPr>
+      </p:pic>
+    </p:spTree>
+    <p:extLst>
+      <p:ext uri="{BB962C8B-B14F-4D97-AF65-F5344CB8AC3E}">
+        <p14:creationId xmlns:p14="http://schemas.microsoft.com/office/powerpoint/2010/main" val="1374648882"/>
+      </p:ext>
+    </p:extLst>
+  </p:cSld>
+  <p:clrMapOvr>
+    <a:masterClrMapping/>
+  </p:clrMapOvr>
+</p:sld>
+</file>
+
 <file path=ppt/slides/slide3.xml><?xml version="1.0" encoding="utf-8"?>
 <p:sld xmlns:a="http://schemas.openxmlformats.org/drawingml/2006/main" xmlns:r="http://schemas.openxmlformats.org/officeDocument/2006/relationships" xmlns:p="http://schemas.openxmlformats.org/presentationml/2006/main">
   <p:cSld>
@@ -11507,12 +10256,314 @@
           <a:chExt cx="0" cy="0"/>
         </a:xfrm>
       </p:grpSpPr>
+      <p:sp>
+        <p:nvSpPr>
+          <p:cNvPr id="12" name="Title 1">
+            <a:extLst>
+              <a:ext uri="{FF2B5EF4-FFF2-40B4-BE49-F238E27FC236}">
+                <a16:creationId xmlns:a16="http://schemas.microsoft.com/office/drawing/2014/main" id="{C04B1BCC-A90E-4957-8C7D-0153633F146C}"/>
+              </a:ext>
+            </a:extLst>
+          </p:cNvPr>
+          <p:cNvSpPr txBox="1">
+            <a:spLocks/>
+          </p:cNvSpPr>
+          <p:nvPr/>
+        </p:nvSpPr>
+        <p:spPr>
+          <a:xfrm>
+            <a:off x="107877" y="159105"/>
+            <a:ext cx="7978848" cy="869595"/>
+          </a:xfrm>
+          <a:prstGeom prst="rect">
+            <a:avLst/>
+          </a:prstGeom>
+          <a:solidFill>
+            <a:srgbClr val="122B39"/>
+          </a:solidFill>
+        </p:spPr>
+        <p:txBody>
+          <a:bodyPr vert="horz" lIns="91440" tIns="45720" rIns="91440" bIns="45720" rtlCol="0" anchor="b">
+            <a:normAutofit/>
+          </a:bodyPr>
+          <a:lstStyle>
+            <a:lvl1pPr algn="ctr" defTabSz="914400" rtl="0" eaLnBrk="1" latinLnBrk="0" hangingPunct="1">
+              <a:lnSpc>
+                <a:spcPct val="90000"/>
+              </a:lnSpc>
+              <a:spcBef>
+                <a:spcPct val="0"/>
+              </a:spcBef>
+              <a:buNone/>
+              <a:defRPr sz="6000" kern="1200">
+                <a:solidFill>
+                  <a:schemeClr val="tx1"/>
+                </a:solidFill>
+                <a:latin typeface="+mj-lt"/>
+                <a:ea typeface="+mj-ea"/>
+                <a:cs typeface="+mj-cs"/>
+              </a:defRPr>
+            </a:lvl1pPr>
+          </a:lstStyle>
+          <a:p>
+            <a:pPr marL="0" marR="0" lvl="0" indent="0" algn="ctr" defTabSz="914400" rtl="0" eaLnBrk="1" fontAlgn="auto" latinLnBrk="0" hangingPunct="1">
+              <a:lnSpc>
+                <a:spcPct val="90000"/>
+              </a:lnSpc>
+              <a:spcBef>
+                <a:spcPct val="0"/>
+              </a:spcBef>
+              <a:spcAft>
+                <a:spcPts val="0"/>
+              </a:spcAft>
+              <a:buClrTx/>
+              <a:buSzTx/>
+              <a:buFontTx/>
+              <a:buNone/>
+              <a:tabLst/>
+              <a:defRPr/>
+            </a:pPr>
+            <a:r>
+              <a:rPr kumimoji="0" lang="en-GB" sz="4800" b="0" i="0" u="none" strike="noStrike" kern="1200" cap="none" spc="0" normalizeH="0" baseline="0" noProof="0" dirty="0">
+                <a:ln>
+                  <a:noFill/>
+                </a:ln>
+                <a:solidFill>
+                  <a:prstClr val="white"/>
+                </a:solidFill>
+                <a:effectLst/>
+                <a:uLnTx/>
+                <a:uFillTx/>
+                <a:latin typeface="Circular Std Book" panose="020B0604020101020102" pitchFamily="34" charset="0"/>
+                <a:ea typeface="+mj-ea"/>
+                <a:cs typeface="Circular Std Book" panose="020B0604020101020102" pitchFamily="34" charset="0"/>
+              </a:rPr>
+              <a:t>Most used languages, 2023</a:t>
+            </a:r>
+            <a:r>
+              <a:rPr kumimoji="0" lang="en-GB" sz="4800" b="0" i="0" u="none" strike="noStrike" kern="1200" cap="none" spc="0" normalizeH="0" baseline="0" noProof="0" dirty="0">
+                <a:ln>
+                  <a:noFill/>
+                </a:ln>
+                <a:solidFill>
+                  <a:srgbClr val="F4C245"/>
+                </a:solidFill>
+                <a:effectLst/>
+                <a:uLnTx/>
+                <a:uFillTx/>
+                <a:latin typeface="Circular Std Book" panose="020B0604020101020102" pitchFamily="34" charset="0"/>
+                <a:ea typeface="+mj-ea"/>
+                <a:cs typeface="Circular Std Book" panose="020B0604020101020102" pitchFamily="34" charset="0"/>
+              </a:rPr>
+              <a:t>.</a:t>
+            </a:r>
+          </a:p>
+        </p:txBody>
+      </p:sp>
+      <p:sp>
+        <p:nvSpPr>
+          <p:cNvPr id="14" name="TextBox 13">
+            <a:extLst>
+              <a:ext uri="{FF2B5EF4-FFF2-40B4-BE49-F238E27FC236}">
+                <a16:creationId xmlns:a16="http://schemas.microsoft.com/office/drawing/2014/main" id="{16682E1C-D58A-4CA1-90DF-828094AFB764}"/>
+              </a:ext>
+            </a:extLst>
+          </p:cNvPr>
+          <p:cNvSpPr txBox="1"/>
+          <p:nvPr/>
+        </p:nvSpPr>
+        <p:spPr>
+          <a:xfrm>
+            <a:off x="655800" y="5868495"/>
+            <a:ext cx="5440200" cy="307777"/>
+          </a:xfrm>
+          <a:prstGeom prst="rect">
+            <a:avLst/>
+          </a:prstGeom>
+          <a:noFill/>
+        </p:spPr>
+        <p:txBody>
+          <a:bodyPr wrap="square">
+            <a:spAutoFit/>
+          </a:bodyPr>
+          <a:lstStyle/>
+          <a:p>
+            <a:pPr marL="0" marR="0" lvl="0" indent="0" algn="l" defTabSz="914400" rtl="0" eaLnBrk="1" fontAlgn="auto" latinLnBrk="0" hangingPunct="1">
+              <a:lnSpc>
+                <a:spcPct val="100000"/>
+              </a:lnSpc>
+              <a:spcBef>
+                <a:spcPts val="0"/>
+              </a:spcBef>
+              <a:spcAft>
+                <a:spcPts val="0"/>
+              </a:spcAft>
+              <a:buClrTx/>
+              <a:buSzTx/>
+              <a:buFontTx/>
+              <a:buNone/>
+              <a:tabLst/>
+              <a:defRPr/>
+            </a:pPr>
+            <a:r>
+              <a:rPr kumimoji="0" lang="en-GB" sz="1400" b="0" i="0" u="none" strike="noStrike" kern="1200" cap="none" spc="0" normalizeH="0" baseline="0" noProof="0" dirty="0">
+                <a:ln>
+                  <a:noFill/>
+                </a:ln>
+                <a:solidFill>
+                  <a:prstClr val="white"/>
+                </a:solidFill>
+                <a:effectLst/>
+                <a:uLnTx/>
+                <a:uFillTx/>
+                <a:latin typeface="Calibri" panose="020F0502020204030204"/>
+                <a:ea typeface="+mn-ea"/>
+                <a:cs typeface="+mn-cs"/>
+              </a:rPr>
+              <a:t>https://</a:t>
+            </a:r>
+            <a:r>
+              <a:rPr kumimoji="0" lang="en-GB" sz="1400" b="0" i="0" u="none" strike="noStrike" kern="1200" cap="none" spc="0" normalizeH="0" baseline="0" noProof="0" dirty="0" err="1">
+                <a:ln>
+                  <a:noFill/>
+                </a:ln>
+                <a:solidFill>
+                  <a:prstClr val="white"/>
+                </a:solidFill>
+                <a:effectLst/>
+                <a:uLnTx/>
+                <a:uFillTx/>
+                <a:latin typeface="Calibri" panose="020F0502020204030204"/>
+                <a:ea typeface="+mn-ea"/>
+                <a:cs typeface="+mn-cs"/>
+              </a:rPr>
+              <a:t>survey.stackoverflow.co</a:t>
+            </a:r>
+            <a:r>
+              <a:rPr kumimoji="0" lang="en-GB" sz="1400" b="0" i="0" u="none" strike="noStrike" kern="1200" cap="none" spc="0" normalizeH="0" baseline="0" noProof="0" dirty="0">
+                <a:ln>
+                  <a:noFill/>
+                </a:ln>
+                <a:solidFill>
+                  <a:prstClr val="white"/>
+                </a:solidFill>
+                <a:effectLst/>
+                <a:uLnTx/>
+                <a:uFillTx/>
+                <a:latin typeface="Calibri" panose="020F0502020204030204"/>
+                <a:ea typeface="+mn-ea"/>
+                <a:cs typeface="+mn-cs"/>
+              </a:rPr>
+              <a:t>/2023/#technology</a:t>
+            </a:r>
+          </a:p>
+        </p:txBody>
+      </p:sp>
+      <p:sp>
+        <p:nvSpPr>
+          <p:cNvPr id="6" name="TextBox 5">
+            <a:extLst>
+              <a:ext uri="{FF2B5EF4-FFF2-40B4-BE49-F238E27FC236}">
+                <a16:creationId xmlns:a16="http://schemas.microsoft.com/office/drawing/2014/main" id="{0408A317-749B-4872-9D88-959DB0F82CCD}"/>
+              </a:ext>
+            </a:extLst>
+          </p:cNvPr>
+          <p:cNvSpPr txBox="1"/>
+          <p:nvPr/>
+        </p:nvSpPr>
+        <p:spPr>
+          <a:xfrm>
+            <a:off x="5992934" y="5883883"/>
+            <a:ext cx="8136722" cy="276999"/>
+          </a:xfrm>
+          <a:prstGeom prst="rect">
+            <a:avLst/>
+          </a:prstGeom>
+          <a:noFill/>
+        </p:spPr>
+        <p:txBody>
+          <a:bodyPr wrap="square">
+            <a:spAutoFit/>
+          </a:bodyPr>
+          <a:lstStyle/>
+          <a:p>
+            <a:pPr marL="0" marR="0" lvl="0" indent="0" algn="l" defTabSz="914400" rtl="0" eaLnBrk="1" fontAlgn="auto" latinLnBrk="0" hangingPunct="1">
+              <a:lnSpc>
+                <a:spcPct val="100000"/>
+              </a:lnSpc>
+              <a:spcBef>
+                <a:spcPts val="0"/>
+              </a:spcBef>
+              <a:spcAft>
+                <a:spcPts val="0"/>
+              </a:spcAft>
+              <a:buClrTx/>
+              <a:buSzTx/>
+              <a:buFontTx/>
+              <a:buNone/>
+              <a:tabLst/>
+              <a:defRPr/>
+            </a:pPr>
+            <a:r>
+              <a:rPr kumimoji="0" lang="en-GB" sz="1200" b="0" i="0" u="none" strike="noStrike" kern="1200" cap="none" spc="0" normalizeH="0" baseline="0" noProof="0" dirty="0">
+                <a:ln>
+                  <a:noFill/>
+                </a:ln>
+                <a:solidFill>
+                  <a:prstClr val="white"/>
+                </a:solidFill>
+                <a:effectLst/>
+                <a:uLnTx/>
+                <a:uFillTx/>
+                <a:latin typeface="Calibri" panose="020F0502020204030204"/>
+                <a:ea typeface="+mn-ea"/>
+                <a:cs typeface="+mn-cs"/>
+              </a:rPr>
+              <a:t>https://</a:t>
+            </a:r>
+            <a:r>
+              <a:rPr kumimoji="0" lang="en-GB" sz="1200" b="0" i="0" u="none" strike="noStrike" kern="1200" cap="none" spc="0" normalizeH="0" baseline="0" noProof="0" dirty="0" err="1">
+                <a:ln>
+                  <a:noFill/>
+                </a:ln>
+                <a:solidFill>
+                  <a:prstClr val="white"/>
+                </a:solidFill>
+                <a:effectLst/>
+                <a:uLnTx/>
+                <a:uFillTx/>
+                <a:latin typeface="Calibri" panose="020F0502020204030204"/>
+                <a:ea typeface="+mn-ea"/>
+                <a:cs typeface="+mn-cs"/>
+              </a:rPr>
+              <a:t>survey.stackoverflow.co</a:t>
+            </a:r>
+            <a:r>
+              <a:rPr kumimoji="0" lang="en-GB" sz="1200" b="0" i="0" u="none" strike="noStrike" kern="1200" cap="none" spc="0" normalizeH="0" baseline="0" noProof="0" dirty="0">
+                <a:ln>
+                  <a:noFill/>
+                </a:ln>
+                <a:solidFill>
+                  <a:prstClr val="white"/>
+                </a:solidFill>
+                <a:effectLst/>
+                <a:uLnTx/>
+                <a:uFillTx/>
+                <a:latin typeface="Calibri" panose="020F0502020204030204"/>
+                <a:ea typeface="+mn-ea"/>
+                <a:cs typeface="+mn-cs"/>
+              </a:rPr>
+              <a:t>/2023/#technology-worked-with-vs-want-to-work-with</a:t>
+            </a:r>
+          </a:p>
+        </p:txBody>
+      </p:sp>
       <p:pic>
         <p:nvPicPr>
-          <p:cNvPr id="11" name="Picture 10">
+          <p:cNvPr id="2" name="Picture 1">
             <a:extLst>
               <a:ext uri="{FF2B5EF4-FFF2-40B4-BE49-F238E27FC236}">
-                <a16:creationId xmlns:a16="http://schemas.microsoft.com/office/drawing/2014/main" id="{9DD7EC5D-32C0-4D4C-A041-B82241A41D3C}"/>
+                <a16:creationId xmlns:a16="http://schemas.microsoft.com/office/drawing/2014/main" id="{00D04C65-A8D3-F4DF-351A-9C12B965FD3F}"/>
               </a:ext>
             </a:extLst>
           </p:cNvPr>
@@ -11529,189 +10580,20 @@
         </p:blipFill>
         <p:spPr>
           <a:xfrm>
-            <a:off x="729332" y="1247775"/>
-            <a:ext cx="4702640" cy="4561437"/>
+            <a:off x="729332" y="1273966"/>
+            <a:ext cx="5155923" cy="4509054"/>
           </a:xfrm>
           <a:prstGeom prst="rect">
             <a:avLst/>
           </a:prstGeom>
         </p:spPr>
       </p:pic>
-      <p:sp>
-        <p:nvSpPr>
-          <p:cNvPr id="12" name="Title 1">
+      <p:pic>
+        <p:nvPicPr>
+          <p:cNvPr id="3" name="Picture 2">
             <a:extLst>
               <a:ext uri="{FF2B5EF4-FFF2-40B4-BE49-F238E27FC236}">
-                <a16:creationId xmlns:a16="http://schemas.microsoft.com/office/drawing/2014/main" id="{C04B1BCC-A90E-4957-8C7D-0153633F146C}"/>
-              </a:ext>
-            </a:extLst>
-          </p:cNvPr>
-          <p:cNvSpPr txBox="1">
-            <a:spLocks/>
-          </p:cNvSpPr>
-          <p:nvPr/>
-        </p:nvSpPr>
-        <p:spPr>
-          <a:xfrm>
-            <a:off x="107877" y="159105"/>
-            <a:ext cx="7978848" cy="869595"/>
-          </a:xfrm>
-          <a:prstGeom prst="rect">
-            <a:avLst/>
-          </a:prstGeom>
-          <a:solidFill>
-            <a:srgbClr val="122B39"/>
-          </a:solidFill>
-        </p:spPr>
-        <p:txBody>
-          <a:bodyPr vert="horz" lIns="91440" tIns="45720" rIns="91440" bIns="45720" rtlCol="0" anchor="b">
-            <a:normAutofit/>
-          </a:bodyPr>
-          <a:lstStyle>
-            <a:lvl1pPr algn="ctr" defTabSz="914400" rtl="0" eaLnBrk="1" latinLnBrk="0" hangingPunct="1">
-              <a:lnSpc>
-                <a:spcPct val="90000"/>
-              </a:lnSpc>
-              <a:spcBef>
-                <a:spcPct val="0"/>
-              </a:spcBef>
-              <a:buNone/>
-              <a:defRPr sz="6000" kern="1200">
-                <a:solidFill>
-                  <a:schemeClr val="tx1"/>
-                </a:solidFill>
-                <a:latin typeface="+mj-lt"/>
-                <a:ea typeface="+mj-ea"/>
-                <a:cs typeface="+mj-cs"/>
-              </a:defRPr>
-            </a:lvl1pPr>
-          </a:lstStyle>
-          <a:p>
-            <a:pPr marL="0" marR="0" lvl="0" indent="0" algn="ctr" defTabSz="914400" rtl="0" eaLnBrk="1" fontAlgn="auto" latinLnBrk="0" hangingPunct="1">
-              <a:lnSpc>
-                <a:spcPct val="90000"/>
-              </a:lnSpc>
-              <a:spcBef>
-                <a:spcPct val="0"/>
-              </a:spcBef>
-              <a:spcAft>
-                <a:spcPts val="0"/>
-              </a:spcAft>
-              <a:buClrTx/>
-              <a:buSzTx/>
-              <a:buFontTx/>
-              <a:buNone/>
-              <a:tabLst/>
-              <a:defRPr/>
-            </a:pPr>
-            <a:r>
-              <a:rPr kumimoji="0" lang="en-GB" sz="4800" b="0" i="0" u="none" strike="noStrike" kern="1200" cap="none" spc="0" normalizeH="0" baseline="0" noProof="0" dirty="0">
-                <a:ln>
-                  <a:noFill/>
-                </a:ln>
-                <a:solidFill>
-                  <a:prstClr val="white"/>
-                </a:solidFill>
-                <a:effectLst/>
-                <a:uLnTx/>
-                <a:uFillTx/>
-                <a:latin typeface="Circular Std Book" panose="020B0604020101020102" pitchFamily="34" charset="0"/>
-                <a:ea typeface="+mj-ea"/>
-                <a:cs typeface="Circular Std Book" panose="020B0604020101020102" pitchFamily="34" charset="0"/>
-              </a:rPr>
-              <a:t>Most used languages, 2021</a:t>
-            </a:r>
-            <a:r>
-              <a:rPr kumimoji="0" lang="en-GB" sz="4800" b="0" i="0" u="none" strike="noStrike" kern="1200" cap="none" spc="0" normalizeH="0" baseline="0" noProof="0" dirty="0">
-                <a:ln>
-                  <a:noFill/>
-                </a:ln>
-                <a:solidFill>
-                  <a:srgbClr val="F4C245"/>
-                </a:solidFill>
-                <a:effectLst/>
-                <a:uLnTx/>
-                <a:uFillTx/>
-                <a:latin typeface="Circular Std Book" panose="020B0604020101020102" pitchFamily="34" charset="0"/>
-                <a:ea typeface="+mj-ea"/>
-                <a:cs typeface="Circular Std Book" panose="020B0604020101020102" pitchFamily="34" charset="0"/>
-              </a:rPr>
-              <a:t>.</a:t>
-            </a:r>
-          </a:p>
-        </p:txBody>
-      </p:sp>
-      <p:sp>
-        <p:nvSpPr>
-          <p:cNvPr id="14" name="TextBox 13">
-            <a:extLst>
-              <a:ext uri="{FF2B5EF4-FFF2-40B4-BE49-F238E27FC236}">
-                <a16:creationId xmlns:a16="http://schemas.microsoft.com/office/drawing/2014/main" id="{16682E1C-D58A-4CA1-90DF-828094AFB764}"/>
-              </a:ext>
-            </a:extLst>
-          </p:cNvPr>
-          <p:cNvSpPr txBox="1"/>
-          <p:nvPr/>
-        </p:nvSpPr>
-        <p:spPr>
-          <a:xfrm>
-            <a:off x="370103" y="5870776"/>
-            <a:ext cx="5440200" cy="523220"/>
-          </a:xfrm>
-          <a:prstGeom prst="rect">
-            <a:avLst/>
-          </a:prstGeom>
-          <a:noFill/>
-        </p:spPr>
-        <p:txBody>
-          <a:bodyPr wrap="square">
-            <a:spAutoFit/>
-          </a:bodyPr>
-          <a:lstStyle/>
-          <a:p>
-            <a:pPr marL="0" marR="0" lvl="0" indent="0" algn="l" defTabSz="914400" rtl="0" eaLnBrk="1" fontAlgn="auto" latinLnBrk="0" hangingPunct="1">
-              <a:lnSpc>
-                <a:spcPct val="100000"/>
-              </a:lnSpc>
-              <a:spcBef>
-                <a:spcPts val="0"/>
-              </a:spcBef>
-              <a:spcAft>
-                <a:spcPts val="0"/>
-              </a:spcAft>
-              <a:buClrTx/>
-              <a:buSzTx/>
-              <a:buFontTx/>
-              <a:buNone/>
-              <a:tabLst/>
-              <a:defRPr/>
-            </a:pPr>
-            <a:r>
-              <a:rPr kumimoji="0" lang="en-GB" sz="1400" b="0" i="0" u="none" strike="noStrike" kern="1200" cap="none" spc="0" normalizeH="0" baseline="0" noProof="0" dirty="0">
-                <a:ln>
-                  <a:noFill/>
-                </a:ln>
-                <a:solidFill>
-                  <a:prstClr val="white"/>
-                </a:solidFill>
-                <a:effectLst/>
-                <a:uLnTx/>
-                <a:uFillTx/>
-                <a:latin typeface="Calibri" panose="020F0502020204030204"/>
-                <a:ea typeface="+mn-ea"/>
-                <a:cs typeface="+mn-cs"/>
-              </a:rPr>
-              <a:t>https://insights.stackoverflow.com/survey/2021#technology-most-popular-technologies</a:t>
-            </a:r>
-          </a:p>
-        </p:txBody>
-      </p:sp>
-      <p:pic>
-        <p:nvPicPr>
-          <p:cNvPr id="5" name="Picture 4">
-            <a:extLst>
-              <a:ext uri="{FF2B5EF4-FFF2-40B4-BE49-F238E27FC236}">
-                <a16:creationId xmlns:a16="http://schemas.microsoft.com/office/drawing/2014/main" id="{0CE434E7-1676-4F39-8E38-32DC1FDA8AA2}"/>
+                <a16:creationId xmlns:a16="http://schemas.microsoft.com/office/drawing/2014/main" id="{5C9CCBD1-1D3F-99AB-8939-52A127BC3989}"/>
               </a:ext>
             </a:extLst>
           </p:cNvPr>
@@ -11728,79 +10610,14 @@
         </p:blipFill>
         <p:spPr>
           <a:xfrm>
-            <a:off x="6096000" y="1247775"/>
-            <a:ext cx="5725897" cy="4814550"/>
+            <a:off x="6096000" y="1273966"/>
+            <a:ext cx="5366668" cy="4528970"/>
           </a:xfrm>
           <a:prstGeom prst="rect">
             <a:avLst/>
           </a:prstGeom>
         </p:spPr>
       </p:pic>
-      <p:sp>
-        <p:nvSpPr>
-          <p:cNvPr id="6" name="TextBox 5">
-            <a:extLst>
-              <a:ext uri="{FF2B5EF4-FFF2-40B4-BE49-F238E27FC236}">
-                <a16:creationId xmlns:a16="http://schemas.microsoft.com/office/drawing/2014/main" id="{0408A317-749B-4872-9D88-959DB0F82CCD}"/>
-              </a:ext>
-            </a:extLst>
-          </p:cNvPr>
-          <p:cNvSpPr txBox="1"/>
-          <p:nvPr/>
-        </p:nvSpPr>
-        <p:spPr>
-          <a:xfrm>
-            <a:off x="5992934" y="6176272"/>
-            <a:ext cx="8136722" cy="276999"/>
-          </a:xfrm>
-          <a:prstGeom prst="rect">
-            <a:avLst/>
-          </a:prstGeom>
-          <a:noFill/>
-        </p:spPr>
-        <p:txBody>
-          <a:bodyPr wrap="square">
-            <a:spAutoFit/>
-          </a:bodyPr>
-          <a:lstStyle/>
-          <a:p>
-            <a:pPr marL="0" marR="0" lvl="0" indent="0" algn="l" defTabSz="914400" rtl="0" eaLnBrk="1" fontAlgn="auto" latinLnBrk="0" hangingPunct="1">
-              <a:lnSpc>
-                <a:spcPct val="100000"/>
-              </a:lnSpc>
-              <a:spcBef>
-                <a:spcPts val="0"/>
-              </a:spcBef>
-              <a:spcAft>
-                <a:spcPts val="0"/>
-              </a:spcAft>
-              <a:buClrTx/>
-              <a:buSzTx/>
-              <a:buFontTx/>
-              <a:buNone/>
-              <a:tabLst/>
-              <a:defRPr/>
-            </a:pPr>
-            <a:r>
-              <a:rPr kumimoji="0" lang="en-GB" sz="1200" b="0" i="0" u="none" strike="noStrike" kern="1200" cap="none" spc="0" normalizeH="0" baseline="0" noProof="0" dirty="0">
-                <a:ln>
-                  <a:noFill/>
-                </a:ln>
-                <a:solidFill>
-                  <a:prstClr val="white"/>
-                </a:solidFill>
-                <a:effectLst/>
-                <a:uLnTx/>
-                <a:uFillTx/>
-                <a:latin typeface="Calibri" panose="020F0502020204030204"/>
-                <a:ea typeface="+mn-ea"/>
-                <a:cs typeface="+mn-cs"/>
-              </a:rPr>
-              <a:t>https://stackoverflow.blog/2021/08/02/2021-stack-overflow-developer-survey-results/</a:t>
-            </a:r>
-          </a:p>
-        </p:txBody>
-      </p:sp>
     </p:spTree>
     <p:extLst>
       <p:ext uri="{BB962C8B-B14F-4D97-AF65-F5344CB8AC3E}">

--- a/2/2_Building_your_first_website.pptx
+++ b/2/2_Building_your_first_website.pptx
@@ -251,7 +251,7 @@
           <a:p>
             <a:fld id="{A9A5DA3C-BDF6-44EF-83ED-A29CA680A5AA}" type="datetimeFigureOut">
               <a:rPr lang="en-GB" smtClean="0"/>
-              <a:t>18/02/2024</a:t>
+              <a:t>20/02/2024</a:t>
             </a:fld>
             <a:endParaRPr lang="en-GB"/>
           </a:p>
@@ -668,7 +668,7 @@
           <a:p>
             <a:fld id="{1041D2DD-F029-4FB0-BB12-3B6037A6356B}" type="datetimeFigureOut">
               <a:rPr lang="en-GB" smtClean="0"/>
-              <a:t>18/02/2024</a:t>
+              <a:t>20/02/2024</a:t>
             </a:fld>
             <a:endParaRPr lang="en-GB"/>
           </a:p>
@@ -868,7 +868,7 @@
           <a:p>
             <a:fld id="{1041D2DD-F029-4FB0-BB12-3B6037A6356B}" type="datetimeFigureOut">
               <a:rPr lang="en-GB" smtClean="0"/>
-              <a:t>18/02/2024</a:t>
+              <a:t>20/02/2024</a:t>
             </a:fld>
             <a:endParaRPr lang="en-GB"/>
           </a:p>
@@ -1078,7 +1078,7 @@
           <a:p>
             <a:fld id="{1041D2DD-F029-4FB0-BB12-3B6037A6356B}" type="datetimeFigureOut">
               <a:rPr lang="en-GB" smtClean="0"/>
-              <a:t>18/02/2024</a:t>
+              <a:t>20/02/2024</a:t>
             </a:fld>
             <a:endParaRPr lang="en-GB"/>
           </a:p>
@@ -1282,7 +1282,7 @@
           <a:p>
             <a:fld id="{2E2C077B-C732-49E5-B20E-05DE29246531}" type="datetimeFigureOut">
               <a:rPr lang="en-GB" smtClean="0"/>
-              <a:t>18/02/2024</a:t>
+              <a:t>20/02/2024</a:t>
             </a:fld>
             <a:endParaRPr lang="en-GB"/>
           </a:p>
@@ -1452,7 +1452,7 @@
           <a:p>
             <a:fld id="{2E2C077B-C732-49E5-B20E-05DE29246531}" type="datetimeFigureOut">
               <a:rPr lang="en-GB" smtClean="0"/>
-              <a:t>18/02/2024</a:t>
+              <a:t>20/02/2024</a:t>
             </a:fld>
             <a:endParaRPr lang="en-GB"/>
           </a:p>
@@ -1698,7 +1698,7 @@
           <a:p>
             <a:fld id="{2E2C077B-C732-49E5-B20E-05DE29246531}" type="datetimeFigureOut">
               <a:rPr lang="en-GB" smtClean="0"/>
-              <a:t>18/02/2024</a:t>
+              <a:t>20/02/2024</a:t>
             </a:fld>
             <a:endParaRPr lang="en-GB"/>
           </a:p>
@@ -1930,7 +1930,7 @@
           <a:p>
             <a:fld id="{2E2C077B-C732-49E5-B20E-05DE29246531}" type="datetimeFigureOut">
               <a:rPr lang="en-GB" smtClean="0"/>
-              <a:t>18/02/2024</a:t>
+              <a:t>20/02/2024</a:t>
             </a:fld>
             <a:endParaRPr lang="en-GB"/>
           </a:p>
@@ -2297,7 +2297,7 @@
           <a:p>
             <a:fld id="{2E2C077B-C732-49E5-B20E-05DE29246531}" type="datetimeFigureOut">
               <a:rPr lang="en-GB" smtClean="0"/>
-              <a:t>18/02/2024</a:t>
+              <a:t>20/02/2024</a:t>
             </a:fld>
             <a:endParaRPr lang="en-GB"/>
           </a:p>
@@ -2415,7 +2415,7 @@
           <a:p>
             <a:fld id="{2E2C077B-C732-49E5-B20E-05DE29246531}" type="datetimeFigureOut">
               <a:rPr lang="en-GB" smtClean="0"/>
-              <a:t>18/02/2024</a:t>
+              <a:t>20/02/2024</a:t>
             </a:fld>
             <a:endParaRPr lang="en-GB"/>
           </a:p>
@@ -2510,7 +2510,7 @@
           <a:p>
             <a:fld id="{2E2C077B-C732-49E5-B20E-05DE29246531}" type="datetimeFigureOut">
               <a:rPr lang="en-GB" smtClean="0"/>
-              <a:t>18/02/2024</a:t>
+              <a:t>20/02/2024</a:t>
             </a:fld>
             <a:endParaRPr lang="en-GB"/>
           </a:p>
@@ -2787,7 +2787,7 @@
           <a:p>
             <a:fld id="{2E2C077B-C732-49E5-B20E-05DE29246531}" type="datetimeFigureOut">
               <a:rPr lang="en-GB" smtClean="0"/>
-              <a:t>18/02/2024</a:t>
+              <a:t>20/02/2024</a:t>
             </a:fld>
             <a:endParaRPr lang="en-GB"/>
           </a:p>
@@ -2975,7 +2975,7 @@
           <a:p>
             <a:fld id="{1041D2DD-F029-4FB0-BB12-3B6037A6356B}" type="datetimeFigureOut">
               <a:rPr lang="en-GB" smtClean="0"/>
-              <a:t>18/02/2024</a:t>
+              <a:t>20/02/2024</a:t>
             </a:fld>
             <a:endParaRPr lang="en-GB"/>
           </a:p>
@@ -3240,7 +3240,7 @@
           <a:p>
             <a:fld id="{2E2C077B-C732-49E5-B20E-05DE29246531}" type="datetimeFigureOut">
               <a:rPr lang="en-GB" smtClean="0"/>
-              <a:t>18/02/2024</a:t>
+              <a:t>20/02/2024</a:t>
             </a:fld>
             <a:endParaRPr lang="en-GB"/>
           </a:p>
@@ -3410,7 +3410,7 @@
           <a:p>
             <a:fld id="{2E2C077B-C732-49E5-B20E-05DE29246531}" type="datetimeFigureOut">
               <a:rPr lang="en-GB" smtClean="0"/>
-              <a:t>18/02/2024</a:t>
+              <a:t>20/02/2024</a:t>
             </a:fld>
             <a:endParaRPr lang="en-GB"/>
           </a:p>
@@ -3590,7 +3590,7 @@
           <a:p>
             <a:fld id="{2E2C077B-C732-49E5-B20E-05DE29246531}" type="datetimeFigureOut">
               <a:rPr lang="en-GB" smtClean="0"/>
-              <a:t>18/02/2024</a:t>
+              <a:t>20/02/2024</a:t>
             </a:fld>
             <a:endParaRPr lang="en-GB"/>
           </a:p>
@@ -3854,7 +3854,7 @@
           <a:p>
             <a:fld id="{1041D2DD-F029-4FB0-BB12-3B6037A6356B}" type="datetimeFigureOut">
               <a:rPr lang="en-GB" smtClean="0"/>
-              <a:t>18/02/2024</a:t>
+              <a:t>20/02/2024</a:t>
             </a:fld>
             <a:endParaRPr lang="en-GB"/>
           </a:p>
@@ -4122,7 +4122,7 @@
           <a:p>
             <a:fld id="{1041D2DD-F029-4FB0-BB12-3B6037A6356B}" type="datetimeFigureOut">
               <a:rPr lang="en-GB" smtClean="0"/>
-              <a:t>18/02/2024</a:t>
+              <a:t>20/02/2024</a:t>
             </a:fld>
             <a:endParaRPr lang="en-GB"/>
           </a:p>
@@ -4537,7 +4537,7 @@
           <a:p>
             <a:fld id="{1041D2DD-F029-4FB0-BB12-3B6037A6356B}" type="datetimeFigureOut">
               <a:rPr lang="en-GB" smtClean="0"/>
-              <a:t>18/02/2024</a:t>
+              <a:t>20/02/2024</a:t>
             </a:fld>
             <a:endParaRPr lang="en-GB"/>
           </a:p>
@@ -4679,7 +4679,7 @@
           <a:p>
             <a:fld id="{1041D2DD-F029-4FB0-BB12-3B6037A6356B}" type="datetimeFigureOut">
               <a:rPr lang="en-GB" smtClean="0"/>
-              <a:t>18/02/2024</a:t>
+              <a:t>20/02/2024</a:t>
             </a:fld>
             <a:endParaRPr lang="en-GB"/>
           </a:p>
@@ -4792,7 +4792,7 @@
           <a:p>
             <a:fld id="{1041D2DD-F029-4FB0-BB12-3B6037A6356B}" type="datetimeFigureOut">
               <a:rPr lang="en-GB" smtClean="0"/>
-              <a:t>18/02/2024</a:t>
+              <a:t>20/02/2024</a:t>
             </a:fld>
             <a:endParaRPr lang="en-GB"/>
           </a:p>
@@ -5105,7 +5105,7 @@
           <a:p>
             <a:fld id="{1041D2DD-F029-4FB0-BB12-3B6037A6356B}" type="datetimeFigureOut">
               <a:rPr lang="en-GB" smtClean="0"/>
-              <a:t>18/02/2024</a:t>
+              <a:t>20/02/2024</a:t>
             </a:fld>
             <a:endParaRPr lang="en-GB"/>
           </a:p>
@@ -5394,7 +5394,7 @@
           <a:p>
             <a:fld id="{1041D2DD-F029-4FB0-BB12-3B6037A6356B}" type="datetimeFigureOut">
               <a:rPr lang="en-GB" smtClean="0"/>
-              <a:t>18/02/2024</a:t>
+              <a:t>20/02/2024</a:t>
             </a:fld>
             <a:endParaRPr lang="en-GB"/>
           </a:p>
@@ -5637,7 +5637,7 @@
           <a:p>
             <a:fld id="{1041D2DD-F029-4FB0-BB12-3B6037A6356B}" type="datetimeFigureOut">
               <a:rPr lang="en-GB" smtClean="0"/>
-              <a:t>18/02/2024</a:t>
+              <a:t>20/02/2024</a:t>
             </a:fld>
             <a:endParaRPr lang="en-GB"/>
           </a:p>
@@ -6192,7 +6192,7 @@
           <a:p>
             <a:fld id="{2E2C077B-C732-49E5-B20E-05DE29246531}" type="datetimeFigureOut">
               <a:rPr lang="en-GB" smtClean="0"/>
-              <a:t>18/02/2024</a:t>
+              <a:t>20/02/2024</a:t>
             </a:fld>
             <a:endParaRPr lang="en-GB"/>
           </a:p>
@@ -8908,17 +8908,17 @@
                 <a:latin typeface="Circular Std Book" panose="020B0604020101020102" pitchFamily="34" charset="0"/>
                 <a:cs typeface="Circular Std Book" panose="020B0604020101020102" pitchFamily="34" charset="0"/>
               </a:rPr>
-              <a:t>Edit your “</a:t>
-            </a:r>
-            <a:r>
-              <a:rPr lang="en-GB" dirty="0" err="1">
+              <a:t>Edit your </a:t>
+            </a:r>
+            <a:r>
+              <a:rPr lang="en-GB" dirty="0">
                 <a:solidFill>
                   <a:srgbClr val="F4C245"/>
                 </a:solidFill>
                 <a:latin typeface="Circular Std Book" panose="020B0604020101020102" pitchFamily="34" charset="0"/>
                 <a:cs typeface="Circular Std Book" panose="020B0604020101020102" pitchFamily="34" charset="0"/>
               </a:rPr>
-              <a:t>index.css</a:t>
+              <a:t>CSS </a:t>
             </a:r>
             <a:r>
               <a:rPr lang="en-GB" dirty="0">
@@ -8928,7 +8928,7 @@
                 <a:latin typeface="Circular Std Book" panose="020B0604020101020102" pitchFamily="34" charset="0"/>
                 <a:cs typeface="Circular Std Book" panose="020B0604020101020102" pitchFamily="34" charset="0"/>
               </a:rPr>
-              <a:t>” file</a:t>
+              <a:t>file</a:t>
             </a:r>
           </a:p>
           <a:p>
@@ -9076,14 +9076,14 @@
               <a:t>Link “</a:t>
             </a:r>
             <a:r>
-              <a:rPr lang="en-GB" dirty="0" err="1">
+              <a:rPr lang="en-GB" dirty="0">
                 <a:solidFill>
                   <a:srgbClr val="F4C245"/>
                 </a:solidFill>
                 <a:latin typeface="Circular Std Book" panose="020B0604020101020102" pitchFamily="34" charset="0"/>
                 <a:cs typeface="Circular Std Book" panose="020B0604020101020102" pitchFamily="34" charset="0"/>
               </a:rPr>
-              <a:t>index.css</a:t>
+              <a:t>example1.css</a:t>
             </a:r>
             <a:r>
               <a:rPr lang="en-GB" dirty="0">
@@ -9093,7 +9093,7 @@
                 <a:latin typeface="Circular Std Book" panose="020B0604020101020102" pitchFamily="34" charset="0"/>
                 <a:cs typeface="Circular Std Book" panose="020B0604020101020102" pitchFamily="34" charset="0"/>
               </a:rPr>
-              <a:t>” to “</a:t>
+              <a:t>” (or others) to “</a:t>
             </a:r>
             <a:r>
               <a:rPr lang="en-GB" dirty="0" err="1">
@@ -9171,23 +9171,7 @@
                   <a:srgbClr val="36B7B4"/>
                 </a:solidFill>
               </a:rPr>
-              <a:t>="</a:t>
-            </a:r>
-            <a:r>
-              <a:rPr lang="en-GB" dirty="0" err="1">
-                <a:solidFill>
-                  <a:srgbClr val="36B7B4"/>
-                </a:solidFill>
-              </a:rPr>
-              <a:t>index.css</a:t>
-            </a:r>
-            <a:r>
-              <a:rPr lang="en-GB" dirty="0">
-                <a:solidFill>
-                  <a:srgbClr val="36B7B4"/>
-                </a:solidFill>
-              </a:rPr>
-              <a:t>"&gt; </a:t>
+              <a:t>=”example1.css"&gt; </a:t>
             </a:r>
             <a:r>
               <a:rPr lang="en-GB" dirty="0">
